--- a/Presentation2 Template.pptx
+++ b/Presentation2 Template.pptx
@@ -5,19 +5,22 @@
     <p:sldMasterId id="2147483660" r:id="rId1"/>
   </p:sldMasterIdLst>
   <p:notesMasterIdLst>
-    <p:notesMasterId r:id="rId12"/>
+    <p:notesMasterId r:id="rId15"/>
   </p:notesMasterIdLst>
   <p:sldIdLst>
     <p:sldId id="256" r:id="rId2"/>
     <p:sldId id="265" r:id="rId3"/>
-    <p:sldId id="257" r:id="rId4"/>
-    <p:sldId id="258" r:id="rId5"/>
-    <p:sldId id="259" r:id="rId6"/>
-    <p:sldId id="260" r:id="rId7"/>
-    <p:sldId id="261" r:id="rId8"/>
-    <p:sldId id="262" r:id="rId9"/>
-    <p:sldId id="263" r:id="rId10"/>
-    <p:sldId id="264" r:id="rId11"/>
+    <p:sldId id="266" r:id="rId4"/>
+    <p:sldId id="267" r:id="rId5"/>
+    <p:sldId id="268" r:id="rId6"/>
+    <p:sldId id="257" r:id="rId7"/>
+    <p:sldId id="258" r:id="rId8"/>
+    <p:sldId id="259" r:id="rId9"/>
+    <p:sldId id="260" r:id="rId10"/>
+    <p:sldId id="261" r:id="rId11"/>
+    <p:sldId id="262" r:id="rId12"/>
+    <p:sldId id="263" r:id="rId13"/>
+    <p:sldId id="264" r:id="rId14"/>
   </p:sldIdLst>
   <p:sldSz cx="9144000" cy="6858000" type="screen4x3"/>
   <p:notesSz cx="6858000" cy="9144000"/>
@@ -3520,6 +3523,839 @@
                 <a:latin typeface="微软雅黑" panose="020B0503020204020204" pitchFamily="34" charset="-122"/>
                 <a:ea typeface="微软雅黑" panose="020B0503020204020204" pitchFamily="34" charset="-122"/>
               </a:rPr>
+              <a:t>建立</a:t>
+            </a:r>
+            <a:r>
+              <a:rPr lang="zh-CN" altLang="en-US" b="1" dirty="0" smtClean="0">
+                <a:solidFill>
+                  <a:srgbClr val="0070C0"/>
+                </a:solidFill>
+                <a:latin typeface="微软雅黑" panose="020B0503020204020204" pitchFamily="34" charset="-122"/>
+                <a:ea typeface="微软雅黑" panose="020B0503020204020204" pitchFamily="34" charset="-122"/>
+              </a:rPr>
+              <a:t>索引</a:t>
+            </a:r>
+            <a:endParaRPr lang="en-US" b="1" dirty="0">
+              <a:solidFill>
+                <a:srgbClr val="0070C0"/>
+              </a:solidFill>
+              <a:latin typeface="微软雅黑" panose="020B0503020204020204" pitchFamily="34" charset="-122"/>
+              <a:ea typeface="微软雅黑" panose="020B0503020204020204" pitchFamily="34" charset="-122"/>
+            </a:endParaRPr>
+          </a:p>
+        </p:txBody>
+      </p:sp>
+      <p:sp>
+        <p:nvSpPr>
+          <p:cNvPr id="3" name="内容占位符 2"/>
+          <p:cNvSpPr>
+            <a:spLocks noGrp="1"/>
+          </p:cNvSpPr>
+          <p:nvPr>
+            <p:ph idx="1"/>
+          </p:nvPr>
+        </p:nvSpPr>
+        <p:spPr/>
+        <p:txBody>
+          <a:bodyPr/>
+          <a:lstStyle/>
+          <a:p>
+            <a:r>
+              <a:rPr lang="zh-CN" altLang="en-US" b="1" dirty="0" smtClean="0">
+                <a:solidFill>
+                  <a:schemeClr val="tx1">
+                    <a:lumMod val="65000"/>
+                    <a:lumOff val="35000"/>
+                  </a:schemeClr>
+                </a:solidFill>
+                <a:latin typeface="微软雅黑" panose="020B0503020204020204" pitchFamily="34" charset="-122"/>
+                <a:ea typeface="微软雅黑" panose="020B0503020204020204" pitchFamily="34" charset="-122"/>
+              </a:rPr>
+              <a:t>策略</a:t>
+            </a:r>
+            <a:endParaRPr lang="en-US" altLang="zh-CN" b="1" dirty="0" smtClean="0">
+              <a:solidFill>
+                <a:schemeClr val="tx1">
+                  <a:lumMod val="65000"/>
+                  <a:lumOff val="35000"/>
+                </a:schemeClr>
+              </a:solidFill>
+              <a:latin typeface="微软雅黑" panose="020B0503020204020204" pitchFamily="34" charset="-122"/>
+              <a:ea typeface="微软雅黑" panose="020B0503020204020204" pitchFamily="34" charset="-122"/>
+            </a:endParaRPr>
+          </a:p>
+          <a:p>
+            <a:pPr lvl="1"/>
+            <a:r>
+              <a:rPr lang="en-US" altLang="zh-CN" b="1" dirty="0" smtClean="0">
+                <a:solidFill>
+                  <a:schemeClr val="tx1">
+                    <a:lumMod val="65000"/>
+                    <a:lumOff val="35000"/>
+                  </a:schemeClr>
+                </a:solidFill>
+                <a:latin typeface="微软雅黑" panose="020B0503020204020204" pitchFamily="34" charset="-122"/>
+                <a:ea typeface="微软雅黑" panose="020B0503020204020204" pitchFamily="34" charset="-122"/>
+              </a:rPr>
+              <a:t>Primary Key</a:t>
+            </a:r>
+            <a:r>
+              <a:rPr lang="zh-CN" altLang="en-US" b="1" dirty="0" smtClean="0">
+                <a:solidFill>
+                  <a:schemeClr val="tx1">
+                    <a:lumMod val="65000"/>
+                    <a:lumOff val="35000"/>
+                  </a:schemeClr>
+                </a:solidFill>
+                <a:latin typeface="微软雅黑" panose="020B0503020204020204" pitchFamily="34" charset="-122"/>
+                <a:ea typeface="微软雅黑" panose="020B0503020204020204" pitchFamily="34" charset="-122"/>
+              </a:rPr>
+              <a:t>建立索引，</a:t>
+            </a:r>
+            <a:r>
+              <a:rPr lang="en-US" altLang="zh-CN" b="1" dirty="0" smtClean="0">
+                <a:solidFill>
+                  <a:schemeClr val="tx1">
+                    <a:lumMod val="65000"/>
+                    <a:lumOff val="35000"/>
+                  </a:schemeClr>
+                </a:solidFill>
+                <a:latin typeface="微软雅黑" panose="020B0503020204020204" pitchFamily="34" charset="-122"/>
+                <a:ea typeface="微软雅黑" panose="020B0503020204020204" pitchFamily="34" charset="-122"/>
+              </a:rPr>
+              <a:t>Unique Key</a:t>
+            </a:r>
+            <a:r>
+              <a:rPr lang="zh-CN" altLang="en-US" b="1" dirty="0" smtClean="0">
+                <a:solidFill>
+                  <a:schemeClr val="tx1">
+                    <a:lumMod val="65000"/>
+                    <a:lumOff val="35000"/>
+                  </a:schemeClr>
+                </a:solidFill>
+                <a:latin typeface="微软雅黑" panose="020B0503020204020204" pitchFamily="34" charset="-122"/>
+                <a:ea typeface="微软雅黑" panose="020B0503020204020204" pitchFamily="34" charset="-122"/>
+              </a:rPr>
+              <a:t>有选择地建立索引。</a:t>
+            </a:r>
+            <a:endParaRPr lang="en-US" altLang="zh-CN" b="1" dirty="0" smtClean="0">
+              <a:solidFill>
+                <a:schemeClr val="tx1">
+                  <a:lumMod val="65000"/>
+                  <a:lumOff val="35000"/>
+                </a:schemeClr>
+              </a:solidFill>
+              <a:latin typeface="微软雅黑" panose="020B0503020204020204" pitchFamily="34" charset="-122"/>
+              <a:ea typeface="微软雅黑" panose="020B0503020204020204" pitchFamily="34" charset="-122"/>
+            </a:endParaRPr>
+          </a:p>
+          <a:p>
+            <a:pPr lvl="1"/>
+            <a:r>
+              <a:rPr lang="zh-CN" altLang="en-US" b="1" dirty="0" smtClean="0">
+                <a:solidFill>
+                  <a:schemeClr val="tx1">
+                    <a:lumMod val="65000"/>
+                    <a:lumOff val="35000"/>
+                  </a:schemeClr>
+                </a:solidFill>
+                <a:latin typeface="微软雅黑" panose="020B0503020204020204" pitchFamily="34" charset="-122"/>
+                <a:ea typeface="微软雅黑" panose="020B0503020204020204" pitchFamily="34" charset="-122"/>
+              </a:rPr>
+              <a:t>常用业务查询中，</a:t>
+            </a:r>
+            <a:r>
+              <a:rPr lang="en-US" altLang="zh-CN" b="1" dirty="0" smtClean="0">
+                <a:solidFill>
+                  <a:schemeClr val="tx1">
+                    <a:lumMod val="65000"/>
+                    <a:lumOff val="35000"/>
+                  </a:schemeClr>
+                </a:solidFill>
+                <a:latin typeface="微软雅黑" panose="020B0503020204020204" pitchFamily="34" charset="-122"/>
+                <a:ea typeface="微软雅黑" panose="020B0503020204020204" pitchFamily="34" charset="-122"/>
+              </a:rPr>
+              <a:t>where</a:t>
+            </a:r>
+            <a:r>
+              <a:rPr lang="zh-CN" altLang="en-US" b="1" dirty="0" smtClean="0">
+                <a:solidFill>
+                  <a:schemeClr val="tx1">
+                    <a:lumMod val="65000"/>
+                    <a:lumOff val="35000"/>
+                  </a:schemeClr>
+                </a:solidFill>
+                <a:latin typeface="微软雅黑" panose="020B0503020204020204" pitchFamily="34" charset="-122"/>
+                <a:ea typeface="微软雅黑" panose="020B0503020204020204" pitchFamily="34" charset="-122"/>
+              </a:rPr>
+              <a:t>以及</a:t>
+            </a:r>
+            <a:r>
+              <a:rPr lang="en-US" altLang="zh-CN" b="1" dirty="0" smtClean="0">
+                <a:solidFill>
+                  <a:schemeClr val="tx1">
+                    <a:lumMod val="65000"/>
+                    <a:lumOff val="35000"/>
+                  </a:schemeClr>
+                </a:solidFill>
+                <a:latin typeface="微软雅黑" panose="020B0503020204020204" pitchFamily="34" charset="-122"/>
+                <a:ea typeface="微软雅黑" panose="020B0503020204020204" pitchFamily="34" charset="-122"/>
+              </a:rPr>
+              <a:t>order by</a:t>
+            </a:r>
+            <a:r>
+              <a:rPr lang="zh-CN" altLang="en-US" b="1" dirty="0" smtClean="0">
+                <a:solidFill>
+                  <a:schemeClr val="tx1">
+                    <a:lumMod val="65000"/>
+                    <a:lumOff val="35000"/>
+                  </a:schemeClr>
+                </a:solidFill>
+                <a:latin typeface="微软雅黑" panose="020B0503020204020204" pitchFamily="34" charset="-122"/>
+                <a:ea typeface="微软雅黑" panose="020B0503020204020204" pitchFamily="34" charset="-122"/>
+              </a:rPr>
+              <a:t>中的属性建立索引。</a:t>
+            </a:r>
+            <a:endParaRPr lang="en-US" altLang="zh-CN" b="1" dirty="0" smtClean="0">
+              <a:solidFill>
+                <a:schemeClr val="tx1">
+                  <a:lumMod val="65000"/>
+                  <a:lumOff val="35000"/>
+                </a:schemeClr>
+              </a:solidFill>
+              <a:latin typeface="微软雅黑" panose="020B0503020204020204" pitchFamily="34" charset="-122"/>
+              <a:ea typeface="微软雅黑" panose="020B0503020204020204" pitchFamily="34" charset="-122"/>
+            </a:endParaRPr>
+          </a:p>
+          <a:p>
+            <a:pPr lvl="1"/>
+            <a:r>
+              <a:rPr lang="zh-CN" altLang="en-US" b="1" dirty="0" smtClean="0">
+                <a:solidFill>
+                  <a:schemeClr val="tx1">
+                    <a:lumMod val="65000"/>
+                    <a:lumOff val="35000"/>
+                  </a:schemeClr>
+                </a:solidFill>
+                <a:latin typeface="微软雅黑" panose="020B0503020204020204" pitchFamily="34" charset="-122"/>
+                <a:ea typeface="微软雅黑" panose="020B0503020204020204" pitchFamily="34" charset="-122"/>
+              </a:rPr>
+              <a:t>关注多码索引。</a:t>
+            </a:r>
+            <a:endParaRPr lang="en-US" altLang="zh-CN" b="1" dirty="0">
+              <a:solidFill>
+                <a:schemeClr val="tx1">
+                  <a:lumMod val="65000"/>
+                  <a:lumOff val="35000"/>
+                </a:schemeClr>
+              </a:solidFill>
+              <a:latin typeface="微软雅黑" panose="020B0503020204020204" pitchFamily="34" charset="-122"/>
+              <a:ea typeface="微软雅黑" panose="020B0503020204020204" pitchFamily="34" charset="-122"/>
+            </a:endParaRPr>
+          </a:p>
+        </p:txBody>
+      </p:sp>
+    </p:spTree>
+    <p:extLst>
+      <p:ext uri="{BB962C8B-B14F-4D97-AF65-F5344CB8AC3E}">
+        <p14:creationId xmlns:p14="http://schemas.microsoft.com/office/powerpoint/2010/main" val="2779407675"/>
+      </p:ext>
+    </p:extLst>
+  </p:cSld>
+  <p:clrMapOvr>
+    <a:masterClrMapping/>
+  </p:clrMapOvr>
+  <p:timing>
+    <p:tnLst>
+      <p:par>
+        <p:cTn id="1" dur="indefinite" restart="never" nodeType="tmRoot"/>
+      </p:par>
+    </p:tnLst>
+  </p:timing>
+</p:sld>
+</file>
+
+<file path=ppt/slides/slide11.xml><?xml version="1.0" encoding="utf-8"?>
+<p:sld xmlns:a="http://schemas.openxmlformats.org/drawingml/2006/main" xmlns:r="http://schemas.openxmlformats.org/officeDocument/2006/relationships" xmlns:p="http://schemas.openxmlformats.org/presentationml/2006/main">
+  <p:cSld>
+    <p:spTree>
+      <p:nvGrpSpPr>
+        <p:cNvPr id="1" name=""/>
+        <p:cNvGrpSpPr/>
+        <p:nvPr/>
+      </p:nvGrpSpPr>
+      <p:grpSpPr>
+        <a:xfrm>
+          <a:off x="0" y="0"/>
+          <a:ext cx="0" cy="0"/>
+          <a:chOff x="0" y="0"/>
+          <a:chExt cx="0" cy="0"/>
+        </a:xfrm>
+      </p:grpSpPr>
+      <p:sp>
+        <p:nvSpPr>
+          <p:cNvPr id="2" name="标题 1"/>
+          <p:cNvSpPr>
+            <a:spLocks noGrp="1"/>
+          </p:cNvSpPr>
+          <p:nvPr>
+            <p:ph type="title"/>
+          </p:nvPr>
+        </p:nvSpPr>
+        <p:spPr/>
+        <p:txBody>
+          <a:bodyPr/>
+          <a:lstStyle/>
+          <a:p>
+            <a:r>
+              <a:rPr lang="zh-CN" altLang="en-US" b="1" dirty="0">
+                <a:solidFill>
+                  <a:srgbClr val="0070C0"/>
+                </a:solidFill>
+                <a:latin typeface="微软雅黑" panose="020B0503020204020204" pitchFamily="34" charset="-122"/>
+                <a:ea typeface="微软雅黑" panose="020B0503020204020204" pitchFamily="34" charset="-122"/>
+              </a:rPr>
+              <a:t>建立</a:t>
+            </a:r>
+            <a:r>
+              <a:rPr lang="zh-CN" altLang="en-US" b="1" dirty="0" smtClean="0">
+                <a:solidFill>
+                  <a:srgbClr val="0070C0"/>
+                </a:solidFill>
+                <a:latin typeface="微软雅黑" panose="020B0503020204020204" pitchFamily="34" charset="-122"/>
+                <a:ea typeface="微软雅黑" panose="020B0503020204020204" pitchFamily="34" charset="-122"/>
+              </a:rPr>
+              <a:t>索引</a:t>
+            </a:r>
+            <a:endParaRPr lang="en-US" b="1" dirty="0">
+              <a:solidFill>
+                <a:srgbClr val="0070C0"/>
+              </a:solidFill>
+              <a:latin typeface="微软雅黑" panose="020B0503020204020204" pitchFamily="34" charset="-122"/>
+              <a:ea typeface="微软雅黑" panose="020B0503020204020204" pitchFamily="34" charset="-122"/>
+            </a:endParaRPr>
+          </a:p>
+        </p:txBody>
+      </p:sp>
+      <p:sp>
+        <p:nvSpPr>
+          <p:cNvPr id="3" name="内容占位符 2"/>
+          <p:cNvSpPr>
+            <a:spLocks noGrp="1"/>
+          </p:cNvSpPr>
+          <p:nvPr>
+            <p:ph idx="1"/>
+          </p:nvPr>
+        </p:nvSpPr>
+        <p:spPr/>
+        <p:txBody>
+          <a:bodyPr/>
+          <a:lstStyle/>
+          <a:p>
+            <a:r>
+              <a:rPr lang="zh-CN" altLang="en-US" b="1" dirty="0">
+                <a:solidFill>
+                  <a:schemeClr val="tx1">
+                    <a:lumMod val="65000"/>
+                    <a:lumOff val="35000"/>
+                  </a:schemeClr>
+                </a:solidFill>
+                <a:latin typeface="微软雅黑" panose="020B0503020204020204" pitchFamily="34" charset="-122"/>
+                <a:ea typeface="微软雅黑" panose="020B0503020204020204" pitchFamily="34" charset="-122"/>
+              </a:rPr>
+              <a:t>样例讲解</a:t>
+            </a:r>
+            <a:endParaRPr lang="en-US" altLang="zh-CN" b="1" dirty="0">
+              <a:solidFill>
+                <a:schemeClr val="tx1">
+                  <a:lumMod val="65000"/>
+                  <a:lumOff val="35000"/>
+                </a:schemeClr>
+              </a:solidFill>
+              <a:latin typeface="微软雅黑" panose="020B0503020204020204" pitchFamily="34" charset="-122"/>
+              <a:ea typeface="微软雅黑" panose="020B0503020204020204" pitchFamily="34" charset="-122"/>
+            </a:endParaRPr>
+          </a:p>
+          <a:p>
+            <a:pPr lvl="1"/>
+            <a:r>
+              <a:rPr lang="zh-CN" altLang="en-US" b="1" dirty="0">
+                <a:solidFill>
+                  <a:schemeClr val="tx1">
+                    <a:lumMod val="65000"/>
+                    <a:lumOff val="35000"/>
+                  </a:schemeClr>
+                </a:solidFill>
+                <a:latin typeface="微软雅黑" panose="020B0503020204020204" pitchFamily="34" charset="-122"/>
+                <a:ea typeface="微软雅黑" panose="020B0503020204020204" pitchFamily="34" charset="-122"/>
+              </a:rPr>
+              <a:t>登陆</a:t>
+            </a:r>
+            <a:r>
+              <a:rPr lang="zh-CN" altLang="en-US" b="1" dirty="0" smtClean="0">
+                <a:solidFill>
+                  <a:schemeClr val="tx1">
+                    <a:lumMod val="65000"/>
+                    <a:lumOff val="35000"/>
+                  </a:schemeClr>
+                </a:solidFill>
+                <a:latin typeface="微软雅黑" panose="020B0503020204020204" pitchFamily="34" charset="-122"/>
+                <a:ea typeface="微软雅黑" panose="020B0503020204020204" pitchFamily="34" charset="-122"/>
+              </a:rPr>
+              <a:t>操作</a:t>
+            </a:r>
+            <a:endParaRPr lang="en-US" altLang="zh-CN" b="1" dirty="0" smtClean="0">
+              <a:solidFill>
+                <a:schemeClr val="tx1">
+                  <a:lumMod val="65000"/>
+                  <a:lumOff val="35000"/>
+                </a:schemeClr>
+              </a:solidFill>
+              <a:latin typeface="微软雅黑" panose="020B0503020204020204" pitchFamily="34" charset="-122"/>
+              <a:ea typeface="微软雅黑" panose="020B0503020204020204" pitchFamily="34" charset="-122"/>
+            </a:endParaRPr>
+          </a:p>
+          <a:p>
+            <a:pPr lvl="2"/>
+            <a:r>
+              <a:rPr lang="en-US" altLang="zh-CN" b="1" dirty="0" err="1" smtClean="0">
+                <a:solidFill>
+                  <a:schemeClr val="tx1">
+                    <a:lumMod val="65000"/>
+                    <a:lumOff val="35000"/>
+                  </a:schemeClr>
+                </a:solidFill>
+                <a:latin typeface="微软雅黑" panose="020B0503020204020204" pitchFamily="34" charset="-122"/>
+                <a:ea typeface="微软雅黑" panose="020B0503020204020204" pitchFamily="34" charset="-122"/>
+              </a:rPr>
+              <a:t>JAcount</a:t>
+            </a:r>
+            <a:r>
+              <a:rPr lang="zh-CN" altLang="en-US" b="1" dirty="0" smtClean="0">
+                <a:solidFill>
+                  <a:schemeClr val="tx1">
+                    <a:lumMod val="65000"/>
+                    <a:lumOff val="35000"/>
+                  </a:schemeClr>
+                </a:solidFill>
+                <a:latin typeface="微软雅黑" panose="020B0503020204020204" pitchFamily="34" charset="-122"/>
+                <a:ea typeface="微软雅黑" panose="020B0503020204020204" pitchFamily="34" charset="-122"/>
+              </a:rPr>
+              <a:t>用户登录</a:t>
+            </a:r>
+            <a:endParaRPr lang="en-US" altLang="zh-CN" b="1" dirty="0" smtClean="0">
+              <a:solidFill>
+                <a:schemeClr val="tx1">
+                  <a:lumMod val="65000"/>
+                  <a:lumOff val="35000"/>
+                </a:schemeClr>
+              </a:solidFill>
+              <a:latin typeface="微软雅黑" panose="020B0503020204020204" pitchFamily="34" charset="-122"/>
+              <a:ea typeface="微软雅黑" panose="020B0503020204020204" pitchFamily="34" charset="-122"/>
+            </a:endParaRPr>
+          </a:p>
+          <a:p>
+            <a:pPr lvl="2"/>
+            <a:r>
+              <a:rPr lang="zh-CN" altLang="en-US" b="1" dirty="0" smtClean="0">
+                <a:solidFill>
+                  <a:schemeClr val="tx1">
+                    <a:lumMod val="65000"/>
+                    <a:lumOff val="35000"/>
+                  </a:schemeClr>
+                </a:solidFill>
+                <a:latin typeface="微软雅黑" panose="020B0503020204020204" pitchFamily="34" charset="-122"/>
+                <a:ea typeface="微软雅黑" panose="020B0503020204020204" pitchFamily="34" charset="-122"/>
+              </a:rPr>
+              <a:t>普通用户登陆</a:t>
+            </a:r>
+            <a:endParaRPr lang="en-US" altLang="zh-CN" b="1" dirty="0" smtClean="0">
+              <a:solidFill>
+                <a:schemeClr val="tx1">
+                  <a:lumMod val="65000"/>
+                  <a:lumOff val="35000"/>
+                </a:schemeClr>
+              </a:solidFill>
+              <a:latin typeface="微软雅黑" panose="020B0503020204020204" pitchFamily="34" charset="-122"/>
+              <a:ea typeface="微软雅黑" panose="020B0503020204020204" pitchFamily="34" charset="-122"/>
+            </a:endParaRPr>
+          </a:p>
+          <a:p>
+            <a:pPr lvl="1"/>
+            <a:r>
+              <a:rPr lang="en-US" altLang="zh-CN" b="1" dirty="0" smtClean="0">
+                <a:solidFill>
+                  <a:schemeClr val="tx1">
+                    <a:lumMod val="65000"/>
+                    <a:lumOff val="35000"/>
+                  </a:schemeClr>
+                </a:solidFill>
+                <a:latin typeface="微软雅黑" panose="020B0503020204020204" pitchFamily="34" charset="-122"/>
+                <a:ea typeface="微软雅黑" panose="020B0503020204020204" pitchFamily="34" charset="-122"/>
+              </a:rPr>
+              <a:t>Select user</a:t>
+            </a:r>
+          </a:p>
+          <a:p>
+            <a:pPr lvl="1"/>
+            <a:endParaRPr lang="en-US" altLang="zh-CN" b="1" dirty="0">
+              <a:solidFill>
+                <a:schemeClr val="tx1">
+                  <a:lumMod val="65000"/>
+                  <a:lumOff val="35000"/>
+                </a:schemeClr>
+              </a:solidFill>
+              <a:latin typeface="微软雅黑" panose="020B0503020204020204" pitchFamily="34" charset="-122"/>
+              <a:ea typeface="微软雅黑" panose="020B0503020204020204" pitchFamily="34" charset="-122"/>
+            </a:endParaRPr>
+          </a:p>
+          <a:p>
+            <a:endParaRPr lang="en-US" altLang="zh-CN" b="1" dirty="0">
+              <a:solidFill>
+                <a:schemeClr val="tx1">
+                  <a:lumMod val="65000"/>
+                  <a:lumOff val="35000"/>
+                </a:schemeClr>
+              </a:solidFill>
+              <a:latin typeface="微软雅黑" panose="020B0503020204020204" pitchFamily="34" charset="-122"/>
+              <a:ea typeface="微软雅黑" panose="020B0503020204020204" pitchFamily="34" charset="-122"/>
+            </a:endParaRPr>
+          </a:p>
+        </p:txBody>
+      </p:sp>
+    </p:spTree>
+    <p:extLst>
+      <p:ext uri="{BB962C8B-B14F-4D97-AF65-F5344CB8AC3E}">
+        <p14:creationId xmlns:p14="http://schemas.microsoft.com/office/powerpoint/2010/main" val="1999305837"/>
+      </p:ext>
+    </p:extLst>
+  </p:cSld>
+  <p:clrMapOvr>
+    <a:masterClrMapping/>
+  </p:clrMapOvr>
+  <p:timing>
+    <p:tnLst>
+      <p:par>
+        <p:cTn id="1" dur="indefinite" restart="never" nodeType="tmRoot"/>
+      </p:par>
+    </p:tnLst>
+  </p:timing>
+</p:sld>
+</file>
+
+<file path=ppt/slides/slide12.xml><?xml version="1.0" encoding="utf-8"?>
+<p:sld xmlns:a="http://schemas.openxmlformats.org/drawingml/2006/main" xmlns:r="http://schemas.openxmlformats.org/officeDocument/2006/relationships" xmlns:p="http://schemas.openxmlformats.org/presentationml/2006/main">
+  <p:cSld>
+    <p:spTree>
+      <p:nvGrpSpPr>
+        <p:cNvPr id="1" name=""/>
+        <p:cNvGrpSpPr/>
+        <p:nvPr/>
+      </p:nvGrpSpPr>
+      <p:grpSpPr>
+        <a:xfrm>
+          <a:off x="0" y="0"/>
+          <a:ext cx="0" cy="0"/>
+          <a:chOff x="0" y="0"/>
+          <a:chExt cx="0" cy="0"/>
+        </a:xfrm>
+      </p:grpSpPr>
+      <p:sp>
+        <p:nvSpPr>
+          <p:cNvPr id="2" name="标题 1"/>
+          <p:cNvSpPr>
+            <a:spLocks noGrp="1"/>
+          </p:cNvSpPr>
+          <p:nvPr>
+            <p:ph type="title"/>
+          </p:nvPr>
+        </p:nvSpPr>
+        <p:spPr/>
+        <p:txBody>
+          <a:bodyPr/>
+          <a:lstStyle/>
+          <a:p>
+            <a:r>
+              <a:rPr lang="zh-CN" altLang="en-US" b="1" dirty="0">
+                <a:solidFill>
+                  <a:srgbClr val="0070C0"/>
+                </a:solidFill>
+                <a:latin typeface="微软雅黑" panose="020B0503020204020204" pitchFamily="34" charset="-122"/>
+                <a:ea typeface="微软雅黑" panose="020B0503020204020204" pitchFamily="34" charset="-122"/>
+              </a:rPr>
+              <a:t>查询方案及查询代价</a:t>
+            </a:r>
+            <a:r>
+              <a:rPr lang="zh-CN" altLang="en-US" b="1" dirty="0" smtClean="0">
+                <a:solidFill>
+                  <a:srgbClr val="0070C0"/>
+                </a:solidFill>
+                <a:latin typeface="微软雅黑" panose="020B0503020204020204" pitchFamily="34" charset="-122"/>
+                <a:ea typeface="微软雅黑" panose="020B0503020204020204" pitchFamily="34" charset="-122"/>
+              </a:rPr>
+              <a:t>分析</a:t>
+            </a:r>
+            <a:endParaRPr lang="en-US" b="1" dirty="0">
+              <a:solidFill>
+                <a:srgbClr val="0070C0"/>
+              </a:solidFill>
+              <a:latin typeface="微软雅黑" panose="020B0503020204020204" pitchFamily="34" charset="-122"/>
+              <a:ea typeface="微软雅黑" panose="020B0503020204020204" pitchFamily="34" charset="-122"/>
+            </a:endParaRPr>
+          </a:p>
+        </p:txBody>
+      </p:sp>
+      <p:sp>
+        <p:nvSpPr>
+          <p:cNvPr id="3" name="内容占位符 2"/>
+          <p:cNvSpPr>
+            <a:spLocks noGrp="1"/>
+          </p:cNvSpPr>
+          <p:nvPr>
+            <p:ph idx="1"/>
+          </p:nvPr>
+        </p:nvSpPr>
+        <p:spPr/>
+        <p:txBody>
+          <a:bodyPr/>
+          <a:lstStyle/>
+          <a:p>
+            <a:r>
+              <a:rPr lang="zh-CN" altLang="en-US" b="1" dirty="0" smtClean="0">
+                <a:solidFill>
+                  <a:schemeClr val="tx1">
+                    <a:lumMod val="65000"/>
+                    <a:lumOff val="35000"/>
+                  </a:schemeClr>
+                </a:solidFill>
+                <a:latin typeface="微软雅黑" panose="020B0503020204020204" pitchFamily="34" charset="-122"/>
+                <a:ea typeface="微软雅黑" panose="020B0503020204020204" pitchFamily="34" charset="-122"/>
+              </a:rPr>
+              <a:t>大部分业务都是插入以及更新操作，剩下的查询业务绝大多数都是利用主索引码等值比较。</a:t>
+            </a:r>
+            <a:endParaRPr lang="en-US" altLang="zh-CN" b="1" dirty="0" smtClean="0">
+              <a:solidFill>
+                <a:schemeClr val="tx1">
+                  <a:lumMod val="65000"/>
+                  <a:lumOff val="35000"/>
+                </a:schemeClr>
+              </a:solidFill>
+              <a:latin typeface="微软雅黑" panose="020B0503020204020204" pitchFamily="34" charset="-122"/>
+              <a:ea typeface="微软雅黑" panose="020B0503020204020204" pitchFamily="34" charset="-122"/>
+            </a:endParaRPr>
+          </a:p>
+          <a:p>
+            <a:pPr lvl="1"/>
+            <a:r>
+              <a:rPr lang="zh-CN" altLang="en-US" b="1" dirty="0" smtClean="0">
+                <a:solidFill>
+                  <a:schemeClr val="tx1">
+                    <a:lumMod val="65000"/>
+                    <a:lumOff val="35000"/>
+                  </a:schemeClr>
+                </a:solidFill>
+                <a:latin typeface="微软雅黑" panose="020B0503020204020204" pitchFamily="34" charset="-122"/>
+                <a:ea typeface="微软雅黑" panose="020B0503020204020204" pitchFamily="34" charset="-122"/>
+              </a:rPr>
+              <a:t>所以开销为：</a:t>
+            </a:r>
+            <a:endParaRPr lang="en-US" altLang="zh-CN" b="1" dirty="0" smtClean="0">
+              <a:solidFill>
+                <a:schemeClr val="tx1">
+                  <a:lumMod val="65000"/>
+                  <a:lumOff val="35000"/>
+                </a:schemeClr>
+              </a:solidFill>
+              <a:latin typeface="微软雅黑" panose="020B0503020204020204" pitchFamily="34" charset="-122"/>
+              <a:ea typeface="微软雅黑" panose="020B0503020204020204" pitchFamily="34" charset="-122"/>
+            </a:endParaRPr>
+          </a:p>
+          <a:p>
+            <a:endParaRPr lang="en-US" altLang="zh-CN" b="1" dirty="0" smtClean="0">
+              <a:solidFill>
+                <a:schemeClr val="tx1">
+                  <a:lumMod val="65000"/>
+                  <a:lumOff val="35000"/>
+                </a:schemeClr>
+              </a:solidFill>
+              <a:latin typeface="微软雅黑" panose="020B0503020204020204" pitchFamily="34" charset="-122"/>
+              <a:ea typeface="微软雅黑" panose="020B0503020204020204" pitchFamily="34" charset="-122"/>
+            </a:endParaRPr>
+          </a:p>
+          <a:p>
+            <a:r>
+              <a:rPr lang="zh-CN" altLang="en-US" b="1" dirty="0" smtClean="0">
+                <a:solidFill>
+                  <a:schemeClr val="tx1">
+                    <a:lumMod val="65000"/>
+                    <a:lumOff val="35000"/>
+                  </a:schemeClr>
+                </a:solidFill>
+                <a:latin typeface="微软雅黑" panose="020B0503020204020204" pitchFamily="34" charset="-122"/>
+                <a:ea typeface="微软雅黑" panose="020B0503020204020204" pitchFamily="34" charset="-122"/>
+              </a:rPr>
+              <a:t>剩下的主要查询操作有， 登陆、查询可选课程。</a:t>
+            </a:r>
+            <a:endParaRPr lang="en-US" altLang="zh-CN" b="1" dirty="0" smtClean="0">
+              <a:solidFill>
+                <a:schemeClr val="tx1">
+                  <a:lumMod val="65000"/>
+                  <a:lumOff val="35000"/>
+                </a:schemeClr>
+              </a:solidFill>
+              <a:latin typeface="微软雅黑" panose="020B0503020204020204" pitchFamily="34" charset="-122"/>
+              <a:ea typeface="微软雅黑" panose="020B0503020204020204" pitchFamily="34" charset="-122"/>
+            </a:endParaRPr>
+          </a:p>
+          <a:p>
+            <a:endParaRPr lang="en-US" altLang="zh-CN" b="1" dirty="0">
+              <a:solidFill>
+                <a:schemeClr val="tx1">
+                  <a:lumMod val="65000"/>
+                  <a:lumOff val="35000"/>
+                </a:schemeClr>
+              </a:solidFill>
+              <a:latin typeface="微软雅黑" panose="020B0503020204020204" pitchFamily="34" charset="-122"/>
+              <a:ea typeface="微软雅黑" panose="020B0503020204020204" pitchFamily="34" charset="-122"/>
+            </a:endParaRPr>
+          </a:p>
+          <a:p>
+            <a:r>
+              <a:rPr lang="zh-CN" altLang="en-US" b="1" dirty="0" smtClean="0">
+                <a:solidFill>
+                  <a:schemeClr val="tx1">
+                    <a:lumMod val="65000"/>
+                    <a:lumOff val="35000"/>
+                  </a:schemeClr>
+                </a:solidFill>
+                <a:latin typeface="微软雅黑" panose="020B0503020204020204" pitchFamily="34" charset="-122"/>
+                <a:ea typeface="微软雅黑" panose="020B0503020204020204" pitchFamily="34" charset="-122"/>
+              </a:rPr>
+              <a:t>如果要考虑各种数据统计功能的话。。。业务要求里面没有提到。</a:t>
+            </a:r>
+            <a:r>
+              <a:rPr lang="en-US" altLang="zh-CN" b="1" dirty="0" smtClean="0">
+                <a:solidFill>
+                  <a:schemeClr val="tx1">
+                    <a:lumMod val="65000"/>
+                    <a:lumOff val="35000"/>
+                  </a:schemeClr>
+                </a:solidFill>
+                <a:latin typeface="微软雅黑" panose="020B0503020204020204" pitchFamily="34" charset="-122"/>
+                <a:ea typeface="微软雅黑" panose="020B0503020204020204" pitchFamily="34" charset="-122"/>
+              </a:rPr>
+              <a:t>//TODO </a:t>
+            </a:r>
+            <a:endParaRPr lang="en-US" altLang="zh-CN" b="1" dirty="0">
+              <a:solidFill>
+                <a:schemeClr val="tx1">
+                  <a:lumMod val="65000"/>
+                  <a:lumOff val="35000"/>
+                </a:schemeClr>
+              </a:solidFill>
+              <a:latin typeface="微软雅黑" panose="020B0503020204020204" pitchFamily="34" charset="-122"/>
+              <a:ea typeface="微软雅黑" panose="020B0503020204020204" pitchFamily="34" charset="-122"/>
+            </a:endParaRPr>
+          </a:p>
+          <a:p>
+            <a:endParaRPr lang="en-US" altLang="zh-CN" b="1" dirty="0" smtClean="0">
+              <a:solidFill>
+                <a:schemeClr val="tx1">
+                  <a:lumMod val="65000"/>
+                  <a:lumOff val="35000"/>
+                </a:schemeClr>
+              </a:solidFill>
+              <a:latin typeface="微软雅黑" panose="020B0503020204020204" pitchFamily="34" charset="-122"/>
+              <a:ea typeface="微软雅黑" panose="020B0503020204020204" pitchFamily="34" charset="-122"/>
+            </a:endParaRPr>
+          </a:p>
+          <a:p>
+            <a:pPr lvl="1"/>
+            <a:endParaRPr lang="en-US" altLang="zh-CN" b="1" dirty="0">
+              <a:solidFill>
+                <a:schemeClr val="tx1">
+                  <a:lumMod val="65000"/>
+                  <a:lumOff val="35000"/>
+                </a:schemeClr>
+              </a:solidFill>
+              <a:latin typeface="微软雅黑" panose="020B0503020204020204" pitchFamily="34" charset="-122"/>
+              <a:ea typeface="微软雅黑" panose="020B0503020204020204" pitchFamily="34" charset="-122"/>
+            </a:endParaRPr>
+          </a:p>
+          <a:p>
+            <a:endParaRPr lang="en-US" altLang="zh-CN" b="1" dirty="0">
+              <a:solidFill>
+                <a:schemeClr val="tx1">
+                  <a:lumMod val="65000"/>
+                  <a:lumOff val="35000"/>
+                </a:schemeClr>
+              </a:solidFill>
+              <a:latin typeface="微软雅黑" panose="020B0503020204020204" pitchFamily="34" charset="-122"/>
+              <a:ea typeface="微软雅黑" panose="020B0503020204020204" pitchFamily="34" charset="-122"/>
+            </a:endParaRPr>
+          </a:p>
+        </p:txBody>
+      </p:sp>
+    </p:spTree>
+    <p:extLst>
+      <p:ext uri="{BB962C8B-B14F-4D97-AF65-F5344CB8AC3E}">
+        <p14:creationId xmlns:p14="http://schemas.microsoft.com/office/powerpoint/2010/main" val="424274998"/>
+      </p:ext>
+    </p:extLst>
+  </p:cSld>
+  <p:clrMapOvr>
+    <a:masterClrMapping/>
+  </p:clrMapOvr>
+  <p:timing>
+    <p:tnLst>
+      <p:par>
+        <p:cTn id="1" dur="indefinite" restart="never" nodeType="tmRoot"/>
+      </p:par>
+    </p:tnLst>
+  </p:timing>
+</p:sld>
+</file>
+
+<file path=ppt/slides/slide13.xml><?xml version="1.0" encoding="utf-8"?>
+<p:sld xmlns:a="http://schemas.openxmlformats.org/drawingml/2006/main" xmlns:r="http://schemas.openxmlformats.org/officeDocument/2006/relationships" xmlns:p="http://schemas.openxmlformats.org/presentationml/2006/main">
+  <p:cSld>
+    <p:spTree>
+      <p:nvGrpSpPr>
+        <p:cNvPr id="1" name=""/>
+        <p:cNvGrpSpPr/>
+        <p:nvPr/>
+      </p:nvGrpSpPr>
+      <p:grpSpPr>
+        <a:xfrm>
+          <a:off x="0" y="0"/>
+          <a:ext cx="0" cy="0"/>
+          <a:chOff x="0" y="0"/>
+          <a:chExt cx="0" cy="0"/>
+        </a:xfrm>
+      </p:grpSpPr>
+      <p:sp>
+        <p:nvSpPr>
+          <p:cNvPr id="2" name="标题 1"/>
+          <p:cNvSpPr>
+            <a:spLocks noGrp="1"/>
+          </p:cNvSpPr>
+          <p:nvPr>
+            <p:ph type="title"/>
+          </p:nvPr>
+        </p:nvSpPr>
+        <p:spPr/>
+        <p:txBody>
+          <a:bodyPr/>
+          <a:lstStyle/>
+          <a:p>
+            <a:r>
+              <a:rPr lang="zh-CN" altLang="en-US" b="1" dirty="0">
+                <a:solidFill>
+                  <a:srgbClr val="0070C0"/>
+                </a:solidFill>
+                <a:latin typeface="微软雅黑" panose="020B0503020204020204" pitchFamily="34" charset="-122"/>
+                <a:ea typeface="微软雅黑" panose="020B0503020204020204" pitchFamily="34" charset="-122"/>
+              </a:rPr>
               <a:t>事务管理及隔离级别</a:t>
             </a:r>
             <a:r>
@@ -3852,34 +4688,6 @@
             </a:endParaRPr>
           </a:p>
           <a:p>
-            <a:pPr marL="457200" lvl="1" indent="0">
-              <a:buNone/>
-            </a:pPr>
-            <a:endParaRPr lang="en-US" altLang="zh-CN" b="1" dirty="0">
-              <a:solidFill>
-                <a:schemeClr val="tx1">
-                  <a:lumMod val="65000"/>
-                  <a:lumOff val="35000"/>
-                </a:schemeClr>
-              </a:solidFill>
-              <a:latin typeface="微软雅黑" panose="020B0503020204020204" pitchFamily="34" charset="-122"/>
-              <a:ea typeface="微软雅黑" panose="020B0503020204020204" pitchFamily="34" charset="-122"/>
-            </a:endParaRPr>
-          </a:p>
-          <a:p>
-            <a:r>
-              <a:rPr lang="zh-CN" altLang="en-US" b="1" dirty="0" smtClean="0">
-                <a:solidFill>
-                  <a:schemeClr val="tx1">
-                    <a:lumMod val="65000"/>
-                    <a:lumOff val="35000"/>
-                  </a:schemeClr>
-                </a:solidFill>
-                <a:latin typeface="微软雅黑" panose="020B0503020204020204" pitchFamily="34" charset="-122"/>
-                <a:ea typeface="微软雅黑" panose="020B0503020204020204" pitchFamily="34" charset="-122"/>
-              </a:rPr>
-              <a:t>查询性能优化</a:t>
-            </a:r>
             <a:endParaRPr lang="en-US" altLang="zh-CN" b="1" dirty="0" smtClean="0">
               <a:solidFill>
                 <a:schemeClr val="tx1">
@@ -3892,147 +4700,6 @@
             </a:endParaRPr>
           </a:p>
           <a:p>
-            <a:pPr lvl="1"/>
-            <a:r>
-              <a:rPr lang="zh-CN" altLang="en-US" b="1" dirty="0" smtClean="0">
-                <a:solidFill>
-                  <a:schemeClr val="tx1">
-                    <a:lumMod val="65000"/>
-                    <a:lumOff val="35000"/>
-                  </a:schemeClr>
-                </a:solidFill>
-                <a:latin typeface="微软雅黑" panose="020B0503020204020204" pitchFamily="34" charset="-122"/>
-                <a:ea typeface="微软雅黑" panose="020B0503020204020204" pitchFamily="34" charset="-122"/>
-              </a:rPr>
-              <a:t>建立索引</a:t>
-            </a:r>
-            <a:endParaRPr lang="en-US" altLang="zh-CN" b="1" dirty="0" smtClean="0">
-              <a:solidFill>
-                <a:schemeClr val="tx1">
-                  <a:lumMod val="65000"/>
-                  <a:lumOff val="35000"/>
-                </a:schemeClr>
-              </a:solidFill>
-              <a:latin typeface="微软雅黑" panose="020B0503020204020204" pitchFamily="34" charset="-122"/>
-              <a:ea typeface="微软雅黑" panose="020B0503020204020204" pitchFamily="34" charset="-122"/>
-            </a:endParaRPr>
-          </a:p>
-          <a:p>
-            <a:pPr lvl="1"/>
-            <a:r>
-              <a:rPr lang="zh-CN" altLang="en-US" b="1" dirty="0" smtClean="0">
-                <a:solidFill>
-                  <a:schemeClr val="tx1">
-                    <a:lumMod val="65000"/>
-                    <a:lumOff val="35000"/>
-                  </a:schemeClr>
-                </a:solidFill>
-                <a:latin typeface="微软雅黑" panose="020B0503020204020204" pitchFamily="34" charset="-122"/>
-                <a:ea typeface="微软雅黑" panose="020B0503020204020204" pitchFamily="34" charset="-122"/>
-              </a:rPr>
-              <a:t>查询方案及查询代价分析</a:t>
-            </a:r>
-            <a:endParaRPr lang="en-US" altLang="zh-CN" b="1" dirty="0">
-              <a:solidFill>
-                <a:schemeClr val="tx1">
-                  <a:lumMod val="65000"/>
-                  <a:lumOff val="35000"/>
-                </a:schemeClr>
-              </a:solidFill>
-              <a:latin typeface="微软雅黑" panose="020B0503020204020204" pitchFamily="34" charset="-122"/>
-              <a:ea typeface="微软雅黑" panose="020B0503020204020204" pitchFamily="34" charset="-122"/>
-            </a:endParaRPr>
-          </a:p>
-          <a:p>
-            <a:pPr lvl="1"/>
-            <a:r>
-              <a:rPr lang="zh-CN" altLang="en-US" b="1" dirty="0">
-                <a:solidFill>
-                  <a:schemeClr val="tx1">
-                    <a:lumMod val="65000"/>
-                    <a:lumOff val="35000"/>
-                  </a:schemeClr>
-                </a:solidFill>
-                <a:latin typeface="微软雅黑" panose="020B0503020204020204" pitchFamily="34" charset="-122"/>
-                <a:ea typeface="微软雅黑" panose="020B0503020204020204" pitchFamily="34" charset="-122"/>
-              </a:rPr>
-              <a:t>事务</a:t>
-            </a:r>
-            <a:r>
-              <a:rPr lang="zh-CN" altLang="en-US" b="1" dirty="0" smtClean="0">
-                <a:solidFill>
-                  <a:schemeClr val="tx1">
-                    <a:lumMod val="65000"/>
-                    <a:lumOff val="35000"/>
-                  </a:schemeClr>
-                </a:solidFill>
-                <a:latin typeface="微软雅黑" panose="020B0503020204020204" pitchFamily="34" charset="-122"/>
-                <a:ea typeface="微软雅黑" panose="020B0503020204020204" pitchFamily="34" charset="-122"/>
-              </a:rPr>
-              <a:t>管理及隔离级别设置</a:t>
-            </a:r>
-            <a:endParaRPr lang="en-US" altLang="zh-CN" b="1" dirty="0" smtClean="0">
-              <a:solidFill>
-                <a:schemeClr val="tx1">
-                  <a:lumMod val="65000"/>
-                  <a:lumOff val="35000"/>
-                </a:schemeClr>
-              </a:solidFill>
-              <a:latin typeface="微软雅黑" panose="020B0503020204020204" pitchFamily="34" charset="-122"/>
-              <a:ea typeface="微软雅黑" panose="020B0503020204020204" pitchFamily="34" charset="-122"/>
-            </a:endParaRPr>
-          </a:p>
-          <a:p>
-            <a:pPr lvl="1"/>
-            <a:r>
-              <a:rPr lang="zh-CN" altLang="en-US" b="1" dirty="0" smtClean="0">
-                <a:solidFill>
-                  <a:schemeClr val="tx1">
-                    <a:lumMod val="65000"/>
-                    <a:lumOff val="35000"/>
-                  </a:schemeClr>
-                </a:solidFill>
-                <a:latin typeface="微软雅黑" panose="020B0503020204020204" pitchFamily="34" charset="-122"/>
-                <a:ea typeface="微软雅黑" panose="020B0503020204020204" pitchFamily="34" charset="-122"/>
-              </a:rPr>
-              <a:t>数据库系统参数设置</a:t>
-            </a:r>
-            <a:endParaRPr lang="en-US" altLang="zh-CN" b="1" dirty="0" smtClean="0">
-              <a:solidFill>
-                <a:schemeClr val="tx1">
-                  <a:lumMod val="65000"/>
-                  <a:lumOff val="35000"/>
-                </a:schemeClr>
-              </a:solidFill>
-              <a:latin typeface="微软雅黑" panose="020B0503020204020204" pitchFamily="34" charset="-122"/>
-              <a:ea typeface="微软雅黑" panose="020B0503020204020204" pitchFamily="34" charset="-122"/>
-            </a:endParaRPr>
-          </a:p>
-          <a:p>
-            <a:endParaRPr lang="en-US" altLang="zh-CN" b="1" dirty="0" smtClean="0">
-              <a:solidFill>
-                <a:schemeClr val="tx1">
-                  <a:lumMod val="65000"/>
-                  <a:lumOff val="35000"/>
-                </a:schemeClr>
-              </a:solidFill>
-              <a:latin typeface="微软雅黑" panose="020B0503020204020204" pitchFamily="34" charset="-122"/>
-              <a:ea typeface="微软雅黑" panose="020B0503020204020204" pitchFamily="34" charset="-122"/>
-            </a:endParaRPr>
-          </a:p>
-          <a:p>
-            <a:endParaRPr lang="en-US" altLang="zh-CN" b="1" dirty="0" smtClean="0">
-              <a:solidFill>
-                <a:schemeClr val="tx1">
-                  <a:lumMod val="65000"/>
-                  <a:lumOff val="35000"/>
-                </a:schemeClr>
-              </a:solidFill>
-              <a:latin typeface="微软雅黑" panose="020B0503020204020204" pitchFamily="34" charset="-122"/>
-              <a:ea typeface="微软雅黑" panose="020B0503020204020204" pitchFamily="34" charset="-122"/>
-            </a:endParaRPr>
-          </a:p>
-          <a:p>
             <a:endParaRPr lang="en-US" b="1" dirty="0">
               <a:latin typeface="微软雅黑" panose="020B0503020204020204" pitchFamily="34" charset="-122"/>
               <a:ea typeface="微软雅黑" panose="020B0503020204020204" pitchFamily="34" charset="-122"/>
@@ -4040,6 +4707,54 @@
           </a:p>
         </p:txBody>
       </p:sp>
+      <p:pic>
+        <p:nvPicPr>
+          <p:cNvPr id="4" name="图片 3"/>
+          <p:cNvPicPr>
+            <a:picLocks noChangeAspect="1"/>
+          </p:cNvPicPr>
+          <p:nvPr/>
+        </p:nvPicPr>
+        <p:blipFill>
+          <a:blip r:embed="rId2"/>
+          <a:stretch>
+            <a:fillRect/>
+          </a:stretch>
+        </p:blipFill>
+        <p:spPr>
+          <a:xfrm>
+            <a:off x="2358109" y="1825625"/>
+            <a:ext cx="4427782" cy="2603372"/>
+          </a:xfrm>
+          <a:prstGeom prst="rect">
+            <a:avLst/>
+          </a:prstGeom>
+        </p:spPr>
+      </p:pic>
+      <p:pic>
+        <p:nvPicPr>
+          <p:cNvPr id="5" name="图片 4"/>
+          <p:cNvPicPr>
+            <a:picLocks noChangeAspect="1"/>
+          </p:cNvPicPr>
+          <p:nvPr/>
+        </p:nvPicPr>
+        <p:blipFill>
+          <a:blip r:embed="rId3"/>
+          <a:stretch>
+            <a:fillRect/>
+          </a:stretch>
+        </p:blipFill>
+        <p:spPr>
+          <a:xfrm>
+            <a:off x="1533057" y="3708527"/>
+            <a:ext cx="6832896" cy="2603372"/>
+          </a:xfrm>
+          <a:prstGeom prst="rect">
+            <a:avLst/>
+          </a:prstGeom>
+        </p:spPr>
+      </p:pic>
     </p:spTree>
     <p:extLst>
       <p:ext uri="{BB962C8B-B14F-4D97-AF65-F5344CB8AC3E}">
@@ -4053,7 +4768,121 @@
   <p:timing>
     <p:tnLst>
       <p:par>
-        <p:cTn id="1" dur="indefinite" restart="never" nodeType="tmRoot"/>
+        <p:cTn id="1" dur="indefinite" restart="never" nodeType="tmRoot">
+          <p:childTnLst>
+            <p:seq concurrent="1" nextAc="seek">
+              <p:cTn id="2" dur="indefinite" nodeType="mainSeq">
+                <p:childTnLst>
+                  <p:par>
+                    <p:cTn id="3" fill="hold">
+                      <p:stCondLst>
+                        <p:cond delay="indefinite"/>
+                      </p:stCondLst>
+                      <p:childTnLst>
+                        <p:par>
+                          <p:cTn id="4" fill="hold">
+                            <p:stCondLst>
+                              <p:cond delay="0"/>
+                            </p:stCondLst>
+                            <p:childTnLst>
+                              <p:par>
+                                <p:cTn id="5" presetID="2" presetClass="entr" presetSubtype="4" fill="hold" nodeType="clickEffect">
+                                  <p:stCondLst>
+                                    <p:cond delay="0"/>
+                                  </p:stCondLst>
+                                  <p:childTnLst>
+                                    <p:set>
+                                      <p:cBhvr>
+                                        <p:cTn id="6" dur="1" fill="hold">
+                                          <p:stCondLst>
+                                            <p:cond delay="0"/>
+                                          </p:stCondLst>
+                                        </p:cTn>
+                                        <p:tgtEl>
+                                          <p:spTgt spid="5"/>
+                                        </p:tgtEl>
+                                        <p:attrNameLst>
+                                          <p:attrName>style.visibility</p:attrName>
+                                        </p:attrNameLst>
+                                      </p:cBhvr>
+                                      <p:to>
+                                        <p:strVal val="visible"/>
+                                      </p:to>
+                                    </p:set>
+                                    <p:anim calcmode="lin" valueType="num">
+                                      <p:cBhvr additive="base">
+                                        <p:cTn id="7" dur="500" fill="hold"/>
+                                        <p:tgtEl>
+                                          <p:spTgt spid="5"/>
+                                        </p:tgtEl>
+                                        <p:attrNameLst>
+                                          <p:attrName>ppt_x</p:attrName>
+                                        </p:attrNameLst>
+                                      </p:cBhvr>
+                                      <p:tavLst>
+                                        <p:tav tm="0">
+                                          <p:val>
+                                            <p:strVal val="#ppt_x"/>
+                                          </p:val>
+                                        </p:tav>
+                                        <p:tav tm="100000">
+                                          <p:val>
+                                            <p:strVal val="#ppt_x"/>
+                                          </p:val>
+                                        </p:tav>
+                                      </p:tavLst>
+                                    </p:anim>
+                                    <p:anim calcmode="lin" valueType="num">
+                                      <p:cBhvr additive="base">
+                                        <p:cTn id="8" dur="500" fill="hold"/>
+                                        <p:tgtEl>
+                                          <p:spTgt spid="5"/>
+                                        </p:tgtEl>
+                                        <p:attrNameLst>
+                                          <p:attrName>ppt_y</p:attrName>
+                                        </p:attrNameLst>
+                                      </p:cBhvr>
+                                      <p:tavLst>
+                                        <p:tav tm="0">
+                                          <p:val>
+                                            <p:strVal val="1+#ppt_h/2"/>
+                                          </p:val>
+                                        </p:tav>
+                                        <p:tav tm="100000">
+                                          <p:val>
+                                            <p:strVal val="#ppt_y"/>
+                                          </p:val>
+                                        </p:tav>
+                                      </p:tavLst>
+                                    </p:anim>
+                                  </p:childTnLst>
+                                </p:cTn>
+                              </p:par>
+                            </p:childTnLst>
+                          </p:cTn>
+                        </p:par>
+                      </p:childTnLst>
+                    </p:cTn>
+                  </p:par>
+                </p:childTnLst>
+              </p:cTn>
+              <p:prevCondLst>
+                <p:cond evt="onPrev" delay="0">
+                  <p:tgtEl>
+                    <p:sldTgt/>
+                  </p:tgtEl>
+                </p:cond>
+              </p:prevCondLst>
+              <p:nextCondLst>
+                <p:cond evt="onNext" delay="0">
+                  <p:tgtEl>
+                    <p:sldTgt/>
+                  </p:tgtEl>
+                </p:cond>
+              </p:nextCondLst>
+            </p:seq>
+          </p:childTnLst>
+        </p:cTn>
       </p:par>
     </p:tnLst>
   </p:timing>
@@ -4079,6 +4908,123 @@
       </p:grpSpPr>
       <p:sp>
         <p:nvSpPr>
+          <p:cNvPr id="8" name="矩形 7"/>
+          <p:cNvSpPr/>
+          <p:nvPr/>
+        </p:nvSpPr>
+        <p:spPr>
+          <a:xfrm>
+            <a:off x="3092824" y="5657474"/>
+            <a:ext cx="2492188" cy="1093694"/>
+          </a:xfrm>
+          <a:prstGeom prst="rect">
+            <a:avLst/>
+          </a:prstGeom>
+          <a:solidFill>
+            <a:srgbClr val="00B0F0"/>
+          </a:solidFill>
+        </p:spPr>
+        <p:style>
+          <a:lnRef idx="2">
+            <a:schemeClr val="accent1">
+              <a:shade val="50000"/>
+            </a:schemeClr>
+          </a:lnRef>
+          <a:fillRef idx="1">
+            <a:schemeClr val="accent1"/>
+          </a:fillRef>
+          <a:effectRef idx="0">
+            <a:schemeClr val="accent1"/>
+          </a:effectRef>
+          <a:fontRef idx="minor">
+            <a:schemeClr val="lt1"/>
+          </a:fontRef>
+        </p:style>
+        <p:txBody>
+          <a:bodyPr rtlCol="0" anchor="ctr"/>
+          <a:lstStyle/>
+          <a:p>
+            <a:pPr algn="ctr"/>
+            <a:endParaRPr kumimoji="1" lang="zh-CN" altLang="en-US"/>
+          </a:p>
+        </p:txBody>
+      </p:sp>
+      <p:cxnSp>
+        <p:nvCxnSpPr>
+          <p:cNvPr id="19" name="直线箭头连接符 18"/>
+          <p:cNvCxnSpPr/>
+          <p:nvPr/>
+        </p:nvCxnSpPr>
+        <p:spPr>
+          <a:xfrm flipV="1">
+            <a:off x="5074024" y="4826186"/>
+            <a:ext cx="1405220" cy="1078495"/>
+          </a:xfrm>
+          <a:prstGeom prst="straightConnector1">
+            <a:avLst/>
+          </a:prstGeom>
+          <a:ln w="34925">
+            <a:solidFill>
+              <a:schemeClr val="tx1"/>
+            </a:solidFill>
+            <a:headEnd type="triangle"/>
+            <a:tailEnd type="triangle"/>
+          </a:ln>
+        </p:spPr>
+        <p:style>
+          <a:lnRef idx="1">
+            <a:schemeClr val="accent1"/>
+          </a:lnRef>
+          <a:fillRef idx="0">
+            <a:schemeClr val="accent1"/>
+          </a:fillRef>
+          <a:effectRef idx="0">
+            <a:schemeClr val="accent1"/>
+          </a:effectRef>
+          <a:fontRef idx="minor">
+            <a:schemeClr val="tx1"/>
+          </a:fontRef>
+        </p:style>
+      </p:cxnSp>
+      <p:cxnSp>
+        <p:nvCxnSpPr>
+          <p:cNvPr id="24" name="直线箭头连接符 23"/>
+          <p:cNvCxnSpPr/>
+          <p:nvPr/>
+        </p:nvCxnSpPr>
+        <p:spPr>
+          <a:xfrm flipH="1" flipV="1">
+            <a:off x="2761130" y="5076285"/>
+            <a:ext cx="941294" cy="925485"/>
+          </a:xfrm>
+          <a:prstGeom prst="straightConnector1">
+            <a:avLst/>
+          </a:prstGeom>
+          <a:ln w="34925">
+            <a:solidFill>
+              <a:schemeClr val="tx1"/>
+            </a:solidFill>
+            <a:headEnd type="triangle"/>
+            <a:tailEnd type="triangle"/>
+          </a:ln>
+        </p:spPr>
+        <p:style>
+          <a:lnRef idx="1">
+            <a:schemeClr val="accent1"/>
+          </a:lnRef>
+          <a:fillRef idx="0">
+            <a:schemeClr val="accent1"/>
+          </a:fillRef>
+          <a:effectRef idx="0">
+            <a:schemeClr val="accent1"/>
+          </a:effectRef>
+          <a:fontRef idx="minor">
+            <a:schemeClr val="tx1"/>
+          </a:fontRef>
+        </p:style>
+      </p:cxnSp>
+      <p:sp>
+        <p:nvSpPr>
           <p:cNvPr id="2" name="标题 1"/>
           <p:cNvSpPr>
             <a:spLocks noGrp="1"/>
@@ -4093,24 +5039,14 @@
           <a:lstStyle/>
           <a:p>
             <a:r>
-              <a:rPr lang="en-US" b="1" dirty="0" smtClean="0">
+              <a:rPr lang="zh-CN" altLang="en-US" b="1" dirty="0" smtClean="0">
                 <a:solidFill>
                   <a:srgbClr val="0070C0"/>
                 </a:solidFill>
                 <a:latin typeface="微软雅黑" panose="020B0503020204020204" pitchFamily="34" charset="-122"/>
                 <a:ea typeface="微软雅黑" panose="020B0503020204020204" pitchFamily="34" charset="-122"/>
               </a:rPr>
-              <a:t>O</a:t>
-            </a:r>
-            <a:r>
-              <a:rPr lang="en-US" altLang="zh-CN" b="1" dirty="0" smtClean="0">
-                <a:solidFill>
-                  <a:srgbClr val="0070C0"/>
-                </a:solidFill>
-                <a:latin typeface="微软雅黑" panose="020B0503020204020204" pitchFamily="34" charset="-122"/>
-                <a:ea typeface="微软雅黑" panose="020B0503020204020204" pitchFamily="34" charset="-122"/>
-              </a:rPr>
-              <a:t>verview</a:t>
+              <a:t>问卷逻辑可视化</a:t>
             </a:r>
             <a:endParaRPr lang="en-US" b="1" dirty="0">
               <a:solidFill>
@@ -4148,23 +5084,10 @@
                 <a:latin typeface="微软雅黑" panose="020B0503020204020204" pitchFamily="34" charset="-122"/>
                 <a:ea typeface="微软雅黑" panose="020B0503020204020204" pitchFamily="34" charset="-122"/>
               </a:rPr>
-              <a:t>数据库改进</a:t>
-            </a:r>
-            <a:endParaRPr lang="en-US" b="1" dirty="0" smtClean="0">
-              <a:solidFill>
-                <a:schemeClr val="tx1">
-                  <a:lumMod val="65000"/>
-                  <a:lumOff val="35000"/>
-                </a:schemeClr>
-              </a:solidFill>
-              <a:latin typeface="微软雅黑" panose="020B0503020204020204" pitchFamily="34" charset="-122"/>
-              <a:ea typeface="微软雅黑" panose="020B0503020204020204" pitchFamily="34" charset="-122"/>
-            </a:endParaRPr>
-          </a:p>
-          <a:p>
-            <a:pPr lvl="1"/>
-            <a:r>
-              <a:rPr lang="zh-CN" altLang="en-US" b="1" dirty="0" smtClean="0">
+              <a:t>本</a:t>
+            </a:r>
+            <a:r>
+              <a:rPr lang="zh-CN" altLang="en-US" b="1" dirty="0">
                 <a:solidFill>
                   <a:schemeClr val="tx1">
                     <a:lumMod val="65000"/>
@@ -4174,21 +5097,8 @@
                 <a:latin typeface="微软雅黑" panose="020B0503020204020204" pitchFamily="34" charset="-122"/>
                 <a:ea typeface="微软雅黑" panose="020B0503020204020204" pitchFamily="34" charset="-122"/>
               </a:rPr>
-              <a:t>数据库模式调整</a:t>
-            </a:r>
-            <a:endParaRPr lang="en-US" altLang="zh-CN" b="1" dirty="0" smtClean="0">
-              <a:solidFill>
-                <a:schemeClr val="tx1">
-                  <a:lumMod val="65000"/>
-                  <a:lumOff val="35000"/>
-                </a:schemeClr>
-              </a:solidFill>
-              <a:latin typeface="微软雅黑" panose="020B0503020204020204" pitchFamily="34" charset="-122"/>
-              <a:ea typeface="微软雅黑" panose="020B0503020204020204" pitchFamily="34" charset="-122"/>
-            </a:endParaRPr>
-          </a:p>
-          <a:p>
-            <a:pPr lvl="1"/>
+              <a:t>问卷</a:t>
+            </a:r>
             <a:r>
               <a:rPr lang="zh-CN" altLang="en-US" b="1" dirty="0" smtClean="0">
                 <a:solidFill>
@@ -4200,23 +5110,34 @@
                 <a:latin typeface="微软雅黑" panose="020B0503020204020204" pitchFamily="34" charset="-122"/>
                 <a:ea typeface="微软雅黑" panose="020B0503020204020204" pitchFamily="34" charset="-122"/>
               </a:rPr>
-              <a:t>数据冗余情况及范式分析</a:t>
-            </a:r>
-            <a:endParaRPr lang="en-US" altLang="zh-CN" b="1" dirty="0" smtClean="0">
-              <a:solidFill>
-                <a:schemeClr val="tx1">
-                  <a:lumMod val="65000"/>
-                  <a:lumOff val="35000"/>
-                </a:schemeClr>
-              </a:solidFill>
-              <a:latin typeface="微软雅黑" panose="020B0503020204020204" pitchFamily="34" charset="-122"/>
-              <a:ea typeface="微软雅黑" panose="020B0503020204020204" pitchFamily="34" charset="-122"/>
-            </a:endParaRPr>
-          </a:p>
-          <a:p>
-            <a:pPr marL="457200" lvl="1" indent="0">
-              <a:buNone/>
-            </a:pPr>
+              <a:t>系统有</a:t>
+            </a:r>
+            <a:r>
+              <a:rPr lang="zh-CN" altLang="en-US" b="1" dirty="0">
+                <a:solidFill>
+                  <a:schemeClr val="tx1">
+                    <a:lumMod val="65000"/>
+                    <a:lumOff val="35000"/>
+                  </a:schemeClr>
+                </a:solidFill>
+                <a:latin typeface="微软雅黑" panose="020B0503020204020204" pitchFamily="34" charset="-122"/>
+                <a:ea typeface="微软雅黑" panose="020B0503020204020204" pitchFamily="34" charset="-122"/>
+              </a:rPr>
+              <a:t>一个问卷逻辑结构的</a:t>
+            </a:r>
+            <a:r>
+              <a:rPr lang="zh-CN" altLang="en-US" b="1" dirty="0" smtClean="0">
+                <a:solidFill>
+                  <a:schemeClr val="tx1">
+                    <a:lumMod val="65000"/>
+                    <a:lumOff val="35000"/>
+                  </a:schemeClr>
+                </a:solidFill>
+                <a:latin typeface="微软雅黑" panose="020B0503020204020204" pitchFamily="34" charset="-122"/>
+                <a:ea typeface="微软雅黑" panose="020B0503020204020204" pitchFamily="34" charset="-122"/>
+              </a:rPr>
+              <a:t>可视化功能，能够轻松让编辑者了解整个逻辑。</a:t>
+            </a:r>
             <a:endParaRPr lang="en-US" altLang="zh-CN" b="1" dirty="0" smtClean="0">
               <a:solidFill>
                 <a:schemeClr val="tx1">
@@ -4244,19 +5165,6 @@
             </a:endParaRPr>
           </a:p>
           <a:p>
-            <a:r>
-              <a:rPr lang="zh-CN" altLang="en-US" b="1" dirty="0" smtClean="0">
-                <a:solidFill>
-                  <a:schemeClr val="tx1">
-                    <a:lumMod val="65000"/>
-                    <a:lumOff val="35000"/>
-                  </a:schemeClr>
-                </a:solidFill>
-                <a:latin typeface="微软雅黑" panose="020B0503020204020204" pitchFamily="34" charset="-122"/>
-                <a:ea typeface="微软雅黑" panose="020B0503020204020204" pitchFamily="34" charset="-122"/>
-              </a:rPr>
-              <a:t>查询性能优化</a:t>
-            </a:r>
             <a:endParaRPr lang="en-US" altLang="zh-CN" b="1" dirty="0" smtClean="0">
               <a:solidFill>
                 <a:schemeClr val="tx1">
@@ -4269,20 +5177,6 @@
             </a:endParaRPr>
           </a:p>
           <a:p>
-            <a:pPr lvl="1"/>
-            <a:r>
-              <a:rPr lang="zh-CN" altLang="en-US" b="1" dirty="0" smtClean="0">
-                <a:solidFill>
-                  <a:schemeClr val="tx1">
-                    <a:lumMod val="65000"/>
-                    <a:lumOff val="35000"/>
-                  </a:schemeClr>
-                </a:solidFill>
-                <a:latin typeface="微软雅黑" panose="020B0503020204020204" pitchFamily="34" charset="-122"/>
-                <a:ea typeface="微软雅黑" panose="020B0503020204020204" pitchFamily="34" charset="-122"/>
-              </a:rPr>
-              <a:t>建立索引</a:t>
-            </a:r>
             <a:endParaRPr lang="en-US" altLang="zh-CN" b="1" dirty="0" smtClean="0">
               <a:solidFill>
                 <a:schemeClr val="tx1">
@@ -4295,121 +5189,6 @@
             </a:endParaRPr>
           </a:p>
           <a:p>
-            <a:pPr lvl="1"/>
-            <a:r>
-              <a:rPr lang="zh-CN" altLang="en-US" b="1" dirty="0" smtClean="0">
-                <a:solidFill>
-                  <a:schemeClr val="tx1">
-                    <a:lumMod val="65000"/>
-                    <a:lumOff val="35000"/>
-                  </a:schemeClr>
-                </a:solidFill>
-                <a:latin typeface="微软雅黑" panose="020B0503020204020204" pitchFamily="34" charset="-122"/>
-                <a:ea typeface="微软雅黑" panose="020B0503020204020204" pitchFamily="34" charset="-122"/>
-              </a:rPr>
-              <a:t>查询方案及查询代价分析</a:t>
-            </a:r>
-            <a:endParaRPr lang="en-US" altLang="zh-CN" b="1" dirty="0">
-              <a:solidFill>
-                <a:schemeClr val="tx1">
-                  <a:lumMod val="65000"/>
-                  <a:lumOff val="35000"/>
-                </a:schemeClr>
-              </a:solidFill>
-              <a:latin typeface="微软雅黑" panose="020B0503020204020204" pitchFamily="34" charset="-122"/>
-              <a:ea typeface="微软雅黑" panose="020B0503020204020204" pitchFamily="34" charset="-122"/>
-            </a:endParaRPr>
-          </a:p>
-          <a:p>
-            <a:pPr lvl="1"/>
-            <a:r>
-              <a:rPr lang="zh-CN" altLang="en-US" b="1" dirty="0">
-                <a:solidFill>
-                  <a:schemeClr val="tx1">
-                    <a:lumMod val="65000"/>
-                    <a:lumOff val="35000"/>
-                  </a:schemeClr>
-                </a:solidFill>
-                <a:latin typeface="微软雅黑" panose="020B0503020204020204" pitchFamily="34" charset="-122"/>
-                <a:ea typeface="微软雅黑" panose="020B0503020204020204" pitchFamily="34" charset="-122"/>
-              </a:rPr>
-              <a:t>事务</a:t>
-            </a:r>
-            <a:r>
-              <a:rPr lang="zh-CN" altLang="en-US" b="1" dirty="0" smtClean="0">
-                <a:solidFill>
-                  <a:schemeClr val="tx1">
-                    <a:lumMod val="65000"/>
-                    <a:lumOff val="35000"/>
-                  </a:schemeClr>
-                </a:solidFill>
-                <a:latin typeface="微软雅黑" panose="020B0503020204020204" pitchFamily="34" charset="-122"/>
-                <a:ea typeface="微软雅黑" panose="020B0503020204020204" pitchFamily="34" charset="-122"/>
-              </a:rPr>
-              <a:t>管理及隔离级别设置</a:t>
-            </a:r>
-            <a:endParaRPr lang="en-US" altLang="zh-CN" b="1" dirty="0" smtClean="0">
-              <a:solidFill>
-                <a:schemeClr val="tx1">
-                  <a:lumMod val="65000"/>
-                  <a:lumOff val="35000"/>
-                </a:schemeClr>
-              </a:solidFill>
-              <a:latin typeface="微软雅黑" panose="020B0503020204020204" pitchFamily="34" charset="-122"/>
-              <a:ea typeface="微软雅黑" panose="020B0503020204020204" pitchFamily="34" charset="-122"/>
-            </a:endParaRPr>
-          </a:p>
-          <a:p>
-            <a:pPr lvl="1"/>
-            <a:r>
-              <a:rPr lang="zh-CN" altLang="en-US" b="1" dirty="0" smtClean="0">
-                <a:solidFill>
-                  <a:schemeClr val="tx1">
-                    <a:lumMod val="65000"/>
-                    <a:lumOff val="35000"/>
-                  </a:schemeClr>
-                </a:solidFill>
-                <a:latin typeface="微软雅黑" panose="020B0503020204020204" pitchFamily="34" charset="-122"/>
-                <a:ea typeface="微软雅黑" panose="020B0503020204020204" pitchFamily="34" charset="-122"/>
-              </a:rPr>
-              <a:t>数据库系统参数设置</a:t>
-            </a:r>
-            <a:endParaRPr lang="en-US" altLang="zh-CN" b="1" dirty="0" smtClean="0">
-              <a:solidFill>
-                <a:schemeClr val="tx1">
-                  <a:lumMod val="65000"/>
-                  <a:lumOff val="35000"/>
-                </a:schemeClr>
-              </a:solidFill>
-              <a:latin typeface="微软雅黑" panose="020B0503020204020204" pitchFamily="34" charset="-122"/>
-              <a:ea typeface="微软雅黑" panose="020B0503020204020204" pitchFamily="34" charset="-122"/>
-            </a:endParaRPr>
-          </a:p>
-          <a:p>
-            <a:endParaRPr lang="en-US" altLang="zh-CN" b="1" dirty="0" smtClean="0">
-              <a:solidFill>
-                <a:schemeClr val="tx1">
-                  <a:lumMod val="65000"/>
-                  <a:lumOff val="35000"/>
-                </a:schemeClr>
-              </a:solidFill>
-              <a:latin typeface="微软雅黑" panose="020B0503020204020204" pitchFamily="34" charset="-122"/>
-              <a:ea typeface="微软雅黑" panose="020B0503020204020204" pitchFamily="34" charset="-122"/>
-            </a:endParaRPr>
-          </a:p>
-          <a:p>
-            <a:endParaRPr lang="en-US" altLang="zh-CN" b="1" dirty="0" smtClean="0">
-              <a:solidFill>
-                <a:schemeClr val="tx1">
-                  <a:lumMod val="65000"/>
-                  <a:lumOff val="35000"/>
-                </a:schemeClr>
-              </a:solidFill>
-              <a:latin typeface="微软雅黑" panose="020B0503020204020204" pitchFamily="34" charset="-122"/>
-              <a:ea typeface="微软雅黑" panose="020B0503020204020204" pitchFamily="34" charset="-122"/>
-            </a:endParaRPr>
-          </a:p>
-          <a:p>
             <a:endParaRPr lang="en-US" b="1" dirty="0">
               <a:latin typeface="微软雅黑" panose="020B0503020204020204" pitchFamily="34" charset="-122"/>
               <a:ea typeface="微软雅黑" panose="020B0503020204020204" pitchFamily="34" charset="-122"/>
@@ -4417,10 +5196,299 @@
           </a:p>
         </p:txBody>
       </p:sp>
+      <p:sp>
+        <p:nvSpPr>
+          <p:cNvPr id="4" name="矩形 3"/>
+          <p:cNvSpPr/>
+          <p:nvPr/>
+        </p:nvSpPr>
+        <p:spPr>
+          <a:xfrm>
+            <a:off x="2940424" y="2725269"/>
+            <a:ext cx="2492188" cy="1093694"/>
+          </a:xfrm>
+          <a:prstGeom prst="rect">
+            <a:avLst/>
+          </a:prstGeom>
+          <a:solidFill>
+            <a:srgbClr val="00B0F0"/>
+          </a:solidFill>
+        </p:spPr>
+        <p:style>
+          <a:lnRef idx="2">
+            <a:schemeClr val="accent1">
+              <a:shade val="50000"/>
+            </a:schemeClr>
+          </a:lnRef>
+          <a:fillRef idx="1">
+            <a:schemeClr val="accent1"/>
+          </a:fillRef>
+          <a:effectRef idx="0">
+            <a:schemeClr val="accent1"/>
+          </a:effectRef>
+          <a:fontRef idx="minor">
+            <a:schemeClr val="lt1"/>
+          </a:fontRef>
+        </p:style>
+        <p:txBody>
+          <a:bodyPr rtlCol="0" anchor="ctr"/>
+          <a:lstStyle/>
+          <a:p>
+            <a:pPr algn="ctr"/>
+            <a:endParaRPr kumimoji="1" lang="zh-CN" altLang="en-US"/>
+          </a:p>
+        </p:txBody>
+      </p:sp>
+      <p:sp>
+        <p:nvSpPr>
+          <p:cNvPr id="6" name="矩形 5"/>
+          <p:cNvSpPr/>
+          <p:nvPr/>
+        </p:nvSpPr>
+        <p:spPr>
+          <a:xfrm>
+            <a:off x="1084730" y="4191371"/>
+            <a:ext cx="2492188" cy="1093694"/>
+          </a:xfrm>
+          <a:prstGeom prst="rect">
+            <a:avLst/>
+          </a:prstGeom>
+          <a:solidFill>
+            <a:srgbClr val="00B0F0"/>
+          </a:solidFill>
+        </p:spPr>
+        <p:style>
+          <a:lnRef idx="2">
+            <a:schemeClr val="accent1">
+              <a:shade val="50000"/>
+            </a:schemeClr>
+          </a:lnRef>
+          <a:fillRef idx="1">
+            <a:schemeClr val="accent1"/>
+          </a:fillRef>
+          <a:effectRef idx="0">
+            <a:schemeClr val="accent1"/>
+          </a:effectRef>
+          <a:fontRef idx="minor">
+            <a:schemeClr val="lt1"/>
+          </a:fontRef>
+        </p:style>
+        <p:txBody>
+          <a:bodyPr rtlCol="0" anchor="ctr"/>
+          <a:lstStyle/>
+          <a:p>
+            <a:pPr algn="ctr"/>
+            <a:endParaRPr kumimoji="1" lang="zh-CN" altLang="en-US"/>
+          </a:p>
+        </p:txBody>
+      </p:sp>
+      <p:sp>
+        <p:nvSpPr>
+          <p:cNvPr id="7" name="矩形 6"/>
+          <p:cNvSpPr/>
+          <p:nvPr/>
+        </p:nvSpPr>
+        <p:spPr>
+          <a:xfrm>
+            <a:off x="5233150" y="4214131"/>
+            <a:ext cx="2492188" cy="1093694"/>
+          </a:xfrm>
+          <a:prstGeom prst="rect">
+            <a:avLst/>
+          </a:prstGeom>
+          <a:solidFill>
+            <a:srgbClr val="00B0F0"/>
+          </a:solidFill>
+        </p:spPr>
+        <p:style>
+          <a:lnRef idx="2">
+            <a:schemeClr val="accent1">
+              <a:shade val="50000"/>
+            </a:schemeClr>
+          </a:lnRef>
+          <a:fillRef idx="1">
+            <a:schemeClr val="accent1"/>
+          </a:fillRef>
+          <a:effectRef idx="0">
+            <a:schemeClr val="accent1"/>
+          </a:effectRef>
+          <a:fontRef idx="minor">
+            <a:schemeClr val="lt1"/>
+          </a:fontRef>
+        </p:style>
+        <p:txBody>
+          <a:bodyPr rtlCol="0" anchor="ctr"/>
+          <a:lstStyle/>
+          <a:p>
+            <a:pPr algn="ctr"/>
+            <a:endParaRPr kumimoji="1" lang="zh-CN" altLang="en-US"/>
+          </a:p>
+        </p:txBody>
+      </p:sp>
+      <p:cxnSp>
+        <p:nvCxnSpPr>
+          <p:cNvPr id="15" name="直线箭头连接符 14"/>
+          <p:cNvCxnSpPr/>
+          <p:nvPr/>
+        </p:nvCxnSpPr>
+        <p:spPr>
+          <a:xfrm flipH="1">
+            <a:off x="2599765" y="3815320"/>
+            <a:ext cx="1004047" cy="922898"/>
+          </a:xfrm>
+          <a:prstGeom prst="straightConnector1">
+            <a:avLst/>
+          </a:prstGeom>
+          <a:ln w="34925">
+            <a:solidFill>
+              <a:schemeClr val="tx1"/>
+            </a:solidFill>
+            <a:headEnd type="triangle"/>
+            <a:tailEnd type="triangle"/>
+          </a:ln>
+        </p:spPr>
+        <p:style>
+          <a:lnRef idx="1">
+            <a:schemeClr val="accent1"/>
+          </a:lnRef>
+          <a:fillRef idx="0">
+            <a:schemeClr val="accent1"/>
+          </a:fillRef>
+          <a:effectRef idx="0">
+            <a:schemeClr val="accent1"/>
+          </a:effectRef>
+          <a:fontRef idx="minor">
+            <a:schemeClr val="tx1"/>
+          </a:fontRef>
+        </p:style>
+      </p:cxnSp>
+      <p:cxnSp>
+        <p:nvCxnSpPr>
+          <p:cNvPr id="16" name="直线箭头连接符 15"/>
+          <p:cNvCxnSpPr/>
+          <p:nvPr/>
+        </p:nvCxnSpPr>
+        <p:spPr>
+          <a:xfrm flipH="1" flipV="1">
+            <a:off x="4780431" y="3803765"/>
+            <a:ext cx="921122" cy="822277"/>
+          </a:xfrm>
+          <a:prstGeom prst="straightConnector1">
+            <a:avLst/>
+          </a:prstGeom>
+          <a:ln w="34925">
+            <a:solidFill>
+              <a:schemeClr val="tx1"/>
+            </a:solidFill>
+            <a:headEnd type="triangle"/>
+            <a:tailEnd type="triangle"/>
+          </a:ln>
+        </p:spPr>
+        <p:style>
+          <a:lnRef idx="1">
+            <a:schemeClr val="accent1"/>
+          </a:lnRef>
+          <a:fillRef idx="0">
+            <a:schemeClr val="accent1"/>
+          </a:fillRef>
+          <a:effectRef idx="0">
+            <a:schemeClr val="accent1"/>
+          </a:effectRef>
+          <a:fontRef idx="minor">
+            <a:schemeClr val="tx1"/>
+          </a:fontRef>
+        </p:style>
+      </p:cxnSp>
+      <p:sp>
+        <p:nvSpPr>
+          <p:cNvPr id="9" name="椭圆 8"/>
+          <p:cNvSpPr/>
+          <p:nvPr/>
+        </p:nvSpPr>
+        <p:spPr>
+          <a:xfrm>
+            <a:off x="3406589" y="3613008"/>
+            <a:ext cx="394447" cy="394447"/>
+          </a:xfrm>
+          <a:prstGeom prst="ellipse">
+            <a:avLst/>
+          </a:prstGeom>
+          <a:solidFill>
+            <a:srgbClr val="FFC000"/>
+          </a:solidFill>
+        </p:spPr>
+        <p:style>
+          <a:lnRef idx="2">
+            <a:schemeClr val="accent1">
+              <a:shade val="50000"/>
+            </a:schemeClr>
+          </a:lnRef>
+          <a:fillRef idx="1">
+            <a:schemeClr val="accent1"/>
+          </a:fillRef>
+          <a:effectRef idx="0">
+            <a:schemeClr val="accent1"/>
+          </a:effectRef>
+          <a:fontRef idx="minor">
+            <a:schemeClr val="lt1"/>
+          </a:fontRef>
+        </p:style>
+        <p:txBody>
+          <a:bodyPr rtlCol="0" anchor="ctr"/>
+          <a:lstStyle/>
+          <a:p>
+            <a:pPr algn="ctr"/>
+            <a:endParaRPr kumimoji="1" lang="zh-CN" altLang="en-US"/>
+          </a:p>
+        </p:txBody>
+      </p:sp>
+      <p:sp>
+        <p:nvSpPr>
+          <p:cNvPr id="10" name="椭圆 9"/>
+          <p:cNvSpPr/>
+          <p:nvPr/>
+        </p:nvSpPr>
+        <p:spPr>
+          <a:xfrm>
+            <a:off x="4554071" y="3603342"/>
+            <a:ext cx="394447" cy="394447"/>
+          </a:xfrm>
+          <a:prstGeom prst="ellipse">
+            <a:avLst/>
+          </a:prstGeom>
+          <a:solidFill>
+            <a:srgbClr val="FFC000"/>
+          </a:solidFill>
+        </p:spPr>
+        <p:style>
+          <a:lnRef idx="2">
+            <a:schemeClr val="accent1">
+              <a:shade val="50000"/>
+            </a:schemeClr>
+          </a:lnRef>
+          <a:fillRef idx="1">
+            <a:schemeClr val="accent1"/>
+          </a:fillRef>
+          <a:effectRef idx="0">
+            <a:schemeClr val="accent1"/>
+          </a:effectRef>
+          <a:fontRef idx="minor">
+            <a:schemeClr val="lt1"/>
+          </a:fontRef>
+        </p:style>
+        <p:txBody>
+          <a:bodyPr rtlCol="0" anchor="ctr"/>
+          <a:lstStyle/>
+          <a:p>
+            <a:pPr algn="ctr"/>
+            <a:endParaRPr kumimoji="1" lang="zh-CN" altLang="en-US"/>
+          </a:p>
+        </p:txBody>
+      </p:sp>
     </p:spTree>
     <p:extLst>
       <p:ext uri="{BB962C8B-B14F-4D97-AF65-F5344CB8AC3E}">
-        <p14:creationId xmlns:p14="http://schemas.microsoft.com/office/powerpoint/2010/main" val="2646396090"/>
+        <p14:creationId xmlns:p14="http://schemas.microsoft.com/office/powerpoint/2010/main" val="461010317"/>
       </p:ext>
     </p:extLst>
   </p:cSld>
@@ -4430,9 +5498,788 @@
   <p:timing>
     <p:tnLst>
       <p:par>
-        <p:cTn id="1" dur="indefinite" restart="never" nodeType="tmRoot"/>
+        <p:cTn id="1" dur="indefinite" restart="never" nodeType="tmRoot">
+          <p:childTnLst>
+            <p:seq concurrent="1" nextAc="seek">
+              <p:cTn id="2" dur="indefinite" nodeType="mainSeq">
+                <p:childTnLst>
+                  <p:par>
+                    <p:cTn id="3" fill="hold">
+                      <p:stCondLst>
+                        <p:cond delay="indefinite"/>
+                      </p:stCondLst>
+                      <p:childTnLst>
+                        <p:par>
+                          <p:cTn id="4" fill="hold">
+                            <p:stCondLst>
+                              <p:cond delay="0"/>
+                            </p:stCondLst>
+                            <p:childTnLst>
+                              <p:par>
+                                <p:cTn id="5" presetID="2" presetClass="entr" presetSubtype="4" fill="hold" grpId="0" nodeType="clickEffect">
+                                  <p:stCondLst>
+                                    <p:cond delay="0"/>
+                                  </p:stCondLst>
+                                  <p:childTnLst>
+                                    <p:set>
+                                      <p:cBhvr>
+                                        <p:cTn id="6" dur="1" fill="hold">
+                                          <p:stCondLst>
+                                            <p:cond delay="0"/>
+                                          </p:stCondLst>
+                                        </p:cTn>
+                                        <p:tgtEl>
+                                          <p:spTgt spid="8"/>
+                                        </p:tgtEl>
+                                        <p:attrNameLst>
+                                          <p:attrName>style.visibility</p:attrName>
+                                        </p:attrNameLst>
+                                      </p:cBhvr>
+                                      <p:to>
+                                        <p:strVal val="visible"/>
+                                      </p:to>
+                                    </p:set>
+                                    <p:anim calcmode="lin" valueType="num">
+                                      <p:cBhvr additive="base">
+                                        <p:cTn id="7" dur="500" fill="hold"/>
+                                        <p:tgtEl>
+                                          <p:spTgt spid="8"/>
+                                        </p:tgtEl>
+                                        <p:attrNameLst>
+                                          <p:attrName>ppt_x</p:attrName>
+                                        </p:attrNameLst>
+                                      </p:cBhvr>
+                                      <p:tavLst>
+                                        <p:tav tm="0">
+                                          <p:val>
+                                            <p:strVal val="#ppt_x"/>
+                                          </p:val>
+                                        </p:tav>
+                                        <p:tav tm="100000">
+                                          <p:val>
+                                            <p:strVal val="#ppt_x"/>
+                                          </p:val>
+                                        </p:tav>
+                                      </p:tavLst>
+                                    </p:anim>
+                                    <p:anim calcmode="lin" valueType="num">
+                                      <p:cBhvr additive="base">
+                                        <p:cTn id="8" dur="500" fill="hold"/>
+                                        <p:tgtEl>
+                                          <p:spTgt spid="8"/>
+                                        </p:tgtEl>
+                                        <p:attrNameLst>
+                                          <p:attrName>ppt_y</p:attrName>
+                                        </p:attrNameLst>
+                                      </p:cBhvr>
+                                      <p:tavLst>
+                                        <p:tav tm="0">
+                                          <p:val>
+                                            <p:strVal val="1+#ppt_h/2"/>
+                                          </p:val>
+                                        </p:tav>
+                                        <p:tav tm="100000">
+                                          <p:val>
+                                            <p:strVal val="#ppt_y"/>
+                                          </p:val>
+                                        </p:tav>
+                                      </p:tavLst>
+                                    </p:anim>
+                                  </p:childTnLst>
+                                </p:cTn>
+                              </p:par>
+                              <p:par>
+                                <p:cTn id="9" presetID="2" presetClass="entr" presetSubtype="4" fill="hold" nodeType="withEffect">
+                                  <p:stCondLst>
+                                    <p:cond delay="0"/>
+                                  </p:stCondLst>
+                                  <p:childTnLst>
+                                    <p:set>
+                                      <p:cBhvr>
+                                        <p:cTn id="10" dur="1" fill="hold">
+                                          <p:stCondLst>
+                                            <p:cond delay="0"/>
+                                          </p:stCondLst>
+                                        </p:cTn>
+                                        <p:tgtEl>
+                                          <p:spTgt spid="19"/>
+                                        </p:tgtEl>
+                                        <p:attrNameLst>
+                                          <p:attrName>style.visibility</p:attrName>
+                                        </p:attrNameLst>
+                                      </p:cBhvr>
+                                      <p:to>
+                                        <p:strVal val="visible"/>
+                                      </p:to>
+                                    </p:set>
+                                    <p:anim calcmode="lin" valueType="num">
+                                      <p:cBhvr additive="base">
+                                        <p:cTn id="11" dur="500" fill="hold"/>
+                                        <p:tgtEl>
+                                          <p:spTgt spid="19"/>
+                                        </p:tgtEl>
+                                        <p:attrNameLst>
+                                          <p:attrName>ppt_x</p:attrName>
+                                        </p:attrNameLst>
+                                      </p:cBhvr>
+                                      <p:tavLst>
+                                        <p:tav tm="0">
+                                          <p:val>
+                                            <p:strVal val="#ppt_x"/>
+                                          </p:val>
+                                        </p:tav>
+                                        <p:tav tm="100000">
+                                          <p:val>
+                                            <p:strVal val="#ppt_x"/>
+                                          </p:val>
+                                        </p:tav>
+                                      </p:tavLst>
+                                    </p:anim>
+                                    <p:anim calcmode="lin" valueType="num">
+                                      <p:cBhvr additive="base">
+                                        <p:cTn id="12" dur="500" fill="hold"/>
+                                        <p:tgtEl>
+                                          <p:spTgt spid="19"/>
+                                        </p:tgtEl>
+                                        <p:attrNameLst>
+                                          <p:attrName>ppt_y</p:attrName>
+                                        </p:attrNameLst>
+                                      </p:cBhvr>
+                                      <p:tavLst>
+                                        <p:tav tm="0">
+                                          <p:val>
+                                            <p:strVal val="1+#ppt_h/2"/>
+                                          </p:val>
+                                        </p:tav>
+                                        <p:tav tm="100000">
+                                          <p:val>
+                                            <p:strVal val="#ppt_y"/>
+                                          </p:val>
+                                        </p:tav>
+                                      </p:tavLst>
+                                    </p:anim>
+                                  </p:childTnLst>
+                                </p:cTn>
+                              </p:par>
+                              <p:par>
+                                <p:cTn id="13" presetID="2" presetClass="entr" presetSubtype="4" fill="hold" nodeType="withEffect">
+                                  <p:stCondLst>
+                                    <p:cond delay="0"/>
+                                  </p:stCondLst>
+                                  <p:childTnLst>
+                                    <p:set>
+                                      <p:cBhvr>
+                                        <p:cTn id="14" dur="1" fill="hold">
+                                          <p:stCondLst>
+                                            <p:cond delay="0"/>
+                                          </p:stCondLst>
+                                        </p:cTn>
+                                        <p:tgtEl>
+                                          <p:spTgt spid="24"/>
+                                        </p:tgtEl>
+                                        <p:attrNameLst>
+                                          <p:attrName>style.visibility</p:attrName>
+                                        </p:attrNameLst>
+                                      </p:cBhvr>
+                                      <p:to>
+                                        <p:strVal val="visible"/>
+                                      </p:to>
+                                    </p:set>
+                                    <p:anim calcmode="lin" valueType="num">
+                                      <p:cBhvr additive="base">
+                                        <p:cTn id="15" dur="500" fill="hold"/>
+                                        <p:tgtEl>
+                                          <p:spTgt spid="24"/>
+                                        </p:tgtEl>
+                                        <p:attrNameLst>
+                                          <p:attrName>ppt_x</p:attrName>
+                                        </p:attrNameLst>
+                                      </p:cBhvr>
+                                      <p:tavLst>
+                                        <p:tav tm="0">
+                                          <p:val>
+                                            <p:strVal val="#ppt_x"/>
+                                          </p:val>
+                                        </p:tav>
+                                        <p:tav tm="100000">
+                                          <p:val>
+                                            <p:strVal val="#ppt_x"/>
+                                          </p:val>
+                                        </p:tav>
+                                      </p:tavLst>
+                                    </p:anim>
+                                    <p:anim calcmode="lin" valueType="num">
+                                      <p:cBhvr additive="base">
+                                        <p:cTn id="16" dur="500" fill="hold"/>
+                                        <p:tgtEl>
+                                          <p:spTgt spid="24"/>
+                                        </p:tgtEl>
+                                        <p:attrNameLst>
+                                          <p:attrName>ppt_y</p:attrName>
+                                        </p:attrNameLst>
+                                      </p:cBhvr>
+                                      <p:tavLst>
+                                        <p:tav tm="0">
+                                          <p:val>
+                                            <p:strVal val="1+#ppt_h/2"/>
+                                          </p:val>
+                                        </p:tav>
+                                        <p:tav tm="100000">
+                                          <p:val>
+                                            <p:strVal val="#ppt_y"/>
+                                          </p:val>
+                                        </p:tav>
+                                      </p:tavLst>
+                                    </p:anim>
+                                  </p:childTnLst>
+                                </p:cTn>
+                              </p:par>
+                              <p:par>
+                                <p:cTn id="17" presetID="2" presetClass="entr" presetSubtype="4" fill="hold" grpId="0" nodeType="withEffect">
+                                  <p:stCondLst>
+                                    <p:cond delay="0"/>
+                                  </p:stCondLst>
+                                  <p:childTnLst>
+                                    <p:set>
+                                      <p:cBhvr>
+                                        <p:cTn id="18" dur="1" fill="hold">
+                                          <p:stCondLst>
+                                            <p:cond delay="0"/>
+                                          </p:stCondLst>
+                                        </p:cTn>
+                                        <p:tgtEl>
+                                          <p:spTgt spid="4"/>
+                                        </p:tgtEl>
+                                        <p:attrNameLst>
+                                          <p:attrName>style.visibility</p:attrName>
+                                        </p:attrNameLst>
+                                      </p:cBhvr>
+                                      <p:to>
+                                        <p:strVal val="visible"/>
+                                      </p:to>
+                                    </p:set>
+                                    <p:anim calcmode="lin" valueType="num">
+                                      <p:cBhvr additive="base">
+                                        <p:cTn id="19" dur="500" fill="hold"/>
+                                        <p:tgtEl>
+                                          <p:spTgt spid="4"/>
+                                        </p:tgtEl>
+                                        <p:attrNameLst>
+                                          <p:attrName>ppt_x</p:attrName>
+                                        </p:attrNameLst>
+                                      </p:cBhvr>
+                                      <p:tavLst>
+                                        <p:tav tm="0">
+                                          <p:val>
+                                            <p:strVal val="#ppt_x"/>
+                                          </p:val>
+                                        </p:tav>
+                                        <p:tav tm="100000">
+                                          <p:val>
+                                            <p:strVal val="#ppt_x"/>
+                                          </p:val>
+                                        </p:tav>
+                                      </p:tavLst>
+                                    </p:anim>
+                                    <p:anim calcmode="lin" valueType="num">
+                                      <p:cBhvr additive="base">
+                                        <p:cTn id="20" dur="500" fill="hold"/>
+                                        <p:tgtEl>
+                                          <p:spTgt spid="4"/>
+                                        </p:tgtEl>
+                                        <p:attrNameLst>
+                                          <p:attrName>ppt_y</p:attrName>
+                                        </p:attrNameLst>
+                                      </p:cBhvr>
+                                      <p:tavLst>
+                                        <p:tav tm="0">
+                                          <p:val>
+                                            <p:strVal val="1+#ppt_h/2"/>
+                                          </p:val>
+                                        </p:tav>
+                                        <p:tav tm="100000">
+                                          <p:val>
+                                            <p:strVal val="#ppt_y"/>
+                                          </p:val>
+                                        </p:tav>
+                                      </p:tavLst>
+                                    </p:anim>
+                                  </p:childTnLst>
+                                </p:cTn>
+                              </p:par>
+                              <p:par>
+                                <p:cTn id="21" presetID="2" presetClass="entr" presetSubtype="4" fill="hold" grpId="0" nodeType="withEffect">
+                                  <p:stCondLst>
+                                    <p:cond delay="0"/>
+                                  </p:stCondLst>
+                                  <p:childTnLst>
+                                    <p:set>
+                                      <p:cBhvr>
+                                        <p:cTn id="22" dur="1" fill="hold">
+                                          <p:stCondLst>
+                                            <p:cond delay="0"/>
+                                          </p:stCondLst>
+                                        </p:cTn>
+                                        <p:tgtEl>
+                                          <p:spTgt spid="6"/>
+                                        </p:tgtEl>
+                                        <p:attrNameLst>
+                                          <p:attrName>style.visibility</p:attrName>
+                                        </p:attrNameLst>
+                                      </p:cBhvr>
+                                      <p:to>
+                                        <p:strVal val="visible"/>
+                                      </p:to>
+                                    </p:set>
+                                    <p:anim calcmode="lin" valueType="num">
+                                      <p:cBhvr additive="base">
+                                        <p:cTn id="23" dur="500" fill="hold"/>
+                                        <p:tgtEl>
+                                          <p:spTgt spid="6"/>
+                                        </p:tgtEl>
+                                        <p:attrNameLst>
+                                          <p:attrName>ppt_x</p:attrName>
+                                        </p:attrNameLst>
+                                      </p:cBhvr>
+                                      <p:tavLst>
+                                        <p:tav tm="0">
+                                          <p:val>
+                                            <p:strVal val="#ppt_x"/>
+                                          </p:val>
+                                        </p:tav>
+                                        <p:tav tm="100000">
+                                          <p:val>
+                                            <p:strVal val="#ppt_x"/>
+                                          </p:val>
+                                        </p:tav>
+                                      </p:tavLst>
+                                    </p:anim>
+                                    <p:anim calcmode="lin" valueType="num">
+                                      <p:cBhvr additive="base">
+                                        <p:cTn id="24" dur="500" fill="hold"/>
+                                        <p:tgtEl>
+                                          <p:spTgt spid="6"/>
+                                        </p:tgtEl>
+                                        <p:attrNameLst>
+                                          <p:attrName>ppt_y</p:attrName>
+                                        </p:attrNameLst>
+                                      </p:cBhvr>
+                                      <p:tavLst>
+                                        <p:tav tm="0">
+                                          <p:val>
+                                            <p:strVal val="1+#ppt_h/2"/>
+                                          </p:val>
+                                        </p:tav>
+                                        <p:tav tm="100000">
+                                          <p:val>
+                                            <p:strVal val="#ppt_y"/>
+                                          </p:val>
+                                        </p:tav>
+                                      </p:tavLst>
+                                    </p:anim>
+                                  </p:childTnLst>
+                                </p:cTn>
+                              </p:par>
+                              <p:par>
+                                <p:cTn id="25" presetID="2" presetClass="entr" presetSubtype="4" fill="hold" grpId="0" nodeType="withEffect">
+                                  <p:stCondLst>
+                                    <p:cond delay="0"/>
+                                  </p:stCondLst>
+                                  <p:childTnLst>
+                                    <p:set>
+                                      <p:cBhvr>
+                                        <p:cTn id="26" dur="1" fill="hold">
+                                          <p:stCondLst>
+                                            <p:cond delay="0"/>
+                                          </p:stCondLst>
+                                        </p:cTn>
+                                        <p:tgtEl>
+                                          <p:spTgt spid="7"/>
+                                        </p:tgtEl>
+                                        <p:attrNameLst>
+                                          <p:attrName>style.visibility</p:attrName>
+                                        </p:attrNameLst>
+                                      </p:cBhvr>
+                                      <p:to>
+                                        <p:strVal val="visible"/>
+                                      </p:to>
+                                    </p:set>
+                                    <p:anim calcmode="lin" valueType="num">
+                                      <p:cBhvr additive="base">
+                                        <p:cTn id="27" dur="500" fill="hold"/>
+                                        <p:tgtEl>
+                                          <p:spTgt spid="7"/>
+                                        </p:tgtEl>
+                                        <p:attrNameLst>
+                                          <p:attrName>ppt_x</p:attrName>
+                                        </p:attrNameLst>
+                                      </p:cBhvr>
+                                      <p:tavLst>
+                                        <p:tav tm="0">
+                                          <p:val>
+                                            <p:strVal val="#ppt_x"/>
+                                          </p:val>
+                                        </p:tav>
+                                        <p:tav tm="100000">
+                                          <p:val>
+                                            <p:strVal val="#ppt_x"/>
+                                          </p:val>
+                                        </p:tav>
+                                      </p:tavLst>
+                                    </p:anim>
+                                    <p:anim calcmode="lin" valueType="num">
+                                      <p:cBhvr additive="base">
+                                        <p:cTn id="28" dur="500" fill="hold"/>
+                                        <p:tgtEl>
+                                          <p:spTgt spid="7"/>
+                                        </p:tgtEl>
+                                        <p:attrNameLst>
+                                          <p:attrName>ppt_y</p:attrName>
+                                        </p:attrNameLst>
+                                      </p:cBhvr>
+                                      <p:tavLst>
+                                        <p:tav tm="0">
+                                          <p:val>
+                                            <p:strVal val="1+#ppt_h/2"/>
+                                          </p:val>
+                                        </p:tav>
+                                        <p:tav tm="100000">
+                                          <p:val>
+                                            <p:strVal val="#ppt_y"/>
+                                          </p:val>
+                                        </p:tav>
+                                      </p:tavLst>
+                                    </p:anim>
+                                  </p:childTnLst>
+                                </p:cTn>
+                              </p:par>
+                              <p:par>
+                                <p:cTn id="29" presetID="2" presetClass="entr" presetSubtype="4" fill="hold" nodeType="withEffect">
+                                  <p:stCondLst>
+                                    <p:cond delay="0"/>
+                                  </p:stCondLst>
+                                  <p:childTnLst>
+                                    <p:set>
+                                      <p:cBhvr>
+                                        <p:cTn id="30" dur="1" fill="hold">
+                                          <p:stCondLst>
+                                            <p:cond delay="0"/>
+                                          </p:stCondLst>
+                                        </p:cTn>
+                                        <p:tgtEl>
+                                          <p:spTgt spid="15"/>
+                                        </p:tgtEl>
+                                        <p:attrNameLst>
+                                          <p:attrName>style.visibility</p:attrName>
+                                        </p:attrNameLst>
+                                      </p:cBhvr>
+                                      <p:to>
+                                        <p:strVal val="visible"/>
+                                      </p:to>
+                                    </p:set>
+                                    <p:anim calcmode="lin" valueType="num">
+                                      <p:cBhvr additive="base">
+                                        <p:cTn id="31" dur="500" fill="hold"/>
+                                        <p:tgtEl>
+                                          <p:spTgt spid="15"/>
+                                        </p:tgtEl>
+                                        <p:attrNameLst>
+                                          <p:attrName>ppt_x</p:attrName>
+                                        </p:attrNameLst>
+                                      </p:cBhvr>
+                                      <p:tavLst>
+                                        <p:tav tm="0">
+                                          <p:val>
+                                            <p:strVal val="#ppt_x"/>
+                                          </p:val>
+                                        </p:tav>
+                                        <p:tav tm="100000">
+                                          <p:val>
+                                            <p:strVal val="#ppt_x"/>
+                                          </p:val>
+                                        </p:tav>
+                                      </p:tavLst>
+                                    </p:anim>
+                                    <p:anim calcmode="lin" valueType="num">
+                                      <p:cBhvr additive="base">
+                                        <p:cTn id="32" dur="500" fill="hold"/>
+                                        <p:tgtEl>
+                                          <p:spTgt spid="15"/>
+                                        </p:tgtEl>
+                                        <p:attrNameLst>
+                                          <p:attrName>ppt_y</p:attrName>
+                                        </p:attrNameLst>
+                                      </p:cBhvr>
+                                      <p:tavLst>
+                                        <p:tav tm="0">
+                                          <p:val>
+                                            <p:strVal val="1+#ppt_h/2"/>
+                                          </p:val>
+                                        </p:tav>
+                                        <p:tav tm="100000">
+                                          <p:val>
+                                            <p:strVal val="#ppt_y"/>
+                                          </p:val>
+                                        </p:tav>
+                                      </p:tavLst>
+                                    </p:anim>
+                                  </p:childTnLst>
+                                </p:cTn>
+                              </p:par>
+                              <p:par>
+                                <p:cTn id="33" presetID="2" presetClass="entr" presetSubtype="4" fill="hold" nodeType="withEffect">
+                                  <p:stCondLst>
+                                    <p:cond delay="0"/>
+                                  </p:stCondLst>
+                                  <p:childTnLst>
+                                    <p:set>
+                                      <p:cBhvr>
+                                        <p:cTn id="34" dur="1" fill="hold">
+                                          <p:stCondLst>
+                                            <p:cond delay="0"/>
+                                          </p:stCondLst>
+                                        </p:cTn>
+                                        <p:tgtEl>
+                                          <p:spTgt spid="16"/>
+                                        </p:tgtEl>
+                                        <p:attrNameLst>
+                                          <p:attrName>style.visibility</p:attrName>
+                                        </p:attrNameLst>
+                                      </p:cBhvr>
+                                      <p:to>
+                                        <p:strVal val="visible"/>
+                                      </p:to>
+                                    </p:set>
+                                    <p:anim calcmode="lin" valueType="num">
+                                      <p:cBhvr additive="base">
+                                        <p:cTn id="35" dur="500" fill="hold"/>
+                                        <p:tgtEl>
+                                          <p:spTgt spid="16"/>
+                                        </p:tgtEl>
+                                        <p:attrNameLst>
+                                          <p:attrName>ppt_x</p:attrName>
+                                        </p:attrNameLst>
+                                      </p:cBhvr>
+                                      <p:tavLst>
+                                        <p:tav tm="0">
+                                          <p:val>
+                                            <p:strVal val="#ppt_x"/>
+                                          </p:val>
+                                        </p:tav>
+                                        <p:tav tm="100000">
+                                          <p:val>
+                                            <p:strVal val="#ppt_x"/>
+                                          </p:val>
+                                        </p:tav>
+                                      </p:tavLst>
+                                    </p:anim>
+                                    <p:anim calcmode="lin" valueType="num">
+                                      <p:cBhvr additive="base">
+                                        <p:cTn id="36" dur="500" fill="hold"/>
+                                        <p:tgtEl>
+                                          <p:spTgt spid="16"/>
+                                        </p:tgtEl>
+                                        <p:attrNameLst>
+                                          <p:attrName>ppt_y</p:attrName>
+                                        </p:attrNameLst>
+                                      </p:cBhvr>
+                                      <p:tavLst>
+                                        <p:tav tm="0">
+                                          <p:val>
+                                            <p:strVal val="1+#ppt_h/2"/>
+                                          </p:val>
+                                        </p:tav>
+                                        <p:tav tm="100000">
+                                          <p:val>
+                                            <p:strVal val="#ppt_y"/>
+                                          </p:val>
+                                        </p:tav>
+                                      </p:tavLst>
+                                    </p:anim>
+                                  </p:childTnLst>
+                                </p:cTn>
+                              </p:par>
+                              <p:par>
+                                <p:cTn id="37" presetID="2" presetClass="entr" presetSubtype="4" fill="hold" grpId="0" nodeType="withEffect">
+                                  <p:stCondLst>
+                                    <p:cond delay="0"/>
+                                  </p:stCondLst>
+                                  <p:childTnLst>
+                                    <p:set>
+                                      <p:cBhvr>
+                                        <p:cTn id="38" dur="1" fill="hold">
+                                          <p:stCondLst>
+                                            <p:cond delay="0"/>
+                                          </p:stCondLst>
+                                        </p:cTn>
+                                        <p:tgtEl>
+                                          <p:spTgt spid="9"/>
+                                        </p:tgtEl>
+                                        <p:attrNameLst>
+                                          <p:attrName>style.visibility</p:attrName>
+                                        </p:attrNameLst>
+                                      </p:cBhvr>
+                                      <p:to>
+                                        <p:strVal val="visible"/>
+                                      </p:to>
+                                    </p:set>
+                                    <p:anim calcmode="lin" valueType="num">
+                                      <p:cBhvr additive="base">
+                                        <p:cTn id="39" dur="500" fill="hold"/>
+                                        <p:tgtEl>
+                                          <p:spTgt spid="9"/>
+                                        </p:tgtEl>
+                                        <p:attrNameLst>
+                                          <p:attrName>ppt_x</p:attrName>
+                                        </p:attrNameLst>
+                                      </p:cBhvr>
+                                      <p:tavLst>
+                                        <p:tav tm="0">
+                                          <p:val>
+                                            <p:strVal val="#ppt_x"/>
+                                          </p:val>
+                                        </p:tav>
+                                        <p:tav tm="100000">
+                                          <p:val>
+                                            <p:strVal val="#ppt_x"/>
+                                          </p:val>
+                                        </p:tav>
+                                      </p:tavLst>
+                                    </p:anim>
+                                    <p:anim calcmode="lin" valueType="num">
+                                      <p:cBhvr additive="base">
+                                        <p:cTn id="40" dur="500" fill="hold"/>
+                                        <p:tgtEl>
+                                          <p:spTgt spid="9"/>
+                                        </p:tgtEl>
+                                        <p:attrNameLst>
+                                          <p:attrName>ppt_y</p:attrName>
+                                        </p:attrNameLst>
+                                      </p:cBhvr>
+                                      <p:tavLst>
+                                        <p:tav tm="0">
+                                          <p:val>
+                                            <p:strVal val="1+#ppt_h/2"/>
+                                          </p:val>
+                                        </p:tav>
+                                        <p:tav tm="100000">
+                                          <p:val>
+                                            <p:strVal val="#ppt_y"/>
+                                          </p:val>
+                                        </p:tav>
+                                      </p:tavLst>
+                                    </p:anim>
+                                  </p:childTnLst>
+                                </p:cTn>
+                              </p:par>
+                              <p:par>
+                                <p:cTn id="41" presetID="2" presetClass="entr" presetSubtype="4" fill="hold" grpId="0" nodeType="withEffect">
+                                  <p:stCondLst>
+                                    <p:cond delay="0"/>
+                                  </p:stCondLst>
+                                  <p:childTnLst>
+                                    <p:set>
+                                      <p:cBhvr>
+                                        <p:cTn id="42" dur="1" fill="hold">
+                                          <p:stCondLst>
+                                            <p:cond delay="0"/>
+                                          </p:stCondLst>
+                                        </p:cTn>
+                                        <p:tgtEl>
+                                          <p:spTgt spid="10"/>
+                                        </p:tgtEl>
+                                        <p:attrNameLst>
+                                          <p:attrName>style.visibility</p:attrName>
+                                        </p:attrNameLst>
+                                      </p:cBhvr>
+                                      <p:to>
+                                        <p:strVal val="visible"/>
+                                      </p:to>
+                                    </p:set>
+                                    <p:anim calcmode="lin" valueType="num">
+                                      <p:cBhvr additive="base">
+                                        <p:cTn id="43" dur="500" fill="hold"/>
+                                        <p:tgtEl>
+                                          <p:spTgt spid="10"/>
+                                        </p:tgtEl>
+                                        <p:attrNameLst>
+                                          <p:attrName>ppt_x</p:attrName>
+                                        </p:attrNameLst>
+                                      </p:cBhvr>
+                                      <p:tavLst>
+                                        <p:tav tm="0">
+                                          <p:val>
+                                            <p:strVal val="#ppt_x"/>
+                                          </p:val>
+                                        </p:tav>
+                                        <p:tav tm="100000">
+                                          <p:val>
+                                            <p:strVal val="#ppt_x"/>
+                                          </p:val>
+                                        </p:tav>
+                                      </p:tavLst>
+                                    </p:anim>
+                                    <p:anim calcmode="lin" valueType="num">
+                                      <p:cBhvr additive="base">
+                                        <p:cTn id="44" dur="500" fill="hold"/>
+                                        <p:tgtEl>
+                                          <p:spTgt spid="10"/>
+                                        </p:tgtEl>
+                                        <p:attrNameLst>
+                                          <p:attrName>ppt_y</p:attrName>
+                                        </p:attrNameLst>
+                                      </p:cBhvr>
+                                      <p:tavLst>
+                                        <p:tav tm="0">
+                                          <p:val>
+                                            <p:strVal val="1+#ppt_h/2"/>
+                                          </p:val>
+                                        </p:tav>
+                                        <p:tav tm="100000">
+                                          <p:val>
+                                            <p:strVal val="#ppt_y"/>
+                                          </p:val>
+                                        </p:tav>
+                                      </p:tavLst>
+                                    </p:anim>
+                                  </p:childTnLst>
+                                </p:cTn>
+                              </p:par>
+                            </p:childTnLst>
+                          </p:cTn>
+                        </p:par>
+                      </p:childTnLst>
+                    </p:cTn>
+                  </p:par>
+                </p:childTnLst>
+              </p:cTn>
+              <p:prevCondLst>
+                <p:cond evt="onPrev" delay="0">
+                  <p:tgtEl>
+                    <p:sldTgt/>
+                  </p:tgtEl>
+                </p:cond>
+              </p:prevCondLst>
+              <p:nextCondLst>
+                <p:cond evt="onNext" delay="0">
+                  <p:tgtEl>
+                    <p:sldTgt/>
+                  </p:tgtEl>
+                </p:cond>
+              </p:nextCondLst>
+            </p:seq>
+          </p:childTnLst>
+        </p:cTn>
       </p:par>
     </p:tnLst>
+    <p:bldLst>
+      <p:bldP spid="8" grpId="0" animBg="1"/>
+      <p:bldP spid="4" grpId="0" animBg="1"/>
+      <p:bldP spid="6" grpId="0" animBg="1"/>
+      <p:bldP spid="7" grpId="0" animBg="1"/>
+      <p:bldP spid="9" grpId="0" animBg="1"/>
+      <p:bldP spid="10" grpId="0" animBg="1"/>
+    </p:bldLst>
   </p:timing>
 </p:sld>
 </file>
@@ -4470,24 +6317,34 @@
           <a:lstStyle/>
           <a:p>
             <a:r>
-              <a:rPr lang="en-US" b="1" dirty="0" smtClean="0">
+              <a:rPr lang="zh-CN" altLang="en-US" b="1" dirty="0" smtClean="0">
                 <a:solidFill>
                   <a:srgbClr val="0070C0"/>
                 </a:solidFill>
                 <a:latin typeface="微软雅黑" panose="020B0503020204020204" pitchFamily="34" charset="-122"/>
                 <a:ea typeface="微软雅黑" panose="020B0503020204020204" pitchFamily="34" charset="-122"/>
               </a:rPr>
-              <a:t>ER</a:t>
-            </a:r>
-            <a:r>
-              <a:rPr lang="zh-CN" altLang="en-US" b="1" dirty="0">
+              <a:t>痛点</a:t>
+            </a:r>
+            <a:r>
+              <a:rPr lang="en-US" altLang="zh-CN" b="1" dirty="0">
                 <a:solidFill>
                   <a:srgbClr val="0070C0"/>
                 </a:solidFill>
                 <a:latin typeface="微软雅黑" panose="020B0503020204020204" pitchFamily="34" charset="-122"/>
                 <a:ea typeface="微软雅黑" panose="020B0503020204020204" pitchFamily="34" charset="-122"/>
               </a:rPr>
-              <a:t>模型数据库模式调整</a:t>
+              <a:t>2</a:t>
+            </a:r>
+            <a:r>
+              <a:rPr lang="zh-CN" altLang="en-US" b="1" dirty="0" smtClean="0">
+                <a:solidFill>
+                  <a:srgbClr val="0070C0"/>
+                </a:solidFill>
+                <a:latin typeface="微软雅黑" panose="020B0503020204020204" pitchFamily="34" charset="-122"/>
+                <a:ea typeface="微软雅黑" panose="020B0503020204020204" pitchFamily="34" charset="-122"/>
+              </a:rPr>
+              <a:t>：问卷数不够怎么办？</a:t>
             </a:r>
             <a:endParaRPr lang="en-US" b="1" dirty="0">
               <a:solidFill>
@@ -4514,19 +6371,6 @@
           <a:bodyPr/>
           <a:lstStyle/>
           <a:p>
-            <a:r>
-              <a:rPr lang="zh-CN" altLang="en-US" b="1" dirty="0" smtClean="0">
-                <a:solidFill>
-                  <a:schemeClr val="tx1">
-                    <a:lumMod val="65000"/>
-                    <a:lumOff val="35000"/>
-                  </a:schemeClr>
-                </a:solidFill>
-                <a:latin typeface="微软雅黑" panose="020B0503020204020204" pitchFamily="34" charset="-122"/>
-                <a:ea typeface="微软雅黑" panose="020B0503020204020204" pitchFamily="34" charset="-122"/>
-              </a:rPr>
-              <a:t>改进用户权限管理</a:t>
-            </a:r>
             <a:endParaRPr lang="en-US" altLang="zh-CN" b="1" dirty="0" smtClean="0">
               <a:solidFill>
                 <a:schemeClr val="tx1">
@@ -4539,20 +6383,6 @@
             </a:endParaRPr>
           </a:p>
           <a:p>
-            <a:pPr lvl="1"/>
-            <a:r>
-              <a:rPr lang="zh-CN" altLang="en-US" b="1" dirty="0" smtClean="0">
-                <a:solidFill>
-                  <a:schemeClr val="tx1">
-                    <a:lumMod val="65000"/>
-                    <a:lumOff val="35000"/>
-                  </a:schemeClr>
-                </a:solidFill>
-                <a:latin typeface="微软雅黑" panose="020B0503020204020204" pitchFamily="34" charset="-122"/>
-                <a:ea typeface="微软雅黑" panose="020B0503020204020204" pitchFamily="34" charset="-122"/>
-              </a:rPr>
-              <a:t>可动态管理身份以及相应权限，用户可有多重身份。</a:t>
-            </a:r>
             <a:endParaRPr lang="en-US" altLang="zh-CN" b="1" dirty="0" smtClean="0">
               <a:solidFill>
                 <a:schemeClr val="tx1">
@@ -4564,12 +6394,309 @@
               <a:ea typeface="微软雅黑" panose="020B0503020204020204" pitchFamily="34" charset="-122"/>
             </a:endParaRPr>
           </a:p>
-        </p:txBody>
-      </p:sp>
+          <a:p>
+            <a:endParaRPr lang="en-US" b="1" dirty="0">
+              <a:latin typeface="微软雅黑" panose="020B0503020204020204" pitchFamily="34" charset="-122"/>
+              <a:ea typeface="微软雅黑" panose="020B0503020204020204" pitchFamily="34" charset="-122"/>
+            </a:endParaRPr>
+          </a:p>
+        </p:txBody>
+      </p:sp>
+      <p:sp>
+        <p:nvSpPr>
+          <p:cNvPr id="6" name="内容占位符 2"/>
+          <p:cNvSpPr txBox="1">
+            <a:spLocks/>
+          </p:cNvSpPr>
+          <p:nvPr/>
+        </p:nvSpPr>
+        <p:spPr>
+          <a:xfrm>
+            <a:off x="781050" y="1978025"/>
+            <a:ext cx="7886700" cy="4351338"/>
+          </a:xfrm>
+          <a:prstGeom prst="rect">
+            <a:avLst/>
+          </a:prstGeom>
+        </p:spPr>
+        <p:txBody>
+          <a:bodyPr vert="horz" lIns="91440" tIns="45720" rIns="91440" bIns="45720" rtlCol="0">
+            <a:normAutofit/>
+          </a:bodyPr>
+          <a:lstStyle>
+            <a:lvl1pPr marL="228600" indent="-228600" algn="l" defTabSz="914400" rtl="0" eaLnBrk="1" latinLnBrk="0" hangingPunct="1">
+              <a:lnSpc>
+                <a:spcPct val="90000"/>
+              </a:lnSpc>
+              <a:spcBef>
+                <a:spcPts val="1000"/>
+              </a:spcBef>
+              <a:buFont typeface="Arial" panose="020B0604020202020204" pitchFamily="34" charset="0"/>
+              <a:buChar char="•"/>
+              <a:defRPr sz="2800" kern="1200">
+                <a:solidFill>
+                  <a:schemeClr val="tx1"/>
+                </a:solidFill>
+                <a:latin typeface="+mn-lt"/>
+                <a:ea typeface="+mn-ea"/>
+                <a:cs typeface="+mn-cs"/>
+              </a:defRPr>
+            </a:lvl1pPr>
+            <a:lvl2pPr marL="685800" indent="-228600" algn="l" defTabSz="914400" rtl="0" eaLnBrk="1" latinLnBrk="0" hangingPunct="1">
+              <a:lnSpc>
+                <a:spcPct val="90000"/>
+              </a:lnSpc>
+              <a:spcBef>
+                <a:spcPts val="500"/>
+              </a:spcBef>
+              <a:buFont typeface="Arial" panose="020B0604020202020204" pitchFamily="34" charset="0"/>
+              <a:buChar char="•"/>
+              <a:defRPr sz="2400" kern="1200">
+                <a:solidFill>
+                  <a:schemeClr val="tx1"/>
+                </a:solidFill>
+                <a:latin typeface="+mn-lt"/>
+                <a:ea typeface="+mn-ea"/>
+                <a:cs typeface="+mn-cs"/>
+              </a:defRPr>
+            </a:lvl2pPr>
+            <a:lvl3pPr marL="1143000" indent="-228600" algn="l" defTabSz="914400" rtl="0" eaLnBrk="1" latinLnBrk="0" hangingPunct="1">
+              <a:lnSpc>
+                <a:spcPct val="90000"/>
+              </a:lnSpc>
+              <a:spcBef>
+                <a:spcPts val="500"/>
+              </a:spcBef>
+              <a:buFont typeface="Arial" panose="020B0604020202020204" pitchFamily="34" charset="0"/>
+              <a:buChar char="•"/>
+              <a:defRPr sz="2000" kern="1200">
+                <a:solidFill>
+                  <a:schemeClr val="tx1"/>
+                </a:solidFill>
+                <a:latin typeface="+mn-lt"/>
+                <a:ea typeface="+mn-ea"/>
+                <a:cs typeface="+mn-cs"/>
+              </a:defRPr>
+            </a:lvl3pPr>
+            <a:lvl4pPr marL="1600200" indent="-228600" algn="l" defTabSz="914400" rtl="0" eaLnBrk="1" latinLnBrk="0" hangingPunct="1">
+              <a:lnSpc>
+                <a:spcPct val="90000"/>
+              </a:lnSpc>
+              <a:spcBef>
+                <a:spcPts val="500"/>
+              </a:spcBef>
+              <a:buFont typeface="Arial" panose="020B0604020202020204" pitchFamily="34" charset="0"/>
+              <a:buChar char="•"/>
+              <a:defRPr sz="1800" kern="1200">
+                <a:solidFill>
+                  <a:schemeClr val="tx1"/>
+                </a:solidFill>
+                <a:latin typeface="+mn-lt"/>
+                <a:ea typeface="+mn-ea"/>
+                <a:cs typeface="+mn-cs"/>
+              </a:defRPr>
+            </a:lvl4pPr>
+            <a:lvl5pPr marL="2057400" indent="-228600" algn="l" defTabSz="914400" rtl="0" eaLnBrk="1" latinLnBrk="0" hangingPunct="1">
+              <a:lnSpc>
+                <a:spcPct val="90000"/>
+              </a:lnSpc>
+              <a:spcBef>
+                <a:spcPts val="500"/>
+              </a:spcBef>
+              <a:buFont typeface="Arial" panose="020B0604020202020204" pitchFamily="34" charset="0"/>
+              <a:buChar char="•"/>
+              <a:defRPr sz="1800" kern="1200">
+                <a:solidFill>
+                  <a:schemeClr val="tx1"/>
+                </a:solidFill>
+                <a:latin typeface="+mn-lt"/>
+                <a:ea typeface="+mn-ea"/>
+                <a:cs typeface="+mn-cs"/>
+              </a:defRPr>
+            </a:lvl5pPr>
+            <a:lvl6pPr marL="2514600" indent="-228600" algn="l" defTabSz="914400" rtl="0" eaLnBrk="1" latinLnBrk="0" hangingPunct="1">
+              <a:lnSpc>
+                <a:spcPct val="90000"/>
+              </a:lnSpc>
+              <a:spcBef>
+                <a:spcPts val="500"/>
+              </a:spcBef>
+              <a:buFont typeface="Arial" panose="020B0604020202020204" pitchFamily="34" charset="0"/>
+              <a:buChar char="•"/>
+              <a:defRPr sz="1800" kern="1200">
+                <a:solidFill>
+                  <a:schemeClr val="tx1"/>
+                </a:solidFill>
+                <a:latin typeface="+mn-lt"/>
+                <a:ea typeface="+mn-ea"/>
+                <a:cs typeface="+mn-cs"/>
+              </a:defRPr>
+            </a:lvl6pPr>
+            <a:lvl7pPr marL="2971800" indent="-228600" algn="l" defTabSz="914400" rtl="0" eaLnBrk="1" latinLnBrk="0" hangingPunct="1">
+              <a:lnSpc>
+                <a:spcPct val="90000"/>
+              </a:lnSpc>
+              <a:spcBef>
+                <a:spcPts val="500"/>
+              </a:spcBef>
+              <a:buFont typeface="Arial" panose="020B0604020202020204" pitchFamily="34" charset="0"/>
+              <a:buChar char="•"/>
+              <a:defRPr sz="1800" kern="1200">
+                <a:solidFill>
+                  <a:schemeClr val="tx1"/>
+                </a:solidFill>
+                <a:latin typeface="+mn-lt"/>
+                <a:ea typeface="+mn-ea"/>
+                <a:cs typeface="+mn-cs"/>
+              </a:defRPr>
+            </a:lvl7pPr>
+            <a:lvl8pPr marL="3429000" indent="-228600" algn="l" defTabSz="914400" rtl="0" eaLnBrk="1" latinLnBrk="0" hangingPunct="1">
+              <a:lnSpc>
+                <a:spcPct val="90000"/>
+              </a:lnSpc>
+              <a:spcBef>
+                <a:spcPts val="500"/>
+              </a:spcBef>
+              <a:buFont typeface="Arial" panose="020B0604020202020204" pitchFamily="34" charset="0"/>
+              <a:buChar char="•"/>
+              <a:defRPr sz="1800" kern="1200">
+                <a:solidFill>
+                  <a:schemeClr val="tx1"/>
+                </a:solidFill>
+                <a:latin typeface="+mn-lt"/>
+                <a:ea typeface="+mn-ea"/>
+                <a:cs typeface="+mn-cs"/>
+              </a:defRPr>
+            </a:lvl8pPr>
+            <a:lvl9pPr marL="3886200" indent="-228600" algn="l" defTabSz="914400" rtl="0" eaLnBrk="1" latinLnBrk="0" hangingPunct="1">
+              <a:lnSpc>
+                <a:spcPct val="90000"/>
+              </a:lnSpc>
+              <a:spcBef>
+                <a:spcPts val="500"/>
+              </a:spcBef>
+              <a:buFont typeface="Arial" panose="020B0604020202020204" pitchFamily="34" charset="0"/>
+              <a:buChar char="•"/>
+              <a:defRPr sz="1800" kern="1200">
+                <a:solidFill>
+                  <a:schemeClr val="tx1"/>
+                </a:solidFill>
+                <a:latin typeface="+mn-lt"/>
+                <a:ea typeface="+mn-ea"/>
+                <a:cs typeface="+mn-cs"/>
+              </a:defRPr>
+            </a:lvl9pPr>
+          </a:lstStyle>
+          <a:p>
+            <a:r>
+              <a:rPr lang="zh-CN" altLang="en-US" b="1" dirty="0" smtClean="0">
+                <a:solidFill>
+                  <a:schemeClr val="tx1">
+                    <a:lumMod val="65000"/>
+                    <a:lumOff val="35000"/>
+                  </a:schemeClr>
+                </a:solidFill>
+                <a:latin typeface="微软雅黑" panose="020B0503020204020204" pitchFamily="34" charset="-122"/>
+                <a:ea typeface="微软雅黑" panose="020B0503020204020204" pitchFamily="34" charset="-122"/>
+              </a:rPr>
+              <a:t>某些问卷的调查者希望自己的问卷回答有一定的数额，但是找不到回答者（比如某机动选修课）</a:t>
+            </a:r>
+            <a:endParaRPr lang="en-US" altLang="zh-CN" b="1" dirty="0" smtClean="0">
+              <a:solidFill>
+                <a:schemeClr val="tx1">
+                  <a:lumMod val="65000"/>
+                  <a:lumOff val="35000"/>
+                </a:schemeClr>
+              </a:solidFill>
+              <a:latin typeface="微软雅黑" panose="020B0503020204020204" pitchFamily="34" charset="-122"/>
+              <a:ea typeface="微软雅黑" panose="020B0503020204020204" pitchFamily="34" charset="-122"/>
+            </a:endParaRPr>
+          </a:p>
+          <a:p>
+            <a:r>
+              <a:rPr lang="zh-CN" altLang="en-US" b="1" dirty="0" smtClean="0">
+                <a:solidFill>
+                  <a:schemeClr val="tx1">
+                    <a:lumMod val="65000"/>
+                    <a:lumOff val="35000"/>
+                  </a:schemeClr>
+                </a:solidFill>
+                <a:latin typeface="微软雅黑" panose="020B0503020204020204" pitchFamily="34" charset="-122"/>
+                <a:ea typeface="微软雅黑" panose="020B0503020204020204" pitchFamily="34" charset="-122"/>
+              </a:rPr>
+              <a:t>样本服务？吃土服务？</a:t>
+            </a:r>
+            <a:endParaRPr lang="en-US" altLang="zh-CN" b="1" dirty="0" smtClean="0">
+              <a:solidFill>
+                <a:schemeClr val="tx1">
+                  <a:lumMod val="65000"/>
+                  <a:lumOff val="35000"/>
+                </a:schemeClr>
+              </a:solidFill>
+              <a:latin typeface="微软雅黑" panose="020B0503020204020204" pitchFamily="34" charset="-122"/>
+              <a:ea typeface="微软雅黑" panose="020B0503020204020204" pitchFamily="34" charset="-122"/>
+            </a:endParaRPr>
+          </a:p>
+          <a:p>
+            <a:endParaRPr lang="en-US" altLang="zh-CN" b="1" dirty="0" smtClean="0">
+              <a:solidFill>
+                <a:schemeClr val="tx1">
+                  <a:lumMod val="65000"/>
+                  <a:lumOff val="35000"/>
+                </a:schemeClr>
+              </a:solidFill>
+              <a:latin typeface="微软雅黑" panose="020B0503020204020204" pitchFamily="34" charset="-122"/>
+              <a:ea typeface="微软雅黑" panose="020B0503020204020204" pitchFamily="34" charset="-122"/>
+            </a:endParaRPr>
+          </a:p>
+          <a:p>
+            <a:endParaRPr lang="en-US" altLang="zh-CN" b="1" dirty="0" smtClean="0">
+              <a:solidFill>
+                <a:schemeClr val="tx1">
+                  <a:lumMod val="65000"/>
+                  <a:lumOff val="35000"/>
+                </a:schemeClr>
+              </a:solidFill>
+              <a:latin typeface="微软雅黑" panose="020B0503020204020204" pitchFamily="34" charset="-122"/>
+              <a:ea typeface="微软雅黑" panose="020B0503020204020204" pitchFamily="34" charset="-122"/>
+            </a:endParaRPr>
+          </a:p>
+          <a:p>
+            <a:endParaRPr lang="en-US" b="1" dirty="0">
+              <a:latin typeface="微软雅黑" panose="020B0503020204020204" pitchFamily="34" charset="-122"/>
+              <a:ea typeface="微软雅黑" panose="020B0503020204020204" pitchFamily="34" charset="-122"/>
+            </a:endParaRPr>
+          </a:p>
+        </p:txBody>
+      </p:sp>
+      <p:pic>
+        <p:nvPicPr>
+          <p:cNvPr id="7" name="图片 6"/>
+          <p:cNvPicPr>
+            <a:picLocks noChangeAspect="1"/>
+          </p:cNvPicPr>
+          <p:nvPr/>
+        </p:nvPicPr>
+        <p:blipFill>
+          <a:blip r:embed="rId2"/>
+          <a:stretch>
+            <a:fillRect/>
+          </a:stretch>
+        </p:blipFill>
+        <p:spPr>
+          <a:xfrm>
+            <a:off x="1048870" y="1825625"/>
+            <a:ext cx="7046259" cy="4844303"/>
+          </a:xfrm>
+          <a:prstGeom prst="rect">
+            <a:avLst/>
+          </a:prstGeom>
+        </p:spPr>
+      </p:pic>
     </p:spTree>
     <p:extLst>
       <p:ext uri="{BB962C8B-B14F-4D97-AF65-F5344CB8AC3E}">
-        <p14:creationId xmlns:p14="http://schemas.microsoft.com/office/powerpoint/2010/main" val="1573352767"/>
+        <p14:creationId xmlns:p14="http://schemas.microsoft.com/office/powerpoint/2010/main" val="782048049"/>
       </p:ext>
     </p:extLst>
   </p:cSld>
@@ -4579,7 +6706,121 @@
   <p:timing>
     <p:tnLst>
       <p:par>
-        <p:cTn id="1" dur="indefinite" restart="never" nodeType="tmRoot"/>
+        <p:cTn id="1" dur="indefinite" restart="never" nodeType="tmRoot">
+          <p:childTnLst>
+            <p:seq concurrent="1" nextAc="seek">
+              <p:cTn id="2" dur="indefinite" nodeType="mainSeq">
+                <p:childTnLst>
+                  <p:par>
+                    <p:cTn id="3" fill="hold">
+                      <p:stCondLst>
+                        <p:cond delay="indefinite"/>
+                      </p:stCondLst>
+                      <p:childTnLst>
+                        <p:par>
+                          <p:cTn id="4" fill="hold">
+                            <p:stCondLst>
+                              <p:cond delay="0"/>
+                            </p:stCondLst>
+                            <p:childTnLst>
+                              <p:par>
+                                <p:cTn id="5" presetID="2" presetClass="entr" presetSubtype="4" fill="hold" nodeType="clickEffect">
+                                  <p:stCondLst>
+                                    <p:cond delay="0"/>
+                                  </p:stCondLst>
+                                  <p:childTnLst>
+                                    <p:set>
+                                      <p:cBhvr>
+                                        <p:cTn id="6" dur="1" fill="hold">
+                                          <p:stCondLst>
+                                            <p:cond delay="0"/>
+                                          </p:stCondLst>
+                                        </p:cTn>
+                                        <p:tgtEl>
+                                          <p:spTgt spid="7"/>
+                                        </p:tgtEl>
+                                        <p:attrNameLst>
+                                          <p:attrName>style.visibility</p:attrName>
+                                        </p:attrNameLst>
+                                      </p:cBhvr>
+                                      <p:to>
+                                        <p:strVal val="visible"/>
+                                      </p:to>
+                                    </p:set>
+                                    <p:anim calcmode="lin" valueType="num">
+                                      <p:cBhvr additive="base">
+                                        <p:cTn id="7" dur="500" fill="hold"/>
+                                        <p:tgtEl>
+                                          <p:spTgt spid="7"/>
+                                        </p:tgtEl>
+                                        <p:attrNameLst>
+                                          <p:attrName>ppt_x</p:attrName>
+                                        </p:attrNameLst>
+                                      </p:cBhvr>
+                                      <p:tavLst>
+                                        <p:tav tm="0">
+                                          <p:val>
+                                            <p:strVal val="#ppt_x"/>
+                                          </p:val>
+                                        </p:tav>
+                                        <p:tav tm="100000">
+                                          <p:val>
+                                            <p:strVal val="#ppt_x"/>
+                                          </p:val>
+                                        </p:tav>
+                                      </p:tavLst>
+                                    </p:anim>
+                                    <p:anim calcmode="lin" valueType="num">
+                                      <p:cBhvr additive="base">
+                                        <p:cTn id="8" dur="500" fill="hold"/>
+                                        <p:tgtEl>
+                                          <p:spTgt spid="7"/>
+                                        </p:tgtEl>
+                                        <p:attrNameLst>
+                                          <p:attrName>ppt_y</p:attrName>
+                                        </p:attrNameLst>
+                                      </p:cBhvr>
+                                      <p:tavLst>
+                                        <p:tav tm="0">
+                                          <p:val>
+                                            <p:strVal val="1+#ppt_h/2"/>
+                                          </p:val>
+                                        </p:tav>
+                                        <p:tav tm="100000">
+                                          <p:val>
+                                            <p:strVal val="#ppt_y"/>
+                                          </p:val>
+                                        </p:tav>
+                                      </p:tavLst>
+                                    </p:anim>
+                                  </p:childTnLst>
+                                </p:cTn>
+                              </p:par>
+                            </p:childTnLst>
+                          </p:cTn>
+                        </p:par>
+                      </p:childTnLst>
+                    </p:cTn>
+                  </p:par>
+                </p:childTnLst>
+              </p:cTn>
+              <p:prevCondLst>
+                <p:cond evt="onPrev" delay="0">
+                  <p:tgtEl>
+                    <p:sldTgt/>
+                  </p:tgtEl>
+                </p:cond>
+              </p:prevCondLst>
+              <p:nextCondLst>
+                <p:cond evt="onNext" delay="0">
+                  <p:tgtEl>
+                    <p:sldTgt/>
+                  </p:tgtEl>
+                </p:cond>
+              </p:nextCondLst>
+            </p:seq>
+          </p:childTnLst>
+        </p:cTn>
       </p:par>
     </p:tnLst>
   </p:timing>
@@ -4613,20 +6854,25 @@
             <p:ph type="title"/>
           </p:nvPr>
         </p:nvSpPr>
-        <p:spPr/>
+        <p:spPr>
+          <a:xfrm>
+            <a:off x="628650" y="500062"/>
+            <a:ext cx="7886700" cy="1325563"/>
+          </a:xfrm>
+        </p:spPr>
         <p:txBody>
           <a:bodyPr/>
           <a:lstStyle/>
           <a:p>
             <a:r>
-              <a:rPr lang="zh-CN" altLang="en-US" b="1" dirty="0">
+              <a:rPr lang="zh-CN" altLang="en-US" b="1" dirty="0" smtClean="0">
                 <a:solidFill>
                   <a:srgbClr val="0070C0"/>
                 </a:solidFill>
                 <a:latin typeface="微软雅黑" panose="020B0503020204020204" pitchFamily="34" charset="-122"/>
                 <a:ea typeface="微软雅黑" panose="020B0503020204020204" pitchFamily="34" charset="-122"/>
               </a:rPr>
-              <a:t>数据库模式调整</a:t>
+              <a:t>问卷打包服务</a:t>
             </a:r>
             <a:endParaRPr lang="en-US" b="1" dirty="0">
               <a:solidFill>
@@ -4654,7 +6900,7 @@
           <a:lstStyle/>
           <a:p>
             <a:r>
-              <a:rPr lang="zh-CN" altLang="en-US" b="1" dirty="0" smtClean="0">
+              <a:rPr lang="zh-CN" altLang="en-US" b="1" dirty="0">
                 <a:solidFill>
                   <a:schemeClr val="tx1">
                     <a:lumMod val="65000"/>
@@ -4664,10 +6910,10 @@
                 <a:latin typeface="微软雅黑" panose="020B0503020204020204" pitchFamily="34" charset="-122"/>
                 <a:ea typeface="微软雅黑" panose="020B0503020204020204" pitchFamily="34" charset="-122"/>
               </a:rPr>
-              <a:t>将</a:t>
-            </a:r>
-            <a:r>
-              <a:rPr lang="en-US" altLang="zh-CN" b="1" dirty="0">
+              <a:t>基于用户之间互相</a:t>
+            </a:r>
+            <a:r>
+              <a:rPr lang="zh-CN" altLang="en-US" b="1" dirty="0" smtClean="0">
                 <a:solidFill>
                   <a:schemeClr val="tx1">
                     <a:lumMod val="65000"/>
@@ -4677,10 +6923,10 @@
                 <a:latin typeface="微软雅黑" panose="020B0503020204020204" pitchFamily="34" charset="-122"/>
                 <a:ea typeface="微软雅黑" panose="020B0503020204020204" pitchFamily="34" charset="-122"/>
               </a:rPr>
-              <a:t>C</a:t>
-            </a:r>
-            <a:r>
-              <a:rPr lang="en-US" altLang="zh-CN" b="1" dirty="0" smtClean="0">
+              <a:t>联系，将</a:t>
+            </a:r>
+            <a:r>
+              <a:rPr lang="zh-CN" altLang="en-US" b="1" dirty="0">
                 <a:solidFill>
                   <a:schemeClr val="tx1">
                     <a:lumMod val="65000"/>
@@ -4690,7 +6936,7 @@
                 <a:latin typeface="微软雅黑" panose="020B0503020204020204" pitchFamily="34" charset="-122"/>
                 <a:ea typeface="微软雅黑" panose="020B0503020204020204" pitchFamily="34" charset="-122"/>
               </a:rPr>
-              <a:t>hapter</a:t>
+              <a:t>多个问卷打包</a:t>
             </a:r>
             <a:r>
               <a:rPr lang="zh-CN" altLang="en-US" b="1" dirty="0" smtClean="0">
@@ -4703,10 +6949,10 @@
                 <a:latin typeface="微软雅黑" panose="020B0503020204020204" pitchFamily="34" charset="-122"/>
                 <a:ea typeface="微软雅黑" panose="020B0503020204020204" pitchFamily="34" charset="-122"/>
               </a:rPr>
-              <a:t>、</a:t>
-            </a:r>
-            <a:r>
-              <a:rPr lang="en-US" altLang="zh-CN" b="1" dirty="0" smtClean="0">
+              <a:t>发出（加入中间引入语，可不做打包问卷），</a:t>
+            </a:r>
+            <a:r>
+              <a:rPr lang="zh-CN" altLang="en-US" b="1" dirty="0">
                 <a:solidFill>
                   <a:schemeClr val="tx1">
                     <a:lumMod val="65000"/>
@@ -4716,7 +6962,7 @@
                 <a:latin typeface="微软雅黑" panose="020B0503020204020204" pitchFamily="34" charset="-122"/>
                 <a:ea typeface="微软雅黑" panose="020B0503020204020204" pitchFamily="34" charset="-122"/>
               </a:rPr>
-              <a:t>Section</a:t>
+              <a:t>能够解决问卷发布者对样本数量的担忧，并且能够将问卷更加广泛地传播</a:t>
             </a:r>
             <a:r>
               <a:rPr lang="zh-CN" altLang="en-US" b="1" dirty="0" smtClean="0">
@@ -4729,7 +6975,7 @@
                 <a:latin typeface="微软雅黑" panose="020B0503020204020204" pitchFamily="34" charset="-122"/>
                 <a:ea typeface="微软雅黑" panose="020B0503020204020204" pitchFamily="34" charset="-122"/>
               </a:rPr>
-              <a:t>改为弱实体集</a:t>
+              <a:t>。</a:t>
             </a:r>
             <a:endParaRPr lang="en-US" altLang="zh-CN" b="1" dirty="0" smtClean="0">
               <a:solidFill>
@@ -4743,20 +6989,6 @@
             </a:endParaRPr>
           </a:p>
           <a:p>
-            <a:pPr lvl="1"/>
-            <a:r>
-              <a:rPr lang="zh-CN" altLang="en-US" b="1" dirty="0" smtClean="0">
-                <a:solidFill>
-                  <a:schemeClr val="tx1">
-                    <a:lumMod val="65000"/>
-                    <a:lumOff val="35000"/>
-                  </a:schemeClr>
-                </a:solidFill>
-                <a:latin typeface="微软雅黑" panose="020B0503020204020204" pitchFamily="34" charset="-122"/>
-                <a:ea typeface="微软雅黑" panose="020B0503020204020204" pitchFamily="34" charset="-122"/>
-              </a:rPr>
-              <a:t>优点：</a:t>
-            </a:r>
             <a:endParaRPr lang="en-US" altLang="zh-CN" b="1" dirty="0" smtClean="0">
               <a:solidFill>
                 <a:schemeClr val="tx1">
@@ -4769,271 +7001,17 @@
             </a:endParaRPr>
           </a:p>
           <a:p>
-            <a:pPr lvl="2"/>
-            <a:r>
-              <a:rPr lang="zh-CN" altLang="en-US" b="1" dirty="0" smtClean="0">
-                <a:solidFill>
-                  <a:schemeClr val="tx1">
-                    <a:lumMod val="65000"/>
-                    <a:lumOff val="35000"/>
-                  </a:schemeClr>
-                </a:solidFill>
-                <a:latin typeface="微软雅黑" panose="020B0503020204020204" pitchFamily="34" charset="-122"/>
-                <a:ea typeface="微软雅黑" panose="020B0503020204020204" pitchFamily="34" charset="-122"/>
-              </a:rPr>
-              <a:t>在某些情况下查询可提速（查找哪门课的第几章第几节），减少</a:t>
-            </a:r>
-            <a:r>
-              <a:rPr lang="en-US" altLang="zh-CN" b="1" dirty="0" smtClean="0">
-                <a:solidFill>
-                  <a:schemeClr val="tx1">
-                    <a:lumMod val="65000"/>
-                    <a:lumOff val="35000"/>
-                  </a:schemeClr>
-                </a:solidFill>
-                <a:latin typeface="微软雅黑" panose="020B0503020204020204" pitchFamily="34" charset="-122"/>
-                <a:ea typeface="微软雅黑" panose="020B0503020204020204" pitchFamily="34" charset="-122"/>
-              </a:rPr>
-              <a:t>join</a:t>
-            </a:r>
-            <a:r>
-              <a:rPr lang="zh-CN" altLang="en-US" b="1" dirty="0" smtClean="0">
-                <a:solidFill>
-                  <a:schemeClr val="tx1">
-                    <a:lumMod val="65000"/>
-                    <a:lumOff val="35000"/>
-                  </a:schemeClr>
-                </a:solidFill>
-                <a:latin typeface="微软雅黑" panose="020B0503020204020204" pitchFamily="34" charset="-122"/>
-                <a:ea typeface="微软雅黑" panose="020B0503020204020204" pitchFamily="34" charset="-122"/>
-              </a:rPr>
-              <a:t>操作。</a:t>
-            </a:r>
-            <a:endParaRPr lang="en-US" altLang="zh-CN" b="1" dirty="0" smtClean="0">
-              <a:solidFill>
-                <a:schemeClr val="tx1">
-                  <a:lumMod val="65000"/>
-                  <a:lumOff val="35000"/>
-                </a:schemeClr>
-              </a:solidFill>
+            <a:endParaRPr lang="en-US" b="1" dirty="0">
               <a:latin typeface="微软雅黑" panose="020B0503020204020204" pitchFamily="34" charset="-122"/>
               <a:ea typeface="微软雅黑" panose="020B0503020204020204" pitchFamily="34" charset="-122"/>
             </a:endParaRPr>
           </a:p>
-          <a:p>
-            <a:pPr lvl="2"/>
-            <a:r>
-              <a:rPr lang="zh-CN" altLang="en-US" b="1" dirty="0" smtClean="0">
-                <a:solidFill>
-                  <a:schemeClr val="tx1">
-                    <a:lumMod val="65000"/>
-                    <a:lumOff val="35000"/>
-                  </a:schemeClr>
-                </a:solidFill>
-                <a:latin typeface="微软雅黑" panose="020B0503020204020204" pitchFamily="34" charset="-122"/>
-                <a:ea typeface="微软雅黑" panose="020B0503020204020204" pitchFamily="34" charset="-122"/>
-              </a:rPr>
-              <a:t>可以利用数据库主码的约束使得章节有序（如</a:t>
-            </a:r>
-            <a:r>
-              <a:rPr lang="en-US" altLang="zh-CN" b="1" dirty="0" smtClean="0">
-                <a:solidFill>
-                  <a:schemeClr val="tx1">
-                    <a:lumMod val="65000"/>
-                    <a:lumOff val="35000"/>
-                  </a:schemeClr>
-                </a:solidFill>
-                <a:latin typeface="微软雅黑" panose="020B0503020204020204" pitchFamily="34" charset="-122"/>
-                <a:ea typeface="微软雅黑" panose="020B0503020204020204" pitchFamily="34" charset="-122"/>
-              </a:rPr>
-              <a:t>1</a:t>
-            </a:r>
-            <a:r>
-              <a:rPr lang="zh-CN" altLang="en-US" b="1" dirty="0" smtClean="0">
-                <a:solidFill>
-                  <a:schemeClr val="tx1">
-                    <a:lumMod val="65000"/>
-                    <a:lumOff val="35000"/>
-                  </a:schemeClr>
-                </a:solidFill>
-                <a:latin typeface="微软雅黑" panose="020B0503020204020204" pitchFamily="34" charset="-122"/>
-                <a:ea typeface="微软雅黑" panose="020B0503020204020204" pitchFamily="34" charset="-122"/>
-              </a:rPr>
-              <a:t>、</a:t>
-            </a:r>
-            <a:r>
-              <a:rPr lang="en-US" altLang="zh-CN" b="1" dirty="0" smtClean="0">
-                <a:solidFill>
-                  <a:schemeClr val="tx1">
-                    <a:lumMod val="65000"/>
-                    <a:lumOff val="35000"/>
-                  </a:schemeClr>
-                </a:solidFill>
-                <a:latin typeface="微软雅黑" panose="020B0503020204020204" pitchFamily="34" charset="-122"/>
-                <a:ea typeface="微软雅黑" panose="020B0503020204020204" pitchFamily="34" charset="-122"/>
-              </a:rPr>
-              <a:t>2</a:t>
-            </a:r>
-            <a:r>
-              <a:rPr lang="zh-CN" altLang="en-US" b="1" dirty="0" smtClean="0">
-                <a:solidFill>
-                  <a:schemeClr val="tx1">
-                    <a:lumMod val="65000"/>
-                    <a:lumOff val="35000"/>
-                  </a:schemeClr>
-                </a:solidFill>
-                <a:latin typeface="微软雅黑" panose="020B0503020204020204" pitchFamily="34" charset="-122"/>
-                <a:ea typeface="微软雅黑" panose="020B0503020204020204" pitchFamily="34" charset="-122"/>
-              </a:rPr>
-              <a:t>、</a:t>
-            </a:r>
-            <a:r>
-              <a:rPr lang="en-US" altLang="zh-CN" b="1" dirty="0" smtClean="0">
-                <a:solidFill>
-                  <a:schemeClr val="tx1">
-                    <a:lumMod val="65000"/>
-                    <a:lumOff val="35000"/>
-                  </a:schemeClr>
-                </a:solidFill>
-                <a:latin typeface="微软雅黑" panose="020B0503020204020204" pitchFamily="34" charset="-122"/>
-                <a:ea typeface="微软雅黑" panose="020B0503020204020204" pitchFamily="34" charset="-122"/>
-              </a:rPr>
-              <a:t>3</a:t>
-            </a:r>
-            <a:r>
-              <a:rPr lang="zh-CN" altLang="en-US" b="1" dirty="0" smtClean="0">
-                <a:solidFill>
-                  <a:schemeClr val="tx1">
-                    <a:lumMod val="65000"/>
-                    <a:lumOff val="35000"/>
-                  </a:schemeClr>
-                </a:solidFill>
-                <a:latin typeface="微软雅黑" panose="020B0503020204020204" pitchFamily="34" charset="-122"/>
-                <a:ea typeface="微软雅黑" panose="020B0503020204020204" pitchFamily="34" charset="-122"/>
-              </a:rPr>
-              <a:t>、</a:t>
-            </a:r>
-            <a:r>
-              <a:rPr lang="en-US" altLang="zh-CN" b="1" dirty="0" smtClean="0">
-                <a:solidFill>
-                  <a:schemeClr val="tx1">
-                    <a:lumMod val="65000"/>
-                    <a:lumOff val="35000"/>
-                  </a:schemeClr>
-                </a:solidFill>
-                <a:latin typeface="微软雅黑" panose="020B0503020204020204" pitchFamily="34" charset="-122"/>
-                <a:ea typeface="微软雅黑" panose="020B0503020204020204" pitchFamily="34" charset="-122"/>
-              </a:rPr>
-              <a:t>4</a:t>
-            </a:r>
-            <a:r>
-              <a:rPr lang="zh-CN" altLang="en-US" b="1" dirty="0" smtClean="0">
-                <a:solidFill>
-                  <a:schemeClr val="tx1">
-                    <a:lumMod val="65000"/>
-                    <a:lumOff val="35000"/>
-                  </a:schemeClr>
-                </a:solidFill>
-                <a:latin typeface="微软雅黑" panose="020B0503020204020204" pitchFamily="34" charset="-122"/>
-                <a:ea typeface="微软雅黑" panose="020B0503020204020204" pitchFamily="34" charset="-122"/>
-              </a:rPr>
-              <a:t>、</a:t>
-            </a:r>
-            <a:r>
-              <a:rPr lang="en-US" altLang="zh-CN" b="1" dirty="0" smtClean="0">
-                <a:solidFill>
-                  <a:schemeClr val="tx1">
-                    <a:lumMod val="65000"/>
-                    <a:lumOff val="35000"/>
-                  </a:schemeClr>
-                </a:solidFill>
-                <a:latin typeface="微软雅黑" panose="020B0503020204020204" pitchFamily="34" charset="-122"/>
-                <a:ea typeface="微软雅黑" panose="020B0503020204020204" pitchFamily="34" charset="-122"/>
-              </a:rPr>
-              <a:t>5</a:t>
-            </a:r>
-            <a:r>
-              <a:rPr lang="zh-CN" altLang="en-US" b="1" dirty="0" smtClean="0">
-                <a:solidFill>
-                  <a:schemeClr val="tx1">
-                    <a:lumMod val="65000"/>
-                    <a:lumOff val="35000"/>
-                  </a:schemeClr>
-                </a:solidFill>
-                <a:latin typeface="微软雅黑" panose="020B0503020204020204" pitchFamily="34" charset="-122"/>
-                <a:ea typeface="微软雅黑" panose="020B0503020204020204" pitchFamily="34" charset="-122"/>
-              </a:rPr>
-              <a:t>章）</a:t>
-            </a:r>
-            <a:endParaRPr lang="en-US" altLang="zh-CN" b="1" dirty="0" smtClean="0">
-              <a:solidFill>
-                <a:schemeClr val="tx1">
-                  <a:lumMod val="65000"/>
-                  <a:lumOff val="35000"/>
-                </a:schemeClr>
-              </a:solidFill>
-              <a:latin typeface="微软雅黑" panose="020B0503020204020204" pitchFamily="34" charset="-122"/>
-              <a:ea typeface="微软雅黑" panose="020B0503020204020204" pitchFamily="34" charset="-122"/>
-            </a:endParaRPr>
-          </a:p>
-          <a:p>
-            <a:pPr lvl="1"/>
-            <a:r>
-              <a:rPr lang="zh-CN" altLang="en-US" b="1" dirty="0" smtClean="0">
-                <a:solidFill>
-                  <a:schemeClr val="tx1">
-                    <a:lumMod val="65000"/>
-                    <a:lumOff val="35000"/>
-                  </a:schemeClr>
-                </a:solidFill>
-                <a:latin typeface="微软雅黑" panose="020B0503020204020204" pitchFamily="34" charset="-122"/>
-                <a:ea typeface="微软雅黑" panose="020B0503020204020204" pitchFamily="34" charset="-122"/>
-              </a:rPr>
-              <a:t>缺点：</a:t>
-            </a:r>
-            <a:endParaRPr lang="en-US" altLang="zh-CN" b="1" dirty="0" smtClean="0">
-              <a:solidFill>
-                <a:schemeClr val="tx1">
-                  <a:lumMod val="65000"/>
-                  <a:lumOff val="35000"/>
-                </a:schemeClr>
-              </a:solidFill>
-              <a:latin typeface="微软雅黑" panose="020B0503020204020204" pitchFamily="34" charset="-122"/>
-              <a:ea typeface="微软雅黑" panose="020B0503020204020204" pitchFamily="34" charset="-122"/>
-            </a:endParaRPr>
-          </a:p>
-          <a:p>
-            <a:pPr lvl="2"/>
-            <a:r>
-              <a:rPr lang="zh-CN" altLang="en-US" b="1" dirty="0" smtClean="0">
-                <a:solidFill>
-                  <a:schemeClr val="tx1">
-                    <a:lumMod val="65000"/>
-                    <a:lumOff val="35000"/>
-                  </a:schemeClr>
-                </a:solidFill>
-                <a:latin typeface="微软雅黑" panose="020B0503020204020204" pitchFamily="34" charset="-122"/>
-                <a:ea typeface="微软雅黑" panose="020B0503020204020204" pitchFamily="34" charset="-122"/>
-              </a:rPr>
-              <a:t>增加数据“冗余”。</a:t>
-            </a:r>
-            <a:endParaRPr lang="en-US" altLang="zh-CN" b="1" dirty="0" smtClean="0">
-              <a:solidFill>
-                <a:schemeClr val="tx1">
-                  <a:lumMod val="65000"/>
-                  <a:lumOff val="35000"/>
-                </a:schemeClr>
-              </a:solidFill>
-              <a:latin typeface="微软雅黑" panose="020B0503020204020204" pitchFamily="34" charset="-122"/>
-              <a:ea typeface="微软雅黑" panose="020B0503020204020204" pitchFamily="34" charset="-122"/>
-            </a:endParaRPr>
-          </a:p>
         </p:txBody>
       </p:sp>
     </p:spTree>
     <p:extLst>
       <p:ext uri="{BB962C8B-B14F-4D97-AF65-F5344CB8AC3E}">
-        <p14:creationId xmlns:p14="http://schemas.microsoft.com/office/powerpoint/2010/main" val="1029283463"/>
+        <p14:creationId xmlns:p14="http://schemas.microsoft.com/office/powerpoint/2010/main" val="196469570"/>
       </p:ext>
     </p:extLst>
   </p:cSld>
@@ -5083,24 +7061,24 @@
           <a:lstStyle/>
           <a:p>
             <a:r>
-              <a:rPr lang="zh-CN" altLang="en-US" b="1" dirty="0">
+              <a:rPr lang="en-US" b="1" dirty="0" smtClean="0">
                 <a:solidFill>
                   <a:srgbClr val="0070C0"/>
                 </a:solidFill>
                 <a:latin typeface="微软雅黑" panose="020B0503020204020204" pitchFamily="34" charset="-122"/>
                 <a:ea typeface="微软雅黑" panose="020B0503020204020204" pitchFamily="34" charset="-122"/>
               </a:rPr>
-              <a:t>数据冗余情况及范式</a:t>
-            </a:r>
-            <a:r>
-              <a:rPr lang="zh-CN" altLang="en-US" b="1" dirty="0" smtClean="0">
+              <a:t>O</a:t>
+            </a:r>
+            <a:r>
+              <a:rPr lang="en-US" altLang="zh-CN" b="1" dirty="0" smtClean="0">
                 <a:solidFill>
                   <a:srgbClr val="0070C0"/>
                 </a:solidFill>
                 <a:latin typeface="微软雅黑" panose="020B0503020204020204" pitchFamily="34" charset="-122"/>
                 <a:ea typeface="微软雅黑" panose="020B0503020204020204" pitchFamily="34" charset="-122"/>
               </a:rPr>
-              <a:t>分析</a:t>
+              <a:t>verview</a:t>
             </a:r>
             <a:endParaRPr lang="en-US" b="1" dirty="0">
               <a:solidFill>
@@ -5138,10 +7116,23 @@
                 <a:latin typeface="微软雅黑" panose="020B0503020204020204" pitchFamily="34" charset="-122"/>
                 <a:ea typeface="微软雅黑" panose="020B0503020204020204" pitchFamily="34" charset="-122"/>
               </a:rPr>
-              <a:t>除</a:t>
-            </a:r>
-            <a:r>
-              <a:rPr lang="en-US" altLang="zh-CN" b="1" dirty="0" smtClean="0">
+              <a:t>数据库改进</a:t>
+            </a:r>
+            <a:endParaRPr lang="en-US" b="1" dirty="0" smtClean="0">
+              <a:solidFill>
+                <a:schemeClr val="tx1">
+                  <a:lumMod val="65000"/>
+                  <a:lumOff val="35000"/>
+                </a:schemeClr>
+              </a:solidFill>
+              <a:latin typeface="微软雅黑" panose="020B0503020204020204" pitchFamily="34" charset="-122"/>
+              <a:ea typeface="微软雅黑" panose="020B0503020204020204" pitchFamily="34" charset="-122"/>
+            </a:endParaRPr>
+          </a:p>
+          <a:p>
+            <a:pPr lvl="1"/>
+            <a:r>
+              <a:rPr lang="zh-CN" altLang="en-US" b="1" dirty="0" smtClean="0">
                 <a:solidFill>
                   <a:schemeClr val="tx1">
                     <a:lumMod val="65000"/>
@@ -5151,46 +7142,7 @@
                 <a:latin typeface="微软雅黑" panose="020B0503020204020204" pitchFamily="34" charset="-122"/>
                 <a:ea typeface="微软雅黑" panose="020B0503020204020204" pitchFamily="34" charset="-122"/>
               </a:rPr>
-              <a:t>User</a:t>
-            </a:r>
-            <a:r>
-              <a:rPr lang="zh-CN" altLang="en-US" b="1" dirty="0" smtClean="0">
-                <a:solidFill>
-                  <a:schemeClr val="tx1">
-                    <a:lumMod val="65000"/>
-                    <a:lumOff val="35000"/>
-                  </a:schemeClr>
-                </a:solidFill>
-                <a:latin typeface="微软雅黑" panose="020B0503020204020204" pitchFamily="34" charset="-122"/>
-                <a:ea typeface="微软雅黑" panose="020B0503020204020204" pitchFamily="34" charset="-122"/>
-              </a:rPr>
-              <a:t>及其子表外，其它表均满足</a:t>
-            </a:r>
-            <a:r>
-              <a:rPr lang="en-US" altLang="zh-CN" b="1" dirty="0" smtClean="0">
-                <a:solidFill>
-                  <a:schemeClr val="tx1">
-                    <a:lumMod val="65000"/>
-                    <a:lumOff val="35000"/>
-                  </a:schemeClr>
-                </a:solidFill>
-                <a:latin typeface="微软雅黑" panose="020B0503020204020204" pitchFamily="34" charset="-122"/>
-                <a:ea typeface="微软雅黑" panose="020B0503020204020204" pitchFamily="34" charset="-122"/>
-              </a:rPr>
-              <a:t>BC</a:t>
-            </a:r>
-            <a:r>
-              <a:rPr lang="zh-CN" altLang="en-US" b="1" dirty="0" smtClean="0">
-                <a:solidFill>
-                  <a:schemeClr val="tx1">
-                    <a:lumMod val="65000"/>
-                    <a:lumOff val="35000"/>
-                  </a:schemeClr>
-                </a:solidFill>
-                <a:latin typeface="微软雅黑" panose="020B0503020204020204" pitchFamily="34" charset="-122"/>
-                <a:ea typeface="微软雅黑" panose="020B0503020204020204" pitchFamily="34" charset="-122"/>
-              </a:rPr>
-              <a:t>范式</a:t>
+              <a:t>数据库模式调整</a:t>
             </a:r>
             <a:endParaRPr lang="en-US" altLang="zh-CN" b="1" dirty="0" smtClean="0">
               <a:solidFill>
@@ -5216,33 +7168,7 @@
                 <a:latin typeface="微软雅黑" panose="020B0503020204020204" pitchFamily="34" charset="-122"/>
                 <a:ea typeface="微软雅黑" panose="020B0503020204020204" pitchFamily="34" charset="-122"/>
               </a:rPr>
-              <a:t>但由于唯一性约束的限制，</a:t>
-            </a:r>
-            <a:r>
-              <a:rPr lang="en-US" altLang="zh-CN" b="1" dirty="0" smtClean="0">
-                <a:solidFill>
-                  <a:schemeClr val="tx1">
-                    <a:lumMod val="65000"/>
-                    <a:lumOff val="35000"/>
-                  </a:schemeClr>
-                </a:solidFill>
-                <a:latin typeface="微软雅黑" panose="020B0503020204020204" pitchFamily="34" charset="-122"/>
-                <a:ea typeface="微软雅黑" panose="020B0503020204020204" pitchFamily="34" charset="-122"/>
-              </a:rPr>
-              <a:t>User</a:t>
-            </a:r>
-            <a:r>
-              <a:rPr lang="zh-CN" altLang="en-US" b="1" dirty="0" smtClean="0">
-                <a:solidFill>
-                  <a:schemeClr val="tx1">
-                    <a:lumMod val="65000"/>
-                    <a:lumOff val="35000"/>
-                  </a:schemeClr>
-                </a:solidFill>
-                <a:latin typeface="微软雅黑" panose="020B0503020204020204" pitchFamily="34" charset="-122"/>
-                <a:ea typeface="微软雅黑" panose="020B0503020204020204" pitchFamily="34" charset="-122"/>
-              </a:rPr>
-              <a:t>表中不存在数据冗余。</a:t>
+              <a:t>数据冗余情况及范式分析</a:t>
             </a:r>
             <a:endParaRPr lang="en-US" altLang="zh-CN" b="1" dirty="0" smtClean="0">
               <a:solidFill>
@@ -5255,12 +7181,214 @@
               <a:ea typeface="微软雅黑" panose="020B0503020204020204" pitchFamily="34" charset="-122"/>
             </a:endParaRPr>
           </a:p>
+          <a:p>
+            <a:pPr marL="457200" lvl="1" indent="0">
+              <a:buNone/>
+            </a:pPr>
+            <a:endParaRPr lang="en-US" altLang="zh-CN" b="1" dirty="0" smtClean="0">
+              <a:solidFill>
+                <a:schemeClr val="tx1">
+                  <a:lumMod val="65000"/>
+                  <a:lumOff val="35000"/>
+                </a:schemeClr>
+              </a:solidFill>
+              <a:latin typeface="微软雅黑" panose="020B0503020204020204" pitchFamily="34" charset="-122"/>
+              <a:ea typeface="微软雅黑" panose="020B0503020204020204" pitchFamily="34" charset="-122"/>
+            </a:endParaRPr>
+          </a:p>
+          <a:p>
+            <a:pPr marL="457200" lvl="1" indent="0">
+              <a:buNone/>
+            </a:pPr>
+            <a:endParaRPr lang="en-US" altLang="zh-CN" b="1" dirty="0">
+              <a:solidFill>
+                <a:schemeClr val="tx1">
+                  <a:lumMod val="65000"/>
+                  <a:lumOff val="35000"/>
+                </a:schemeClr>
+              </a:solidFill>
+              <a:latin typeface="微软雅黑" panose="020B0503020204020204" pitchFamily="34" charset="-122"/>
+              <a:ea typeface="微软雅黑" panose="020B0503020204020204" pitchFamily="34" charset="-122"/>
+            </a:endParaRPr>
+          </a:p>
+          <a:p>
+            <a:r>
+              <a:rPr lang="zh-CN" altLang="en-US" b="1" dirty="0" smtClean="0">
+                <a:solidFill>
+                  <a:schemeClr val="tx1">
+                    <a:lumMod val="65000"/>
+                    <a:lumOff val="35000"/>
+                  </a:schemeClr>
+                </a:solidFill>
+                <a:latin typeface="微软雅黑" panose="020B0503020204020204" pitchFamily="34" charset="-122"/>
+                <a:ea typeface="微软雅黑" panose="020B0503020204020204" pitchFamily="34" charset="-122"/>
+              </a:rPr>
+              <a:t>查询性能优化</a:t>
+            </a:r>
+            <a:endParaRPr lang="en-US" altLang="zh-CN" b="1" dirty="0" smtClean="0">
+              <a:solidFill>
+                <a:schemeClr val="tx1">
+                  <a:lumMod val="65000"/>
+                  <a:lumOff val="35000"/>
+                </a:schemeClr>
+              </a:solidFill>
+              <a:latin typeface="微软雅黑" panose="020B0503020204020204" pitchFamily="34" charset="-122"/>
+              <a:ea typeface="微软雅黑" panose="020B0503020204020204" pitchFamily="34" charset="-122"/>
+            </a:endParaRPr>
+          </a:p>
+          <a:p>
+            <a:pPr lvl="1"/>
+            <a:r>
+              <a:rPr lang="zh-CN" altLang="en-US" b="1" dirty="0" smtClean="0">
+                <a:solidFill>
+                  <a:schemeClr val="tx1">
+                    <a:lumMod val="65000"/>
+                    <a:lumOff val="35000"/>
+                  </a:schemeClr>
+                </a:solidFill>
+                <a:latin typeface="微软雅黑" panose="020B0503020204020204" pitchFamily="34" charset="-122"/>
+                <a:ea typeface="微软雅黑" panose="020B0503020204020204" pitchFamily="34" charset="-122"/>
+              </a:rPr>
+              <a:t>建立索引</a:t>
+            </a:r>
+            <a:endParaRPr lang="en-US" altLang="zh-CN" b="1" dirty="0" smtClean="0">
+              <a:solidFill>
+                <a:schemeClr val="tx1">
+                  <a:lumMod val="65000"/>
+                  <a:lumOff val="35000"/>
+                </a:schemeClr>
+              </a:solidFill>
+              <a:latin typeface="微软雅黑" panose="020B0503020204020204" pitchFamily="34" charset="-122"/>
+              <a:ea typeface="微软雅黑" panose="020B0503020204020204" pitchFamily="34" charset="-122"/>
+            </a:endParaRPr>
+          </a:p>
+          <a:p>
+            <a:pPr lvl="1"/>
+            <a:r>
+              <a:rPr lang="zh-CN" altLang="en-US" b="1" dirty="0" smtClean="0">
+                <a:solidFill>
+                  <a:schemeClr val="tx1">
+                    <a:lumMod val="65000"/>
+                    <a:lumOff val="35000"/>
+                  </a:schemeClr>
+                </a:solidFill>
+                <a:latin typeface="微软雅黑" panose="020B0503020204020204" pitchFamily="34" charset="-122"/>
+                <a:ea typeface="微软雅黑" panose="020B0503020204020204" pitchFamily="34" charset="-122"/>
+              </a:rPr>
+              <a:t>查询方案及查询代价分析</a:t>
+            </a:r>
+            <a:endParaRPr lang="en-US" altLang="zh-CN" b="1" dirty="0">
+              <a:solidFill>
+                <a:schemeClr val="tx1">
+                  <a:lumMod val="65000"/>
+                  <a:lumOff val="35000"/>
+                </a:schemeClr>
+              </a:solidFill>
+              <a:latin typeface="微软雅黑" panose="020B0503020204020204" pitchFamily="34" charset="-122"/>
+              <a:ea typeface="微软雅黑" panose="020B0503020204020204" pitchFamily="34" charset="-122"/>
+            </a:endParaRPr>
+          </a:p>
+          <a:p>
+            <a:pPr lvl="1"/>
+            <a:r>
+              <a:rPr lang="zh-CN" altLang="en-US" b="1" dirty="0">
+                <a:solidFill>
+                  <a:schemeClr val="tx1">
+                    <a:lumMod val="65000"/>
+                    <a:lumOff val="35000"/>
+                  </a:schemeClr>
+                </a:solidFill>
+                <a:latin typeface="微软雅黑" panose="020B0503020204020204" pitchFamily="34" charset="-122"/>
+                <a:ea typeface="微软雅黑" panose="020B0503020204020204" pitchFamily="34" charset="-122"/>
+              </a:rPr>
+              <a:t>事务</a:t>
+            </a:r>
+            <a:r>
+              <a:rPr lang="zh-CN" altLang="en-US" b="1" dirty="0" smtClean="0">
+                <a:solidFill>
+                  <a:schemeClr val="tx1">
+                    <a:lumMod val="65000"/>
+                    <a:lumOff val="35000"/>
+                  </a:schemeClr>
+                </a:solidFill>
+                <a:latin typeface="微软雅黑" panose="020B0503020204020204" pitchFamily="34" charset="-122"/>
+                <a:ea typeface="微软雅黑" panose="020B0503020204020204" pitchFamily="34" charset="-122"/>
+              </a:rPr>
+              <a:t>管理及隔离级别设置</a:t>
+            </a:r>
+            <a:endParaRPr lang="en-US" altLang="zh-CN" b="1" dirty="0" smtClean="0">
+              <a:solidFill>
+                <a:schemeClr val="tx1">
+                  <a:lumMod val="65000"/>
+                  <a:lumOff val="35000"/>
+                </a:schemeClr>
+              </a:solidFill>
+              <a:latin typeface="微软雅黑" panose="020B0503020204020204" pitchFamily="34" charset="-122"/>
+              <a:ea typeface="微软雅黑" panose="020B0503020204020204" pitchFamily="34" charset="-122"/>
+            </a:endParaRPr>
+          </a:p>
+          <a:p>
+            <a:pPr lvl="1"/>
+            <a:r>
+              <a:rPr lang="zh-CN" altLang="en-US" b="1" dirty="0" smtClean="0">
+                <a:solidFill>
+                  <a:schemeClr val="tx1">
+                    <a:lumMod val="65000"/>
+                    <a:lumOff val="35000"/>
+                  </a:schemeClr>
+                </a:solidFill>
+                <a:latin typeface="微软雅黑" panose="020B0503020204020204" pitchFamily="34" charset="-122"/>
+                <a:ea typeface="微软雅黑" panose="020B0503020204020204" pitchFamily="34" charset="-122"/>
+              </a:rPr>
+              <a:t>数据库系统参数设置</a:t>
+            </a:r>
+            <a:endParaRPr lang="en-US" altLang="zh-CN" b="1" dirty="0" smtClean="0">
+              <a:solidFill>
+                <a:schemeClr val="tx1">
+                  <a:lumMod val="65000"/>
+                  <a:lumOff val="35000"/>
+                </a:schemeClr>
+              </a:solidFill>
+              <a:latin typeface="微软雅黑" panose="020B0503020204020204" pitchFamily="34" charset="-122"/>
+              <a:ea typeface="微软雅黑" panose="020B0503020204020204" pitchFamily="34" charset="-122"/>
+            </a:endParaRPr>
+          </a:p>
+          <a:p>
+            <a:endParaRPr lang="en-US" altLang="zh-CN" b="1" dirty="0" smtClean="0">
+              <a:solidFill>
+                <a:schemeClr val="tx1">
+                  <a:lumMod val="65000"/>
+                  <a:lumOff val="35000"/>
+                </a:schemeClr>
+              </a:solidFill>
+              <a:latin typeface="微软雅黑" panose="020B0503020204020204" pitchFamily="34" charset="-122"/>
+              <a:ea typeface="微软雅黑" panose="020B0503020204020204" pitchFamily="34" charset="-122"/>
+            </a:endParaRPr>
+          </a:p>
+          <a:p>
+            <a:endParaRPr lang="en-US" altLang="zh-CN" b="1" dirty="0" smtClean="0">
+              <a:solidFill>
+                <a:schemeClr val="tx1">
+                  <a:lumMod val="65000"/>
+                  <a:lumOff val="35000"/>
+                </a:schemeClr>
+              </a:solidFill>
+              <a:latin typeface="微软雅黑" panose="020B0503020204020204" pitchFamily="34" charset="-122"/>
+              <a:ea typeface="微软雅黑" panose="020B0503020204020204" pitchFamily="34" charset="-122"/>
+            </a:endParaRPr>
+          </a:p>
+          <a:p>
+            <a:endParaRPr lang="en-US" b="1" dirty="0">
+              <a:latin typeface="微软雅黑" panose="020B0503020204020204" pitchFamily="34" charset="-122"/>
+              <a:ea typeface="微软雅黑" panose="020B0503020204020204" pitchFamily="34" charset="-122"/>
+            </a:endParaRPr>
+          </a:p>
         </p:txBody>
       </p:sp>
     </p:spTree>
     <p:extLst>
       <p:ext uri="{BB962C8B-B14F-4D97-AF65-F5344CB8AC3E}">
-        <p14:creationId xmlns:p14="http://schemas.microsoft.com/office/powerpoint/2010/main" val="4204365962"/>
+        <p14:creationId xmlns:p14="http://schemas.microsoft.com/office/powerpoint/2010/main" val="2646396090"/>
       </p:ext>
     </p:extLst>
   </p:cSld>
@@ -5310,6 +7438,16 @@
           <a:lstStyle/>
           <a:p>
             <a:r>
+              <a:rPr lang="en-US" b="1" dirty="0" smtClean="0">
+                <a:solidFill>
+                  <a:srgbClr val="0070C0"/>
+                </a:solidFill>
+                <a:latin typeface="微软雅黑" panose="020B0503020204020204" pitchFamily="34" charset="-122"/>
+                <a:ea typeface="微软雅黑" panose="020B0503020204020204" pitchFamily="34" charset="-122"/>
+              </a:rPr>
+              <a:t>ER</a:t>
+            </a:r>
+            <a:r>
               <a:rPr lang="zh-CN" altLang="en-US" b="1" dirty="0">
                 <a:solidFill>
                   <a:srgbClr val="0070C0"/>
@@ -5317,17 +7455,7 @@
                 <a:latin typeface="微软雅黑" panose="020B0503020204020204" pitchFamily="34" charset="-122"/>
                 <a:ea typeface="微软雅黑" panose="020B0503020204020204" pitchFamily="34" charset="-122"/>
               </a:rPr>
-              <a:t>建立</a:t>
-            </a:r>
-            <a:r>
-              <a:rPr lang="zh-CN" altLang="en-US" b="1" dirty="0" smtClean="0">
-                <a:solidFill>
-                  <a:srgbClr val="0070C0"/>
-                </a:solidFill>
-                <a:latin typeface="微软雅黑" panose="020B0503020204020204" pitchFamily="34" charset="-122"/>
-                <a:ea typeface="微软雅黑" panose="020B0503020204020204" pitchFamily="34" charset="-122"/>
-              </a:rPr>
-              <a:t>索引</a:t>
+              <a:t>模型数据库模式调整</a:t>
             </a:r>
             <a:endParaRPr lang="en-US" b="1" dirty="0">
               <a:solidFill>
@@ -5365,7 +7493,7 @@
                 <a:latin typeface="微软雅黑" panose="020B0503020204020204" pitchFamily="34" charset="-122"/>
                 <a:ea typeface="微软雅黑" panose="020B0503020204020204" pitchFamily="34" charset="-122"/>
               </a:rPr>
-              <a:t>策略</a:t>
+              <a:t>改进用户权限管理</a:t>
             </a:r>
             <a:endParaRPr lang="en-US" altLang="zh-CN" b="1" dirty="0" smtClean="0">
               <a:solidFill>
@@ -5381,7 +7509,7 @@
           <a:p>
             <a:pPr lvl="1"/>
             <a:r>
-              <a:rPr lang="en-US" altLang="zh-CN" b="1" dirty="0" smtClean="0">
+              <a:rPr lang="zh-CN" altLang="en-US" b="1" dirty="0" smtClean="0">
                 <a:solidFill>
                   <a:schemeClr val="tx1">
                     <a:lumMod val="65000"/>
@@ -5391,46 +7519,7 @@
                 <a:latin typeface="微软雅黑" panose="020B0503020204020204" pitchFamily="34" charset="-122"/>
                 <a:ea typeface="微软雅黑" panose="020B0503020204020204" pitchFamily="34" charset="-122"/>
               </a:rPr>
-              <a:t>Primary Key</a:t>
-            </a:r>
-            <a:r>
-              <a:rPr lang="zh-CN" altLang="en-US" b="1" dirty="0" smtClean="0">
-                <a:solidFill>
-                  <a:schemeClr val="tx1">
-                    <a:lumMod val="65000"/>
-                    <a:lumOff val="35000"/>
-                  </a:schemeClr>
-                </a:solidFill>
-                <a:latin typeface="微软雅黑" panose="020B0503020204020204" pitchFamily="34" charset="-122"/>
-                <a:ea typeface="微软雅黑" panose="020B0503020204020204" pitchFamily="34" charset="-122"/>
-              </a:rPr>
-              <a:t>建立索引，</a:t>
-            </a:r>
-            <a:r>
-              <a:rPr lang="en-US" altLang="zh-CN" b="1" dirty="0" smtClean="0">
-                <a:solidFill>
-                  <a:schemeClr val="tx1">
-                    <a:lumMod val="65000"/>
-                    <a:lumOff val="35000"/>
-                  </a:schemeClr>
-                </a:solidFill>
-                <a:latin typeface="微软雅黑" panose="020B0503020204020204" pitchFamily="34" charset="-122"/>
-                <a:ea typeface="微软雅黑" panose="020B0503020204020204" pitchFamily="34" charset="-122"/>
-              </a:rPr>
-              <a:t>Unique Key</a:t>
-            </a:r>
-            <a:r>
-              <a:rPr lang="zh-CN" altLang="en-US" b="1" dirty="0" smtClean="0">
-                <a:solidFill>
-                  <a:schemeClr val="tx1">
-                    <a:lumMod val="65000"/>
-                    <a:lumOff val="35000"/>
-                  </a:schemeClr>
-                </a:solidFill>
-                <a:latin typeface="微软雅黑" panose="020B0503020204020204" pitchFamily="34" charset="-122"/>
-                <a:ea typeface="微软雅黑" panose="020B0503020204020204" pitchFamily="34" charset="-122"/>
-              </a:rPr>
-              <a:t>有选择地建立索引。</a:t>
+              <a:t>可动态管理身份以及相应权限，用户可有多重身份。</a:t>
             </a:r>
             <a:endParaRPr lang="en-US" altLang="zh-CN" b="1" dirty="0" smtClean="0">
               <a:solidFill>
@@ -5443,116 +7532,12 @@
               <a:ea typeface="微软雅黑" panose="020B0503020204020204" pitchFamily="34" charset="-122"/>
             </a:endParaRPr>
           </a:p>
-          <a:p>
-            <a:pPr lvl="1"/>
-            <a:r>
-              <a:rPr lang="zh-CN" altLang="en-US" b="1" dirty="0" smtClean="0">
-                <a:solidFill>
-                  <a:schemeClr val="tx1">
-                    <a:lumMod val="65000"/>
-                    <a:lumOff val="35000"/>
-                  </a:schemeClr>
-                </a:solidFill>
-                <a:latin typeface="微软雅黑" panose="020B0503020204020204" pitchFamily="34" charset="-122"/>
-                <a:ea typeface="微软雅黑" panose="020B0503020204020204" pitchFamily="34" charset="-122"/>
-              </a:rPr>
-              <a:t>常用业务查询中，</a:t>
-            </a:r>
-            <a:r>
-              <a:rPr lang="en-US" altLang="zh-CN" b="1" dirty="0" smtClean="0">
-                <a:solidFill>
-                  <a:schemeClr val="tx1">
-                    <a:lumMod val="65000"/>
-                    <a:lumOff val="35000"/>
-                  </a:schemeClr>
-                </a:solidFill>
-                <a:latin typeface="微软雅黑" panose="020B0503020204020204" pitchFamily="34" charset="-122"/>
-                <a:ea typeface="微软雅黑" panose="020B0503020204020204" pitchFamily="34" charset="-122"/>
-              </a:rPr>
-              <a:t>where</a:t>
-            </a:r>
-            <a:r>
-              <a:rPr lang="zh-CN" altLang="en-US" b="1" dirty="0" smtClean="0">
-                <a:solidFill>
-                  <a:schemeClr val="tx1">
-                    <a:lumMod val="65000"/>
-                    <a:lumOff val="35000"/>
-                  </a:schemeClr>
-                </a:solidFill>
-                <a:latin typeface="微软雅黑" panose="020B0503020204020204" pitchFamily="34" charset="-122"/>
-                <a:ea typeface="微软雅黑" panose="020B0503020204020204" pitchFamily="34" charset="-122"/>
-              </a:rPr>
-              <a:t>以及</a:t>
-            </a:r>
-            <a:r>
-              <a:rPr lang="en-US" altLang="zh-CN" b="1" dirty="0" smtClean="0">
-                <a:solidFill>
-                  <a:schemeClr val="tx1">
-                    <a:lumMod val="65000"/>
-                    <a:lumOff val="35000"/>
-                  </a:schemeClr>
-                </a:solidFill>
-                <a:latin typeface="微软雅黑" panose="020B0503020204020204" pitchFamily="34" charset="-122"/>
-                <a:ea typeface="微软雅黑" panose="020B0503020204020204" pitchFamily="34" charset="-122"/>
-              </a:rPr>
-              <a:t>order by</a:t>
-            </a:r>
-            <a:r>
-              <a:rPr lang="zh-CN" altLang="en-US" b="1" dirty="0" smtClean="0">
-                <a:solidFill>
-                  <a:schemeClr val="tx1">
-                    <a:lumMod val="65000"/>
-                    <a:lumOff val="35000"/>
-                  </a:schemeClr>
-                </a:solidFill>
-                <a:latin typeface="微软雅黑" panose="020B0503020204020204" pitchFamily="34" charset="-122"/>
-                <a:ea typeface="微软雅黑" panose="020B0503020204020204" pitchFamily="34" charset="-122"/>
-              </a:rPr>
-              <a:t>中的属性建立索引。</a:t>
-            </a:r>
-            <a:endParaRPr lang="en-US" altLang="zh-CN" b="1" dirty="0" smtClean="0">
-              <a:solidFill>
-                <a:schemeClr val="tx1">
-                  <a:lumMod val="65000"/>
-                  <a:lumOff val="35000"/>
-                </a:schemeClr>
-              </a:solidFill>
-              <a:latin typeface="微软雅黑" panose="020B0503020204020204" pitchFamily="34" charset="-122"/>
-              <a:ea typeface="微软雅黑" panose="020B0503020204020204" pitchFamily="34" charset="-122"/>
-            </a:endParaRPr>
-          </a:p>
-          <a:p>
-            <a:pPr lvl="1"/>
-            <a:r>
-              <a:rPr lang="zh-CN" altLang="en-US" b="1" dirty="0" smtClean="0">
-                <a:solidFill>
-                  <a:schemeClr val="tx1">
-                    <a:lumMod val="65000"/>
-                    <a:lumOff val="35000"/>
-                  </a:schemeClr>
-                </a:solidFill>
-                <a:latin typeface="微软雅黑" panose="020B0503020204020204" pitchFamily="34" charset="-122"/>
-                <a:ea typeface="微软雅黑" panose="020B0503020204020204" pitchFamily="34" charset="-122"/>
-              </a:rPr>
-              <a:t>关注多码索引。</a:t>
-            </a:r>
-            <a:endParaRPr lang="en-US" altLang="zh-CN" b="1" dirty="0">
-              <a:solidFill>
-                <a:schemeClr val="tx1">
-                  <a:lumMod val="65000"/>
-                  <a:lumOff val="35000"/>
-                </a:schemeClr>
-              </a:solidFill>
-              <a:latin typeface="微软雅黑" panose="020B0503020204020204" pitchFamily="34" charset="-122"/>
-              <a:ea typeface="微软雅黑" panose="020B0503020204020204" pitchFamily="34" charset="-122"/>
-            </a:endParaRPr>
-          </a:p>
         </p:txBody>
       </p:sp>
     </p:spTree>
     <p:extLst>
       <p:ext uri="{BB962C8B-B14F-4D97-AF65-F5344CB8AC3E}">
-        <p14:creationId xmlns:p14="http://schemas.microsoft.com/office/powerpoint/2010/main" val="2779407675"/>
+        <p14:creationId xmlns:p14="http://schemas.microsoft.com/office/powerpoint/2010/main" val="1573352767"/>
       </p:ext>
     </p:extLst>
   </p:cSld>
@@ -5609,17 +7594,7 @@
                 <a:latin typeface="微软雅黑" panose="020B0503020204020204" pitchFamily="34" charset="-122"/>
                 <a:ea typeface="微软雅黑" panose="020B0503020204020204" pitchFamily="34" charset="-122"/>
               </a:rPr>
-              <a:t>建立</a:t>
-            </a:r>
-            <a:r>
-              <a:rPr lang="zh-CN" altLang="en-US" b="1" dirty="0" smtClean="0">
-                <a:solidFill>
-                  <a:srgbClr val="0070C0"/>
-                </a:solidFill>
-                <a:latin typeface="微软雅黑" panose="020B0503020204020204" pitchFamily="34" charset="-122"/>
-                <a:ea typeface="微软雅黑" panose="020B0503020204020204" pitchFamily="34" charset="-122"/>
-              </a:rPr>
-              <a:t>索引</a:t>
+              <a:t>数据库模式调整</a:t>
             </a:r>
             <a:endParaRPr lang="en-US" b="1" dirty="0">
               <a:solidFill>
@@ -5647,7 +7622,7 @@
           <a:lstStyle/>
           <a:p>
             <a:r>
-              <a:rPr lang="zh-CN" altLang="en-US" b="1" dirty="0">
+              <a:rPr lang="zh-CN" altLang="en-US" b="1" dirty="0" smtClean="0">
                 <a:solidFill>
                   <a:schemeClr val="tx1">
                     <a:lumMod val="65000"/>
@@ -5657,23 +7632,10 @@
                 <a:latin typeface="微软雅黑" panose="020B0503020204020204" pitchFamily="34" charset="-122"/>
                 <a:ea typeface="微软雅黑" panose="020B0503020204020204" pitchFamily="34" charset="-122"/>
               </a:rPr>
-              <a:t>样例讲解</a:t>
-            </a:r>
-            <a:endParaRPr lang="en-US" altLang="zh-CN" b="1" dirty="0">
-              <a:solidFill>
-                <a:schemeClr val="tx1">
-                  <a:lumMod val="65000"/>
-                  <a:lumOff val="35000"/>
-                </a:schemeClr>
-              </a:solidFill>
-              <a:latin typeface="微软雅黑" panose="020B0503020204020204" pitchFamily="34" charset="-122"/>
-              <a:ea typeface="微软雅黑" panose="020B0503020204020204" pitchFamily="34" charset="-122"/>
-            </a:endParaRPr>
-          </a:p>
-          <a:p>
-            <a:pPr lvl="1"/>
-            <a:r>
-              <a:rPr lang="zh-CN" altLang="en-US" b="1" dirty="0">
+              <a:t>将</a:t>
+            </a:r>
+            <a:r>
+              <a:rPr lang="en-US" altLang="zh-CN" b="1" dirty="0">
                 <a:solidFill>
                   <a:schemeClr val="tx1">
                     <a:lumMod val="65000"/>
@@ -5683,10 +7645,10 @@
                 <a:latin typeface="微软雅黑" panose="020B0503020204020204" pitchFamily="34" charset="-122"/>
                 <a:ea typeface="微软雅黑" panose="020B0503020204020204" pitchFamily="34" charset="-122"/>
               </a:rPr>
-              <a:t>登陆</a:t>
-            </a:r>
-            <a:r>
-              <a:rPr lang="zh-CN" altLang="en-US" b="1" dirty="0" smtClean="0">
+              <a:t>C</a:t>
+            </a:r>
+            <a:r>
+              <a:rPr lang="en-US" altLang="zh-CN" b="1" dirty="0" smtClean="0">
                 <a:solidFill>
                   <a:schemeClr val="tx1">
                     <a:lumMod val="65000"/>
@@ -5696,7 +7658,46 @@
                 <a:latin typeface="微软雅黑" panose="020B0503020204020204" pitchFamily="34" charset="-122"/>
                 <a:ea typeface="微软雅黑" panose="020B0503020204020204" pitchFamily="34" charset="-122"/>
               </a:rPr>
-              <a:t>操作</a:t>
+              <a:t>hapter</a:t>
+            </a:r>
+            <a:r>
+              <a:rPr lang="zh-CN" altLang="en-US" b="1" dirty="0" smtClean="0">
+                <a:solidFill>
+                  <a:schemeClr val="tx1">
+                    <a:lumMod val="65000"/>
+                    <a:lumOff val="35000"/>
+                  </a:schemeClr>
+                </a:solidFill>
+                <a:latin typeface="微软雅黑" panose="020B0503020204020204" pitchFamily="34" charset="-122"/>
+                <a:ea typeface="微软雅黑" panose="020B0503020204020204" pitchFamily="34" charset="-122"/>
+              </a:rPr>
+              <a:t>、</a:t>
+            </a:r>
+            <a:r>
+              <a:rPr lang="en-US" altLang="zh-CN" b="1" dirty="0" smtClean="0">
+                <a:solidFill>
+                  <a:schemeClr val="tx1">
+                    <a:lumMod val="65000"/>
+                    <a:lumOff val="35000"/>
+                  </a:schemeClr>
+                </a:solidFill>
+                <a:latin typeface="微软雅黑" panose="020B0503020204020204" pitchFamily="34" charset="-122"/>
+                <a:ea typeface="微软雅黑" panose="020B0503020204020204" pitchFamily="34" charset="-122"/>
+              </a:rPr>
+              <a:t>Section</a:t>
+            </a:r>
+            <a:r>
+              <a:rPr lang="zh-CN" altLang="en-US" b="1" dirty="0" smtClean="0">
+                <a:solidFill>
+                  <a:schemeClr val="tx1">
+                    <a:lumMod val="65000"/>
+                    <a:lumOff val="35000"/>
+                  </a:schemeClr>
+                </a:solidFill>
+                <a:latin typeface="微软雅黑" panose="020B0503020204020204" pitchFamily="34" charset="-122"/>
+                <a:ea typeface="微软雅黑" panose="020B0503020204020204" pitchFamily="34" charset="-122"/>
+              </a:rPr>
+              <a:t>改为弱实体集</a:t>
             </a:r>
             <a:endParaRPr lang="en-US" altLang="zh-CN" b="1" dirty="0" smtClean="0">
               <a:solidFill>
@@ -5710,9 +7711,9 @@
             </a:endParaRPr>
           </a:p>
           <a:p>
-            <a:pPr lvl="2"/>
-            <a:r>
-              <a:rPr lang="en-US" altLang="zh-CN" b="1" dirty="0" err="1" smtClean="0">
+            <a:pPr lvl="1"/>
+            <a:r>
+              <a:rPr lang="zh-CN" altLang="en-US" b="1" dirty="0" smtClean="0">
                 <a:solidFill>
                   <a:schemeClr val="tx1">
                     <a:lumMod val="65000"/>
@@ -5722,20 +7723,7 @@
                 <a:latin typeface="微软雅黑" panose="020B0503020204020204" pitchFamily="34" charset="-122"/>
                 <a:ea typeface="微软雅黑" panose="020B0503020204020204" pitchFamily="34" charset="-122"/>
               </a:rPr>
-              <a:t>JAcount</a:t>
-            </a:r>
-            <a:r>
-              <a:rPr lang="zh-CN" altLang="en-US" b="1" dirty="0" smtClean="0">
-                <a:solidFill>
-                  <a:schemeClr val="tx1">
-                    <a:lumMod val="65000"/>
-                    <a:lumOff val="35000"/>
-                  </a:schemeClr>
-                </a:solidFill>
-                <a:latin typeface="微软雅黑" panose="020B0503020204020204" pitchFamily="34" charset="-122"/>
-                <a:ea typeface="微软雅黑" panose="020B0503020204020204" pitchFamily="34" charset="-122"/>
-              </a:rPr>
-              <a:t>用户登录</a:t>
+              <a:t>优点：</a:t>
             </a:r>
             <a:endParaRPr lang="en-US" altLang="zh-CN" b="1" dirty="0" smtClean="0">
               <a:solidFill>
@@ -5761,7 +7749,33 @@
                 <a:latin typeface="微软雅黑" panose="020B0503020204020204" pitchFamily="34" charset="-122"/>
                 <a:ea typeface="微软雅黑" panose="020B0503020204020204" pitchFamily="34" charset="-122"/>
               </a:rPr>
-              <a:t>普通用户登陆</a:t>
+              <a:t>在某些情况下查询可提速（查找哪门课的第几章第几节），减少</a:t>
+            </a:r>
+            <a:r>
+              <a:rPr lang="en-US" altLang="zh-CN" b="1" dirty="0" smtClean="0">
+                <a:solidFill>
+                  <a:schemeClr val="tx1">
+                    <a:lumMod val="65000"/>
+                    <a:lumOff val="35000"/>
+                  </a:schemeClr>
+                </a:solidFill>
+                <a:latin typeface="微软雅黑" panose="020B0503020204020204" pitchFamily="34" charset="-122"/>
+                <a:ea typeface="微软雅黑" panose="020B0503020204020204" pitchFamily="34" charset="-122"/>
+              </a:rPr>
+              <a:t>join</a:t>
+            </a:r>
+            <a:r>
+              <a:rPr lang="zh-CN" altLang="en-US" b="1" dirty="0" smtClean="0">
+                <a:solidFill>
+                  <a:schemeClr val="tx1">
+                    <a:lumMod val="65000"/>
+                    <a:lumOff val="35000"/>
+                  </a:schemeClr>
+                </a:solidFill>
+                <a:latin typeface="微软雅黑" panose="020B0503020204020204" pitchFamily="34" charset="-122"/>
+                <a:ea typeface="微软雅黑" panose="020B0503020204020204" pitchFamily="34" charset="-122"/>
+              </a:rPr>
+              <a:t>操作。</a:t>
             </a:r>
             <a:endParaRPr lang="en-US" altLang="zh-CN" b="1" dirty="0" smtClean="0">
               <a:solidFill>
@@ -5775,9 +7789,9 @@
             </a:endParaRPr>
           </a:p>
           <a:p>
-            <a:pPr lvl="1"/>
-            <a:r>
-              <a:rPr lang="en-US" altLang="zh-CN" b="1" dirty="0" smtClean="0">
+            <a:pPr lvl="2"/>
+            <a:r>
+              <a:rPr lang="zh-CN" altLang="en-US" b="1" dirty="0" smtClean="0">
                 <a:solidFill>
                   <a:schemeClr val="tx1">
                     <a:lumMod val="65000"/>
@@ -5787,12 +7801,139 @@
                 <a:latin typeface="微软雅黑" panose="020B0503020204020204" pitchFamily="34" charset="-122"/>
                 <a:ea typeface="微软雅黑" panose="020B0503020204020204" pitchFamily="34" charset="-122"/>
               </a:rPr>
-              <a:t>Select user</a:t>
-            </a:r>
-          </a:p>
-          <a:p>
-            <a:pPr lvl="1"/>
-            <a:endParaRPr lang="en-US" altLang="zh-CN" b="1" dirty="0">
+              <a:t>可以利用数据库主码的约束使得章节有序（如</a:t>
+            </a:r>
+            <a:r>
+              <a:rPr lang="en-US" altLang="zh-CN" b="1" dirty="0" smtClean="0">
+                <a:solidFill>
+                  <a:schemeClr val="tx1">
+                    <a:lumMod val="65000"/>
+                    <a:lumOff val="35000"/>
+                  </a:schemeClr>
+                </a:solidFill>
+                <a:latin typeface="微软雅黑" panose="020B0503020204020204" pitchFamily="34" charset="-122"/>
+                <a:ea typeface="微软雅黑" panose="020B0503020204020204" pitchFamily="34" charset="-122"/>
+              </a:rPr>
+              <a:t>1</a:t>
+            </a:r>
+            <a:r>
+              <a:rPr lang="zh-CN" altLang="en-US" b="1" dirty="0" smtClean="0">
+                <a:solidFill>
+                  <a:schemeClr val="tx1">
+                    <a:lumMod val="65000"/>
+                    <a:lumOff val="35000"/>
+                  </a:schemeClr>
+                </a:solidFill>
+                <a:latin typeface="微软雅黑" panose="020B0503020204020204" pitchFamily="34" charset="-122"/>
+                <a:ea typeface="微软雅黑" panose="020B0503020204020204" pitchFamily="34" charset="-122"/>
+              </a:rPr>
+              <a:t>、</a:t>
+            </a:r>
+            <a:r>
+              <a:rPr lang="en-US" altLang="zh-CN" b="1" dirty="0" smtClean="0">
+                <a:solidFill>
+                  <a:schemeClr val="tx1">
+                    <a:lumMod val="65000"/>
+                    <a:lumOff val="35000"/>
+                  </a:schemeClr>
+                </a:solidFill>
+                <a:latin typeface="微软雅黑" panose="020B0503020204020204" pitchFamily="34" charset="-122"/>
+                <a:ea typeface="微软雅黑" panose="020B0503020204020204" pitchFamily="34" charset="-122"/>
+              </a:rPr>
+              <a:t>2</a:t>
+            </a:r>
+            <a:r>
+              <a:rPr lang="zh-CN" altLang="en-US" b="1" dirty="0" smtClean="0">
+                <a:solidFill>
+                  <a:schemeClr val="tx1">
+                    <a:lumMod val="65000"/>
+                    <a:lumOff val="35000"/>
+                  </a:schemeClr>
+                </a:solidFill>
+                <a:latin typeface="微软雅黑" panose="020B0503020204020204" pitchFamily="34" charset="-122"/>
+                <a:ea typeface="微软雅黑" panose="020B0503020204020204" pitchFamily="34" charset="-122"/>
+              </a:rPr>
+              <a:t>、</a:t>
+            </a:r>
+            <a:r>
+              <a:rPr lang="en-US" altLang="zh-CN" b="1" dirty="0" smtClean="0">
+                <a:solidFill>
+                  <a:schemeClr val="tx1">
+                    <a:lumMod val="65000"/>
+                    <a:lumOff val="35000"/>
+                  </a:schemeClr>
+                </a:solidFill>
+                <a:latin typeface="微软雅黑" panose="020B0503020204020204" pitchFamily="34" charset="-122"/>
+                <a:ea typeface="微软雅黑" panose="020B0503020204020204" pitchFamily="34" charset="-122"/>
+              </a:rPr>
+              <a:t>3</a:t>
+            </a:r>
+            <a:r>
+              <a:rPr lang="zh-CN" altLang="en-US" b="1" dirty="0" smtClean="0">
+                <a:solidFill>
+                  <a:schemeClr val="tx1">
+                    <a:lumMod val="65000"/>
+                    <a:lumOff val="35000"/>
+                  </a:schemeClr>
+                </a:solidFill>
+                <a:latin typeface="微软雅黑" panose="020B0503020204020204" pitchFamily="34" charset="-122"/>
+                <a:ea typeface="微软雅黑" panose="020B0503020204020204" pitchFamily="34" charset="-122"/>
+              </a:rPr>
+              <a:t>、</a:t>
+            </a:r>
+            <a:r>
+              <a:rPr lang="en-US" altLang="zh-CN" b="1" dirty="0" smtClean="0">
+                <a:solidFill>
+                  <a:schemeClr val="tx1">
+                    <a:lumMod val="65000"/>
+                    <a:lumOff val="35000"/>
+                  </a:schemeClr>
+                </a:solidFill>
+                <a:latin typeface="微软雅黑" panose="020B0503020204020204" pitchFamily="34" charset="-122"/>
+                <a:ea typeface="微软雅黑" panose="020B0503020204020204" pitchFamily="34" charset="-122"/>
+              </a:rPr>
+              <a:t>4</a:t>
+            </a:r>
+            <a:r>
+              <a:rPr lang="zh-CN" altLang="en-US" b="1" dirty="0" smtClean="0">
+                <a:solidFill>
+                  <a:schemeClr val="tx1">
+                    <a:lumMod val="65000"/>
+                    <a:lumOff val="35000"/>
+                  </a:schemeClr>
+                </a:solidFill>
+                <a:latin typeface="微软雅黑" panose="020B0503020204020204" pitchFamily="34" charset="-122"/>
+                <a:ea typeface="微软雅黑" panose="020B0503020204020204" pitchFamily="34" charset="-122"/>
+              </a:rPr>
+              <a:t>、</a:t>
+            </a:r>
+            <a:r>
+              <a:rPr lang="en-US" altLang="zh-CN" b="1" dirty="0" smtClean="0">
+                <a:solidFill>
+                  <a:schemeClr val="tx1">
+                    <a:lumMod val="65000"/>
+                    <a:lumOff val="35000"/>
+                  </a:schemeClr>
+                </a:solidFill>
+                <a:latin typeface="微软雅黑" panose="020B0503020204020204" pitchFamily="34" charset="-122"/>
+                <a:ea typeface="微软雅黑" panose="020B0503020204020204" pitchFamily="34" charset="-122"/>
+              </a:rPr>
+              <a:t>5</a:t>
+            </a:r>
+            <a:r>
+              <a:rPr lang="zh-CN" altLang="en-US" b="1" dirty="0" smtClean="0">
+                <a:solidFill>
+                  <a:schemeClr val="tx1">
+                    <a:lumMod val="65000"/>
+                    <a:lumOff val="35000"/>
+                  </a:schemeClr>
+                </a:solidFill>
+                <a:latin typeface="微软雅黑" panose="020B0503020204020204" pitchFamily="34" charset="-122"/>
+                <a:ea typeface="微软雅黑" panose="020B0503020204020204" pitchFamily="34" charset="-122"/>
+              </a:rPr>
+              <a:t>章）</a:t>
+            </a:r>
+            <a:endParaRPr lang="en-US" altLang="zh-CN" b="1" dirty="0" smtClean="0">
               <a:solidFill>
                 <a:schemeClr val="tx1">
                   <a:lumMod val="65000"/>
@@ -5804,7 +7945,21 @@
             </a:endParaRPr>
           </a:p>
           <a:p>
-            <a:endParaRPr lang="en-US" altLang="zh-CN" b="1" dirty="0">
+            <a:pPr lvl="1"/>
+            <a:r>
+              <a:rPr lang="zh-CN" altLang="en-US" b="1" dirty="0" smtClean="0">
+                <a:solidFill>
+                  <a:schemeClr val="tx1">
+                    <a:lumMod val="65000"/>
+                    <a:lumOff val="35000"/>
+                  </a:schemeClr>
+                </a:solidFill>
+                <a:latin typeface="微软雅黑" panose="020B0503020204020204" pitchFamily="34" charset="-122"/>
+                <a:ea typeface="微软雅黑" panose="020B0503020204020204" pitchFamily="34" charset="-122"/>
+              </a:rPr>
+              <a:t>缺点：</a:t>
+            </a:r>
+            <a:endParaRPr lang="en-US" altLang="zh-CN" b="1" dirty="0" smtClean="0">
               <a:solidFill>
                 <a:schemeClr val="tx1">
                   <a:lumMod val="65000"/>
@@ -5815,12 +7970,38 @@
               <a:ea typeface="微软雅黑" panose="020B0503020204020204" pitchFamily="34" charset="-122"/>
             </a:endParaRPr>
           </a:p>
+          <a:p>
+            <a:pPr lvl="2"/>
+            <a:r>
+              <a:rPr lang="zh-CN" altLang="en-US" b="1" dirty="0" smtClean="0">
+                <a:solidFill>
+                  <a:schemeClr val="tx1">
+                    <a:lumMod val="65000"/>
+                    <a:lumOff val="35000"/>
+                  </a:schemeClr>
+                </a:solidFill>
+                <a:latin typeface="微软雅黑" panose="020B0503020204020204" pitchFamily="34" charset="-122"/>
+                <a:ea typeface="微软雅黑" panose="020B0503020204020204" pitchFamily="34" charset="-122"/>
+              </a:rPr>
+              <a:t>增加数据“冗余”。</a:t>
+            </a:r>
+            <a:endParaRPr lang="en-US" altLang="zh-CN" b="1" dirty="0" smtClean="0">
+              <a:solidFill>
+                <a:schemeClr val="tx1">
+                  <a:lumMod val="65000"/>
+                  <a:lumOff val="35000"/>
+                </a:schemeClr>
+              </a:solidFill>
+              <a:latin typeface="微软雅黑" panose="020B0503020204020204" pitchFamily="34" charset="-122"/>
+              <a:ea typeface="微软雅黑" panose="020B0503020204020204" pitchFamily="34" charset="-122"/>
+            </a:endParaRPr>
+          </a:p>
         </p:txBody>
       </p:sp>
     </p:spTree>
     <p:extLst>
       <p:ext uri="{BB962C8B-B14F-4D97-AF65-F5344CB8AC3E}">
-        <p14:creationId xmlns:p14="http://schemas.microsoft.com/office/powerpoint/2010/main" val="1999305837"/>
+        <p14:creationId xmlns:p14="http://schemas.microsoft.com/office/powerpoint/2010/main" val="1029283463"/>
       </p:ext>
     </p:extLst>
   </p:cSld>
@@ -5877,7 +8058,7 @@
                 <a:latin typeface="微软雅黑" panose="020B0503020204020204" pitchFamily="34" charset="-122"/>
                 <a:ea typeface="微软雅黑" panose="020B0503020204020204" pitchFamily="34" charset="-122"/>
               </a:rPr>
-              <a:t>查询方案及查询代价</a:t>
+              <a:t>数据冗余情况及范式</a:t>
             </a:r>
             <a:r>
               <a:rPr lang="zh-CN" altLang="en-US" b="1" dirty="0" smtClean="0">
@@ -5925,7 +8106,59 @@
                 <a:latin typeface="微软雅黑" panose="020B0503020204020204" pitchFamily="34" charset="-122"/>
                 <a:ea typeface="微软雅黑" panose="020B0503020204020204" pitchFamily="34" charset="-122"/>
               </a:rPr>
-              <a:t>大部分业务都是插入以及更新操作，剩下的查询业务绝大多数都是利用主索引码等值比较。</a:t>
+              <a:t>除</a:t>
+            </a:r>
+            <a:r>
+              <a:rPr lang="en-US" altLang="zh-CN" b="1" dirty="0" smtClean="0">
+                <a:solidFill>
+                  <a:schemeClr val="tx1">
+                    <a:lumMod val="65000"/>
+                    <a:lumOff val="35000"/>
+                  </a:schemeClr>
+                </a:solidFill>
+                <a:latin typeface="微软雅黑" panose="020B0503020204020204" pitchFamily="34" charset="-122"/>
+                <a:ea typeface="微软雅黑" panose="020B0503020204020204" pitchFamily="34" charset="-122"/>
+              </a:rPr>
+              <a:t>User</a:t>
+            </a:r>
+            <a:r>
+              <a:rPr lang="zh-CN" altLang="en-US" b="1" dirty="0" smtClean="0">
+                <a:solidFill>
+                  <a:schemeClr val="tx1">
+                    <a:lumMod val="65000"/>
+                    <a:lumOff val="35000"/>
+                  </a:schemeClr>
+                </a:solidFill>
+                <a:latin typeface="微软雅黑" panose="020B0503020204020204" pitchFamily="34" charset="-122"/>
+                <a:ea typeface="微软雅黑" panose="020B0503020204020204" pitchFamily="34" charset="-122"/>
+              </a:rPr>
+              <a:t>及其子表外，其它表均满足</a:t>
+            </a:r>
+            <a:r>
+              <a:rPr lang="en-US" altLang="zh-CN" b="1" dirty="0" smtClean="0">
+                <a:solidFill>
+                  <a:schemeClr val="tx1">
+                    <a:lumMod val="65000"/>
+                    <a:lumOff val="35000"/>
+                  </a:schemeClr>
+                </a:solidFill>
+                <a:latin typeface="微软雅黑" panose="020B0503020204020204" pitchFamily="34" charset="-122"/>
+                <a:ea typeface="微软雅黑" panose="020B0503020204020204" pitchFamily="34" charset="-122"/>
+              </a:rPr>
+              <a:t>BC</a:t>
+            </a:r>
+            <a:r>
+              <a:rPr lang="zh-CN" altLang="en-US" b="1" dirty="0" smtClean="0">
+                <a:solidFill>
+                  <a:schemeClr val="tx1">
+                    <a:lumMod val="65000"/>
+                    <a:lumOff val="35000"/>
+                  </a:schemeClr>
+                </a:solidFill>
+                <a:latin typeface="微软雅黑" panose="020B0503020204020204" pitchFamily="34" charset="-122"/>
+                <a:ea typeface="微软雅黑" panose="020B0503020204020204" pitchFamily="34" charset="-122"/>
+              </a:rPr>
+              <a:t>范式</a:t>
             </a:r>
             <a:endParaRPr lang="en-US" altLang="zh-CN" b="1" dirty="0" smtClean="0">
               <a:solidFill>
@@ -5951,7 +8184,33 @@
                 <a:latin typeface="微软雅黑" panose="020B0503020204020204" pitchFamily="34" charset="-122"/>
                 <a:ea typeface="微软雅黑" panose="020B0503020204020204" pitchFamily="34" charset="-122"/>
               </a:rPr>
-              <a:t>所以开销为：</a:t>
+              <a:t>但由于唯一性约束的限制，</a:t>
+            </a:r>
+            <a:r>
+              <a:rPr lang="en-US" altLang="zh-CN" b="1" dirty="0" smtClean="0">
+                <a:solidFill>
+                  <a:schemeClr val="tx1">
+                    <a:lumMod val="65000"/>
+                    <a:lumOff val="35000"/>
+                  </a:schemeClr>
+                </a:solidFill>
+                <a:latin typeface="微软雅黑" panose="020B0503020204020204" pitchFamily="34" charset="-122"/>
+                <a:ea typeface="微软雅黑" panose="020B0503020204020204" pitchFamily="34" charset="-122"/>
+              </a:rPr>
+              <a:t>User</a:t>
+            </a:r>
+            <a:r>
+              <a:rPr lang="zh-CN" altLang="en-US" b="1" dirty="0" smtClean="0">
+                <a:solidFill>
+                  <a:schemeClr val="tx1">
+                    <a:lumMod val="65000"/>
+                    <a:lumOff val="35000"/>
+                  </a:schemeClr>
+                </a:solidFill>
+                <a:latin typeface="微软雅黑" panose="020B0503020204020204" pitchFamily="34" charset="-122"/>
+                <a:ea typeface="微软雅黑" panose="020B0503020204020204" pitchFamily="34" charset="-122"/>
+              </a:rPr>
+              <a:t>表中不存在数据冗余。</a:t>
             </a:r>
             <a:endParaRPr lang="en-US" altLang="zh-CN" b="1" dirty="0" smtClean="0">
               <a:solidFill>
@@ -5964,136 +8223,12 @@
               <a:ea typeface="微软雅黑" panose="020B0503020204020204" pitchFamily="34" charset="-122"/>
             </a:endParaRPr>
           </a:p>
-          <a:p>
-            <a:endParaRPr lang="en-US" altLang="zh-CN" b="1" dirty="0" smtClean="0">
-              <a:solidFill>
-                <a:schemeClr val="tx1">
-                  <a:lumMod val="65000"/>
-                  <a:lumOff val="35000"/>
-                </a:schemeClr>
-              </a:solidFill>
-              <a:latin typeface="微软雅黑" panose="020B0503020204020204" pitchFamily="34" charset="-122"/>
-              <a:ea typeface="微软雅黑" panose="020B0503020204020204" pitchFamily="34" charset="-122"/>
-            </a:endParaRPr>
-          </a:p>
-          <a:p>
-            <a:r>
-              <a:rPr lang="zh-CN" altLang="en-US" b="1" dirty="0" smtClean="0">
-                <a:solidFill>
-                  <a:schemeClr val="tx1">
-                    <a:lumMod val="65000"/>
-                    <a:lumOff val="35000"/>
-                  </a:schemeClr>
-                </a:solidFill>
-                <a:latin typeface="微软雅黑" panose="020B0503020204020204" pitchFamily="34" charset="-122"/>
-                <a:ea typeface="微软雅黑" panose="020B0503020204020204" pitchFamily="34" charset="-122"/>
-              </a:rPr>
-              <a:t>剩下的主要查询操作有， 登陆、查询可选课程。</a:t>
-            </a:r>
-            <a:endParaRPr lang="en-US" altLang="zh-CN" b="1" dirty="0" smtClean="0">
-              <a:solidFill>
-                <a:schemeClr val="tx1">
-                  <a:lumMod val="65000"/>
-                  <a:lumOff val="35000"/>
-                </a:schemeClr>
-              </a:solidFill>
-              <a:latin typeface="微软雅黑" panose="020B0503020204020204" pitchFamily="34" charset="-122"/>
-              <a:ea typeface="微软雅黑" panose="020B0503020204020204" pitchFamily="34" charset="-122"/>
-            </a:endParaRPr>
-          </a:p>
-          <a:p>
-            <a:endParaRPr lang="en-US" altLang="zh-CN" b="1" dirty="0">
-              <a:solidFill>
-                <a:schemeClr val="tx1">
-                  <a:lumMod val="65000"/>
-                  <a:lumOff val="35000"/>
-                </a:schemeClr>
-              </a:solidFill>
-              <a:latin typeface="微软雅黑" panose="020B0503020204020204" pitchFamily="34" charset="-122"/>
-              <a:ea typeface="微软雅黑" panose="020B0503020204020204" pitchFamily="34" charset="-122"/>
-            </a:endParaRPr>
-          </a:p>
-          <a:p>
-            <a:r>
-              <a:rPr lang="zh-CN" altLang="en-US" b="1" dirty="0" smtClean="0">
-                <a:solidFill>
-                  <a:schemeClr val="tx1">
-                    <a:lumMod val="65000"/>
-                    <a:lumOff val="35000"/>
-                  </a:schemeClr>
-                </a:solidFill>
-                <a:latin typeface="微软雅黑" panose="020B0503020204020204" pitchFamily="34" charset="-122"/>
-                <a:ea typeface="微软雅黑" panose="020B0503020204020204" pitchFamily="34" charset="-122"/>
-              </a:rPr>
-              <a:t>如果要考虑各种数据统计功能的话。。。业务要求里面没有提到。</a:t>
-            </a:r>
-            <a:r>
-              <a:rPr lang="en-US" altLang="zh-CN" b="1" dirty="0" smtClean="0">
-                <a:solidFill>
-                  <a:schemeClr val="tx1">
-                    <a:lumMod val="65000"/>
-                    <a:lumOff val="35000"/>
-                  </a:schemeClr>
-                </a:solidFill>
-                <a:latin typeface="微软雅黑" panose="020B0503020204020204" pitchFamily="34" charset="-122"/>
-                <a:ea typeface="微软雅黑" panose="020B0503020204020204" pitchFamily="34" charset="-122"/>
-              </a:rPr>
-              <a:t>//TODO </a:t>
-            </a:r>
-            <a:endParaRPr lang="en-US" altLang="zh-CN" b="1" dirty="0">
-              <a:solidFill>
-                <a:schemeClr val="tx1">
-                  <a:lumMod val="65000"/>
-                  <a:lumOff val="35000"/>
-                </a:schemeClr>
-              </a:solidFill>
-              <a:latin typeface="微软雅黑" panose="020B0503020204020204" pitchFamily="34" charset="-122"/>
-              <a:ea typeface="微软雅黑" panose="020B0503020204020204" pitchFamily="34" charset="-122"/>
-            </a:endParaRPr>
-          </a:p>
-          <a:p>
-            <a:endParaRPr lang="en-US" altLang="zh-CN" b="1" dirty="0" smtClean="0">
-              <a:solidFill>
-                <a:schemeClr val="tx1">
-                  <a:lumMod val="65000"/>
-                  <a:lumOff val="35000"/>
-                </a:schemeClr>
-              </a:solidFill>
-              <a:latin typeface="微软雅黑" panose="020B0503020204020204" pitchFamily="34" charset="-122"/>
-              <a:ea typeface="微软雅黑" panose="020B0503020204020204" pitchFamily="34" charset="-122"/>
-            </a:endParaRPr>
-          </a:p>
-          <a:p>
-            <a:pPr lvl="1"/>
-            <a:endParaRPr lang="en-US" altLang="zh-CN" b="1" dirty="0">
-              <a:solidFill>
-                <a:schemeClr val="tx1">
-                  <a:lumMod val="65000"/>
-                  <a:lumOff val="35000"/>
-                </a:schemeClr>
-              </a:solidFill>
-              <a:latin typeface="微软雅黑" panose="020B0503020204020204" pitchFamily="34" charset="-122"/>
-              <a:ea typeface="微软雅黑" panose="020B0503020204020204" pitchFamily="34" charset="-122"/>
-            </a:endParaRPr>
-          </a:p>
-          <a:p>
-            <a:endParaRPr lang="en-US" altLang="zh-CN" b="1" dirty="0">
-              <a:solidFill>
-                <a:schemeClr val="tx1">
-                  <a:lumMod val="65000"/>
-                  <a:lumOff val="35000"/>
-                </a:schemeClr>
-              </a:solidFill>
-              <a:latin typeface="微软雅黑" panose="020B0503020204020204" pitchFamily="34" charset="-122"/>
-              <a:ea typeface="微软雅黑" panose="020B0503020204020204" pitchFamily="34" charset="-122"/>
-            </a:endParaRPr>
-          </a:p>
         </p:txBody>
       </p:sp>
     </p:spTree>
     <p:extLst>
       <p:ext uri="{BB962C8B-B14F-4D97-AF65-F5344CB8AC3E}">
-        <p14:creationId xmlns:p14="http://schemas.microsoft.com/office/powerpoint/2010/main" val="424274998"/>
+        <p14:creationId xmlns:p14="http://schemas.microsoft.com/office/powerpoint/2010/main" val="4204365962"/>
       </p:ext>
     </p:extLst>
   </p:cSld>

--- a/Presentation2 Template.pptx
+++ b/Presentation2 Template.pptx
@@ -5,22 +5,35 @@
     <p:sldMasterId id="2147483660" r:id="rId1"/>
   </p:sldMasterIdLst>
   <p:notesMasterIdLst>
-    <p:notesMasterId r:id="rId15"/>
+    <p:notesMasterId r:id="rId28"/>
   </p:notesMasterIdLst>
   <p:sldIdLst>
     <p:sldId id="256" r:id="rId2"/>
-    <p:sldId id="265" r:id="rId3"/>
-    <p:sldId id="266" r:id="rId4"/>
-    <p:sldId id="267" r:id="rId5"/>
-    <p:sldId id="268" r:id="rId6"/>
-    <p:sldId id="257" r:id="rId7"/>
-    <p:sldId id="258" r:id="rId8"/>
-    <p:sldId id="259" r:id="rId9"/>
-    <p:sldId id="260" r:id="rId10"/>
-    <p:sldId id="261" r:id="rId11"/>
-    <p:sldId id="262" r:id="rId12"/>
-    <p:sldId id="263" r:id="rId13"/>
-    <p:sldId id="264" r:id="rId14"/>
+    <p:sldId id="257" r:id="rId3"/>
+    <p:sldId id="275" r:id="rId4"/>
+    <p:sldId id="277" r:id="rId5"/>
+    <p:sldId id="276" r:id="rId6"/>
+    <p:sldId id="278" r:id="rId7"/>
+    <p:sldId id="279" r:id="rId8"/>
+    <p:sldId id="289" r:id="rId9"/>
+    <p:sldId id="281" r:id="rId10"/>
+    <p:sldId id="270" r:id="rId11"/>
+    <p:sldId id="265" r:id="rId12"/>
+    <p:sldId id="266" r:id="rId13"/>
+    <p:sldId id="267" r:id="rId14"/>
+    <p:sldId id="268" r:id="rId15"/>
+    <p:sldId id="269" r:id="rId16"/>
+    <p:sldId id="271" r:id="rId17"/>
+    <p:sldId id="272" r:id="rId18"/>
+    <p:sldId id="273" r:id="rId19"/>
+    <p:sldId id="274" r:id="rId20"/>
+    <p:sldId id="282" r:id="rId21"/>
+    <p:sldId id="258" r:id="rId22"/>
+    <p:sldId id="286" r:id="rId23"/>
+    <p:sldId id="288" r:id="rId24"/>
+    <p:sldId id="283" r:id="rId25"/>
+    <p:sldId id="284" r:id="rId26"/>
+    <p:sldId id="285" r:id="rId27"/>
   </p:sldIdLst>
   <p:sldSz cx="9144000" cy="6858000" type="screen4x3"/>
   <p:notesSz cx="6858000" cy="9144000"/>
@@ -3512,7 +3525,9 @@
         </p:nvSpPr>
         <p:spPr/>
         <p:txBody>
-          <a:bodyPr/>
+          <a:bodyPr>
+            <a:normAutofit/>
+          </a:bodyPr>
           <a:lstStyle/>
           <a:p>
             <a:r>
@@ -3523,19 +3538,9 @@
                 <a:latin typeface="微软雅黑" panose="020B0503020204020204" pitchFamily="34" charset="-122"/>
                 <a:ea typeface="微软雅黑" panose="020B0503020204020204" pitchFamily="34" charset="-122"/>
               </a:rPr>
-              <a:t>建立</a:t>
-            </a:r>
-            <a:r>
-              <a:rPr lang="zh-CN" altLang="en-US" b="1" dirty="0" smtClean="0">
-                <a:solidFill>
-                  <a:srgbClr val="0070C0"/>
-                </a:solidFill>
-                <a:latin typeface="微软雅黑" panose="020B0503020204020204" pitchFamily="34" charset="-122"/>
-                <a:ea typeface="微软雅黑" panose="020B0503020204020204" pitchFamily="34" charset="-122"/>
-              </a:rPr>
-              <a:t>索引</a:t>
-            </a:r>
-            <a:endParaRPr lang="en-US" b="1" dirty="0">
+              <a:t>项目的目标和特性</a:t>
+            </a:r>
+            <a:endParaRPr lang="zh-CN" altLang="en-US" b="1" dirty="0">
               <a:solidFill>
                 <a:srgbClr val="0070C0"/>
               </a:solidFill>
@@ -3547,12 +3552,12 @@
       </p:sp>
       <p:sp>
         <p:nvSpPr>
-          <p:cNvPr id="3" name="内容占位符 2"/>
+          <p:cNvPr id="3" name="文本占位符 2"/>
           <p:cNvSpPr>
             <a:spLocks noGrp="1"/>
           </p:cNvSpPr>
           <p:nvPr>
-            <p:ph idx="1"/>
+            <p:ph type="body" idx="1"/>
           </p:nvPr>
         </p:nvSpPr>
         <p:spPr/>
@@ -3560,205 +3565,14 @@
           <a:bodyPr/>
           <a:lstStyle/>
           <a:p>
-            <a:r>
-              <a:rPr lang="zh-CN" altLang="en-US" b="1" dirty="0" smtClean="0">
-                <a:solidFill>
-                  <a:schemeClr val="tx1">
-                    <a:lumMod val="65000"/>
-                    <a:lumOff val="35000"/>
-                  </a:schemeClr>
-                </a:solidFill>
-                <a:latin typeface="微软雅黑" panose="020B0503020204020204" pitchFamily="34" charset="-122"/>
-                <a:ea typeface="微软雅黑" panose="020B0503020204020204" pitchFamily="34" charset="-122"/>
-              </a:rPr>
-              <a:t>策略</a:t>
-            </a:r>
-            <a:endParaRPr lang="en-US" altLang="zh-CN" b="1" dirty="0" smtClean="0">
-              <a:solidFill>
-                <a:schemeClr val="tx1">
-                  <a:lumMod val="65000"/>
-                  <a:lumOff val="35000"/>
-                </a:schemeClr>
-              </a:solidFill>
-              <a:latin typeface="微软雅黑" panose="020B0503020204020204" pitchFamily="34" charset="-122"/>
-              <a:ea typeface="微软雅黑" panose="020B0503020204020204" pitchFamily="34" charset="-122"/>
-            </a:endParaRPr>
-          </a:p>
-          <a:p>
-            <a:pPr lvl="1"/>
-            <a:r>
-              <a:rPr lang="en-US" altLang="zh-CN" b="1" dirty="0" smtClean="0">
-                <a:solidFill>
-                  <a:schemeClr val="tx1">
-                    <a:lumMod val="65000"/>
-                    <a:lumOff val="35000"/>
-                  </a:schemeClr>
-                </a:solidFill>
-                <a:latin typeface="微软雅黑" panose="020B0503020204020204" pitchFamily="34" charset="-122"/>
-                <a:ea typeface="微软雅黑" panose="020B0503020204020204" pitchFamily="34" charset="-122"/>
-              </a:rPr>
-              <a:t>Primary Key</a:t>
-            </a:r>
-            <a:r>
-              <a:rPr lang="zh-CN" altLang="en-US" b="1" dirty="0" smtClean="0">
-                <a:solidFill>
-                  <a:schemeClr val="tx1">
-                    <a:lumMod val="65000"/>
-                    <a:lumOff val="35000"/>
-                  </a:schemeClr>
-                </a:solidFill>
-                <a:latin typeface="微软雅黑" panose="020B0503020204020204" pitchFamily="34" charset="-122"/>
-                <a:ea typeface="微软雅黑" panose="020B0503020204020204" pitchFamily="34" charset="-122"/>
-              </a:rPr>
-              <a:t>建立索引，</a:t>
-            </a:r>
-            <a:r>
-              <a:rPr lang="en-US" altLang="zh-CN" b="1" dirty="0" smtClean="0">
-                <a:solidFill>
-                  <a:schemeClr val="tx1">
-                    <a:lumMod val="65000"/>
-                    <a:lumOff val="35000"/>
-                  </a:schemeClr>
-                </a:solidFill>
-                <a:latin typeface="微软雅黑" panose="020B0503020204020204" pitchFamily="34" charset="-122"/>
-                <a:ea typeface="微软雅黑" panose="020B0503020204020204" pitchFamily="34" charset="-122"/>
-              </a:rPr>
-              <a:t>Unique Key</a:t>
-            </a:r>
-            <a:r>
-              <a:rPr lang="zh-CN" altLang="en-US" b="1" dirty="0" smtClean="0">
-                <a:solidFill>
-                  <a:schemeClr val="tx1">
-                    <a:lumMod val="65000"/>
-                    <a:lumOff val="35000"/>
-                  </a:schemeClr>
-                </a:solidFill>
-                <a:latin typeface="微软雅黑" panose="020B0503020204020204" pitchFamily="34" charset="-122"/>
-                <a:ea typeface="微软雅黑" panose="020B0503020204020204" pitchFamily="34" charset="-122"/>
-              </a:rPr>
-              <a:t>有选择地建立索引。</a:t>
-            </a:r>
-            <a:endParaRPr lang="en-US" altLang="zh-CN" b="1" dirty="0" smtClean="0">
-              <a:solidFill>
-                <a:schemeClr val="tx1">
-                  <a:lumMod val="65000"/>
-                  <a:lumOff val="35000"/>
-                </a:schemeClr>
-              </a:solidFill>
-              <a:latin typeface="微软雅黑" panose="020B0503020204020204" pitchFamily="34" charset="-122"/>
-              <a:ea typeface="微软雅黑" panose="020B0503020204020204" pitchFamily="34" charset="-122"/>
-            </a:endParaRPr>
-          </a:p>
-          <a:p>
-            <a:pPr lvl="1"/>
-            <a:r>
-              <a:rPr lang="zh-CN" altLang="en-US" b="1" dirty="0" smtClean="0">
-                <a:solidFill>
-                  <a:schemeClr val="tx1">
-                    <a:lumMod val="65000"/>
-                    <a:lumOff val="35000"/>
-                  </a:schemeClr>
-                </a:solidFill>
-                <a:latin typeface="微软雅黑" panose="020B0503020204020204" pitchFamily="34" charset="-122"/>
-                <a:ea typeface="微软雅黑" panose="020B0503020204020204" pitchFamily="34" charset="-122"/>
-              </a:rPr>
-              <a:t>常用业务查询中，</a:t>
-            </a:r>
-            <a:r>
-              <a:rPr lang="en-US" altLang="zh-CN" b="1" dirty="0" smtClean="0">
-                <a:solidFill>
-                  <a:schemeClr val="tx1">
-                    <a:lumMod val="65000"/>
-                    <a:lumOff val="35000"/>
-                  </a:schemeClr>
-                </a:solidFill>
-                <a:latin typeface="微软雅黑" panose="020B0503020204020204" pitchFamily="34" charset="-122"/>
-                <a:ea typeface="微软雅黑" panose="020B0503020204020204" pitchFamily="34" charset="-122"/>
-              </a:rPr>
-              <a:t>where</a:t>
-            </a:r>
-            <a:r>
-              <a:rPr lang="zh-CN" altLang="en-US" b="1" dirty="0" smtClean="0">
-                <a:solidFill>
-                  <a:schemeClr val="tx1">
-                    <a:lumMod val="65000"/>
-                    <a:lumOff val="35000"/>
-                  </a:schemeClr>
-                </a:solidFill>
-                <a:latin typeface="微软雅黑" panose="020B0503020204020204" pitchFamily="34" charset="-122"/>
-                <a:ea typeface="微软雅黑" panose="020B0503020204020204" pitchFamily="34" charset="-122"/>
-              </a:rPr>
-              <a:t>以及</a:t>
-            </a:r>
-            <a:r>
-              <a:rPr lang="en-US" altLang="zh-CN" b="1" dirty="0" smtClean="0">
-                <a:solidFill>
-                  <a:schemeClr val="tx1">
-                    <a:lumMod val="65000"/>
-                    <a:lumOff val="35000"/>
-                  </a:schemeClr>
-                </a:solidFill>
-                <a:latin typeface="微软雅黑" panose="020B0503020204020204" pitchFamily="34" charset="-122"/>
-                <a:ea typeface="微软雅黑" panose="020B0503020204020204" pitchFamily="34" charset="-122"/>
-              </a:rPr>
-              <a:t>order by</a:t>
-            </a:r>
-            <a:r>
-              <a:rPr lang="zh-CN" altLang="en-US" b="1" dirty="0" smtClean="0">
-                <a:solidFill>
-                  <a:schemeClr val="tx1">
-                    <a:lumMod val="65000"/>
-                    <a:lumOff val="35000"/>
-                  </a:schemeClr>
-                </a:solidFill>
-                <a:latin typeface="微软雅黑" panose="020B0503020204020204" pitchFamily="34" charset="-122"/>
-                <a:ea typeface="微软雅黑" panose="020B0503020204020204" pitchFamily="34" charset="-122"/>
-              </a:rPr>
-              <a:t>中的属性建立索引。</a:t>
-            </a:r>
-            <a:endParaRPr lang="en-US" altLang="zh-CN" b="1" dirty="0" smtClean="0">
-              <a:solidFill>
-                <a:schemeClr val="tx1">
-                  <a:lumMod val="65000"/>
-                  <a:lumOff val="35000"/>
-                </a:schemeClr>
-              </a:solidFill>
-              <a:latin typeface="微软雅黑" panose="020B0503020204020204" pitchFamily="34" charset="-122"/>
-              <a:ea typeface="微软雅黑" panose="020B0503020204020204" pitchFamily="34" charset="-122"/>
-            </a:endParaRPr>
-          </a:p>
-          <a:p>
-            <a:pPr lvl="1"/>
-            <a:r>
-              <a:rPr lang="zh-CN" altLang="en-US" b="1" dirty="0" smtClean="0">
-                <a:solidFill>
-                  <a:schemeClr val="tx1">
-                    <a:lumMod val="65000"/>
-                    <a:lumOff val="35000"/>
-                  </a:schemeClr>
-                </a:solidFill>
-                <a:latin typeface="微软雅黑" panose="020B0503020204020204" pitchFamily="34" charset="-122"/>
-                <a:ea typeface="微软雅黑" panose="020B0503020204020204" pitchFamily="34" charset="-122"/>
-              </a:rPr>
-              <a:t>关注多码索引。</a:t>
-            </a:r>
-            <a:endParaRPr lang="en-US" altLang="zh-CN" b="1" dirty="0">
-              <a:solidFill>
-                <a:schemeClr val="tx1">
-                  <a:lumMod val="65000"/>
-                  <a:lumOff val="35000"/>
-                </a:schemeClr>
-              </a:solidFill>
-              <a:latin typeface="微软雅黑" panose="020B0503020204020204" pitchFamily="34" charset="-122"/>
-              <a:ea typeface="微软雅黑" panose="020B0503020204020204" pitchFamily="34" charset="-122"/>
-            </a:endParaRPr>
+            <a:endParaRPr kumimoji="1" lang="zh-CN" altLang="en-US" dirty="0"/>
           </a:p>
         </p:txBody>
       </p:sp>
     </p:spTree>
     <p:extLst>
       <p:ext uri="{BB962C8B-B14F-4D97-AF65-F5344CB8AC3E}">
-        <p14:creationId xmlns:p14="http://schemas.microsoft.com/office/powerpoint/2010/main" val="2779407675"/>
+        <p14:creationId xmlns:p14="http://schemas.microsoft.com/office/powerpoint/2010/main" val="1947289033"/>
       </p:ext>
     </p:extLst>
   </p:cSld>
@@ -3776,820 +3590,6 @@
 </file>
 
 <file path=ppt/slides/slide11.xml><?xml version="1.0" encoding="utf-8"?>
-<p:sld xmlns:a="http://schemas.openxmlformats.org/drawingml/2006/main" xmlns:r="http://schemas.openxmlformats.org/officeDocument/2006/relationships" xmlns:p="http://schemas.openxmlformats.org/presentationml/2006/main">
-  <p:cSld>
-    <p:spTree>
-      <p:nvGrpSpPr>
-        <p:cNvPr id="1" name=""/>
-        <p:cNvGrpSpPr/>
-        <p:nvPr/>
-      </p:nvGrpSpPr>
-      <p:grpSpPr>
-        <a:xfrm>
-          <a:off x="0" y="0"/>
-          <a:ext cx="0" cy="0"/>
-          <a:chOff x="0" y="0"/>
-          <a:chExt cx="0" cy="0"/>
-        </a:xfrm>
-      </p:grpSpPr>
-      <p:sp>
-        <p:nvSpPr>
-          <p:cNvPr id="2" name="标题 1"/>
-          <p:cNvSpPr>
-            <a:spLocks noGrp="1"/>
-          </p:cNvSpPr>
-          <p:nvPr>
-            <p:ph type="title"/>
-          </p:nvPr>
-        </p:nvSpPr>
-        <p:spPr/>
-        <p:txBody>
-          <a:bodyPr/>
-          <a:lstStyle/>
-          <a:p>
-            <a:r>
-              <a:rPr lang="zh-CN" altLang="en-US" b="1" dirty="0">
-                <a:solidFill>
-                  <a:srgbClr val="0070C0"/>
-                </a:solidFill>
-                <a:latin typeface="微软雅黑" panose="020B0503020204020204" pitchFamily="34" charset="-122"/>
-                <a:ea typeface="微软雅黑" panose="020B0503020204020204" pitchFamily="34" charset="-122"/>
-              </a:rPr>
-              <a:t>建立</a:t>
-            </a:r>
-            <a:r>
-              <a:rPr lang="zh-CN" altLang="en-US" b="1" dirty="0" smtClean="0">
-                <a:solidFill>
-                  <a:srgbClr val="0070C0"/>
-                </a:solidFill>
-                <a:latin typeface="微软雅黑" panose="020B0503020204020204" pitchFamily="34" charset="-122"/>
-                <a:ea typeface="微软雅黑" panose="020B0503020204020204" pitchFamily="34" charset="-122"/>
-              </a:rPr>
-              <a:t>索引</a:t>
-            </a:r>
-            <a:endParaRPr lang="en-US" b="1" dirty="0">
-              <a:solidFill>
-                <a:srgbClr val="0070C0"/>
-              </a:solidFill>
-              <a:latin typeface="微软雅黑" panose="020B0503020204020204" pitchFamily="34" charset="-122"/>
-              <a:ea typeface="微软雅黑" panose="020B0503020204020204" pitchFamily="34" charset="-122"/>
-            </a:endParaRPr>
-          </a:p>
-        </p:txBody>
-      </p:sp>
-      <p:sp>
-        <p:nvSpPr>
-          <p:cNvPr id="3" name="内容占位符 2"/>
-          <p:cNvSpPr>
-            <a:spLocks noGrp="1"/>
-          </p:cNvSpPr>
-          <p:nvPr>
-            <p:ph idx="1"/>
-          </p:nvPr>
-        </p:nvSpPr>
-        <p:spPr/>
-        <p:txBody>
-          <a:bodyPr/>
-          <a:lstStyle/>
-          <a:p>
-            <a:r>
-              <a:rPr lang="zh-CN" altLang="en-US" b="1" dirty="0">
-                <a:solidFill>
-                  <a:schemeClr val="tx1">
-                    <a:lumMod val="65000"/>
-                    <a:lumOff val="35000"/>
-                  </a:schemeClr>
-                </a:solidFill>
-                <a:latin typeface="微软雅黑" panose="020B0503020204020204" pitchFamily="34" charset="-122"/>
-                <a:ea typeface="微软雅黑" panose="020B0503020204020204" pitchFamily="34" charset="-122"/>
-              </a:rPr>
-              <a:t>样例讲解</a:t>
-            </a:r>
-            <a:endParaRPr lang="en-US" altLang="zh-CN" b="1" dirty="0">
-              <a:solidFill>
-                <a:schemeClr val="tx1">
-                  <a:lumMod val="65000"/>
-                  <a:lumOff val="35000"/>
-                </a:schemeClr>
-              </a:solidFill>
-              <a:latin typeface="微软雅黑" panose="020B0503020204020204" pitchFamily="34" charset="-122"/>
-              <a:ea typeface="微软雅黑" panose="020B0503020204020204" pitchFamily="34" charset="-122"/>
-            </a:endParaRPr>
-          </a:p>
-          <a:p>
-            <a:pPr lvl="1"/>
-            <a:r>
-              <a:rPr lang="zh-CN" altLang="en-US" b="1" dirty="0">
-                <a:solidFill>
-                  <a:schemeClr val="tx1">
-                    <a:lumMod val="65000"/>
-                    <a:lumOff val="35000"/>
-                  </a:schemeClr>
-                </a:solidFill>
-                <a:latin typeface="微软雅黑" panose="020B0503020204020204" pitchFamily="34" charset="-122"/>
-                <a:ea typeface="微软雅黑" panose="020B0503020204020204" pitchFamily="34" charset="-122"/>
-              </a:rPr>
-              <a:t>登陆</a:t>
-            </a:r>
-            <a:r>
-              <a:rPr lang="zh-CN" altLang="en-US" b="1" dirty="0" smtClean="0">
-                <a:solidFill>
-                  <a:schemeClr val="tx1">
-                    <a:lumMod val="65000"/>
-                    <a:lumOff val="35000"/>
-                  </a:schemeClr>
-                </a:solidFill>
-                <a:latin typeface="微软雅黑" panose="020B0503020204020204" pitchFamily="34" charset="-122"/>
-                <a:ea typeface="微软雅黑" panose="020B0503020204020204" pitchFamily="34" charset="-122"/>
-              </a:rPr>
-              <a:t>操作</a:t>
-            </a:r>
-            <a:endParaRPr lang="en-US" altLang="zh-CN" b="1" dirty="0" smtClean="0">
-              <a:solidFill>
-                <a:schemeClr val="tx1">
-                  <a:lumMod val="65000"/>
-                  <a:lumOff val="35000"/>
-                </a:schemeClr>
-              </a:solidFill>
-              <a:latin typeface="微软雅黑" panose="020B0503020204020204" pitchFamily="34" charset="-122"/>
-              <a:ea typeface="微软雅黑" panose="020B0503020204020204" pitchFamily="34" charset="-122"/>
-            </a:endParaRPr>
-          </a:p>
-          <a:p>
-            <a:pPr lvl="2"/>
-            <a:r>
-              <a:rPr lang="en-US" altLang="zh-CN" b="1" dirty="0" err="1" smtClean="0">
-                <a:solidFill>
-                  <a:schemeClr val="tx1">
-                    <a:lumMod val="65000"/>
-                    <a:lumOff val="35000"/>
-                  </a:schemeClr>
-                </a:solidFill>
-                <a:latin typeface="微软雅黑" panose="020B0503020204020204" pitchFamily="34" charset="-122"/>
-                <a:ea typeface="微软雅黑" panose="020B0503020204020204" pitchFamily="34" charset="-122"/>
-              </a:rPr>
-              <a:t>JAcount</a:t>
-            </a:r>
-            <a:r>
-              <a:rPr lang="zh-CN" altLang="en-US" b="1" dirty="0" smtClean="0">
-                <a:solidFill>
-                  <a:schemeClr val="tx1">
-                    <a:lumMod val="65000"/>
-                    <a:lumOff val="35000"/>
-                  </a:schemeClr>
-                </a:solidFill>
-                <a:latin typeface="微软雅黑" panose="020B0503020204020204" pitchFamily="34" charset="-122"/>
-                <a:ea typeface="微软雅黑" panose="020B0503020204020204" pitchFamily="34" charset="-122"/>
-              </a:rPr>
-              <a:t>用户登录</a:t>
-            </a:r>
-            <a:endParaRPr lang="en-US" altLang="zh-CN" b="1" dirty="0" smtClean="0">
-              <a:solidFill>
-                <a:schemeClr val="tx1">
-                  <a:lumMod val="65000"/>
-                  <a:lumOff val="35000"/>
-                </a:schemeClr>
-              </a:solidFill>
-              <a:latin typeface="微软雅黑" panose="020B0503020204020204" pitchFamily="34" charset="-122"/>
-              <a:ea typeface="微软雅黑" panose="020B0503020204020204" pitchFamily="34" charset="-122"/>
-            </a:endParaRPr>
-          </a:p>
-          <a:p>
-            <a:pPr lvl="2"/>
-            <a:r>
-              <a:rPr lang="zh-CN" altLang="en-US" b="1" dirty="0" smtClean="0">
-                <a:solidFill>
-                  <a:schemeClr val="tx1">
-                    <a:lumMod val="65000"/>
-                    <a:lumOff val="35000"/>
-                  </a:schemeClr>
-                </a:solidFill>
-                <a:latin typeface="微软雅黑" panose="020B0503020204020204" pitchFamily="34" charset="-122"/>
-                <a:ea typeface="微软雅黑" panose="020B0503020204020204" pitchFamily="34" charset="-122"/>
-              </a:rPr>
-              <a:t>普通用户登陆</a:t>
-            </a:r>
-            <a:endParaRPr lang="en-US" altLang="zh-CN" b="1" dirty="0" smtClean="0">
-              <a:solidFill>
-                <a:schemeClr val="tx1">
-                  <a:lumMod val="65000"/>
-                  <a:lumOff val="35000"/>
-                </a:schemeClr>
-              </a:solidFill>
-              <a:latin typeface="微软雅黑" panose="020B0503020204020204" pitchFamily="34" charset="-122"/>
-              <a:ea typeface="微软雅黑" panose="020B0503020204020204" pitchFamily="34" charset="-122"/>
-            </a:endParaRPr>
-          </a:p>
-          <a:p>
-            <a:pPr lvl="1"/>
-            <a:r>
-              <a:rPr lang="en-US" altLang="zh-CN" b="1" dirty="0" smtClean="0">
-                <a:solidFill>
-                  <a:schemeClr val="tx1">
-                    <a:lumMod val="65000"/>
-                    <a:lumOff val="35000"/>
-                  </a:schemeClr>
-                </a:solidFill>
-                <a:latin typeface="微软雅黑" panose="020B0503020204020204" pitchFamily="34" charset="-122"/>
-                <a:ea typeface="微软雅黑" panose="020B0503020204020204" pitchFamily="34" charset="-122"/>
-              </a:rPr>
-              <a:t>Select user</a:t>
-            </a:r>
-          </a:p>
-          <a:p>
-            <a:pPr lvl="1"/>
-            <a:endParaRPr lang="en-US" altLang="zh-CN" b="1" dirty="0">
-              <a:solidFill>
-                <a:schemeClr val="tx1">
-                  <a:lumMod val="65000"/>
-                  <a:lumOff val="35000"/>
-                </a:schemeClr>
-              </a:solidFill>
-              <a:latin typeface="微软雅黑" panose="020B0503020204020204" pitchFamily="34" charset="-122"/>
-              <a:ea typeface="微软雅黑" panose="020B0503020204020204" pitchFamily="34" charset="-122"/>
-            </a:endParaRPr>
-          </a:p>
-          <a:p>
-            <a:endParaRPr lang="en-US" altLang="zh-CN" b="1" dirty="0">
-              <a:solidFill>
-                <a:schemeClr val="tx1">
-                  <a:lumMod val="65000"/>
-                  <a:lumOff val="35000"/>
-                </a:schemeClr>
-              </a:solidFill>
-              <a:latin typeface="微软雅黑" panose="020B0503020204020204" pitchFamily="34" charset="-122"/>
-              <a:ea typeface="微软雅黑" panose="020B0503020204020204" pitchFamily="34" charset="-122"/>
-            </a:endParaRPr>
-          </a:p>
-        </p:txBody>
-      </p:sp>
-    </p:spTree>
-    <p:extLst>
-      <p:ext uri="{BB962C8B-B14F-4D97-AF65-F5344CB8AC3E}">
-        <p14:creationId xmlns:p14="http://schemas.microsoft.com/office/powerpoint/2010/main" val="1999305837"/>
-      </p:ext>
-    </p:extLst>
-  </p:cSld>
-  <p:clrMapOvr>
-    <a:masterClrMapping/>
-  </p:clrMapOvr>
-  <p:timing>
-    <p:tnLst>
-      <p:par>
-        <p:cTn id="1" dur="indefinite" restart="never" nodeType="tmRoot"/>
-      </p:par>
-    </p:tnLst>
-  </p:timing>
-</p:sld>
-</file>
-
-<file path=ppt/slides/slide12.xml><?xml version="1.0" encoding="utf-8"?>
-<p:sld xmlns:a="http://schemas.openxmlformats.org/drawingml/2006/main" xmlns:r="http://schemas.openxmlformats.org/officeDocument/2006/relationships" xmlns:p="http://schemas.openxmlformats.org/presentationml/2006/main">
-  <p:cSld>
-    <p:spTree>
-      <p:nvGrpSpPr>
-        <p:cNvPr id="1" name=""/>
-        <p:cNvGrpSpPr/>
-        <p:nvPr/>
-      </p:nvGrpSpPr>
-      <p:grpSpPr>
-        <a:xfrm>
-          <a:off x="0" y="0"/>
-          <a:ext cx="0" cy="0"/>
-          <a:chOff x="0" y="0"/>
-          <a:chExt cx="0" cy="0"/>
-        </a:xfrm>
-      </p:grpSpPr>
-      <p:sp>
-        <p:nvSpPr>
-          <p:cNvPr id="2" name="标题 1"/>
-          <p:cNvSpPr>
-            <a:spLocks noGrp="1"/>
-          </p:cNvSpPr>
-          <p:nvPr>
-            <p:ph type="title"/>
-          </p:nvPr>
-        </p:nvSpPr>
-        <p:spPr/>
-        <p:txBody>
-          <a:bodyPr/>
-          <a:lstStyle/>
-          <a:p>
-            <a:r>
-              <a:rPr lang="zh-CN" altLang="en-US" b="1" dirty="0">
-                <a:solidFill>
-                  <a:srgbClr val="0070C0"/>
-                </a:solidFill>
-                <a:latin typeface="微软雅黑" panose="020B0503020204020204" pitchFamily="34" charset="-122"/>
-                <a:ea typeface="微软雅黑" panose="020B0503020204020204" pitchFamily="34" charset="-122"/>
-              </a:rPr>
-              <a:t>查询方案及查询代价</a:t>
-            </a:r>
-            <a:r>
-              <a:rPr lang="zh-CN" altLang="en-US" b="1" dirty="0" smtClean="0">
-                <a:solidFill>
-                  <a:srgbClr val="0070C0"/>
-                </a:solidFill>
-                <a:latin typeface="微软雅黑" panose="020B0503020204020204" pitchFamily="34" charset="-122"/>
-                <a:ea typeface="微软雅黑" panose="020B0503020204020204" pitchFamily="34" charset="-122"/>
-              </a:rPr>
-              <a:t>分析</a:t>
-            </a:r>
-            <a:endParaRPr lang="en-US" b="1" dirty="0">
-              <a:solidFill>
-                <a:srgbClr val="0070C0"/>
-              </a:solidFill>
-              <a:latin typeface="微软雅黑" panose="020B0503020204020204" pitchFamily="34" charset="-122"/>
-              <a:ea typeface="微软雅黑" panose="020B0503020204020204" pitchFamily="34" charset="-122"/>
-            </a:endParaRPr>
-          </a:p>
-        </p:txBody>
-      </p:sp>
-      <p:sp>
-        <p:nvSpPr>
-          <p:cNvPr id="3" name="内容占位符 2"/>
-          <p:cNvSpPr>
-            <a:spLocks noGrp="1"/>
-          </p:cNvSpPr>
-          <p:nvPr>
-            <p:ph idx="1"/>
-          </p:nvPr>
-        </p:nvSpPr>
-        <p:spPr/>
-        <p:txBody>
-          <a:bodyPr/>
-          <a:lstStyle/>
-          <a:p>
-            <a:r>
-              <a:rPr lang="zh-CN" altLang="en-US" b="1" dirty="0" smtClean="0">
-                <a:solidFill>
-                  <a:schemeClr val="tx1">
-                    <a:lumMod val="65000"/>
-                    <a:lumOff val="35000"/>
-                  </a:schemeClr>
-                </a:solidFill>
-                <a:latin typeface="微软雅黑" panose="020B0503020204020204" pitchFamily="34" charset="-122"/>
-                <a:ea typeface="微软雅黑" panose="020B0503020204020204" pitchFamily="34" charset="-122"/>
-              </a:rPr>
-              <a:t>大部分业务都是插入以及更新操作，剩下的查询业务绝大多数都是利用主索引码等值比较。</a:t>
-            </a:r>
-            <a:endParaRPr lang="en-US" altLang="zh-CN" b="1" dirty="0" smtClean="0">
-              <a:solidFill>
-                <a:schemeClr val="tx1">
-                  <a:lumMod val="65000"/>
-                  <a:lumOff val="35000"/>
-                </a:schemeClr>
-              </a:solidFill>
-              <a:latin typeface="微软雅黑" panose="020B0503020204020204" pitchFamily="34" charset="-122"/>
-              <a:ea typeface="微软雅黑" panose="020B0503020204020204" pitchFamily="34" charset="-122"/>
-            </a:endParaRPr>
-          </a:p>
-          <a:p>
-            <a:pPr lvl="1"/>
-            <a:r>
-              <a:rPr lang="zh-CN" altLang="en-US" b="1" dirty="0" smtClean="0">
-                <a:solidFill>
-                  <a:schemeClr val="tx1">
-                    <a:lumMod val="65000"/>
-                    <a:lumOff val="35000"/>
-                  </a:schemeClr>
-                </a:solidFill>
-                <a:latin typeface="微软雅黑" panose="020B0503020204020204" pitchFamily="34" charset="-122"/>
-                <a:ea typeface="微软雅黑" panose="020B0503020204020204" pitchFamily="34" charset="-122"/>
-              </a:rPr>
-              <a:t>所以开销为：</a:t>
-            </a:r>
-            <a:endParaRPr lang="en-US" altLang="zh-CN" b="1" dirty="0" smtClean="0">
-              <a:solidFill>
-                <a:schemeClr val="tx1">
-                  <a:lumMod val="65000"/>
-                  <a:lumOff val="35000"/>
-                </a:schemeClr>
-              </a:solidFill>
-              <a:latin typeface="微软雅黑" panose="020B0503020204020204" pitchFamily="34" charset="-122"/>
-              <a:ea typeface="微软雅黑" panose="020B0503020204020204" pitchFamily="34" charset="-122"/>
-            </a:endParaRPr>
-          </a:p>
-          <a:p>
-            <a:endParaRPr lang="en-US" altLang="zh-CN" b="1" dirty="0" smtClean="0">
-              <a:solidFill>
-                <a:schemeClr val="tx1">
-                  <a:lumMod val="65000"/>
-                  <a:lumOff val="35000"/>
-                </a:schemeClr>
-              </a:solidFill>
-              <a:latin typeface="微软雅黑" panose="020B0503020204020204" pitchFamily="34" charset="-122"/>
-              <a:ea typeface="微软雅黑" panose="020B0503020204020204" pitchFamily="34" charset="-122"/>
-            </a:endParaRPr>
-          </a:p>
-          <a:p>
-            <a:r>
-              <a:rPr lang="zh-CN" altLang="en-US" b="1" dirty="0" smtClean="0">
-                <a:solidFill>
-                  <a:schemeClr val="tx1">
-                    <a:lumMod val="65000"/>
-                    <a:lumOff val="35000"/>
-                  </a:schemeClr>
-                </a:solidFill>
-                <a:latin typeface="微软雅黑" panose="020B0503020204020204" pitchFamily="34" charset="-122"/>
-                <a:ea typeface="微软雅黑" panose="020B0503020204020204" pitchFamily="34" charset="-122"/>
-              </a:rPr>
-              <a:t>剩下的主要查询操作有， 登陆、查询可选课程。</a:t>
-            </a:r>
-            <a:endParaRPr lang="en-US" altLang="zh-CN" b="1" dirty="0" smtClean="0">
-              <a:solidFill>
-                <a:schemeClr val="tx1">
-                  <a:lumMod val="65000"/>
-                  <a:lumOff val="35000"/>
-                </a:schemeClr>
-              </a:solidFill>
-              <a:latin typeface="微软雅黑" panose="020B0503020204020204" pitchFamily="34" charset="-122"/>
-              <a:ea typeface="微软雅黑" panose="020B0503020204020204" pitchFamily="34" charset="-122"/>
-            </a:endParaRPr>
-          </a:p>
-          <a:p>
-            <a:endParaRPr lang="en-US" altLang="zh-CN" b="1" dirty="0">
-              <a:solidFill>
-                <a:schemeClr val="tx1">
-                  <a:lumMod val="65000"/>
-                  <a:lumOff val="35000"/>
-                </a:schemeClr>
-              </a:solidFill>
-              <a:latin typeface="微软雅黑" panose="020B0503020204020204" pitchFamily="34" charset="-122"/>
-              <a:ea typeface="微软雅黑" panose="020B0503020204020204" pitchFamily="34" charset="-122"/>
-            </a:endParaRPr>
-          </a:p>
-          <a:p>
-            <a:r>
-              <a:rPr lang="zh-CN" altLang="en-US" b="1" dirty="0" smtClean="0">
-                <a:solidFill>
-                  <a:schemeClr val="tx1">
-                    <a:lumMod val="65000"/>
-                    <a:lumOff val="35000"/>
-                  </a:schemeClr>
-                </a:solidFill>
-                <a:latin typeface="微软雅黑" panose="020B0503020204020204" pitchFamily="34" charset="-122"/>
-                <a:ea typeface="微软雅黑" panose="020B0503020204020204" pitchFamily="34" charset="-122"/>
-              </a:rPr>
-              <a:t>如果要考虑各种数据统计功能的话。。。业务要求里面没有提到。</a:t>
-            </a:r>
-            <a:r>
-              <a:rPr lang="en-US" altLang="zh-CN" b="1" dirty="0" smtClean="0">
-                <a:solidFill>
-                  <a:schemeClr val="tx1">
-                    <a:lumMod val="65000"/>
-                    <a:lumOff val="35000"/>
-                  </a:schemeClr>
-                </a:solidFill>
-                <a:latin typeface="微软雅黑" panose="020B0503020204020204" pitchFamily="34" charset="-122"/>
-                <a:ea typeface="微软雅黑" panose="020B0503020204020204" pitchFamily="34" charset="-122"/>
-              </a:rPr>
-              <a:t>//TODO </a:t>
-            </a:r>
-            <a:endParaRPr lang="en-US" altLang="zh-CN" b="1" dirty="0">
-              <a:solidFill>
-                <a:schemeClr val="tx1">
-                  <a:lumMod val="65000"/>
-                  <a:lumOff val="35000"/>
-                </a:schemeClr>
-              </a:solidFill>
-              <a:latin typeface="微软雅黑" panose="020B0503020204020204" pitchFamily="34" charset="-122"/>
-              <a:ea typeface="微软雅黑" panose="020B0503020204020204" pitchFamily="34" charset="-122"/>
-            </a:endParaRPr>
-          </a:p>
-          <a:p>
-            <a:endParaRPr lang="en-US" altLang="zh-CN" b="1" dirty="0" smtClean="0">
-              <a:solidFill>
-                <a:schemeClr val="tx1">
-                  <a:lumMod val="65000"/>
-                  <a:lumOff val="35000"/>
-                </a:schemeClr>
-              </a:solidFill>
-              <a:latin typeface="微软雅黑" panose="020B0503020204020204" pitchFamily="34" charset="-122"/>
-              <a:ea typeface="微软雅黑" panose="020B0503020204020204" pitchFamily="34" charset="-122"/>
-            </a:endParaRPr>
-          </a:p>
-          <a:p>
-            <a:pPr lvl="1"/>
-            <a:endParaRPr lang="en-US" altLang="zh-CN" b="1" dirty="0">
-              <a:solidFill>
-                <a:schemeClr val="tx1">
-                  <a:lumMod val="65000"/>
-                  <a:lumOff val="35000"/>
-                </a:schemeClr>
-              </a:solidFill>
-              <a:latin typeface="微软雅黑" panose="020B0503020204020204" pitchFamily="34" charset="-122"/>
-              <a:ea typeface="微软雅黑" panose="020B0503020204020204" pitchFamily="34" charset="-122"/>
-            </a:endParaRPr>
-          </a:p>
-          <a:p>
-            <a:endParaRPr lang="en-US" altLang="zh-CN" b="1" dirty="0">
-              <a:solidFill>
-                <a:schemeClr val="tx1">
-                  <a:lumMod val="65000"/>
-                  <a:lumOff val="35000"/>
-                </a:schemeClr>
-              </a:solidFill>
-              <a:latin typeface="微软雅黑" panose="020B0503020204020204" pitchFamily="34" charset="-122"/>
-              <a:ea typeface="微软雅黑" panose="020B0503020204020204" pitchFamily="34" charset="-122"/>
-            </a:endParaRPr>
-          </a:p>
-        </p:txBody>
-      </p:sp>
-    </p:spTree>
-    <p:extLst>
-      <p:ext uri="{BB962C8B-B14F-4D97-AF65-F5344CB8AC3E}">
-        <p14:creationId xmlns:p14="http://schemas.microsoft.com/office/powerpoint/2010/main" val="424274998"/>
-      </p:ext>
-    </p:extLst>
-  </p:cSld>
-  <p:clrMapOvr>
-    <a:masterClrMapping/>
-  </p:clrMapOvr>
-  <p:timing>
-    <p:tnLst>
-      <p:par>
-        <p:cTn id="1" dur="indefinite" restart="never" nodeType="tmRoot"/>
-      </p:par>
-    </p:tnLst>
-  </p:timing>
-</p:sld>
-</file>
-
-<file path=ppt/slides/slide13.xml><?xml version="1.0" encoding="utf-8"?>
-<p:sld xmlns:a="http://schemas.openxmlformats.org/drawingml/2006/main" xmlns:r="http://schemas.openxmlformats.org/officeDocument/2006/relationships" xmlns:p="http://schemas.openxmlformats.org/presentationml/2006/main">
-  <p:cSld>
-    <p:spTree>
-      <p:nvGrpSpPr>
-        <p:cNvPr id="1" name=""/>
-        <p:cNvGrpSpPr/>
-        <p:nvPr/>
-      </p:nvGrpSpPr>
-      <p:grpSpPr>
-        <a:xfrm>
-          <a:off x="0" y="0"/>
-          <a:ext cx="0" cy="0"/>
-          <a:chOff x="0" y="0"/>
-          <a:chExt cx="0" cy="0"/>
-        </a:xfrm>
-      </p:grpSpPr>
-      <p:sp>
-        <p:nvSpPr>
-          <p:cNvPr id="2" name="标题 1"/>
-          <p:cNvSpPr>
-            <a:spLocks noGrp="1"/>
-          </p:cNvSpPr>
-          <p:nvPr>
-            <p:ph type="title"/>
-          </p:nvPr>
-        </p:nvSpPr>
-        <p:spPr/>
-        <p:txBody>
-          <a:bodyPr/>
-          <a:lstStyle/>
-          <a:p>
-            <a:r>
-              <a:rPr lang="zh-CN" altLang="en-US" b="1" dirty="0">
-                <a:solidFill>
-                  <a:srgbClr val="0070C0"/>
-                </a:solidFill>
-                <a:latin typeface="微软雅黑" panose="020B0503020204020204" pitchFamily="34" charset="-122"/>
-                <a:ea typeface="微软雅黑" panose="020B0503020204020204" pitchFamily="34" charset="-122"/>
-              </a:rPr>
-              <a:t>事务管理及隔离级别</a:t>
-            </a:r>
-            <a:r>
-              <a:rPr lang="zh-CN" altLang="en-US" b="1" dirty="0" smtClean="0">
-                <a:solidFill>
-                  <a:srgbClr val="0070C0"/>
-                </a:solidFill>
-                <a:latin typeface="微软雅黑" panose="020B0503020204020204" pitchFamily="34" charset="-122"/>
-                <a:ea typeface="微软雅黑" panose="020B0503020204020204" pitchFamily="34" charset="-122"/>
-              </a:rPr>
-              <a:t>设置</a:t>
-            </a:r>
-            <a:endParaRPr lang="en-US" b="1" dirty="0">
-              <a:solidFill>
-                <a:srgbClr val="0070C0"/>
-              </a:solidFill>
-              <a:latin typeface="微软雅黑" panose="020B0503020204020204" pitchFamily="34" charset="-122"/>
-              <a:ea typeface="微软雅黑" panose="020B0503020204020204" pitchFamily="34" charset="-122"/>
-            </a:endParaRPr>
-          </a:p>
-        </p:txBody>
-      </p:sp>
-      <p:sp>
-        <p:nvSpPr>
-          <p:cNvPr id="3" name="内容占位符 2"/>
-          <p:cNvSpPr>
-            <a:spLocks noGrp="1"/>
-          </p:cNvSpPr>
-          <p:nvPr>
-            <p:ph idx="1"/>
-          </p:nvPr>
-        </p:nvSpPr>
-        <p:spPr/>
-        <p:txBody>
-          <a:bodyPr/>
-          <a:lstStyle/>
-          <a:p>
-            <a:r>
-              <a:rPr lang="zh-CN" altLang="en-US" b="1" dirty="0" smtClean="0">
-                <a:solidFill>
-                  <a:schemeClr val="tx1">
-                    <a:lumMod val="65000"/>
-                    <a:lumOff val="35000"/>
-                  </a:schemeClr>
-                </a:solidFill>
-                <a:latin typeface="微软雅黑" panose="020B0503020204020204" pitchFamily="34" charset="-122"/>
-                <a:ea typeface="微软雅黑" panose="020B0503020204020204" pitchFamily="34" charset="-122"/>
-              </a:rPr>
-              <a:t>大部分业务都是插入以及更新操作，剩下的查询业务绝大多数都是利用主索引码等值比较。</a:t>
-            </a:r>
-            <a:endParaRPr lang="en-US" altLang="zh-CN" b="1" dirty="0" smtClean="0">
-              <a:solidFill>
-                <a:schemeClr val="tx1">
-                  <a:lumMod val="65000"/>
-                  <a:lumOff val="35000"/>
-                </a:schemeClr>
-              </a:solidFill>
-              <a:latin typeface="微软雅黑" panose="020B0503020204020204" pitchFamily="34" charset="-122"/>
-              <a:ea typeface="微软雅黑" panose="020B0503020204020204" pitchFamily="34" charset="-122"/>
-            </a:endParaRPr>
-          </a:p>
-          <a:p>
-            <a:pPr lvl="1"/>
-            <a:r>
-              <a:rPr lang="zh-CN" altLang="en-US" b="1" dirty="0" smtClean="0">
-                <a:solidFill>
-                  <a:schemeClr val="tx1">
-                    <a:lumMod val="65000"/>
-                    <a:lumOff val="35000"/>
-                  </a:schemeClr>
-                </a:solidFill>
-                <a:latin typeface="微软雅黑" panose="020B0503020204020204" pitchFamily="34" charset="-122"/>
-                <a:ea typeface="微软雅黑" panose="020B0503020204020204" pitchFamily="34" charset="-122"/>
-              </a:rPr>
-              <a:t>所以开销为：</a:t>
-            </a:r>
-            <a:endParaRPr lang="en-US" altLang="zh-CN" b="1" dirty="0" smtClean="0">
-              <a:solidFill>
-                <a:schemeClr val="tx1">
-                  <a:lumMod val="65000"/>
-                  <a:lumOff val="35000"/>
-                </a:schemeClr>
-              </a:solidFill>
-              <a:latin typeface="微软雅黑" panose="020B0503020204020204" pitchFamily="34" charset="-122"/>
-              <a:ea typeface="微软雅黑" panose="020B0503020204020204" pitchFamily="34" charset="-122"/>
-            </a:endParaRPr>
-          </a:p>
-          <a:p>
-            <a:endParaRPr lang="en-US" altLang="zh-CN" b="1" dirty="0" smtClean="0">
-              <a:solidFill>
-                <a:schemeClr val="tx1">
-                  <a:lumMod val="65000"/>
-                  <a:lumOff val="35000"/>
-                </a:schemeClr>
-              </a:solidFill>
-              <a:latin typeface="微软雅黑" panose="020B0503020204020204" pitchFamily="34" charset="-122"/>
-              <a:ea typeface="微软雅黑" panose="020B0503020204020204" pitchFamily="34" charset="-122"/>
-            </a:endParaRPr>
-          </a:p>
-          <a:p>
-            <a:r>
-              <a:rPr lang="zh-CN" altLang="en-US" b="1" dirty="0" smtClean="0">
-                <a:solidFill>
-                  <a:schemeClr val="tx1">
-                    <a:lumMod val="65000"/>
-                    <a:lumOff val="35000"/>
-                  </a:schemeClr>
-                </a:solidFill>
-                <a:latin typeface="微软雅黑" panose="020B0503020204020204" pitchFamily="34" charset="-122"/>
-                <a:ea typeface="微软雅黑" panose="020B0503020204020204" pitchFamily="34" charset="-122"/>
-              </a:rPr>
-              <a:t>剩下的主要查询操作有， 登陆、查询可选课程。</a:t>
-            </a:r>
-            <a:endParaRPr lang="en-US" altLang="zh-CN" b="1" dirty="0" smtClean="0">
-              <a:solidFill>
-                <a:schemeClr val="tx1">
-                  <a:lumMod val="65000"/>
-                  <a:lumOff val="35000"/>
-                </a:schemeClr>
-              </a:solidFill>
-              <a:latin typeface="微软雅黑" panose="020B0503020204020204" pitchFamily="34" charset="-122"/>
-              <a:ea typeface="微软雅黑" panose="020B0503020204020204" pitchFamily="34" charset="-122"/>
-            </a:endParaRPr>
-          </a:p>
-          <a:p>
-            <a:endParaRPr lang="en-US" altLang="zh-CN" b="1" dirty="0">
-              <a:solidFill>
-                <a:schemeClr val="tx1">
-                  <a:lumMod val="65000"/>
-                  <a:lumOff val="35000"/>
-                </a:schemeClr>
-              </a:solidFill>
-              <a:latin typeface="微软雅黑" panose="020B0503020204020204" pitchFamily="34" charset="-122"/>
-              <a:ea typeface="微软雅黑" panose="020B0503020204020204" pitchFamily="34" charset="-122"/>
-            </a:endParaRPr>
-          </a:p>
-          <a:p>
-            <a:r>
-              <a:rPr lang="zh-CN" altLang="en-US" b="1" dirty="0" smtClean="0">
-                <a:solidFill>
-                  <a:schemeClr val="tx1">
-                    <a:lumMod val="65000"/>
-                    <a:lumOff val="35000"/>
-                  </a:schemeClr>
-                </a:solidFill>
-                <a:latin typeface="微软雅黑" panose="020B0503020204020204" pitchFamily="34" charset="-122"/>
-                <a:ea typeface="微软雅黑" panose="020B0503020204020204" pitchFamily="34" charset="-122"/>
-              </a:rPr>
-              <a:t>如果要考虑各种数据统计功能的话。。。业务要求里面没有提到。</a:t>
-            </a:r>
-            <a:r>
-              <a:rPr lang="en-US" altLang="zh-CN" b="1" dirty="0" smtClean="0">
-                <a:solidFill>
-                  <a:schemeClr val="tx1">
-                    <a:lumMod val="65000"/>
-                    <a:lumOff val="35000"/>
-                  </a:schemeClr>
-                </a:solidFill>
-                <a:latin typeface="微软雅黑" panose="020B0503020204020204" pitchFamily="34" charset="-122"/>
-                <a:ea typeface="微软雅黑" panose="020B0503020204020204" pitchFamily="34" charset="-122"/>
-              </a:rPr>
-              <a:t>//TODO </a:t>
-            </a:r>
-            <a:endParaRPr lang="en-US" altLang="zh-CN" b="1" dirty="0">
-              <a:solidFill>
-                <a:schemeClr val="tx1">
-                  <a:lumMod val="65000"/>
-                  <a:lumOff val="35000"/>
-                </a:schemeClr>
-              </a:solidFill>
-              <a:latin typeface="微软雅黑" panose="020B0503020204020204" pitchFamily="34" charset="-122"/>
-              <a:ea typeface="微软雅黑" panose="020B0503020204020204" pitchFamily="34" charset="-122"/>
-            </a:endParaRPr>
-          </a:p>
-          <a:p>
-            <a:endParaRPr lang="en-US" altLang="zh-CN" b="1" dirty="0" smtClean="0">
-              <a:solidFill>
-                <a:schemeClr val="tx1">
-                  <a:lumMod val="65000"/>
-                  <a:lumOff val="35000"/>
-                </a:schemeClr>
-              </a:solidFill>
-              <a:latin typeface="微软雅黑" panose="020B0503020204020204" pitchFamily="34" charset="-122"/>
-              <a:ea typeface="微软雅黑" panose="020B0503020204020204" pitchFamily="34" charset="-122"/>
-            </a:endParaRPr>
-          </a:p>
-          <a:p>
-            <a:pPr lvl="1"/>
-            <a:endParaRPr lang="en-US" altLang="zh-CN" b="1" dirty="0">
-              <a:solidFill>
-                <a:schemeClr val="tx1">
-                  <a:lumMod val="65000"/>
-                  <a:lumOff val="35000"/>
-                </a:schemeClr>
-              </a:solidFill>
-              <a:latin typeface="微软雅黑" panose="020B0503020204020204" pitchFamily="34" charset="-122"/>
-              <a:ea typeface="微软雅黑" panose="020B0503020204020204" pitchFamily="34" charset="-122"/>
-            </a:endParaRPr>
-          </a:p>
-          <a:p>
-            <a:endParaRPr lang="en-US" altLang="zh-CN" b="1" dirty="0">
-              <a:solidFill>
-                <a:schemeClr val="tx1">
-                  <a:lumMod val="65000"/>
-                  <a:lumOff val="35000"/>
-                </a:schemeClr>
-              </a:solidFill>
-              <a:latin typeface="微软雅黑" panose="020B0503020204020204" pitchFamily="34" charset="-122"/>
-              <a:ea typeface="微软雅黑" panose="020B0503020204020204" pitchFamily="34" charset="-122"/>
-            </a:endParaRPr>
-          </a:p>
-        </p:txBody>
-      </p:sp>
-    </p:spTree>
-    <p:extLst>
-      <p:ext uri="{BB962C8B-B14F-4D97-AF65-F5344CB8AC3E}">
-        <p14:creationId xmlns:p14="http://schemas.microsoft.com/office/powerpoint/2010/main" val="2297261596"/>
-      </p:ext>
-    </p:extLst>
-  </p:cSld>
-  <p:clrMapOvr>
-    <a:masterClrMapping/>
-  </p:clrMapOvr>
-  <p:timing>
-    <p:tnLst>
-      <p:par>
-        <p:cTn id="1" dur="indefinite" restart="never" nodeType="tmRoot"/>
-      </p:par>
-    </p:tnLst>
-  </p:timing>
-</p:sld>
-</file>
-
-<file path=ppt/slides/slide2.xml><?xml version="1.0" encoding="utf-8"?>
 <p:sld xmlns:a="http://schemas.openxmlformats.org/drawingml/2006/main" xmlns:r="http://schemas.openxmlformats.org/officeDocument/2006/relationships" xmlns:p="http://schemas.openxmlformats.org/presentationml/2006/main">
   <p:cSld>
     <p:spTree>
@@ -4889,7 +3889,7 @@
 </p:sld>
 </file>
 
-<file path=ppt/slides/slide3.xml><?xml version="1.0" encoding="utf-8"?>
+<file path=ppt/slides/slide12.xml><?xml version="1.0" encoding="utf-8"?>
 <p:sld xmlns:a="http://schemas.openxmlformats.org/drawingml/2006/main" xmlns:r="http://schemas.openxmlformats.org/officeDocument/2006/relationships" xmlns:p="http://schemas.openxmlformats.org/presentationml/2006/main">
   <p:cSld>
     <p:spTree>
@@ -6284,7 +5284,7 @@
 </p:sld>
 </file>
 
-<file path=ppt/slides/slide4.xml><?xml version="1.0" encoding="utf-8"?>
+<file path=ppt/slides/slide13.xml><?xml version="1.0" encoding="utf-8"?>
 <p:sld xmlns:a="http://schemas.openxmlformats.org/drawingml/2006/main" xmlns:r="http://schemas.openxmlformats.org/officeDocument/2006/relationships" xmlns:p="http://schemas.openxmlformats.org/presentationml/2006/main">
   <p:cSld>
     <p:spTree>
@@ -6827,7 +5827,7 @@
 </p:sld>
 </file>
 
-<file path=ppt/slides/slide5.xml><?xml version="1.0" encoding="utf-8"?>
+<file path=ppt/slides/slide14.xml><?xml version="1.0" encoding="utf-8"?>
 <p:sld xmlns:a="http://schemas.openxmlformats.org/drawingml/2006/main" xmlns:r="http://schemas.openxmlformats.org/officeDocument/2006/relationships" xmlns:p="http://schemas.openxmlformats.org/presentationml/2006/main">
   <p:cSld>
     <p:spTree>
@@ -7012,6 +6012,6550 @@
     <p:extLst>
       <p:ext uri="{BB962C8B-B14F-4D97-AF65-F5344CB8AC3E}">
         <p14:creationId xmlns:p14="http://schemas.microsoft.com/office/powerpoint/2010/main" val="196469570"/>
+      </p:ext>
+    </p:extLst>
+  </p:cSld>
+  <p:clrMapOvr>
+    <a:masterClrMapping/>
+  </p:clrMapOvr>
+  <p:timing>
+    <p:tnLst>
+      <p:par>
+        <p:cTn id="1" dur="indefinite" restart="never" nodeType="tmRoot"/>
+      </p:par>
+    </p:tnLst>
+  </p:timing>
+</p:sld>
+</file>
+
+<file path=ppt/slides/slide15.xml><?xml version="1.0" encoding="utf-8"?>
+<p:sld xmlns:a="http://schemas.openxmlformats.org/drawingml/2006/main" xmlns:r="http://schemas.openxmlformats.org/officeDocument/2006/relationships" xmlns:p="http://schemas.openxmlformats.org/presentationml/2006/main">
+  <p:cSld>
+    <p:spTree>
+      <p:nvGrpSpPr>
+        <p:cNvPr id="1" name=""/>
+        <p:cNvGrpSpPr/>
+        <p:nvPr/>
+      </p:nvGrpSpPr>
+      <p:grpSpPr>
+        <a:xfrm>
+          <a:off x="0" y="0"/>
+          <a:ext cx="0" cy="0"/>
+          <a:chOff x="0" y="0"/>
+          <a:chExt cx="0" cy="0"/>
+        </a:xfrm>
+      </p:grpSpPr>
+      <p:sp>
+        <p:nvSpPr>
+          <p:cNvPr id="2" name="标题 1"/>
+          <p:cNvSpPr>
+            <a:spLocks noGrp="1"/>
+          </p:cNvSpPr>
+          <p:nvPr>
+            <p:ph type="title"/>
+          </p:nvPr>
+        </p:nvSpPr>
+        <p:spPr/>
+        <p:txBody>
+          <a:bodyPr>
+            <a:normAutofit/>
+          </a:bodyPr>
+          <a:lstStyle/>
+          <a:p>
+            <a:r>
+              <a:rPr lang="zh-CN" altLang="en-US" b="1" dirty="0">
+                <a:solidFill>
+                  <a:srgbClr val="0070C0"/>
+                </a:solidFill>
+                <a:latin typeface="微软雅黑" panose="020B0503020204020204" pitchFamily="34" charset="-122"/>
+                <a:ea typeface="微软雅黑" panose="020B0503020204020204" pitchFamily="34" charset="-122"/>
+                <a:sym typeface="Arial" panose="020B0604020202020204" pitchFamily="34" charset="0"/>
+              </a:rPr>
+              <a:t>项目目标特性和优先</a:t>
+            </a:r>
+            <a:r>
+              <a:rPr lang="zh-CN" altLang="en-US" b="1" dirty="0">
+                <a:solidFill>
+                  <a:srgbClr val="0070C0"/>
+                </a:solidFill>
+                <a:latin typeface="微软雅黑" panose="020B0503020204020204" pitchFamily="34" charset="-122"/>
+                <a:ea typeface="微软雅黑" panose="020B0503020204020204" pitchFamily="34" charset="-122"/>
+                <a:sym typeface="Arial" panose="020B0604020202020204" pitchFamily="34" charset="0"/>
+              </a:rPr>
+              <a:t>级</a:t>
+            </a:r>
+            <a:endParaRPr lang="zh-CN" altLang="en-US" b="1" dirty="0">
+              <a:solidFill>
+                <a:srgbClr val="0070C0"/>
+              </a:solidFill>
+              <a:latin typeface="微软雅黑" panose="020B0503020204020204" pitchFamily="34" charset="-122"/>
+              <a:ea typeface="微软雅黑" panose="020B0503020204020204" pitchFamily="34" charset="-122"/>
+            </a:endParaRPr>
+          </a:p>
+        </p:txBody>
+      </p:sp>
+      <p:graphicFrame>
+        <p:nvGraphicFramePr>
+          <p:cNvPr id="4" name="内容占位符 3"/>
+          <p:cNvGraphicFramePr>
+            <a:graphicFrameLocks noGrp="1"/>
+          </p:cNvGraphicFramePr>
+          <p:nvPr>
+            <p:ph idx="1"/>
+            <p:extLst>
+              <p:ext uri="{D42A27DB-BD31-4B8C-83A1-F6EECF244321}">
+                <p14:modId xmlns:p14="http://schemas.microsoft.com/office/powerpoint/2010/main" val="322042069"/>
+              </p:ext>
+            </p:extLst>
+          </p:nvPr>
+        </p:nvGraphicFramePr>
+        <p:xfrm>
+          <a:off x="628648" y="1933089"/>
+          <a:ext cx="8174692" cy="4028440"/>
+        </p:xfrm>
+        <a:graphic>
+          <a:graphicData uri="http://schemas.openxmlformats.org/drawingml/2006/table">
+            <a:tbl>
+              <a:tblPr firstRow="1" bandRow="1">
+                <a:tableStyleId>{5940675A-B579-460E-94D1-54222C63F5DA}</a:tableStyleId>
+              </a:tblPr>
+              <a:tblGrid>
+                <a:gridCol w="2762936"/>
+                <a:gridCol w="1672572"/>
+                <a:gridCol w="1695511"/>
+                <a:gridCol w="2043673"/>
+              </a:tblGrid>
+              <a:tr h="370840">
+                <a:tc>
+                  <a:txBody>
+                    <a:bodyPr/>
+                    <a:lstStyle/>
+                    <a:p>
+                      <a:pPr indent="266700" algn="l">
+                        <a:lnSpc>
+                          <a:spcPct val="100000"/>
+                        </a:lnSpc>
+                        <a:spcAft>
+                          <a:spcPts val="0"/>
+                        </a:spcAft>
+                      </a:pPr>
+                      <a:r>
+                        <a:rPr lang="zh-CN" sz="2000" b="0" i="0" kern="100" dirty="0">
+                          <a:latin typeface="Microsoft YaHei" charset="-122"/>
+                          <a:ea typeface="Microsoft YaHei" charset="-122"/>
+                          <a:cs typeface="Microsoft YaHei" charset="-122"/>
+                        </a:rPr>
+                        <a:t>特性</a:t>
+                      </a:r>
+                    </a:p>
+                  </a:txBody>
+                  <a:tcPr marL="68580" marR="68580" marT="0" marB="0" anchor="ctr"/>
+                </a:tc>
+                <a:tc>
+                  <a:txBody>
+                    <a:bodyPr/>
+                    <a:lstStyle/>
+                    <a:p>
+                      <a:pPr indent="266700" algn="l">
+                        <a:lnSpc>
+                          <a:spcPct val="100000"/>
+                        </a:lnSpc>
+                        <a:spcAft>
+                          <a:spcPts val="0"/>
+                        </a:spcAft>
+                      </a:pPr>
+                      <a:r>
+                        <a:rPr lang="zh-CN" sz="2000" b="0" i="0" kern="100" dirty="0">
+                          <a:latin typeface="Microsoft YaHei" charset="-122"/>
+                          <a:ea typeface="Microsoft YaHei" charset="-122"/>
+                          <a:cs typeface="Microsoft YaHei" charset="-122"/>
+                        </a:rPr>
+                        <a:t>重要性</a:t>
+                      </a:r>
+                    </a:p>
+                  </a:txBody>
+                  <a:tcPr marL="68580" marR="68580" marT="0" marB="0" anchor="ctr"/>
+                </a:tc>
+                <a:tc>
+                  <a:txBody>
+                    <a:bodyPr/>
+                    <a:lstStyle/>
+                    <a:p>
+                      <a:pPr indent="266700" algn="l">
+                        <a:lnSpc>
+                          <a:spcPct val="100000"/>
+                        </a:lnSpc>
+                        <a:spcAft>
+                          <a:spcPts val="0"/>
+                        </a:spcAft>
+                      </a:pPr>
+                      <a:r>
+                        <a:rPr lang="zh-CN" sz="2000" b="0" i="0" kern="100" dirty="0">
+                          <a:latin typeface="Microsoft YaHei" charset="-122"/>
+                          <a:ea typeface="Microsoft YaHei" charset="-122"/>
+                          <a:cs typeface="Microsoft YaHei" charset="-122"/>
+                        </a:rPr>
+                        <a:t>难度</a:t>
+                      </a:r>
+                    </a:p>
+                  </a:txBody>
+                  <a:tcPr marL="68580" marR="68580" marT="0" marB="0" anchor="ctr"/>
+                </a:tc>
+                <a:tc>
+                  <a:txBody>
+                    <a:bodyPr/>
+                    <a:lstStyle/>
+                    <a:p>
+                      <a:pPr indent="266700" algn="l">
+                        <a:lnSpc>
+                          <a:spcPct val="100000"/>
+                        </a:lnSpc>
+                        <a:spcAft>
+                          <a:spcPts val="0"/>
+                        </a:spcAft>
+                      </a:pPr>
+                      <a:r>
+                        <a:rPr lang="zh-CN" sz="2000" b="0" i="0" kern="100" dirty="0">
+                          <a:latin typeface="Microsoft YaHei" charset="-122"/>
+                          <a:ea typeface="Microsoft YaHei" charset="-122"/>
+                          <a:cs typeface="Microsoft YaHei" charset="-122"/>
+                        </a:rPr>
+                        <a:t>风险</a:t>
+                      </a:r>
+                    </a:p>
+                  </a:txBody>
+                  <a:tcPr marL="68580" marR="68580" marT="0" marB="0" anchor="ctr"/>
+                </a:tc>
+              </a:tr>
+              <a:tr h="370840">
+                <a:tc>
+                  <a:txBody>
+                    <a:bodyPr/>
+                    <a:lstStyle/>
+                    <a:p>
+                      <a:pPr indent="266700" algn="l">
+                        <a:lnSpc>
+                          <a:spcPct val="100000"/>
+                        </a:lnSpc>
+                        <a:spcAft>
+                          <a:spcPts val="0"/>
+                        </a:spcAft>
+                      </a:pPr>
+                      <a:r>
+                        <a:rPr lang="zh-CN" sz="2000" b="0" i="0" kern="100" dirty="0">
+                          <a:latin typeface="Microsoft YaHei" charset="-122"/>
+                          <a:ea typeface="Microsoft YaHei" charset="-122"/>
+                          <a:cs typeface="Microsoft YaHei" charset="-122"/>
+                        </a:rPr>
+                        <a:t>特性</a:t>
+                      </a:r>
+                      <a:r>
+                        <a:rPr lang="en-US" sz="2000" b="0" i="0" kern="100" dirty="0">
+                          <a:latin typeface="Microsoft YaHei" charset="-122"/>
+                          <a:ea typeface="Microsoft YaHei" charset="-122"/>
+                          <a:cs typeface="Microsoft YaHei" charset="-122"/>
+                        </a:rPr>
+                        <a:t>1</a:t>
+                      </a:r>
+                      <a:r>
+                        <a:rPr lang="zh-CN" sz="2000" b="0" i="0" kern="100" dirty="0" smtClean="0">
+                          <a:latin typeface="Microsoft YaHei" charset="-122"/>
+                          <a:ea typeface="Microsoft YaHei" charset="-122"/>
+                          <a:cs typeface="Microsoft YaHei" charset="-122"/>
+                        </a:rPr>
+                        <a:t>：</a:t>
+                      </a:r>
+                      <a:r>
+                        <a:rPr lang="zh-CN" altLang="en-US" sz="2000" b="0" i="0" kern="100" dirty="0" smtClean="0">
+                          <a:latin typeface="Microsoft YaHei" charset="-122"/>
+                          <a:ea typeface="Microsoft YaHei" charset="-122"/>
+                          <a:cs typeface="Microsoft YaHei" charset="-122"/>
+                        </a:rPr>
+                        <a:t>问卷创建与编辑</a:t>
+                      </a:r>
+                      <a:endParaRPr lang="zh-CN" sz="2000" b="0" i="0" kern="100" dirty="0">
+                        <a:latin typeface="Microsoft YaHei" charset="-122"/>
+                        <a:ea typeface="Microsoft YaHei" charset="-122"/>
+                        <a:cs typeface="Microsoft YaHei" charset="-122"/>
+                      </a:endParaRPr>
+                    </a:p>
+                  </a:txBody>
+                  <a:tcPr marL="68580" marR="68580" marT="0" marB="0" anchor="ctr"/>
+                </a:tc>
+                <a:tc>
+                  <a:txBody>
+                    <a:bodyPr/>
+                    <a:lstStyle/>
+                    <a:p>
+                      <a:pPr indent="266700" algn="l">
+                        <a:lnSpc>
+                          <a:spcPct val="100000"/>
+                        </a:lnSpc>
+                        <a:spcAft>
+                          <a:spcPts val="0"/>
+                        </a:spcAft>
+                      </a:pPr>
+                      <a:r>
+                        <a:rPr lang="zh-CN" sz="2000" b="0" i="0" kern="100" dirty="0" smtClean="0">
+                          <a:latin typeface="Microsoft YaHei" charset="-122"/>
+                          <a:ea typeface="Microsoft YaHei" charset="-122"/>
+                          <a:cs typeface="Microsoft YaHei" charset="-122"/>
+                        </a:rPr>
+                        <a:t>高</a:t>
+                      </a:r>
+                      <a:endParaRPr lang="zh-CN" sz="2000" b="0" i="0" kern="100" dirty="0">
+                        <a:latin typeface="Microsoft YaHei" charset="-122"/>
+                        <a:ea typeface="Microsoft YaHei" charset="-122"/>
+                        <a:cs typeface="Microsoft YaHei" charset="-122"/>
+                      </a:endParaRPr>
+                    </a:p>
+                  </a:txBody>
+                  <a:tcPr marL="68580" marR="68580" marT="0" marB="0" anchor="ctr"/>
+                </a:tc>
+                <a:tc>
+                  <a:txBody>
+                    <a:bodyPr/>
+                    <a:lstStyle/>
+                    <a:p>
+                      <a:pPr indent="266700" algn="l">
+                        <a:lnSpc>
+                          <a:spcPct val="100000"/>
+                        </a:lnSpc>
+                        <a:spcAft>
+                          <a:spcPts val="0"/>
+                        </a:spcAft>
+                      </a:pPr>
+                      <a:r>
+                        <a:rPr lang="zh-CN" altLang="en-US" sz="2000" b="0" i="0" kern="100" dirty="0" smtClean="0">
+                          <a:latin typeface="Microsoft YaHei" charset="-122"/>
+                          <a:ea typeface="Microsoft YaHei" charset="-122"/>
+                          <a:cs typeface="Microsoft YaHei" charset="-122"/>
+                        </a:rPr>
+                        <a:t>中</a:t>
+                      </a:r>
+                      <a:endParaRPr lang="zh-CN" sz="2000" b="0" i="0" kern="100" dirty="0">
+                        <a:latin typeface="Microsoft YaHei" charset="-122"/>
+                        <a:ea typeface="Microsoft YaHei" charset="-122"/>
+                        <a:cs typeface="Microsoft YaHei" charset="-122"/>
+                      </a:endParaRPr>
+                    </a:p>
+                  </a:txBody>
+                  <a:tcPr marL="68580" marR="68580" marT="0" marB="0" anchor="ctr"/>
+                </a:tc>
+                <a:tc>
+                  <a:txBody>
+                    <a:bodyPr/>
+                    <a:lstStyle/>
+                    <a:p>
+                      <a:pPr indent="266700" algn="l">
+                        <a:lnSpc>
+                          <a:spcPct val="100000"/>
+                        </a:lnSpc>
+                        <a:spcAft>
+                          <a:spcPts val="0"/>
+                        </a:spcAft>
+                      </a:pPr>
+                      <a:r>
+                        <a:rPr lang="zh-CN" altLang="en-US" sz="2000" b="0" i="0" kern="100" dirty="0" smtClean="0">
+                          <a:latin typeface="Microsoft YaHei" charset="-122"/>
+                          <a:ea typeface="Microsoft YaHei" charset="-122"/>
+                          <a:cs typeface="Microsoft YaHei" charset="-122"/>
+                        </a:rPr>
+                        <a:t>中</a:t>
+                      </a:r>
+                      <a:endParaRPr lang="zh-CN" sz="2000" b="0" i="0" kern="100" dirty="0">
+                        <a:latin typeface="Microsoft YaHei" charset="-122"/>
+                        <a:ea typeface="Microsoft YaHei" charset="-122"/>
+                        <a:cs typeface="Microsoft YaHei" charset="-122"/>
+                      </a:endParaRPr>
+                    </a:p>
+                  </a:txBody>
+                  <a:tcPr marL="68580" marR="68580" marT="0" marB="0" anchor="ctr"/>
+                </a:tc>
+              </a:tr>
+              <a:tr h="370840">
+                <a:tc>
+                  <a:txBody>
+                    <a:bodyPr/>
+                    <a:lstStyle/>
+                    <a:p>
+                      <a:pPr indent="266700" algn="l">
+                        <a:lnSpc>
+                          <a:spcPct val="100000"/>
+                        </a:lnSpc>
+                        <a:spcAft>
+                          <a:spcPts val="0"/>
+                        </a:spcAft>
+                      </a:pPr>
+                      <a:r>
+                        <a:rPr lang="zh-CN" sz="2000" b="0" i="0" kern="100" dirty="0">
+                          <a:latin typeface="Microsoft YaHei" charset="-122"/>
+                          <a:ea typeface="Microsoft YaHei" charset="-122"/>
+                          <a:cs typeface="Microsoft YaHei" charset="-122"/>
+                        </a:rPr>
+                        <a:t>特性</a:t>
+                      </a:r>
+                      <a:r>
+                        <a:rPr lang="en-US" sz="2000" b="0" i="0" kern="100" dirty="0">
+                          <a:latin typeface="Microsoft YaHei" charset="-122"/>
+                          <a:ea typeface="Microsoft YaHei" charset="-122"/>
+                          <a:cs typeface="Microsoft YaHei" charset="-122"/>
+                        </a:rPr>
+                        <a:t>2</a:t>
+                      </a:r>
+                      <a:r>
+                        <a:rPr lang="zh-CN" sz="2000" b="0" i="0" kern="100" dirty="0" smtClean="0">
+                          <a:latin typeface="Microsoft YaHei" charset="-122"/>
+                          <a:ea typeface="Microsoft YaHei" charset="-122"/>
+                          <a:cs typeface="Microsoft YaHei" charset="-122"/>
+                        </a:rPr>
+                        <a:t>：</a:t>
+                      </a:r>
+                      <a:r>
+                        <a:rPr lang="zh-CN" altLang="en-US" sz="2000" b="0" i="0" kern="100" dirty="0" smtClean="0">
+                          <a:latin typeface="Microsoft YaHei" charset="-122"/>
+                          <a:ea typeface="Microsoft YaHei" charset="-122"/>
+                          <a:cs typeface="Microsoft YaHei" charset="-122"/>
+                        </a:rPr>
+                        <a:t>数据统计与显示</a:t>
+                      </a:r>
+                      <a:endParaRPr lang="zh-CN" sz="2000" b="0" i="0" kern="100" dirty="0">
+                        <a:latin typeface="Microsoft YaHei" charset="-122"/>
+                        <a:ea typeface="Microsoft YaHei" charset="-122"/>
+                        <a:cs typeface="Microsoft YaHei" charset="-122"/>
+                      </a:endParaRPr>
+                    </a:p>
+                  </a:txBody>
+                  <a:tcPr marL="68580" marR="68580" marT="0" marB="0" anchor="ctr"/>
+                </a:tc>
+                <a:tc>
+                  <a:txBody>
+                    <a:bodyPr/>
+                    <a:lstStyle/>
+                    <a:p>
+                      <a:pPr indent="266700" algn="l">
+                        <a:lnSpc>
+                          <a:spcPct val="100000"/>
+                        </a:lnSpc>
+                        <a:spcAft>
+                          <a:spcPts val="0"/>
+                        </a:spcAft>
+                      </a:pPr>
+                      <a:r>
+                        <a:rPr lang="zh-CN" sz="2000" b="0" i="0" kern="100" dirty="0">
+                          <a:latin typeface="Microsoft YaHei" charset="-122"/>
+                          <a:ea typeface="Microsoft YaHei" charset="-122"/>
+                          <a:cs typeface="Microsoft YaHei" charset="-122"/>
+                        </a:rPr>
+                        <a:t>高</a:t>
+                      </a:r>
+                    </a:p>
+                  </a:txBody>
+                  <a:tcPr marL="68580" marR="68580" marT="0" marB="0" anchor="ctr"/>
+                </a:tc>
+                <a:tc>
+                  <a:txBody>
+                    <a:bodyPr/>
+                    <a:lstStyle/>
+                    <a:p>
+                      <a:pPr indent="266700" algn="l">
+                        <a:lnSpc>
+                          <a:spcPct val="100000"/>
+                        </a:lnSpc>
+                        <a:spcAft>
+                          <a:spcPts val="0"/>
+                        </a:spcAft>
+                      </a:pPr>
+                      <a:r>
+                        <a:rPr lang="zh-CN" altLang="en-US" sz="2000" b="0" i="0" kern="100" dirty="0" smtClean="0">
+                          <a:latin typeface="Microsoft YaHei" charset="-122"/>
+                          <a:ea typeface="Microsoft YaHei" charset="-122"/>
+                          <a:cs typeface="Microsoft YaHei" charset="-122"/>
+                        </a:rPr>
+                        <a:t>高</a:t>
+                      </a:r>
+                      <a:endParaRPr lang="zh-CN" sz="2000" b="0" i="0" kern="100" dirty="0">
+                        <a:latin typeface="Microsoft YaHei" charset="-122"/>
+                        <a:ea typeface="Microsoft YaHei" charset="-122"/>
+                        <a:cs typeface="Microsoft YaHei" charset="-122"/>
+                      </a:endParaRPr>
+                    </a:p>
+                  </a:txBody>
+                  <a:tcPr marL="68580" marR="68580" marT="0" marB="0" anchor="ctr"/>
+                </a:tc>
+                <a:tc>
+                  <a:txBody>
+                    <a:bodyPr/>
+                    <a:lstStyle/>
+                    <a:p>
+                      <a:pPr indent="266700" algn="l">
+                        <a:lnSpc>
+                          <a:spcPct val="100000"/>
+                        </a:lnSpc>
+                        <a:spcAft>
+                          <a:spcPts val="0"/>
+                        </a:spcAft>
+                      </a:pPr>
+                      <a:r>
+                        <a:rPr lang="zh-CN" altLang="en-US" sz="2000" b="0" i="0" kern="100" dirty="0" smtClean="0">
+                          <a:latin typeface="Microsoft YaHei" charset="-122"/>
+                          <a:ea typeface="Microsoft YaHei" charset="-122"/>
+                          <a:cs typeface="Microsoft YaHei" charset="-122"/>
+                        </a:rPr>
+                        <a:t>高</a:t>
+                      </a:r>
+                      <a:endParaRPr lang="zh-CN" sz="2000" b="0" i="0" kern="100" dirty="0">
+                        <a:latin typeface="Microsoft YaHei" charset="-122"/>
+                        <a:ea typeface="Microsoft YaHei" charset="-122"/>
+                        <a:cs typeface="Microsoft YaHei" charset="-122"/>
+                      </a:endParaRPr>
+                    </a:p>
+                  </a:txBody>
+                  <a:tcPr marL="68580" marR="68580" marT="0" marB="0" anchor="ctr"/>
+                </a:tc>
+              </a:tr>
+              <a:tr h="370840">
+                <a:tc>
+                  <a:txBody>
+                    <a:bodyPr/>
+                    <a:lstStyle/>
+                    <a:p>
+                      <a:pPr indent="266700" algn="l">
+                        <a:lnSpc>
+                          <a:spcPct val="100000"/>
+                        </a:lnSpc>
+                        <a:spcAft>
+                          <a:spcPts val="0"/>
+                        </a:spcAft>
+                      </a:pPr>
+                      <a:r>
+                        <a:rPr lang="zh-CN" sz="2000" b="0" i="0" kern="100" dirty="0">
+                          <a:latin typeface="Microsoft YaHei" charset="-122"/>
+                          <a:ea typeface="Microsoft YaHei" charset="-122"/>
+                          <a:cs typeface="Microsoft YaHei" charset="-122"/>
+                        </a:rPr>
+                        <a:t>特性</a:t>
+                      </a:r>
+                      <a:r>
+                        <a:rPr lang="en-US" sz="2000" b="0" i="0" kern="100" dirty="0">
+                          <a:latin typeface="Microsoft YaHei" charset="-122"/>
+                          <a:ea typeface="Microsoft YaHei" charset="-122"/>
+                          <a:cs typeface="Microsoft YaHei" charset="-122"/>
+                        </a:rPr>
+                        <a:t>3</a:t>
+                      </a:r>
+                      <a:r>
+                        <a:rPr lang="zh-CN" sz="2000" b="0" i="0" kern="100" dirty="0" smtClean="0">
+                          <a:latin typeface="Microsoft YaHei" charset="-122"/>
+                          <a:ea typeface="Microsoft YaHei" charset="-122"/>
+                          <a:cs typeface="Microsoft YaHei" charset="-122"/>
+                        </a:rPr>
+                        <a:t>：</a:t>
+                      </a:r>
+                      <a:r>
+                        <a:rPr lang="zh-CN" altLang="en-US" sz="2000" b="0" i="0" kern="100" dirty="0" smtClean="0">
+                          <a:latin typeface="Microsoft YaHei" charset="-122"/>
+                          <a:ea typeface="Microsoft YaHei" charset="-122"/>
+                          <a:cs typeface="Microsoft YaHei" charset="-122"/>
+                        </a:rPr>
+                        <a:t>问卷填写与提交</a:t>
+                      </a:r>
+                      <a:endParaRPr lang="zh-CN" sz="2000" b="0" i="0" kern="100" dirty="0">
+                        <a:latin typeface="Microsoft YaHei" charset="-122"/>
+                        <a:ea typeface="Microsoft YaHei" charset="-122"/>
+                        <a:cs typeface="Microsoft YaHei" charset="-122"/>
+                      </a:endParaRPr>
+                    </a:p>
+                  </a:txBody>
+                  <a:tcPr marL="68580" marR="68580" marT="0" marB="0" anchor="ctr"/>
+                </a:tc>
+                <a:tc>
+                  <a:txBody>
+                    <a:bodyPr/>
+                    <a:lstStyle/>
+                    <a:p>
+                      <a:pPr indent="266700" algn="l">
+                        <a:lnSpc>
+                          <a:spcPct val="100000"/>
+                        </a:lnSpc>
+                        <a:spcAft>
+                          <a:spcPts val="0"/>
+                        </a:spcAft>
+                      </a:pPr>
+                      <a:r>
+                        <a:rPr lang="zh-CN" altLang="en-US" sz="2000" b="0" i="0" kern="100" dirty="0" smtClean="0">
+                          <a:latin typeface="Microsoft YaHei" charset="-122"/>
+                          <a:ea typeface="Microsoft YaHei" charset="-122"/>
+                          <a:cs typeface="Microsoft YaHei" charset="-122"/>
+                        </a:rPr>
+                        <a:t>中</a:t>
+                      </a:r>
+                      <a:endParaRPr lang="zh-CN" sz="2000" b="0" i="0" kern="100" dirty="0">
+                        <a:latin typeface="Microsoft YaHei" charset="-122"/>
+                        <a:ea typeface="Microsoft YaHei" charset="-122"/>
+                        <a:cs typeface="Microsoft YaHei" charset="-122"/>
+                      </a:endParaRPr>
+                    </a:p>
+                  </a:txBody>
+                  <a:tcPr marL="68580" marR="68580" marT="0" marB="0" anchor="ctr"/>
+                </a:tc>
+                <a:tc>
+                  <a:txBody>
+                    <a:bodyPr/>
+                    <a:lstStyle/>
+                    <a:p>
+                      <a:pPr indent="266700" algn="l">
+                        <a:lnSpc>
+                          <a:spcPct val="100000"/>
+                        </a:lnSpc>
+                        <a:spcAft>
+                          <a:spcPts val="0"/>
+                        </a:spcAft>
+                      </a:pPr>
+                      <a:r>
+                        <a:rPr lang="zh-CN" sz="2000" b="0" i="0" kern="100" dirty="0">
+                          <a:latin typeface="Microsoft YaHei" charset="-122"/>
+                          <a:ea typeface="Microsoft YaHei" charset="-122"/>
+                          <a:cs typeface="Microsoft YaHei" charset="-122"/>
+                        </a:rPr>
+                        <a:t>中</a:t>
+                      </a:r>
+                    </a:p>
+                  </a:txBody>
+                  <a:tcPr marL="68580" marR="68580" marT="0" marB="0" anchor="ctr"/>
+                </a:tc>
+                <a:tc>
+                  <a:txBody>
+                    <a:bodyPr/>
+                    <a:lstStyle/>
+                    <a:p>
+                      <a:pPr indent="266700" algn="l">
+                        <a:lnSpc>
+                          <a:spcPct val="100000"/>
+                        </a:lnSpc>
+                        <a:spcAft>
+                          <a:spcPts val="0"/>
+                        </a:spcAft>
+                      </a:pPr>
+                      <a:r>
+                        <a:rPr lang="zh-CN" sz="2000" b="0" i="0" kern="100" dirty="0">
+                          <a:latin typeface="Microsoft YaHei" charset="-122"/>
+                          <a:ea typeface="Microsoft YaHei" charset="-122"/>
+                          <a:cs typeface="Microsoft YaHei" charset="-122"/>
+                        </a:rPr>
+                        <a:t>中</a:t>
+                      </a:r>
+                    </a:p>
+                  </a:txBody>
+                  <a:tcPr marL="68580" marR="68580" marT="0" marB="0" anchor="ctr"/>
+                </a:tc>
+              </a:tr>
+              <a:tr h="370840">
+                <a:tc>
+                  <a:txBody>
+                    <a:bodyPr/>
+                    <a:lstStyle/>
+                    <a:p>
+                      <a:pPr indent="266700" algn="l">
+                        <a:lnSpc>
+                          <a:spcPct val="100000"/>
+                        </a:lnSpc>
+                        <a:spcAft>
+                          <a:spcPts val="0"/>
+                        </a:spcAft>
+                      </a:pPr>
+                      <a:r>
+                        <a:rPr lang="zh-CN" sz="2000" b="0" i="0" kern="100" dirty="0">
+                          <a:latin typeface="Microsoft YaHei" charset="-122"/>
+                          <a:ea typeface="Microsoft YaHei" charset="-122"/>
+                          <a:cs typeface="Microsoft YaHei" charset="-122"/>
+                        </a:rPr>
+                        <a:t>特性</a:t>
+                      </a:r>
+                      <a:r>
+                        <a:rPr lang="en-US" sz="2000" b="0" i="0" kern="100" dirty="0">
+                          <a:latin typeface="Microsoft YaHei" charset="-122"/>
+                          <a:ea typeface="Microsoft YaHei" charset="-122"/>
+                          <a:cs typeface="Microsoft YaHei" charset="-122"/>
+                        </a:rPr>
+                        <a:t>4</a:t>
+                      </a:r>
+                      <a:r>
+                        <a:rPr lang="zh-CN" sz="2000" b="0" i="0" kern="100" dirty="0" smtClean="0">
+                          <a:latin typeface="Microsoft YaHei" charset="-122"/>
+                          <a:ea typeface="Microsoft YaHei" charset="-122"/>
+                          <a:cs typeface="Microsoft YaHei" charset="-122"/>
+                        </a:rPr>
+                        <a:t>：</a:t>
+                      </a:r>
+                      <a:r>
+                        <a:rPr lang="zh-CN" altLang="en-US" sz="2000" b="0" i="0" kern="100" dirty="0" smtClean="0">
+                          <a:latin typeface="Microsoft YaHei" charset="-122"/>
+                          <a:ea typeface="Microsoft YaHei" charset="-122"/>
+                          <a:cs typeface="Microsoft YaHei" charset="-122"/>
+                        </a:rPr>
+                        <a:t>用户登录与编辑资料</a:t>
+                      </a:r>
+                      <a:endParaRPr lang="zh-CN" sz="2000" b="0" i="0" kern="100" dirty="0">
+                        <a:latin typeface="Microsoft YaHei" charset="-122"/>
+                        <a:ea typeface="Microsoft YaHei" charset="-122"/>
+                        <a:cs typeface="Microsoft YaHei" charset="-122"/>
+                      </a:endParaRPr>
+                    </a:p>
+                  </a:txBody>
+                  <a:tcPr marL="68580" marR="68580" marT="0" marB="0" anchor="ctr"/>
+                </a:tc>
+                <a:tc>
+                  <a:txBody>
+                    <a:bodyPr/>
+                    <a:lstStyle/>
+                    <a:p>
+                      <a:pPr indent="266700" algn="l">
+                        <a:lnSpc>
+                          <a:spcPct val="100000"/>
+                        </a:lnSpc>
+                        <a:spcAft>
+                          <a:spcPts val="0"/>
+                        </a:spcAft>
+                      </a:pPr>
+                      <a:r>
+                        <a:rPr lang="zh-CN" sz="2000" b="0" i="0" kern="100" dirty="0">
+                          <a:latin typeface="Microsoft YaHei" charset="-122"/>
+                          <a:ea typeface="Microsoft YaHei" charset="-122"/>
+                          <a:cs typeface="Microsoft YaHei" charset="-122"/>
+                        </a:rPr>
+                        <a:t>中</a:t>
+                      </a:r>
+                    </a:p>
+                  </a:txBody>
+                  <a:tcPr marL="68580" marR="68580" marT="0" marB="0" anchor="ctr"/>
+                </a:tc>
+                <a:tc>
+                  <a:txBody>
+                    <a:bodyPr/>
+                    <a:lstStyle/>
+                    <a:p>
+                      <a:pPr indent="266700" algn="l">
+                        <a:lnSpc>
+                          <a:spcPct val="100000"/>
+                        </a:lnSpc>
+                        <a:spcAft>
+                          <a:spcPts val="0"/>
+                        </a:spcAft>
+                      </a:pPr>
+                      <a:r>
+                        <a:rPr lang="zh-CN" sz="2000" b="0" i="0" kern="100" dirty="0" smtClean="0">
+                          <a:latin typeface="Microsoft YaHei" charset="-122"/>
+                          <a:ea typeface="Microsoft YaHei" charset="-122"/>
+                          <a:cs typeface="Microsoft YaHei" charset="-122"/>
+                        </a:rPr>
+                        <a:t>中</a:t>
+                      </a:r>
+                      <a:endParaRPr lang="zh-CN" sz="2000" b="0" i="0" kern="100" dirty="0">
+                        <a:latin typeface="Microsoft YaHei" charset="-122"/>
+                        <a:ea typeface="Microsoft YaHei" charset="-122"/>
+                        <a:cs typeface="Microsoft YaHei" charset="-122"/>
+                      </a:endParaRPr>
+                    </a:p>
+                  </a:txBody>
+                  <a:tcPr marL="68580" marR="68580" marT="0" marB="0" anchor="ctr"/>
+                </a:tc>
+                <a:tc>
+                  <a:txBody>
+                    <a:bodyPr/>
+                    <a:lstStyle/>
+                    <a:p>
+                      <a:pPr indent="266700" algn="l">
+                        <a:lnSpc>
+                          <a:spcPct val="100000"/>
+                        </a:lnSpc>
+                        <a:spcAft>
+                          <a:spcPts val="0"/>
+                        </a:spcAft>
+                      </a:pPr>
+                      <a:r>
+                        <a:rPr lang="zh-CN" sz="2000" b="0" i="0" kern="100" dirty="0" smtClean="0">
+                          <a:latin typeface="Microsoft YaHei" charset="-122"/>
+                          <a:ea typeface="Microsoft YaHei" charset="-122"/>
+                          <a:cs typeface="Microsoft YaHei" charset="-122"/>
+                        </a:rPr>
+                        <a:t>中</a:t>
+                      </a:r>
+                      <a:endParaRPr lang="zh-CN" sz="2000" b="0" i="0" kern="100" dirty="0">
+                        <a:latin typeface="Microsoft YaHei" charset="-122"/>
+                        <a:ea typeface="Microsoft YaHei" charset="-122"/>
+                        <a:cs typeface="Microsoft YaHei" charset="-122"/>
+                      </a:endParaRPr>
+                    </a:p>
+                  </a:txBody>
+                  <a:tcPr marL="68580" marR="68580" marT="0" marB="0" anchor="ctr"/>
+                </a:tc>
+              </a:tr>
+              <a:tr h="370840">
+                <a:tc>
+                  <a:txBody>
+                    <a:bodyPr/>
+                    <a:lstStyle/>
+                    <a:p>
+                      <a:pPr indent="266700" algn="l">
+                        <a:lnSpc>
+                          <a:spcPct val="100000"/>
+                        </a:lnSpc>
+                        <a:spcAft>
+                          <a:spcPts val="0"/>
+                        </a:spcAft>
+                      </a:pPr>
+                      <a:r>
+                        <a:rPr lang="zh-CN" altLang="en-US" sz="2000" b="0" i="0" kern="100" dirty="0" smtClean="0">
+                          <a:latin typeface="Microsoft YaHei" charset="-122"/>
+                          <a:ea typeface="Microsoft YaHei" charset="-122"/>
+                          <a:cs typeface="Microsoft YaHei" charset="-122"/>
+                        </a:rPr>
+                        <a:t>特性</a:t>
+                      </a:r>
+                      <a:r>
+                        <a:rPr lang="en-US" altLang="zh-CN" sz="2000" b="0" i="0" kern="100" dirty="0" smtClean="0">
+                          <a:latin typeface="Microsoft YaHei" charset="-122"/>
+                          <a:ea typeface="Microsoft YaHei" charset="-122"/>
+                          <a:cs typeface="Microsoft YaHei" charset="-122"/>
+                        </a:rPr>
+                        <a:t>5:</a:t>
+                      </a:r>
+                      <a:r>
+                        <a:rPr lang="zh-CN" altLang="en-US" sz="2000" b="0" i="0" kern="100" dirty="0" smtClean="0">
+                          <a:latin typeface="Microsoft YaHei" charset="-122"/>
+                          <a:ea typeface="Microsoft YaHei" charset="-122"/>
+                          <a:cs typeface="Microsoft YaHei" charset="-122"/>
+                        </a:rPr>
+                        <a:t>   问卷打包功能</a:t>
+                      </a:r>
+                      <a:endParaRPr lang="zh-CN" sz="2000" b="0" i="0" kern="100" dirty="0">
+                        <a:latin typeface="Microsoft YaHei" charset="-122"/>
+                        <a:ea typeface="Microsoft YaHei" charset="-122"/>
+                        <a:cs typeface="Microsoft YaHei" charset="-122"/>
+                      </a:endParaRPr>
+                    </a:p>
+                  </a:txBody>
+                  <a:tcPr marL="68580" marR="68580" marT="0" marB="0" anchor="ctr"/>
+                </a:tc>
+                <a:tc>
+                  <a:txBody>
+                    <a:bodyPr/>
+                    <a:lstStyle/>
+                    <a:p>
+                      <a:pPr indent="266700" algn="l">
+                        <a:lnSpc>
+                          <a:spcPct val="100000"/>
+                        </a:lnSpc>
+                        <a:spcAft>
+                          <a:spcPts val="0"/>
+                        </a:spcAft>
+                      </a:pPr>
+                      <a:r>
+                        <a:rPr lang="zh-CN" altLang="en-US" sz="2000" b="0" i="0" kern="100" dirty="0" smtClean="0">
+                          <a:latin typeface="Microsoft YaHei" charset="-122"/>
+                          <a:ea typeface="Microsoft YaHei" charset="-122"/>
+                          <a:cs typeface="Microsoft YaHei" charset="-122"/>
+                        </a:rPr>
+                        <a:t>低</a:t>
+                      </a:r>
+                      <a:endParaRPr lang="zh-CN" sz="2000" b="0" i="0" kern="100" dirty="0">
+                        <a:latin typeface="Microsoft YaHei" charset="-122"/>
+                        <a:ea typeface="Microsoft YaHei" charset="-122"/>
+                        <a:cs typeface="Microsoft YaHei" charset="-122"/>
+                      </a:endParaRPr>
+                    </a:p>
+                  </a:txBody>
+                  <a:tcPr marL="68580" marR="68580" marT="0" marB="0" anchor="ctr"/>
+                </a:tc>
+                <a:tc>
+                  <a:txBody>
+                    <a:bodyPr/>
+                    <a:lstStyle/>
+                    <a:p>
+                      <a:pPr indent="266700" algn="l">
+                        <a:lnSpc>
+                          <a:spcPct val="100000"/>
+                        </a:lnSpc>
+                        <a:spcAft>
+                          <a:spcPts val="0"/>
+                        </a:spcAft>
+                      </a:pPr>
+                      <a:r>
+                        <a:rPr lang="zh-CN" altLang="en-US" sz="2000" b="0" i="0" kern="100" dirty="0" smtClean="0">
+                          <a:latin typeface="Microsoft YaHei" charset="-122"/>
+                          <a:ea typeface="Microsoft YaHei" charset="-122"/>
+                          <a:cs typeface="Microsoft YaHei" charset="-122"/>
+                        </a:rPr>
+                        <a:t>中</a:t>
+                      </a:r>
+                      <a:endParaRPr lang="zh-CN" sz="2000" b="0" i="0" kern="100" dirty="0">
+                        <a:latin typeface="Microsoft YaHei" charset="-122"/>
+                        <a:ea typeface="Microsoft YaHei" charset="-122"/>
+                        <a:cs typeface="Microsoft YaHei" charset="-122"/>
+                      </a:endParaRPr>
+                    </a:p>
+                  </a:txBody>
+                  <a:tcPr marL="68580" marR="68580" marT="0" marB="0" anchor="ctr"/>
+                </a:tc>
+                <a:tc>
+                  <a:txBody>
+                    <a:bodyPr/>
+                    <a:lstStyle/>
+                    <a:p>
+                      <a:pPr indent="266700" algn="l">
+                        <a:lnSpc>
+                          <a:spcPct val="100000"/>
+                        </a:lnSpc>
+                        <a:spcAft>
+                          <a:spcPts val="0"/>
+                        </a:spcAft>
+                      </a:pPr>
+                      <a:r>
+                        <a:rPr lang="zh-CN" altLang="en-US" sz="2000" b="0" i="0" kern="100" dirty="0" smtClean="0">
+                          <a:latin typeface="Microsoft YaHei" charset="-122"/>
+                          <a:ea typeface="Microsoft YaHei" charset="-122"/>
+                          <a:cs typeface="Microsoft YaHei" charset="-122"/>
+                        </a:rPr>
+                        <a:t>中</a:t>
+                      </a:r>
+                      <a:endParaRPr lang="zh-CN" sz="2000" b="0" i="0" kern="100" dirty="0">
+                        <a:latin typeface="Microsoft YaHei" charset="-122"/>
+                        <a:ea typeface="Microsoft YaHei" charset="-122"/>
+                        <a:cs typeface="Microsoft YaHei" charset="-122"/>
+                      </a:endParaRPr>
+                    </a:p>
+                  </a:txBody>
+                  <a:tcPr marL="68580" marR="68580" marT="0" marB="0" anchor="ctr"/>
+                </a:tc>
+              </a:tr>
+              <a:tr h="370840">
+                <a:tc>
+                  <a:txBody>
+                    <a:bodyPr/>
+                    <a:lstStyle/>
+                    <a:p>
+                      <a:pPr indent="266700" algn="l">
+                        <a:lnSpc>
+                          <a:spcPct val="100000"/>
+                        </a:lnSpc>
+                        <a:spcAft>
+                          <a:spcPts val="0"/>
+                        </a:spcAft>
+                      </a:pPr>
+                      <a:r>
+                        <a:rPr lang="zh-CN" altLang="en-US" sz="2000" b="0" i="0" kern="100" dirty="0" smtClean="0">
+                          <a:latin typeface="Microsoft YaHei" charset="-122"/>
+                          <a:ea typeface="Microsoft YaHei" charset="-122"/>
+                          <a:cs typeface="Microsoft YaHei" charset="-122"/>
+                        </a:rPr>
+                        <a:t>特性</a:t>
+                      </a:r>
+                      <a:r>
+                        <a:rPr lang="en-US" altLang="zh-CN" sz="2000" b="0" i="0" kern="100" dirty="0" smtClean="0">
+                          <a:latin typeface="Microsoft YaHei" charset="-122"/>
+                          <a:ea typeface="Microsoft YaHei" charset="-122"/>
+                          <a:cs typeface="Microsoft YaHei" charset="-122"/>
+                        </a:rPr>
+                        <a:t>6:</a:t>
+                      </a:r>
+                      <a:r>
+                        <a:rPr lang="zh-CN" altLang="en-US" sz="2000" b="0" i="0" kern="100" dirty="0" smtClean="0">
+                          <a:latin typeface="Microsoft YaHei" charset="-122"/>
+                          <a:ea typeface="Microsoft YaHei" charset="-122"/>
+                          <a:cs typeface="Microsoft YaHei" charset="-122"/>
+                        </a:rPr>
+                        <a:t>  问卷创建编辑的逻辑可视化</a:t>
+                      </a:r>
+                      <a:endParaRPr lang="zh-CN" sz="2000" b="0" i="0" kern="100" dirty="0">
+                        <a:latin typeface="Microsoft YaHei" charset="-122"/>
+                        <a:ea typeface="Microsoft YaHei" charset="-122"/>
+                        <a:cs typeface="Microsoft YaHei" charset="-122"/>
+                      </a:endParaRPr>
+                    </a:p>
+                  </a:txBody>
+                  <a:tcPr marL="68580" marR="68580" marT="0" marB="0" anchor="ctr"/>
+                </a:tc>
+                <a:tc>
+                  <a:txBody>
+                    <a:bodyPr/>
+                    <a:lstStyle/>
+                    <a:p>
+                      <a:pPr indent="266700" algn="l">
+                        <a:lnSpc>
+                          <a:spcPct val="100000"/>
+                        </a:lnSpc>
+                        <a:spcAft>
+                          <a:spcPts val="0"/>
+                        </a:spcAft>
+                      </a:pPr>
+                      <a:r>
+                        <a:rPr lang="zh-CN" altLang="en-US" sz="2000" b="0" i="0" kern="100" dirty="0" smtClean="0">
+                          <a:latin typeface="Microsoft YaHei" charset="-122"/>
+                          <a:ea typeface="Microsoft YaHei" charset="-122"/>
+                          <a:cs typeface="Microsoft YaHei" charset="-122"/>
+                        </a:rPr>
+                        <a:t>中</a:t>
+                      </a:r>
+                      <a:endParaRPr lang="zh-CN" sz="2000" b="0" i="0" kern="100" dirty="0">
+                        <a:latin typeface="Microsoft YaHei" charset="-122"/>
+                        <a:ea typeface="Microsoft YaHei" charset="-122"/>
+                        <a:cs typeface="Microsoft YaHei" charset="-122"/>
+                      </a:endParaRPr>
+                    </a:p>
+                  </a:txBody>
+                  <a:tcPr marL="68580" marR="68580" marT="0" marB="0" anchor="ctr"/>
+                </a:tc>
+                <a:tc>
+                  <a:txBody>
+                    <a:bodyPr/>
+                    <a:lstStyle/>
+                    <a:p>
+                      <a:pPr indent="266700" algn="l">
+                        <a:lnSpc>
+                          <a:spcPct val="100000"/>
+                        </a:lnSpc>
+                        <a:spcAft>
+                          <a:spcPts val="0"/>
+                        </a:spcAft>
+                      </a:pPr>
+                      <a:r>
+                        <a:rPr lang="zh-CN" altLang="en-US" sz="2000" b="0" i="0" kern="100" dirty="0" smtClean="0">
+                          <a:latin typeface="Microsoft YaHei" charset="-122"/>
+                          <a:ea typeface="Microsoft YaHei" charset="-122"/>
+                          <a:cs typeface="Microsoft YaHei" charset="-122"/>
+                        </a:rPr>
+                        <a:t>高</a:t>
+                      </a:r>
+                      <a:endParaRPr lang="zh-CN" sz="2000" b="0" i="0" kern="100" dirty="0">
+                        <a:latin typeface="Microsoft YaHei" charset="-122"/>
+                        <a:ea typeface="Microsoft YaHei" charset="-122"/>
+                        <a:cs typeface="Microsoft YaHei" charset="-122"/>
+                      </a:endParaRPr>
+                    </a:p>
+                  </a:txBody>
+                  <a:tcPr marL="68580" marR="68580" marT="0" marB="0" anchor="ctr"/>
+                </a:tc>
+                <a:tc>
+                  <a:txBody>
+                    <a:bodyPr/>
+                    <a:lstStyle/>
+                    <a:p>
+                      <a:pPr indent="266700" algn="l">
+                        <a:lnSpc>
+                          <a:spcPct val="100000"/>
+                        </a:lnSpc>
+                        <a:spcAft>
+                          <a:spcPts val="0"/>
+                        </a:spcAft>
+                      </a:pPr>
+                      <a:r>
+                        <a:rPr lang="zh-CN" altLang="en-US" sz="2000" b="0" i="0" kern="100" dirty="0" smtClean="0">
+                          <a:latin typeface="Microsoft YaHei" charset="-122"/>
+                          <a:ea typeface="Microsoft YaHei" charset="-122"/>
+                          <a:cs typeface="Microsoft YaHei" charset="-122"/>
+                        </a:rPr>
+                        <a:t>高</a:t>
+                      </a:r>
+                      <a:endParaRPr lang="zh-CN" sz="2000" b="0" i="0" kern="100" dirty="0">
+                        <a:latin typeface="Microsoft YaHei" charset="-122"/>
+                        <a:ea typeface="Microsoft YaHei" charset="-122"/>
+                        <a:cs typeface="Microsoft YaHei" charset="-122"/>
+                      </a:endParaRPr>
+                    </a:p>
+                  </a:txBody>
+                  <a:tcPr marL="68580" marR="68580" marT="0" marB="0" anchor="ctr"/>
+                </a:tc>
+              </a:tr>
+            </a:tbl>
+          </a:graphicData>
+        </a:graphic>
+      </p:graphicFrame>
+    </p:spTree>
+    <p:extLst>
+      <p:ext uri="{BB962C8B-B14F-4D97-AF65-F5344CB8AC3E}">
+        <p14:creationId xmlns:p14="http://schemas.microsoft.com/office/powerpoint/2010/main" val="1240724055"/>
+      </p:ext>
+    </p:extLst>
+  </p:cSld>
+  <p:clrMapOvr>
+    <a:masterClrMapping/>
+  </p:clrMapOvr>
+  <p:timing>
+    <p:tnLst>
+      <p:par>
+        <p:cTn id="1" dur="indefinite" restart="never" nodeType="tmRoot"/>
+      </p:par>
+    </p:tnLst>
+  </p:timing>
+</p:sld>
+</file>
+
+<file path=ppt/slides/slide16.xml><?xml version="1.0" encoding="utf-8"?>
+<p:sld xmlns:a="http://schemas.openxmlformats.org/drawingml/2006/main" xmlns:r="http://schemas.openxmlformats.org/officeDocument/2006/relationships" xmlns:p="http://schemas.openxmlformats.org/presentationml/2006/main">
+  <p:cSld>
+    <p:spTree>
+      <p:nvGrpSpPr>
+        <p:cNvPr id="1" name=""/>
+        <p:cNvGrpSpPr/>
+        <p:nvPr/>
+      </p:nvGrpSpPr>
+      <p:grpSpPr>
+        <a:xfrm>
+          <a:off x="0" y="0"/>
+          <a:ext cx="0" cy="0"/>
+          <a:chOff x="0" y="0"/>
+          <a:chExt cx="0" cy="0"/>
+        </a:xfrm>
+      </p:grpSpPr>
+      <p:sp>
+        <p:nvSpPr>
+          <p:cNvPr id="2" name="标题 1"/>
+          <p:cNvSpPr>
+            <a:spLocks noGrp="1"/>
+          </p:cNvSpPr>
+          <p:nvPr>
+            <p:ph type="title"/>
+          </p:nvPr>
+        </p:nvSpPr>
+        <p:spPr/>
+        <p:txBody>
+          <a:bodyPr>
+            <a:normAutofit/>
+          </a:bodyPr>
+          <a:lstStyle/>
+          <a:p>
+            <a:r>
+              <a:rPr lang="zh-CN" altLang="en-US" b="1" dirty="0">
+                <a:solidFill>
+                  <a:srgbClr val="0070C0"/>
+                </a:solidFill>
+                <a:latin typeface="微软雅黑" panose="020B0503020204020204" pitchFamily="34" charset="-122"/>
+                <a:ea typeface="微软雅黑" panose="020B0503020204020204" pitchFamily="34" charset="-122"/>
+              </a:rPr>
+              <a:t>项目技术方案</a:t>
+            </a:r>
+          </a:p>
+        </p:txBody>
+      </p:sp>
+      <p:sp>
+        <p:nvSpPr>
+          <p:cNvPr id="3" name="文本占位符 2"/>
+          <p:cNvSpPr>
+            <a:spLocks noGrp="1"/>
+          </p:cNvSpPr>
+          <p:nvPr>
+            <p:ph type="body" idx="1"/>
+          </p:nvPr>
+        </p:nvSpPr>
+        <p:spPr/>
+        <p:txBody>
+          <a:bodyPr/>
+          <a:lstStyle/>
+          <a:p>
+            <a:endParaRPr kumimoji="1" lang="zh-CN" altLang="en-US" dirty="0"/>
+          </a:p>
+        </p:txBody>
+      </p:sp>
+    </p:spTree>
+    <p:extLst>
+      <p:ext uri="{BB962C8B-B14F-4D97-AF65-F5344CB8AC3E}">
+        <p14:creationId xmlns:p14="http://schemas.microsoft.com/office/powerpoint/2010/main" val="92298177"/>
+      </p:ext>
+    </p:extLst>
+  </p:cSld>
+  <p:clrMapOvr>
+    <a:masterClrMapping/>
+  </p:clrMapOvr>
+  <p:timing>
+    <p:tnLst>
+      <p:par>
+        <p:cTn id="1" dur="indefinite" restart="never" nodeType="tmRoot"/>
+      </p:par>
+    </p:tnLst>
+  </p:timing>
+</p:sld>
+</file>
+
+<file path=ppt/slides/slide17.xml><?xml version="1.0" encoding="utf-8"?>
+<p:sld xmlns:a="http://schemas.openxmlformats.org/drawingml/2006/main" xmlns:r="http://schemas.openxmlformats.org/officeDocument/2006/relationships" xmlns:p="http://schemas.openxmlformats.org/presentationml/2006/main">
+  <p:cSld>
+    <p:spTree>
+      <p:nvGrpSpPr>
+        <p:cNvPr id="1" name=""/>
+        <p:cNvGrpSpPr/>
+        <p:nvPr/>
+      </p:nvGrpSpPr>
+      <p:grpSpPr>
+        <a:xfrm>
+          <a:off x="0" y="0"/>
+          <a:ext cx="0" cy="0"/>
+          <a:chOff x="0" y="0"/>
+          <a:chExt cx="0" cy="0"/>
+        </a:xfrm>
+      </p:grpSpPr>
+      <p:sp>
+        <p:nvSpPr>
+          <p:cNvPr id="2" name="标题 1"/>
+          <p:cNvSpPr>
+            <a:spLocks noGrp="1"/>
+          </p:cNvSpPr>
+          <p:nvPr>
+            <p:ph type="title"/>
+          </p:nvPr>
+        </p:nvSpPr>
+        <p:spPr>
+          <a:xfrm>
+            <a:off x="628650" y="500062"/>
+            <a:ext cx="7886700" cy="1325563"/>
+          </a:xfrm>
+        </p:spPr>
+        <p:txBody>
+          <a:bodyPr/>
+          <a:lstStyle/>
+          <a:p>
+            <a:r>
+              <a:rPr lang="zh-CN" altLang="en-US" b="1" dirty="0" smtClean="0">
+                <a:solidFill>
+                  <a:srgbClr val="0070C0"/>
+                </a:solidFill>
+                <a:latin typeface="微软雅黑" panose="020B0503020204020204" pitchFamily="34" charset="-122"/>
+                <a:ea typeface="微软雅黑" panose="020B0503020204020204" pitchFamily="34" charset="-122"/>
+              </a:rPr>
+              <a:t>使用工具</a:t>
+            </a:r>
+            <a:endParaRPr lang="en-US" b="1" dirty="0">
+              <a:solidFill>
+                <a:srgbClr val="0070C0"/>
+              </a:solidFill>
+              <a:latin typeface="微软雅黑" panose="020B0503020204020204" pitchFamily="34" charset="-122"/>
+              <a:ea typeface="微软雅黑" panose="020B0503020204020204" pitchFamily="34" charset="-122"/>
+            </a:endParaRPr>
+          </a:p>
+        </p:txBody>
+      </p:sp>
+      <p:sp>
+        <p:nvSpPr>
+          <p:cNvPr id="3" name="内容占位符 2"/>
+          <p:cNvSpPr>
+            <a:spLocks noGrp="1"/>
+          </p:cNvSpPr>
+          <p:nvPr>
+            <p:ph idx="1"/>
+          </p:nvPr>
+        </p:nvSpPr>
+        <p:spPr/>
+        <p:txBody>
+          <a:bodyPr/>
+          <a:lstStyle/>
+          <a:p>
+            <a:r>
+              <a:rPr lang="zh-CN" altLang="hr-HR" b="1" dirty="0">
+                <a:solidFill>
+                  <a:schemeClr val="tx1">
+                    <a:lumMod val="65000"/>
+                    <a:lumOff val="35000"/>
+                  </a:schemeClr>
+                </a:solidFill>
+                <a:latin typeface="微软雅黑" panose="020B0503020204020204" pitchFamily="34" charset="-122"/>
+                <a:ea typeface="微软雅黑" panose="020B0503020204020204" pitchFamily="34" charset="-122"/>
+              </a:rPr>
+              <a:t>建模工具：</a:t>
+            </a:r>
+            <a:r>
+              <a:rPr lang="hr-HR" altLang="zh-CN" b="1" dirty="0" err="1">
+                <a:solidFill>
+                  <a:schemeClr val="tx1">
+                    <a:lumMod val="65000"/>
+                    <a:lumOff val="35000"/>
+                  </a:schemeClr>
+                </a:solidFill>
+                <a:latin typeface="微软雅黑" panose="020B0503020204020204" pitchFamily="34" charset="-122"/>
+                <a:ea typeface="微软雅黑" panose="020B0503020204020204" pitchFamily="34" charset="-122"/>
+              </a:rPr>
+              <a:t>Powerdesigner</a:t>
+            </a:r>
+            <a:endParaRPr lang="hr-HR" altLang="zh-CN" b="1" dirty="0">
+              <a:solidFill>
+                <a:schemeClr val="tx1">
+                  <a:lumMod val="65000"/>
+                  <a:lumOff val="35000"/>
+                </a:schemeClr>
+              </a:solidFill>
+              <a:latin typeface="微软雅黑" panose="020B0503020204020204" pitchFamily="34" charset="-122"/>
+              <a:ea typeface="微软雅黑" panose="020B0503020204020204" pitchFamily="34" charset="-122"/>
+            </a:endParaRPr>
+          </a:p>
+          <a:p>
+            <a:r>
+              <a:rPr lang="zh-CN" altLang="hr-HR" b="1" dirty="0">
+                <a:solidFill>
+                  <a:schemeClr val="tx1">
+                    <a:lumMod val="65000"/>
+                    <a:lumOff val="35000"/>
+                  </a:schemeClr>
+                </a:solidFill>
+                <a:latin typeface="微软雅黑" panose="020B0503020204020204" pitchFamily="34" charset="-122"/>
+                <a:ea typeface="微软雅黑" panose="020B0503020204020204" pitchFamily="34" charset="-122"/>
+              </a:rPr>
+              <a:t>编程语言</a:t>
+            </a:r>
+            <a:r>
+              <a:rPr lang="hr-HR" altLang="zh-CN" b="1" dirty="0">
+                <a:solidFill>
+                  <a:schemeClr val="tx1">
+                    <a:lumMod val="65000"/>
+                    <a:lumOff val="35000"/>
+                  </a:schemeClr>
+                </a:solidFill>
+                <a:latin typeface="微软雅黑" panose="020B0503020204020204" pitchFamily="34" charset="-122"/>
+                <a:ea typeface="微软雅黑" panose="020B0503020204020204" pitchFamily="34" charset="-122"/>
+              </a:rPr>
+              <a:t>: JAVA, </a:t>
+            </a:r>
+            <a:r>
+              <a:rPr lang="hr-HR" altLang="zh-CN" b="1" dirty="0" err="1">
+                <a:solidFill>
+                  <a:schemeClr val="tx1">
+                    <a:lumMod val="65000"/>
+                    <a:lumOff val="35000"/>
+                  </a:schemeClr>
+                </a:solidFill>
+                <a:latin typeface="微软雅黑" panose="020B0503020204020204" pitchFamily="34" charset="-122"/>
+                <a:ea typeface="微软雅黑" panose="020B0503020204020204" pitchFamily="34" charset="-122"/>
+              </a:rPr>
+              <a:t>javascript</a:t>
+            </a:r>
+            <a:r>
+              <a:rPr lang="hr-HR" altLang="zh-CN" b="1" dirty="0">
+                <a:solidFill>
+                  <a:schemeClr val="tx1">
+                    <a:lumMod val="65000"/>
+                    <a:lumOff val="35000"/>
+                  </a:schemeClr>
+                </a:solidFill>
+                <a:latin typeface="微软雅黑" panose="020B0503020204020204" pitchFamily="34" charset="-122"/>
+                <a:ea typeface="微软雅黑" panose="020B0503020204020204" pitchFamily="34" charset="-122"/>
+              </a:rPr>
+              <a:t>, </a:t>
+            </a:r>
+            <a:r>
+              <a:rPr lang="hr-HR" altLang="zh-CN" b="1" dirty="0" err="1">
+                <a:solidFill>
+                  <a:schemeClr val="tx1">
+                    <a:lumMod val="65000"/>
+                    <a:lumOff val="35000"/>
+                  </a:schemeClr>
+                </a:solidFill>
+                <a:latin typeface="微软雅黑" panose="020B0503020204020204" pitchFamily="34" charset="-122"/>
+                <a:ea typeface="微软雅黑" panose="020B0503020204020204" pitchFamily="34" charset="-122"/>
+              </a:rPr>
+              <a:t>html</a:t>
+            </a:r>
+            <a:endParaRPr lang="hr-HR" altLang="zh-CN" b="1" dirty="0">
+              <a:solidFill>
+                <a:schemeClr val="tx1">
+                  <a:lumMod val="65000"/>
+                  <a:lumOff val="35000"/>
+                </a:schemeClr>
+              </a:solidFill>
+              <a:latin typeface="微软雅黑" panose="020B0503020204020204" pitchFamily="34" charset="-122"/>
+              <a:ea typeface="微软雅黑" panose="020B0503020204020204" pitchFamily="34" charset="-122"/>
+            </a:endParaRPr>
+          </a:p>
+          <a:p>
+            <a:r>
+              <a:rPr lang="zh-CN" altLang="hr-HR" b="1" dirty="0">
+                <a:solidFill>
+                  <a:schemeClr val="tx1">
+                    <a:lumMod val="65000"/>
+                    <a:lumOff val="35000"/>
+                  </a:schemeClr>
+                </a:solidFill>
+                <a:latin typeface="微软雅黑" panose="020B0503020204020204" pitchFamily="34" charset="-122"/>
+                <a:ea typeface="微软雅黑" panose="020B0503020204020204" pitchFamily="34" charset="-122"/>
+              </a:rPr>
+              <a:t>编程工具：</a:t>
+            </a:r>
+            <a:r>
+              <a:rPr lang="hr-HR" altLang="zh-CN" b="1" dirty="0" err="1">
+                <a:solidFill>
+                  <a:schemeClr val="tx1">
+                    <a:lumMod val="65000"/>
+                    <a:lumOff val="35000"/>
+                  </a:schemeClr>
+                </a:solidFill>
+                <a:latin typeface="微软雅黑" panose="020B0503020204020204" pitchFamily="34" charset="-122"/>
+                <a:ea typeface="微软雅黑" panose="020B0503020204020204" pitchFamily="34" charset="-122"/>
+              </a:rPr>
+              <a:t>eclipse</a:t>
+            </a:r>
+            <a:r>
+              <a:rPr lang="hr-HR" altLang="zh-CN" b="1" dirty="0">
+                <a:solidFill>
+                  <a:schemeClr val="tx1">
+                    <a:lumMod val="65000"/>
+                    <a:lumOff val="35000"/>
+                  </a:schemeClr>
+                </a:solidFill>
+                <a:latin typeface="微软雅黑" panose="020B0503020204020204" pitchFamily="34" charset="-122"/>
+                <a:ea typeface="微软雅黑" panose="020B0503020204020204" pitchFamily="34" charset="-122"/>
+              </a:rPr>
+              <a:t>, </a:t>
+            </a:r>
+            <a:r>
+              <a:rPr lang="hr-HR" altLang="zh-CN" b="1" dirty="0" err="1">
+                <a:solidFill>
+                  <a:schemeClr val="tx1">
+                    <a:lumMod val="65000"/>
+                    <a:lumOff val="35000"/>
+                  </a:schemeClr>
+                </a:solidFill>
+                <a:latin typeface="微软雅黑" panose="020B0503020204020204" pitchFamily="34" charset="-122"/>
+                <a:ea typeface="微软雅黑" panose="020B0503020204020204" pitchFamily="34" charset="-122"/>
+              </a:rPr>
+              <a:t>intellij</a:t>
+            </a:r>
+            <a:r>
+              <a:rPr lang="hr-HR" altLang="zh-CN" b="1" dirty="0">
+                <a:solidFill>
+                  <a:schemeClr val="tx1">
+                    <a:lumMod val="65000"/>
+                    <a:lumOff val="35000"/>
+                  </a:schemeClr>
+                </a:solidFill>
+                <a:latin typeface="微软雅黑" panose="020B0503020204020204" pitchFamily="34" charset="-122"/>
+                <a:ea typeface="微软雅黑" panose="020B0503020204020204" pitchFamily="34" charset="-122"/>
+              </a:rPr>
+              <a:t> IEDA</a:t>
+            </a:r>
+          </a:p>
+          <a:p>
+            <a:r>
+              <a:rPr lang="zh-CN" altLang="hr-HR" b="1" dirty="0">
+                <a:solidFill>
+                  <a:schemeClr val="tx1">
+                    <a:lumMod val="65000"/>
+                    <a:lumOff val="35000"/>
+                  </a:schemeClr>
+                </a:solidFill>
+                <a:latin typeface="微软雅黑" panose="020B0503020204020204" pitchFamily="34" charset="-122"/>
+                <a:ea typeface="微软雅黑" panose="020B0503020204020204" pitchFamily="34" charset="-122"/>
+              </a:rPr>
+              <a:t>框架：</a:t>
+            </a:r>
+            <a:r>
+              <a:rPr lang="hr-HR" altLang="zh-CN" b="1" dirty="0">
+                <a:solidFill>
+                  <a:schemeClr val="tx1">
+                    <a:lumMod val="65000"/>
+                    <a:lumOff val="35000"/>
+                  </a:schemeClr>
+                </a:solidFill>
+                <a:latin typeface="微软雅黑" panose="020B0503020204020204" pitchFamily="34" charset="-122"/>
+                <a:ea typeface="微软雅黑" panose="020B0503020204020204" pitchFamily="34" charset="-122"/>
+              </a:rPr>
+              <a:t>SSH</a:t>
+            </a:r>
+          </a:p>
+          <a:p>
+            <a:r>
+              <a:rPr lang="zh-CN" altLang="hr-HR" b="1" dirty="0">
+                <a:solidFill>
+                  <a:schemeClr val="tx1">
+                    <a:lumMod val="65000"/>
+                    <a:lumOff val="35000"/>
+                  </a:schemeClr>
+                </a:solidFill>
+                <a:latin typeface="微软雅黑" panose="020B0503020204020204" pitchFamily="34" charset="-122"/>
+                <a:ea typeface="微软雅黑" panose="020B0503020204020204" pitchFamily="34" charset="-122"/>
+              </a:rPr>
+              <a:t>数据库：</a:t>
+            </a:r>
+            <a:r>
+              <a:rPr lang="hr-HR" altLang="zh-CN" b="1" dirty="0" err="1">
+                <a:solidFill>
+                  <a:schemeClr val="tx1">
+                    <a:lumMod val="65000"/>
+                    <a:lumOff val="35000"/>
+                  </a:schemeClr>
+                </a:solidFill>
+                <a:latin typeface="微软雅黑" panose="020B0503020204020204" pitchFamily="34" charset="-122"/>
+                <a:ea typeface="微软雅黑" panose="020B0503020204020204" pitchFamily="34" charset="-122"/>
+              </a:rPr>
+              <a:t>mysql</a:t>
+            </a:r>
+            <a:r>
+              <a:rPr lang="hr-HR" altLang="zh-CN" b="1" dirty="0">
+                <a:solidFill>
+                  <a:schemeClr val="tx1">
+                    <a:lumMod val="65000"/>
+                    <a:lumOff val="35000"/>
+                  </a:schemeClr>
+                </a:solidFill>
+                <a:latin typeface="微软雅黑" panose="020B0503020204020204" pitchFamily="34" charset="-122"/>
+                <a:ea typeface="微软雅黑" panose="020B0503020204020204" pitchFamily="34" charset="-122"/>
+              </a:rPr>
+              <a:t>, </a:t>
+            </a:r>
+            <a:r>
+              <a:rPr lang="hr-HR" altLang="zh-CN" b="1" dirty="0" err="1">
+                <a:solidFill>
+                  <a:schemeClr val="tx1">
+                    <a:lumMod val="65000"/>
+                    <a:lumOff val="35000"/>
+                  </a:schemeClr>
+                </a:solidFill>
+                <a:latin typeface="微软雅黑" panose="020B0503020204020204" pitchFamily="34" charset="-122"/>
+                <a:ea typeface="微软雅黑" panose="020B0503020204020204" pitchFamily="34" charset="-122"/>
+              </a:rPr>
+              <a:t>mongodb</a:t>
+            </a:r>
+            <a:endParaRPr lang="hr-HR" altLang="zh-CN" b="1" dirty="0">
+              <a:solidFill>
+                <a:schemeClr val="tx1">
+                  <a:lumMod val="65000"/>
+                  <a:lumOff val="35000"/>
+                </a:schemeClr>
+              </a:solidFill>
+              <a:latin typeface="微软雅黑" panose="020B0503020204020204" pitchFamily="34" charset="-122"/>
+              <a:ea typeface="微软雅黑" panose="020B0503020204020204" pitchFamily="34" charset="-122"/>
+            </a:endParaRPr>
+          </a:p>
+          <a:p>
+            <a:endParaRPr lang="en-US" altLang="zh-CN" b="1" dirty="0" smtClean="0">
+              <a:solidFill>
+                <a:schemeClr val="tx1">
+                  <a:lumMod val="65000"/>
+                  <a:lumOff val="35000"/>
+                </a:schemeClr>
+              </a:solidFill>
+              <a:latin typeface="微软雅黑" panose="020B0503020204020204" pitchFamily="34" charset="-122"/>
+              <a:ea typeface="微软雅黑" panose="020B0503020204020204" pitchFamily="34" charset="-122"/>
+            </a:endParaRPr>
+          </a:p>
+          <a:p>
+            <a:endParaRPr lang="en-US" b="1" dirty="0">
+              <a:latin typeface="微软雅黑" panose="020B0503020204020204" pitchFamily="34" charset="-122"/>
+              <a:ea typeface="微软雅黑" panose="020B0503020204020204" pitchFamily="34" charset="-122"/>
+            </a:endParaRPr>
+          </a:p>
+        </p:txBody>
+      </p:sp>
+    </p:spTree>
+    <p:extLst>
+      <p:ext uri="{BB962C8B-B14F-4D97-AF65-F5344CB8AC3E}">
+        <p14:creationId xmlns:p14="http://schemas.microsoft.com/office/powerpoint/2010/main" val="772267705"/>
+      </p:ext>
+    </p:extLst>
+  </p:cSld>
+  <p:clrMapOvr>
+    <a:masterClrMapping/>
+  </p:clrMapOvr>
+  <p:timing>
+    <p:tnLst>
+      <p:par>
+        <p:cTn id="1" dur="indefinite" restart="never" nodeType="tmRoot"/>
+      </p:par>
+    </p:tnLst>
+  </p:timing>
+</p:sld>
+</file>
+
+<file path=ppt/slides/slide18.xml><?xml version="1.0" encoding="utf-8"?>
+<p:sld xmlns:a="http://schemas.openxmlformats.org/drawingml/2006/main" xmlns:r="http://schemas.openxmlformats.org/officeDocument/2006/relationships" xmlns:p="http://schemas.openxmlformats.org/presentationml/2006/main">
+  <p:cSld>
+    <p:spTree>
+      <p:nvGrpSpPr>
+        <p:cNvPr id="1" name=""/>
+        <p:cNvGrpSpPr/>
+        <p:nvPr/>
+      </p:nvGrpSpPr>
+      <p:grpSpPr>
+        <a:xfrm>
+          <a:off x="0" y="0"/>
+          <a:ext cx="0" cy="0"/>
+          <a:chOff x="0" y="0"/>
+          <a:chExt cx="0" cy="0"/>
+        </a:xfrm>
+      </p:grpSpPr>
+      <p:sp>
+        <p:nvSpPr>
+          <p:cNvPr id="2" name="标题 1"/>
+          <p:cNvSpPr>
+            <a:spLocks noGrp="1"/>
+          </p:cNvSpPr>
+          <p:nvPr>
+            <p:ph type="title"/>
+          </p:nvPr>
+        </p:nvSpPr>
+        <p:spPr>
+          <a:xfrm>
+            <a:off x="628650" y="500062"/>
+            <a:ext cx="7886700" cy="1325563"/>
+          </a:xfrm>
+        </p:spPr>
+        <p:txBody>
+          <a:bodyPr/>
+          <a:lstStyle/>
+          <a:p>
+            <a:r>
+              <a:rPr lang="zh-CN" altLang="en-US" b="1" dirty="0">
+                <a:solidFill>
+                  <a:srgbClr val="0070C0"/>
+                </a:solidFill>
+                <a:latin typeface="微软雅黑" panose="020B0503020204020204" pitchFamily="34" charset="-122"/>
+                <a:ea typeface="微软雅黑" panose="020B0503020204020204" pitchFamily="34" charset="-122"/>
+              </a:rPr>
+              <a:t>物理架构图</a:t>
+            </a:r>
+            <a:endParaRPr lang="en-US" b="1" dirty="0">
+              <a:solidFill>
+                <a:srgbClr val="0070C0"/>
+              </a:solidFill>
+              <a:latin typeface="微软雅黑" panose="020B0503020204020204" pitchFamily="34" charset="-122"/>
+              <a:ea typeface="微软雅黑" panose="020B0503020204020204" pitchFamily="34" charset="-122"/>
+            </a:endParaRPr>
+          </a:p>
+        </p:txBody>
+      </p:sp>
+      <p:sp>
+        <p:nvSpPr>
+          <p:cNvPr id="4" name="内容占位符 3"/>
+          <p:cNvSpPr>
+            <a:spLocks noGrp="1"/>
+          </p:cNvSpPr>
+          <p:nvPr>
+            <p:ph idx="1"/>
+          </p:nvPr>
+        </p:nvSpPr>
+        <p:spPr/>
+        <p:txBody>
+          <a:bodyPr/>
+          <a:lstStyle/>
+          <a:p>
+            <a:endParaRPr kumimoji="1" lang="zh-CN" altLang="en-US"/>
+          </a:p>
+        </p:txBody>
+      </p:sp>
+      <p:sp>
+        <p:nvSpPr>
+          <p:cNvPr id="5" name="Rectangle 2"/>
+          <p:cNvSpPr>
+            <a:spLocks noChangeArrowheads="1"/>
+          </p:cNvSpPr>
+          <p:nvPr/>
+        </p:nvSpPr>
+        <p:spPr bwMode="auto">
+          <a:xfrm flipV="1">
+            <a:off x="449356" y="2648981"/>
+            <a:ext cx="13124977" cy="59253"/>
+          </a:xfrm>
+          <a:prstGeom prst="rect">
+            <a:avLst/>
+          </a:prstGeom>
+          <a:noFill/>
+          <a:ln>
+            <a:noFill/>
+          </a:ln>
+          <a:effectLst/>
+          <a:extLst>
+            <a:ext uri="{909E8E84-426E-40DD-AFC4-6F175D3DCCD1}">
+              <a14:hiddenFill xmlns:a14="http://schemas.microsoft.com/office/drawing/2010/main">
+                <a:solidFill>
+                  <a:schemeClr val="accent1"/>
+                </a:solidFill>
+              </a14:hiddenFill>
+            </a:ext>
+            <a:ext uri="{91240B29-F687-4F45-9708-019B960494DF}">
+              <a14:hiddenLine xmlns:a14="http://schemas.microsoft.com/office/drawing/2010/main" w="9525">
+                <a:solidFill>
+                  <a:schemeClr val="tx1"/>
+                </a:solidFill>
+                <a:miter lim="800000"/>
+                <a:headEnd/>
+                <a:tailEnd/>
+              </a14:hiddenLine>
+            </a:ext>
+            <a:ext uri="{AF507438-7753-43E0-B8FC-AC1667EBCBE1}">
+              <a14:hiddenEffects xmlns:a14="http://schemas.microsoft.com/office/drawing/2010/main">
+                <a:effectLst>
+                  <a:outerShdw blurRad="63500" dist="38099" dir="2700000" algn="ctr" rotWithShape="0">
+                    <a:schemeClr val="bg2">
+                      <a:alpha val="74998"/>
+                    </a:schemeClr>
+                  </a:outerShdw>
+                </a:effectLst>
+              </a14:hiddenEffects>
+            </a:ext>
+          </a:extLst>
+        </p:spPr>
+        <p:txBody>
+          <a:bodyPr vert="horz" wrap="square" lIns="91440" tIns="45720" rIns="91440" bIns="45720" numCol="1" anchor="ctr" anchorCtr="0" compatLnSpc="1">
+            <a:prstTxWarp prst="textNoShape">
+              <a:avLst/>
+            </a:prstTxWarp>
+            <a:spAutoFit/>
+          </a:bodyPr>
+          <a:lstStyle/>
+          <a:p>
+            <a:endParaRPr lang="zh-CN" altLang="en-US"/>
+          </a:p>
+        </p:txBody>
+      </p:sp>
+      <p:pic>
+        <p:nvPicPr>
+          <p:cNvPr id="1025" name="Picture 1" descr="屏幕快照%202017-06-04%2023"/>
+          <p:cNvPicPr>
+            <a:picLocks noChangeAspect="1" noChangeArrowheads="1"/>
+          </p:cNvPicPr>
+          <p:nvPr/>
+        </p:nvPicPr>
+        <p:blipFill>
+          <a:blip r:embed="rId2">
+            <a:extLst>
+              <a:ext uri="{28A0092B-C50C-407E-A947-70E740481C1C}">
+                <a14:useLocalDpi xmlns:a14="http://schemas.microsoft.com/office/drawing/2010/main" val="0"/>
+              </a:ext>
+            </a:extLst>
+          </a:blip>
+          <a:srcRect/>
+          <a:stretch>
+            <a:fillRect/>
+          </a:stretch>
+        </p:blipFill>
+        <p:spPr bwMode="auto">
+          <a:xfrm>
+            <a:off x="449356" y="266980"/>
+            <a:ext cx="8456873" cy="6357938"/>
+          </a:xfrm>
+          <a:prstGeom prst="rect">
+            <a:avLst/>
+          </a:prstGeom>
+          <a:noFill/>
+          <a:extLst>
+            <a:ext uri="{909E8E84-426E-40DD-AFC4-6F175D3DCCD1}">
+              <a14:hiddenFill xmlns:a14="http://schemas.microsoft.com/office/drawing/2010/main">
+                <a:solidFill>
+                  <a:srgbClr val="FFFFFF"/>
+                </a:solidFill>
+              </a14:hiddenFill>
+            </a:ext>
+          </a:extLst>
+        </p:spPr>
+      </p:pic>
+    </p:spTree>
+    <p:extLst>
+      <p:ext uri="{BB962C8B-B14F-4D97-AF65-F5344CB8AC3E}">
+        <p14:creationId xmlns:p14="http://schemas.microsoft.com/office/powerpoint/2010/main" val="1694429173"/>
+      </p:ext>
+    </p:extLst>
+  </p:cSld>
+  <p:clrMapOvr>
+    <a:masterClrMapping/>
+  </p:clrMapOvr>
+  <p:timing>
+    <p:tnLst>
+      <p:par>
+        <p:cTn id="1" dur="indefinite" restart="never" nodeType="tmRoot">
+          <p:childTnLst>
+            <p:seq concurrent="1" nextAc="seek">
+              <p:cTn id="2" dur="indefinite" nodeType="mainSeq">
+                <p:childTnLst>
+                  <p:par>
+                    <p:cTn id="3" fill="hold">
+                      <p:stCondLst>
+                        <p:cond delay="indefinite"/>
+                      </p:stCondLst>
+                      <p:childTnLst>
+                        <p:par>
+                          <p:cTn id="4" fill="hold">
+                            <p:stCondLst>
+                              <p:cond delay="0"/>
+                            </p:stCondLst>
+                            <p:childTnLst>
+                              <p:par>
+                                <p:cTn id="5" presetID="2" presetClass="entr" presetSubtype="4" fill="hold" grpId="0" nodeType="clickEffect" nodePh="1">
+                                  <p:stCondLst>
+                                    <p:cond delay="0"/>
+                                  </p:stCondLst>
+                                  <p:endCondLst>
+                                    <p:cond evt="begin" delay="0">
+                                      <p:tn val="5"/>
+                                    </p:cond>
+                                  </p:endCondLst>
+                                  <p:childTnLst>
+                                    <p:set>
+                                      <p:cBhvr>
+                                        <p:cTn id="6" dur="1" fill="hold">
+                                          <p:stCondLst>
+                                            <p:cond delay="0"/>
+                                          </p:stCondLst>
+                                        </p:cTn>
+                                        <p:tgtEl>
+                                          <p:spTgt spid="5"/>
+                                        </p:tgtEl>
+                                        <p:attrNameLst>
+                                          <p:attrName>style.visibility</p:attrName>
+                                        </p:attrNameLst>
+                                      </p:cBhvr>
+                                      <p:to>
+                                        <p:strVal val="visible"/>
+                                      </p:to>
+                                    </p:set>
+                                    <p:anim calcmode="lin" valueType="num">
+                                      <p:cBhvr additive="base">
+                                        <p:cTn id="7" dur="500" fill="hold"/>
+                                        <p:tgtEl>
+                                          <p:spTgt spid="5"/>
+                                        </p:tgtEl>
+                                        <p:attrNameLst>
+                                          <p:attrName>ppt_x</p:attrName>
+                                        </p:attrNameLst>
+                                      </p:cBhvr>
+                                      <p:tavLst>
+                                        <p:tav tm="0">
+                                          <p:val>
+                                            <p:strVal val="#ppt_x"/>
+                                          </p:val>
+                                        </p:tav>
+                                        <p:tav tm="100000">
+                                          <p:val>
+                                            <p:strVal val="#ppt_x"/>
+                                          </p:val>
+                                        </p:tav>
+                                      </p:tavLst>
+                                    </p:anim>
+                                    <p:anim calcmode="lin" valueType="num">
+                                      <p:cBhvr additive="base">
+                                        <p:cTn id="8" dur="500" fill="hold"/>
+                                        <p:tgtEl>
+                                          <p:spTgt spid="5"/>
+                                        </p:tgtEl>
+                                        <p:attrNameLst>
+                                          <p:attrName>ppt_y</p:attrName>
+                                        </p:attrNameLst>
+                                      </p:cBhvr>
+                                      <p:tavLst>
+                                        <p:tav tm="0">
+                                          <p:val>
+                                            <p:strVal val="1+#ppt_h/2"/>
+                                          </p:val>
+                                        </p:tav>
+                                        <p:tav tm="100000">
+                                          <p:val>
+                                            <p:strVal val="#ppt_y"/>
+                                          </p:val>
+                                        </p:tav>
+                                      </p:tavLst>
+                                    </p:anim>
+                                  </p:childTnLst>
+                                </p:cTn>
+                              </p:par>
+                              <p:par>
+                                <p:cTn id="9" presetID="2" presetClass="entr" presetSubtype="4" fill="hold" nodeType="withEffect">
+                                  <p:stCondLst>
+                                    <p:cond delay="0"/>
+                                  </p:stCondLst>
+                                  <p:childTnLst>
+                                    <p:set>
+                                      <p:cBhvr>
+                                        <p:cTn id="10" dur="1" fill="hold">
+                                          <p:stCondLst>
+                                            <p:cond delay="0"/>
+                                          </p:stCondLst>
+                                        </p:cTn>
+                                        <p:tgtEl>
+                                          <p:spTgt spid="1025"/>
+                                        </p:tgtEl>
+                                        <p:attrNameLst>
+                                          <p:attrName>style.visibility</p:attrName>
+                                        </p:attrNameLst>
+                                      </p:cBhvr>
+                                      <p:to>
+                                        <p:strVal val="visible"/>
+                                      </p:to>
+                                    </p:set>
+                                    <p:anim calcmode="lin" valueType="num">
+                                      <p:cBhvr additive="base">
+                                        <p:cTn id="11" dur="500" fill="hold"/>
+                                        <p:tgtEl>
+                                          <p:spTgt spid="1025"/>
+                                        </p:tgtEl>
+                                        <p:attrNameLst>
+                                          <p:attrName>ppt_x</p:attrName>
+                                        </p:attrNameLst>
+                                      </p:cBhvr>
+                                      <p:tavLst>
+                                        <p:tav tm="0">
+                                          <p:val>
+                                            <p:strVal val="#ppt_x"/>
+                                          </p:val>
+                                        </p:tav>
+                                        <p:tav tm="100000">
+                                          <p:val>
+                                            <p:strVal val="#ppt_x"/>
+                                          </p:val>
+                                        </p:tav>
+                                      </p:tavLst>
+                                    </p:anim>
+                                    <p:anim calcmode="lin" valueType="num">
+                                      <p:cBhvr additive="base">
+                                        <p:cTn id="12" dur="500" fill="hold"/>
+                                        <p:tgtEl>
+                                          <p:spTgt spid="1025"/>
+                                        </p:tgtEl>
+                                        <p:attrNameLst>
+                                          <p:attrName>ppt_y</p:attrName>
+                                        </p:attrNameLst>
+                                      </p:cBhvr>
+                                      <p:tavLst>
+                                        <p:tav tm="0">
+                                          <p:val>
+                                            <p:strVal val="1+#ppt_h/2"/>
+                                          </p:val>
+                                        </p:tav>
+                                        <p:tav tm="100000">
+                                          <p:val>
+                                            <p:strVal val="#ppt_y"/>
+                                          </p:val>
+                                        </p:tav>
+                                      </p:tavLst>
+                                    </p:anim>
+                                  </p:childTnLst>
+                                </p:cTn>
+                              </p:par>
+                            </p:childTnLst>
+                          </p:cTn>
+                        </p:par>
+                      </p:childTnLst>
+                    </p:cTn>
+                  </p:par>
+                </p:childTnLst>
+              </p:cTn>
+              <p:prevCondLst>
+                <p:cond evt="onPrev" delay="0">
+                  <p:tgtEl>
+                    <p:sldTgt/>
+                  </p:tgtEl>
+                </p:cond>
+              </p:prevCondLst>
+              <p:nextCondLst>
+                <p:cond evt="onNext" delay="0">
+                  <p:tgtEl>
+                    <p:sldTgt/>
+                  </p:tgtEl>
+                </p:cond>
+              </p:nextCondLst>
+            </p:seq>
+          </p:childTnLst>
+        </p:cTn>
+      </p:par>
+    </p:tnLst>
+    <p:bldLst>
+      <p:bldP spid="5" grpId="0"/>
+    </p:bldLst>
+  </p:timing>
+</p:sld>
+</file>
+
+<file path=ppt/slides/slide19.xml><?xml version="1.0" encoding="utf-8"?>
+<p:sld xmlns:a="http://schemas.openxmlformats.org/drawingml/2006/main" xmlns:r="http://schemas.openxmlformats.org/officeDocument/2006/relationships" xmlns:p="http://schemas.openxmlformats.org/presentationml/2006/main">
+  <p:cSld>
+    <p:spTree>
+      <p:nvGrpSpPr>
+        <p:cNvPr id="1" name=""/>
+        <p:cNvGrpSpPr/>
+        <p:nvPr/>
+      </p:nvGrpSpPr>
+      <p:grpSpPr>
+        <a:xfrm>
+          <a:off x="0" y="0"/>
+          <a:ext cx="0" cy="0"/>
+          <a:chOff x="0" y="0"/>
+          <a:chExt cx="0" cy="0"/>
+        </a:xfrm>
+      </p:grpSpPr>
+      <p:sp>
+        <p:nvSpPr>
+          <p:cNvPr id="2" name="标题 1"/>
+          <p:cNvSpPr>
+            <a:spLocks noGrp="1"/>
+          </p:cNvSpPr>
+          <p:nvPr>
+            <p:ph type="title"/>
+          </p:nvPr>
+        </p:nvSpPr>
+        <p:spPr>
+          <a:xfrm>
+            <a:off x="628650" y="500062"/>
+            <a:ext cx="7886700" cy="1325563"/>
+          </a:xfrm>
+        </p:spPr>
+        <p:txBody>
+          <a:bodyPr/>
+          <a:lstStyle/>
+          <a:p>
+            <a:r>
+              <a:rPr lang="zh-CN" altLang="en-US" b="1" dirty="0">
+                <a:solidFill>
+                  <a:srgbClr val="0070C0"/>
+                </a:solidFill>
+                <a:latin typeface="微软雅黑" panose="020B0503020204020204" pitchFamily="34" charset="-122"/>
+                <a:ea typeface="微软雅黑" panose="020B0503020204020204" pitchFamily="34" charset="-122"/>
+              </a:rPr>
+              <a:t>逻辑架构图 </a:t>
+            </a:r>
+            <a:endParaRPr lang="en-US" b="1" dirty="0">
+              <a:solidFill>
+                <a:srgbClr val="0070C0"/>
+              </a:solidFill>
+              <a:latin typeface="微软雅黑" panose="020B0503020204020204" pitchFamily="34" charset="-122"/>
+              <a:ea typeface="微软雅黑" panose="020B0503020204020204" pitchFamily="34" charset="-122"/>
+            </a:endParaRPr>
+          </a:p>
+        </p:txBody>
+      </p:sp>
+      <p:sp>
+        <p:nvSpPr>
+          <p:cNvPr id="4" name="内容占位符 3"/>
+          <p:cNvSpPr>
+            <a:spLocks noGrp="1"/>
+          </p:cNvSpPr>
+          <p:nvPr>
+            <p:ph idx="1"/>
+          </p:nvPr>
+        </p:nvSpPr>
+        <p:spPr>
+          <a:xfrm>
+            <a:off x="887063" y="2711298"/>
+            <a:ext cx="12593014" cy="7067194"/>
+          </a:xfrm>
+        </p:spPr>
+        <p:txBody>
+          <a:bodyPr/>
+          <a:lstStyle/>
+          <a:p>
+            <a:endParaRPr kumimoji="1" lang="zh-CN" altLang="en-US" dirty="0"/>
+          </a:p>
+        </p:txBody>
+      </p:sp>
+      <p:sp>
+        <p:nvSpPr>
+          <p:cNvPr id="5" name="Rectangle 2"/>
+          <p:cNvSpPr>
+            <a:spLocks noChangeArrowheads="1"/>
+          </p:cNvSpPr>
+          <p:nvPr/>
+        </p:nvSpPr>
+        <p:spPr bwMode="auto">
+          <a:xfrm flipV="1">
+            <a:off x="449356" y="2648981"/>
+            <a:ext cx="13124977" cy="59253"/>
+          </a:xfrm>
+          <a:prstGeom prst="rect">
+            <a:avLst/>
+          </a:prstGeom>
+          <a:noFill/>
+          <a:ln>
+            <a:noFill/>
+          </a:ln>
+          <a:effectLst/>
+          <a:extLst>
+            <a:ext uri="{909E8E84-426E-40DD-AFC4-6F175D3DCCD1}">
+              <a14:hiddenFill xmlns:a14="http://schemas.microsoft.com/office/drawing/2010/main">
+                <a:solidFill>
+                  <a:schemeClr val="accent1"/>
+                </a:solidFill>
+              </a14:hiddenFill>
+            </a:ext>
+            <a:ext uri="{91240B29-F687-4F45-9708-019B960494DF}">
+              <a14:hiddenLine xmlns:a14="http://schemas.microsoft.com/office/drawing/2010/main" w="9525">
+                <a:solidFill>
+                  <a:schemeClr val="tx1"/>
+                </a:solidFill>
+                <a:miter lim="800000"/>
+                <a:headEnd/>
+                <a:tailEnd/>
+              </a14:hiddenLine>
+            </a:ext>
+            <a:ext uri="{AF507438-7753-43E0-B8FC-AC1667EBCBE1}">
+              <a14:hiddenEffects xmlns:a14="http://schemas.microsoft.com/office/drawing/2010/main">
+                <a:effectLst>
+                  <a:outerShdw blurRad="63500" dist="38099" dir="2700000" algn="ctr" rotWithShape="0">
+                    <a:schemeClr val="bg2">
+                      <a:alpha val="74998"/>
+                    </a:schemeClr>
+                  </a:outerShdw>
+                </a:effectLst>
+              </a14:hiddenEffects>
+            </a:ext>
+          </a:extLst>
+        </p:spPr>
+        <p:txBody>
+          <a:bodyPr vert="horz" wrap="square" lIns="91440" tIns="45720" rIns="91440" bIns="45720" numCol="1" anchor="ctr" anchorCtr="0" compatLnSpc="1">
+            <a:prstTxWarp prst="textNoShape">
+              <a:avLst/>
+            </a:prstTxWarp>
+            <a:spAutoFit/>
+          </a:bodyPr>
+          <a:lstStyle/>
+          <a:p>
+            <a:endParaRPr lang="zh-CN" altLang="en-US"/>
+          </a:p>
+        </p:txBody>
+      </p:sp>
+      <p:sp>
+        <p:nvSpPr>
+          <p:cNvPr id="3" name="Rectangle 2"/>
+          <p:cNvSpPr>
+            <a:spLocks noChangeArrowheads="1"/>
+          </p:cNvSpPr>
+          <p:nvPr/>
+        </p:nvSpPr>
+        <p:spPr bwMode="auto">
+          <a:xfrm flipV="1">
+            <a:off x="258413" y="3596859"/>
+            <a:ext cx="14600595" cy="50385"/>
+          </a:xfrm>
+          <a:prstGeom prst="rect">
+            <a:avLst/>
+          </a:prstGeom>
+          <a:noFill/>
+          <a:ln>
+            <a:noFill/>
+          </a:ln>
+          <a:effectLst/>
+          <a:extLst>
+            <a:ext uri="{909E8E84-426E-40DD-AFC4-6F175D3DCCD1}">
+              <a14:hiddenFill xmlns:a14="http://schemas.microsoft.com/office/drawing/2010/main">
+                <a:solidFill>
+                  <a:schemeClr val="accent1"/>
+                </a:solidFill>
+              </a14:hiddenFill>
+            </a:ext>
+            <a:ext uri="{91240B29-F687-4F45-9708-019B960494DF}">
+              <a14:hiddenLine xmlns:a14="http://schemas.microsoft.com/office/drawing/2010/main" w="9525">
+                <a:solidFill>
+                  <a:schemeClr val="tx1"/>
+                </a:solidFill>
+                <a:miter lim="800000"/>
+                <a:headEnd/>
+                <a:tailEnd/>
+              </a14:hiddenLine>
+            </a:ext>
+            <a:ext uri="{AF507438-7753-43E0-B8FC-AC1667EBCBE1}">
+              <a14:hiddenEffects xmlns:a14="http://schemas.microsoft.com/office/drawing/2010/main">
+                <a:effectLst>
+                  <a:outerShdw blurRad="63500" dist="38099" dir="2700000" algn="ctr" rotWithShape="0">
+                    <a:schemeClr val="bg2">
+                      <a:alpha val="74998"/>
+                    </a:schemeClr>
+                  </a:outerShdw>
+                </a:effectLst>
+              </a14:hiddenEffects>
+            </a:ext>
+          </a:extLst>
+        </p:spPr>
+        <p:txBody>
+          <a:bodyPr vert="horz" wrap="square" lIns="91440" tIns="45720" rIns="91440" bIns="45720" numCol="1" anchor="ctr" anchorCtr="0" compatLnSpc="1">
+            <a:prstTxWarp prst="textNoShape">
+              <a:avLst/>
+            </a:prstTxWarp>
+            <a:spAutoFit/>
+          </a:bodyPr>
+          <a:lstStyle/>
+          <a:p>
+            <a:endParaRPr lang="zh-CN" altLang="en-US"/>
+          </a:p>
+        </p:txBody>
+      </p:sp>
+      <p:pic>
+        <p:nvPicPr>
+          <p:cNvPr id="6" name="图片 5"/>
+          <p:cNvPicPr>
+            <a:picLocks noChangeAspect="1"/>
+          </p:cNvPicPr>
+          <p:nvPr/>
+        </p:nvPicPr>
+        <p:blipFill>
+          <a:blip r:embed="rId2"/>
+          <a:stretch>
+            <a:fillRect/>
+          </a:stretch>
+        </p:blipFill>
+        <p:spPr>
+          <a:xfrm>
+            <a:off x="633222" y="1601560"/>
+            <a:ext cx="7882128" cy="4853045"/>
+          </a:xfrm>
+          <a:prstGeom prst="rect">
+            <a:avLst/>
+          </a:prstGeom>
+        </p:spPr>
+      </p:pic>
+    </p:spTree>
+    <p:extLst>
+      <p:ext uri="{BB962C8B-B14F-4D97-AF65-F5344CB8AC3E}">
+        <p14:creationId xmlns:p14="http://schemas.microsoft.com/office/powerpoint/2010/main" val="432350082"/>
+      </p:ext>
+    </p:extLst>
+  </p:cSld>
+  <p:clrMapOvr>
+    <a:masterClrMapping/>
+  </p:clrMapOvr>
+  <p:timing>
+    <p:tnLst>
+      <p:par>
+        <p:cTn id="1" dur="indefinite" restart="never" nodeType="tmRoot">
+          <p:childTnLst>
+            <p:seq concurrent="1" nextAc="seek">
+              <p:cTn id="2" dur="indefinite" nodeType="mainSeq">
+                <p:childTnLst>
+                  <p:par>
+                    <p:cTn id="3" fill="hold">
+                      <p:stCondLst>
+                        <p:cond delay="indefinite"/>
+                      </p:stCondLst>
+                      <p:childTnLst>
+                        <p:par>
+                          <p:cTn id="4" fill="hold">
+                            <p:stCondLst>
+                              <p:cond delay="0"/>
+                            </p:stCondLst>
+                            <p:childTnLst>
+                              <p:par>
+                                <p:cTn id="5" presetID="2" presetClass="entr" presetSubtype="4" fill="hold" grpId="0" nodeType="clickEffect" nodePh="1">
+                                  <p:stCondLst>
+                                    <p:cond delay="0"/>
+                                  </p:stCondLst>
+                                  <p:endCondLst>
+                                    <p:cond evt="begin" delay="0">
+                                      <p:tn val="5"/>
+                                    </p:cond>
+                                  </p:endCondLst>
+                                  <p:childTnLst>
+                                    <p:set>
+                                      <p:cBhvr>
+                                        <p:cTn id="6" dur="1" fill="hold">
+                                          <p:stCondLst>
+                                            <p:cond delay="0"/>
+                                          </p:stCondLst>
+                                        </p:cTn>
+                                        <p:tgtEl>
+                                          <p:spTgt spid="5"/>
+                                        </p:tgtEl>
+                                        <p:attrNameLst>
+                                          <p:attrName>style.visibility</p:attrName>
+                                        </p:attrNameLst>
+                                      </p:cBhvr>
+                                      <p:to>
+                                        <p:strVal val="visible"/>
+                                      </p:to>
+                                    </p:set>
+                                    <p:anim calcmode="lin" valueType="num">
+                                      <p:cBhvr additive="base">
+                                        <p:cTn id="7" dur="500" fill="hold"/>
+                                        <p:tgtEl>
+                                          <p:spTgt spid="5"/>
+                                        </p:tgtEl>
+                                        <p:attrNameLst>
+                                          <p:attrName>ppt_x</p:attrName>
+                                        </p:attrNameLst>
+                                      </p:cBhvr>
+                                      <p:tavLst>
+                                        <p:tav tm="0">
+                                          <p:val>
+                                            <p:strVal val="#ppt_x"/>
+                                          </p:val>
+                                        </p:tav>
+                                        <p:tav tm="100000">
+                                          <p:val>
+                                            <p:strVal val="#ppt_x"/>
+                                          </p:val>
+                                        </p:tav>
+                                      </p:tavLst>
+                                    </p:anim>
+                                    <p:anim calcmode="lin" valueType="num">
+                                      <p:cBhvr additive="base">
+                                        <p:cTn id="8" dur="500" fill="hold"/>
+                                        <p:tgtEl>
+                                          <p:spTgt spid="5"/>
+                                        </p:tgtEl>
+                                        <p:attrNameLst>
+                                          <p:attrName>ppt_y</p:attrName>
+                                        </p:attrNameLst>
+                                      </p:cBhvr>
+                                      <p:tavLst>
+                                        <p:tav tm="0">
+                                          <p:val>
+                                            <p:strVal val="1+#ppt_h/2"/>
+                                          </p:val>
+                                        </p:tav>
+                                        <p:tav tm="100000">
+                                          <p:val>
+                                            <p:strVal val="#ppt_y"/>
+                                          </p:val>
+                                        </p:tav>
+                                      </p:tavLst>
+                                    </p:anim>
+                                  </p:childTnLst>
+                                </p:cTn>
+                              </p:par>
+                            </p:childTnLst>
+                          </p:cTn>
+                        </p:par>
+                      </p:childTnLst>
+                    </p:cTn>
+                  </p:par>
+                </p:childTnLst>
+              </p:cTn>
+              <p:prevCondLst>
+                <p:cond evt="onPrev" delay="0">
+                  <p:tgtEl>
+                    <p:sldTgt/>
+                  </p:tgtEl>
+                </p:cond>
+              </p:prevCondLst>
+              <p:nextCondLst>
+                <p:cond evt="onNext" delay="0">
+                  <p:tgtEl>
+                    <p:sldTgt/>
+                  </p:tgtEl>
+                </p:cond>
+              </p:nextCondLst>
+            </p:seq>
+          </p:childTnLst>
+        </p:cTn>
+      </p:par>
+    </p:tnLst>
+    <p:bldLst>
+      <p:bldP spid="5" grpId="0"/>
+    </p:bldLst>
+  </p:timing>
+</p:sld>
+</file>
+
+<file path=ppt/slides/slide2.xml><?xml version="1.0" encoding="utf-8"?>
+<p:sld xmlns:a="http://schemas.openxmlformats.org/drawingml/2006/main" xmlns:r="http://schemas.openxmlformats.org/officeDocument/2006/relationships" xmlns:p="http://schemas.openxmlformats.org/presentationml/2006/main">
+  <p:cSld>
+    <p:spTree>
+      <p:nvGrpSpPr>
+        <p:cNvPr id="1" name=""/>
+        <p:cNvGrpSpPr/>
+        <p:nvPr/>
+      </p:nvGrpSpPr>
+      <p:grpSpPr>
+        <a:xfrm>
+          <a:off x="0" y="0"/>
+          <a:ext cx="0" cy="0"/>
+          <a:chOff x="0" y="0"/>
+          <a:chExt cx="0" cy="0"/>
+        </a:xfrm>
+      </p:grpSpPr>
+      <p:sp>
+        <p:nvSpPr>
+          <p:cNvPr id="2" name="标题 1"/>
+          <p:cNvSpPr>
+            <a:spLocks noGrp="1"/>
+          </p:cNvSpPr>
+          <p:nvPr>
+            <p:ph type="title"/>
+          </p:nvPr>
+        </p:nvSpPr>
+        <p:spPr/>
+        <p:txBody>
+          <a:bodyPr/>
+          <a:lstStyle/>
+          <a:p>
+            <a:r>
+              <a:rPr lang="zh-CN" altLang="en-US" b="1" dirty="0" smtClean="0">
+                <a:solidFill>
+                  <a:srgbClr val="0070C0"/>
+                </a:solidFill>
+                <a:latin typeface="微软雅黑" panose="020B0503020204020204" pitchFamily="34" charset="-122"/>
+                <a:ea typeface="微软雅黑" panose="020B0503020204020204" pitchFamily="34" charset="-122"/>
+              </a:rPr>
+              <a:t>项目简介</a:t>
+            </a:r>
+            <a:endParaRPr lang="en-US" b="1" dirty="0">
+              <a:solidFill>
+                <a:srgbClr val="0070C0"/>
+              </a:solidFill>
+              <a:latin typeface="微软雅黑" panose="020B0503020204020204" pitchFamily="34" charset="-122"/>
+              <a:ea typeface="微软雅黑" panose="020B0503020204020204" pitchFamily="34" charset="-122"/>
+            </a:endParaRPr>
+          </a:p>
+        </p:txBody>
+      </p:sp>
+      <p:sp>
+        <p:nvSpPr>
+          <p:cNvPr id="3" name="内容占位符 2"/>
+          <p:cNvSpPr>
+            <a:spLocks noGrp="1"/>
+          </p:cNvSpPr>
+          <p:nvPr>
+            <p:ph idx="1"/>
+          </p:nvPr>
+        </p:nvSpPr>
+        <p:spPr/>
+        <p:txBody>
+          <a:bodyPr>
+            <a:normAutofit fontScale="62500" lnSpcReduction="20000"/>
+          </a:bodyPr>
+          <a:lstStyle/>
+          <a:p>
+            <a:pPr>
+              <a:lnSpc>
+                <a:spcPct val="120000"/>
+              </a:lnSpc>
+            </a:pPr>
+            <a:r>
+              <a:rPr lang="zh-CN" altLang="en-US" b="1" dirty="0">
+                <a:solidFill>
+                  <a:schemeClr val="tx1">
+                    <a:lumMod val="65000"/>
+                    <a:lumOff val="35000"/>
+                  </a:schemeClr>
+                </a:solidFill>
+                <a:latin typeface="微软雅黑" panose="020B0503020204020204" pitchFamily="34" charset="-122"/>
+                <a:ea typeface="微软雅黑" panose="020B0503020204020204" pitchFamily="34" charset="-122"/>
+              </a:rPr>
+              <a:t>项目的背景：</a:t>
+            </a:r>
+          </a:p>
+          <a:p>
+            <a:pPr>
+              <a:lnSpc>
+                <a:spcPct val="120000"/>
+              </a:lnSpc>
+            </a:pPr>
+            <a:r>
+              <a:rPr lang="zh-CN" altLang="en-US" b="1" dirty="0">
+                <a:solidFill>
+                  <a:schemeClr val="tx1">
+                    <a:lumMod val="65000"/>
+                    <a:lumOff val="35000"/>
+                  </a:schemeClr>
+                </a:solidFill>
+                <a:latin typeface="微软雅黑" panose="020B0503020204020204" pitchFamily="34" charset="-122"/>
+                <a:ea typeface="微软雅黑" panose="020B0503020204020204" pitchFamily="34" charset="-122"/>
+              </a:rPr>
+              <a:t>当今社会对数据的需求量越来越大，而其中有一个定向的获取方式就是填写问卷，进行抽样调查。为了从一定范围内获取足以对某方面相关状况进行分析的信息，我们常常就需要进行问卷调查。然而使用纸质问卷手工填写、录入，人工进行分析，既不方便又耗时耗力。因此，我们希望设计开发一个问卷调查网站，以方便进行各种不同的问卷调查</a:t>
+            </a:r>
+            <a:r>
+              <a:rPr lang="zh-CN" altLang="en-US" b="1" dirty="0" smtClean="0">
+                <a:solidFill>
+                  <a:schemeClr val="tx1">
+                    <a:lumMod val="65000"/>
+                    <a:lumOff val="35000"/>
+                  </a:schemeClr>
+                </a:solidFill>
+                <a:latin typeface="微软雅黑" panose="020B0503020204020204" pitchFamily="34" charset="-122"/>
+                <a:ea typeface="微软雅黑" panose="020B0503020204020204" pitchFamily="34" charset="-122"/>
+              </a:rPr>
+              <a:t>。</a:t>
+            </a:r>
+            <a:endParaRPr lang="en-US" altLang="zh-CN" b="1" dirty="0" smtClean="0">
+              <a:solidFill>
+                <a:schemeClr val="tx1">
+                  <a:lumMod val="65000"/>
+                  <a:lumOff val="35000"/>
+                </a:schemeClr>
+              </a:solidFill>
+              <a:latin typeface="微软雅黑" panose="020B0503020204020204" pitchFamily="34" charset="-122"/>
+              <a:ea typeface="微软雅黑" panose="020B0503020204020204" pitchFamily="34" charset="-122"/>
+            </a:endParaRPr>
+          </a:p>
+          <a:p>
+            <a:pPr>
+              <a:lnSpc>
+                <a:spcPct val="120000"/>
+              </a:lnSpc>
+            </a:pPr>
+            <a:endParaRPr lang="zh-CN" altLang="en-US" b="1" dirty="0">
+              <a:solidFill>
+                <a:schemeClr val="tx1">
+                  <a:lumMod val="65000"/>
+                  <a:lumOff val="35000"/>
+                </a:schemeClr>
+              </a:solidFill>
+              <a:latin typeface="微软雅黑" panose="020B0503020204020204" pitchFamily="34" charset="-122"/>
+              <a:ea typeface="微软雅黑" panose="020B0503020204020204" pitchFamily="34" charset="-122"/>
+            </a:endParaRPr>
+          </a:p>
+          <a:p>
+            <a:pPr>
+              <a:lnSpc>
+                <a:spcPct val="120000"/>
+              </a:lnSpc>
+            </a:pPr>
+            <a:r>
+              <a:rPr lang="zh-CN" altLang="en-US" b="1" dirty="0">
+                <a:solidFill>
+                  <a:schemeClr val="tx1">
+                    <a:lumMod val="65000"/>
+                    <a:lumOff val="35000"/>
+                  </a:schemeClr>
+                </a:solidFill>
+                <a:latin typeface="微软雅黑" panose="020B0503020204020204" pitchFamily="34" charset="-122"/>
+                <a:ea typeface="微软雅黑" panose="020B0503020204020204" pitchFamily="34" charset="-122"/>
+              </a:rPr>
+              <a:t>项目的意义：</a:t>
+            </a:r>
+          </a:p>
+          <a:p>
+            <a:pPr>
+              <a:lnSpc>
+                <a:spcPct val="120000"/>
+              </a:lnSpc>
+            </a:pPr>
+            <a:r>
+              <a:rPr lang="zh-CN" altLang="en-US" b="1" dirty="0">
+                <a:solidFill>
+                  <a:schemeClr val="tx1">
+                    <a:lumMod val="65000"/>
+                    <a:lumOff val="35000"/>
+                  </a:schemeClr>
+                </a:solidFill>
+                <a:latin typeface="微软雅黑" panose="020B0503020204020204" pitchFamily="34" charset="-122"/>
+                <a:ea typeface="微软雅黑" panose="020B0503020204020204" pitchFamily="34" charset="-122"/>
+              </a:rPr>
+              <a:t>针对传统手工纸质问卷需要纸张打印、找人填写比较麻烦、手工分析工作量大的不足，我们希望通过使用网上填问卷的方式，利用直接网上的信息登记解决第一、第二个问题，通过机器对问卷的统计代替人工解决第三个问题，使问卷调查变得更高效；收录用户的问卷统计信息，作为数据资源</a:t>
+            </a:r>
+            <a:r>
+              <a:rPr lang="zh-CN" altLang="en-US" b="1" dirty="0" smtClean="0">
+                <a:solidFill>
+                  <a:schemeClr val="tx1">
+                    <a:lumMod val="65000"/>
+                    <a:lumOff val="35000"/>
+                  </a:schemeClr>
+                </a:solidFill>
+                <a:latin typeface="微软雅黑" panose="020B0503020204020204" pitchFamily="34" charset="-122"/>
+                <a:ea typeface="微软雅黑" panose="020B0503020204020204" pitchFamily="34" charset="-122"/>
+              </a:rPr>
+              <a:t>。</a:t>
+            </a:r>
+            <a:endParaRPr lang="zh-CN" altLang="en-US" b="1" dirty="0">
+              <a:solidFill>
+                <a:schemeClr val="tx1">
+                  <a:lumMod val="65000"/>
+                  <a:lumOff val="35000"/>
+                </a:schemeClr>
+              </a:solidFill>
+              <a:latin typeface="微软雅黑" panose="020B0503020204020204" pitchFamily="34" charset="-122"/>
+              <a:ea typeface="微软雅黑" panose="020B0503020204020204" pitchFamily="34" charset="-122"/>
+            </a:endParaRPr>
+          </a:p>
+          <a:p>
+            <a:endParaRPr lang="en-US" altLang="zh-CN" b="1" dirty="0" smtClean="0">
+              <a:solidFill>
+                <a:schemeClr val="tx1">
+                  <a:lumMod val="65000"/>
+                  <a:lumOff val="35000"/>
+                </a:schemeClr>
+              </a:solidFill>
+              <a:latin typeface="微软雅黑" panose="020B0503020204020204" pitchFamily="34" charset="-122"/>
+              <a:ea typeface="微软雅黑" panose="020B0503020204020204" pitchFamily="34" charset="-122"/>
+            </a:endParaRPr>
+          </a:p>
+          <a:p>
+            <a:endParaRPr lang="en-US" altLang="zh-CN" b="1" dirty="0" smtClean="0">
+              <a:solidFill>
+                <a:schemeClr val="tx1">
+                  <a:lumMod val="65000"/>
+                  <a:lumOff val="35000"/>
+                </a:schemeClr>
+              </a:solidFill>
+              <a:latin typeface="微软雅黑" panose="020B0503020204020204" pitchFamily="34" charset="-122"/>
+              <a:ea typeface="微软雅黑" panose="020B0503020204020204" pitchFamily="34" charset="-122"/>
+            </a:endParaRPr>
+          </a:p>
+          <a:p>
+            <a:endParaRPr lang="en-US" b="1" dirty="0">
+              <a:latin typeface="微软雅黑" panose="020B0503020204020204" pitchFamily="34" charset="-122"/>
+              <a:ea typeface="微软雅黑" panose="020B0503020204020204" pitchFamily="34" charset="-122"/>
+            </a:endParaRPr>
+          </a:p>
+        </p:txBody>
+      </p:sp>
+    </p:spTree>
+    <p:extLst>
+      <p:ext uri="{BB962C8B-B14F-4D97-AF65-F5344CB8AC3E}">
+        <p14:creationId xmlns:p14="http://schemas.microsoft.com/office/powerpoint/2010/main" val="2646396090"/>
+      </p:ext>
+    </p:extLst>
+  </p:cSld>
+  <p:clrMapOvr>
+    <a:masterClrMapping/>
+  </p:clrMapOvr>
+  <p:timing>
+    <p:tnLst>
+      <p:par>
+        <p:cTn id="1" dur="indefinite" restart="never" nodeType="tmRoot"/>
+      </p:par>
+    </p:tnLst>
+  </p:timing>
+</p:sld>
+</file>
+
+<file path=ppt/slides/slide20.xml><?xml version="1.0" encoding="utf-8"?>
+<p:sld xmlns:a="http://schemas.openxmlformats.org/drawingml/2006/main" xmlns:r="http://schemas.openxmlformats.org/officeDocument/2006/relationships" xmlns:p="http://schemas.openxmlformats.org/presentationml/2006/main">
+  <p:cSld>
+    <p:spTree>
+      <p:nvGrpSpPr>
+        <p:cNvPr id="1" name=""/>
+        <p:cNvGrpSpPr/>
+        <p:nvPr/>
+      </p:nvGrpSpPr>
+      <p:grpSpPr>
+        <a:xfrm>
+          <a:off x="0" y="0"/>
+          <a:ext cx="0" cy="0"/>
+          <a:chOff x="0" y="0"/>
+          <a:chExt cx="0" cy="0"/>
+        </a:xfrm>
+      </p:grpSpPr>
+      <p:sp>
+        <p:nvSpPr>
+          <p:cNvPr id="2" name="标题 1"/>
+          <p:cNvSpPr>
+            <a:spLocks noGrp="1"/>
+          </p:cNvSpPr>
+          <p:nvPr>
+            <p:ph type="title"/>
+          </p:nvPr>
+        </p:nvSpPr>
+        <p:spPr/>
+        <p:txBody>
+          <a:bodyPr>
+            <a:normAutofit/>
+          </a:bodyPr>
+          <a:lstStyle/>
+          <a:p>
+            <a:pPr lvl="0"/>
+            <a:r>
+              <a:rPr lang="zh-CN" altLang="en-US" b="1" dirty="0">
+                <a:solidFill>
+                  <a:srgbClr val="0070C0"/>
+                </a:solidFill>
+                <a:latin typeface="微软雅黑" panose="020B0503020204020204" pitchFamily="34" charset="-122"/>
+                <a:ea typeface="微软雅黑" panose="020B0503020204020204" pitchFamily="34" charset="-122"/>
+              </a:rPr>
+              <a:t>项目风险分析和里程碑</a:t>
+            </a:r>
+            <a:r>
+              <a:rPr lang="zh-CN" altLang="en-US" b="1" dirty="0" smtClean="0">
+                <a:solidFill>
+                  <a:srgbClr val="0070C0"/>
+                </a:solidFill>
+                <a:latin typeface="微软雅黑" panose="020B0503020204020204" pitchFamily="34" charset="-122"/>
+                <a:ea typeface="微软雅黑" panose="020B0503020204020204" pitchFamily="34" charset="-122"/>
+              </a:rPr>
+              <a:t>计划</a:t>
+            </a:r>
+            <a:endParaRPr lang="zh-CN" altLang="en-US" b="1" dirty="0">
+              <a:solidFill>
+                <a:srgbClr val="0070C0"/>
+              </a:solidFill>
+              <a:latin typeface="微软雅黑" panose="020B0503020204020204" pitchFamily="34" charset="-122"/>
+              <a:ea typeface="微软雅黑" panose="020B0503020204020204" pitchFamily="34" charset="-122"/>
+            </a:endParaRPr>
+          </a:p>
+        </p:txBody>
+      </p:sp>
+      <p:sp>
+        <p:nvSpPr>
+          <p:cNvPr id="3" name="文本占位符 2"/>
+          <p:cNvSpPr>
+            <a:spLocks noGrp="1"/>
+          </p:cNvSpPr>
+          <p:nvPr>
+            <p:ph type="body" idx="1"/>
+          </p:nvPr>
+        </p:nvSpPr>
+        <p:spPr/>
+        <p:txBody>
+          <a:bodyPr/>
+          <a:lstStyle/>
+          <a:p>
+            <a:endParaRPr kumimoji="1" lang="zh-CN" altLang="en-US" dirty="0"/>
+          </a:p>
+        </p:txBody>
+      </p:sp>
+    </p:spTree>
+    <p:extLst>
+      <p:ext uri="{BB962C8B-B14F-4D97-AF65-F5344CB8AC3E}">
+        <p14:creationId xmlns:p14="http://schemas.microsoft.com/office/powerpoint/2010/main" val="16028249"/>
+      </p:ext>
+    </p:extLst>
+  </p:cSld>
+  <p:clrMapOvr>
+    <a:masterClrMapping/>
+  </p:clrMapOvr>
+  <p:timing>
+    <p:tnLst>
+      <p:par>
+        <p:cTn id="1" dur="indefinite" restart="never" nodeType="tmRoot"/>
+      </p:par>
+    </p:tnLst>
+  </p:timing>
+</p:sld>
+</file>
+
+<file path=ppt/slides/slide21.xml><?xml version="1.0" encoding="utf-8"?>
+<p:sld xmlns:a="http://schemas.openxmlformats.org/drawingml/2006/main" xmlns:r="http://schemas.openxmlformats.org/officeDocument/2006/relationships" xmlns:p="http://schemas.openxmlformats.org/presentationml/2006/main">
+  <p:cSld>
+    <p:spTree>
+      <p:nvGrpSpPr>
+        <p:cNvPr id="1" name=""/>
+        <p:cNvGrpSpPr/>
+        <p:nvPr/>
+      </p:nvGrpSpPr>
+      <p:grpSpPr>
+        <a:xfrm>
+          <a:off x="0" y="0"/>
+          <a:ext cx="0" cy="0"/>
+          <a:chOff x="0" y="0"/>
+          <a:chExt cx="0" cy="0"/>
+        </a:xfrm>
+      </p:grpSpPr>
+      <p:sp>
+        <p:nvSpPr>
+          <p:cNvPr id="2" name="标题 1"/>
+          <p:cNvSpPr>
+            <a:spLocks noGrp="1"/>
+          </p:cNvSpPr>
+          <p:nvPr>
+            <p:ph type="title"/>
+          </p:nvPr>
+        </p:nvSpPr>
+        <p:spPr/>
+        <p:txBody>
+          <a:bodyPr/>
+          <a:lstStyle/>
+          <a:p>
+            <a:r>
+              <a:rPr lang="zh-CN" altLang="en-US" b="1" dirty="0" smtClean="0">
+                <a:solidFill>
+                  <a:srgbClr val="0070C0"/>
+                </a:solidFill>
+                <a:latin typeface="微软雅黑" panose="020B0503020204020204" pitchFamily="34" charset="-122"/>
+                <a:ea typeface="微软雅黑" panose="020B0503020204020204" pitchFamily="34" charset="-122"/>
+              </a:rPr>
+              <a:t>项目风险</a:t>
+            </a:r>
+            <a:endParaRPr lang="en-US" b="1" dirty="0">
+              <a:solidFill>
+                <a:srgbClr val="0070C0"/>
+              </a:solidFill>
+              <a:latin typeface="微软雅黑" panose="020B0503020204020204" pitchFamily="34" charset="-122"/>
+              <a:ea typeface="微软雅黑" panose="020B0503020204020204" pitchFamily="34" charset="-122"/>
+            </a:endParaRPr>
+          </a:p>
+        </p:txBody>
+      </p:sp>
+      <p:sp>
+        <p:nvSpPr>
+          <p:cNvPr id="3" name="内容占位符 2"/>
+          <p:cNvSpPr>
+            <a:spLocks noGrp="1"/>
+          </p:cNvSpPr>
+          <p:nvPr>
+            <p:ph idx="1"/>
+          </p:nvPr>
+        </p:nvSpPr>
+        <p:spPr/>
+        <p:txBody>
+          <a:bodyPr>
+            <a:normAutofit fontScale="85000" lnSpcReduction="20000"/>
+          </a:bodyPr>
+          <a:lstStyle/>
+          <a:p>
+            <a:r>
+              <a:rPr lang="en-US" altLang="zh-CN" dirty="0"/>
+              <a:t>v1:</a:t>
+            </a:r>
+            <a:endParaRPr lang="zh-CN" altLang="zh-CN" dirty="0"/>
+          </a:p>
+          <a:p>
+            <a:r>
+              <a:rPr lang="zh-CN" altLang="zh-CN" dirty="0"/>
+              <a:t>完成数据库的设计 </a:t>
+            </a:r>
+            <a:r>
+              <a:rPr lang="en-US" altLang="zh-CN" dirty="0"/>
+              <a:t>high</a:t>
+            </a:r>
+            <a:endParaRPr lang="zh-CN" altLang="zh-CN" dirty="0"/>
+          </a:p>
+          <a:p>
+            <a:r>
+              <a:rPr lang="zh-CN" altLang="zh-CN" dirty="0"/>
+              <a:t>完成问卷创建、编辑、发布问卷</a:t>
+            </a:r>
+            <a:r>
+              <a:rPr lang="en-US" altLang="zh-CN" dirty="0"/>
+              <a:t> high</a:t>
+            </a:r>
+            <a:endParaRPr lang="zh-CN" altLang="zh-CN" dirty="0"/>
+          </a:p>
+          <a:p>
+            <a:r>
+              <a:rPr lang="zh-CN" altLang="zh-CN" dirty="0"/>
+              <a:t>完成问卷基础的统计功能</a:t>
+            </a:r>
+            <a:r>
+              <a:rPr lang="en-US" altLang="zh-CN" dirty="0"/>
+              <a:t> high</a:t>
+            </a:r>
+            <a:endParaRPr lang="zh-CN" altLang="zh-CN" dirty="0"/>
+          </a:p>
+          <a:p>
+            <a:r>
+              <a:rPr lang="zh-CN" altLang="zh-CN" dirty="0"/>
+              <a:t>完成前端逻辑关联支持功能</a:t>
+            </a:r>
+            <a:r>
+              <a:rPr lang="en-US" altLang="zh-CN" dirty="0"/>
+              <a:t> high</a:t>
+            </a:r>
+            <a:endParaRPr lang="zh-CN" altLang="zh-CN" dirty="0"/>
+          </a:p>
+          <a:p>
+            <a:r>
+              <a:rPr lang="zh-CN" altLang="zh-CN" dirty="0"/>
+              <a:t>完成搜索问卷、填写、提交</a:t>
+            </a:r>
+            <a:r>
+              <a:rPr lang="en-US" altLang="zh-CN" dirty="0"/>
+              <a:t> middle</a:t>
+            </a:r>
+            <a:endParaRPr lang="zh-CN" altLang="zh-CN" dirty="0"/>
+          </a:p>
+          <a:p>
+            <a:r>
+              <a:rPr lang="zh-CN" altLang="zh-CN" dirty="0"/>
+              <a:t>完成回答内容预览的功能</a:t>
+            </a:r>
+            <a:r>
+              <a:rPr lang="en-US" altLang="zh-CN" dirty="0"/>
+              <a:t> middle</a:t>
+            </a:r>
+            <a:endParaRPr lang="zh-CN" altLang="zh-CN" dirty="0"/>
+          </a:p>
+          <a:p>
+            <a:r>
+              <a:rPr lang="zh-CN" altLang="zh-CN" dirty="0"/>
+              <a:t>完成用户信息修改、用户权限管理的功能</a:t>
+            </a:r>
+            <a:r>
+              <a:rPr lang="en-US" altLang="zh-CN" dirty="0"/>
+              <a:t> middle</a:t>
+            </a:r>
+            <a:endParaRPr lang="zh-CN" altLang="zh-CN" dirty="0"/>
+          </a:p>
+          <a:p>
+            <a:r>
+              <a:rPr lang="en-US" altLang="zh-CN" dirty="0"/>
+              <a:t>v2:</a:t>
+            </a:r>
+            <a:endParaRPr lang="zh-CN" altLang="zh-CN" dirty="0"/>
+          </a:p>
+          <a:p>
+            <a:r>
+              <a:rPr lang="zh-CN" altLang="zh-CN" dirty="0"/>
+              <a:t>完成创建、编辑问卷逻辑的可视化</a:t>
+            </a:r>
+            <a:r>
+              <a:rPr lang="en-US" altLang="zh-CN" dirty="0"/>
+              <a:t> high</a:t>
+            </a:r>
+            <a:endParaRPr lang="zh-CN" altLang="zh-CN" dirty="0"/>
+          </a:p>
+          <a:p>
+            <a:r>
+              <a:rPr lang="zh-CN" altLang="zh-CN" dirty="0"/>
+              <a:t>实现问卷打包功能</a:t>
+            </a:r>
+            <a:r>
+              <a:rPr lang="en-US" altLang="zh-CN" dirty="0"/>
+              <a:t> middle</a:t>
+            </a:r>
+            <a:endParaRPr lang="zh-CN" altLang="zh-CN" dirty="0"/>
+          </a:p>
+          <a:p>
+            <a:endParaRPr lang="en-US" altLang="zh-CN" b="1" dirty="0" smtClean="0">
+              <a:solidFill>
+                <a:schemeClr val="tx1">
+                  <a:lumMod val="65000"/>
+                  <a:lumOff val="35000"/>
+                </a:schemeClr>
+              </a:solidFill>
+              <a:latin typeface="微软雅黑" panose="020B0503020204020204" pitchFamily="34" charset="-122"/>
+              <a:ea typeface="微软雅黑" panose="020B0503020204020204" pitchFamily="34" charset="-122"/>
+            </a:endParaRPr>
+          </a:p>
+          <a:p>
+            <a:endParaRPr lang="en-US" altLang="zh-CN" b="1" dirty="0" smtClean="0">
+              <a:solidFill>
+                <a:schemeClr val="tx1">
+                  <a:lumMod val="65000"/>
+                  <a:lumOff val="35000"/>
+                </a:schemeClr>
+              </a:solidFill>
+              <a:latin typeface="微软雅黑" panose="020B0503020204020204" pitchFamily="34" charset="-122"/>
+              <a:ea typeface="微软雅黑" panose="020B0503020204020204" pitchFamily="34" charset="-122"/>
+            </a:endParaRPr>
+          </a:p>
+        </p:txBody>
+      </p:sp>
+    </p:spTree>
+    <p:extLst>
+      <p:ext uri="{BB962C8B-B14F-4D97-AF65-F5344CB8AC3E}">
+        <p14:creationId xmlns:p14="http://schemas.microsoft.com/office/powerpoint/2010/main" val="1573352767"/>
+      </p:ext>
+    </p:extLst>
+  </p:cSld>
+  <p:clrMapOvr>
+    <a:masterClrMapping/>
+  </p:clrMapOvr>
+  <p:timing>
+    <p:tnLst>
+      <p:par>
+        <p:cTn id="1" dur="indefinite" restart="never" nodeType="tmRoot"/>
+      </p:par>
+    </p:tnLst>
+  </p:timing>
+</p:sld>
+</file>
+
+<file path=ppt/slides/slide22.xml><?xml version="1.0" encoding="utf-8"?>
+<p:sld xmlns:a="http://schemas.openxmlformats.org/drawingml/2006/main" xmlns:r="http://schemas.openxmlformats.org/officeDocument/2006/relationships" xmlns:p="http://schemas.openxmlformats.org/presentationml/2006/main">
+  <p:cSld>
+    <p:spTree>
+      <p:nvGrpSpPr>
+        <p:cNvPr id="1" name=""/>
+        <p:cNvGrpSpPr/>
+        <p:nvPr/>
+      </p:nvGrpSpPr>
+      <p:grpSpPr>
+        <a:xfrm>
+          <a:off x="0" y="0"/>
+          <a:ext cx="0" cy="0"/>
+          <a:chOff x="0" y="0"/>
+          <a:chExt cx="0" cy="0"/>
+        </a:xfrm>
+      </p:grpSpPr>
+      <p:graphicFrame>
+        <p:nvGraphicFramePr>
+          <p:cNvPr id="3" name="表格 2"/>
+          <p:cNvGraphicFramePr>
+            <a:graphicFrameLocks noGrp="1"/>
+          </p:cNvGraphicFramePr>
+          <p:nvPr>
+            <p:extLst>
+              <p:ext uri="{D42A27DB-BD31-4B8C-83A1-F6EECF244321}">
+                <p14:modId xmlns:p14="http://schemas.microsoft.com/office/powerpoint/2010/main" val="1596641047"/>
+              </p:ext>
+            </p:extLst>
+          </p:nvPr>
+        </p:nvGraphicFramePr>
+        <p:xfrm>
+          <a:off x="310897" y="365331"/>
+          <a:ext cx="8485631" cy="6019800"/>
+        </p:xfrm>
+        <a:graphic>
+          <a:graphicData uri="http://schemas.openxmlformats.org/drawingml/2006/table">
+            <a:tbl>
+              <a:tblPr firstRow="1" bandRow="1">
+                <a:tableStyleId>{5C22544A-7EE6-4342-B048-85BDC9FD1C3A}</a:tableStyleId>
+              </a:tblPr>
+              <a:tblGrid>
+                <a:gridCol w="861323"/>
+                <a:gridCol w="1516116"/>
+                <a:gridCol w="4367187"/>
+                <a:gridCol w="1741005"/>
+              </a:tblGrid>
+              <a:tr h="297515">
+                <a:tc>
+                  <a:txBody>
+                    <a:bodyPr/>
+                    <a:lstStyle/>
+                    <a:p>
+                      <a:pPr algn="l">
+                        <a:spcAft>
+                          <a:spcPts val="0"/>
+                        </a:spcAft>
+                      </a:pPr>
+                      <a:r>
+                        <a:rPr lang="zh-CN" sz="2400" kern="0" dirty="0">
+                          <a:effectLst/>
+                          <a:latin typeface="Times New Roman" charset="0"/>
+                          <a:ea typeface="宋体" charset="-122"/>
+                        </a:rPr>
+                        <a:t>阶段</a:t>
+                      </a:r>
+                      <a:endParaRPr lang="zh-CN" sz="2400" kern="100" dirty="0">
+                        <a:effectLst/>
+                        <a:latin typeface="Times New Roman" charset="0"/>
+                        <a:ea typeface="宋体" charset="-122"/>
+                      </a:endParaRPr>
+                    </a:p>
+                  </a:txBody>
+                  <a:tcPr marL="66675" marR="66675" marT="66675" marB="66675"/>
+                </a:tc>
+                <a:tc>
+                  <a:txBody>
+                    <a:bodyPr/>
+                    <a:lstStyle/>
+                    <a:p>
+                      <a:pPr algn="l">
+                        <a:spcAft>
+                          <a:spcPts val="0"/>
+                        </a:spcAft>
+                      </a:pPr>
+                      <a:r>
+                        <a:rPr lang="zh-CN" sz="2400" kern="0">
+                          <a:effectLst/>
+                          <a:latin typeface="Times New Roman" charset="0"/>
+                          <a:ea typeface="宋体" charset="-122"/>
+                        </a:rPr>
+                        <a:t>迭代</a:t>
+                      </a:r>
+                      <a:endParaRPr lang="zh-CN" sz="2400" kern="100">
+                        <a:effectLst/>
+                        <a:latin typeface="Times New Roman" charset="0"/>
+                        <a:ea typeface="宋体" charset="-122"/>
+                      </a:endParaRPr>
+                    </a:p>
+                  </a:txBody>
+                  <a:tcPr marL="66675" marR="66675" marT="66675" marB="66675"/>
+                </a:tc>
+                <a:tc>
+                  <a:txBody>
+                    <a:bodyPr/>
+                    <a:lstStyle/>
+                    <a:p>
+                      <a:pPr algn="l">
+                        <a:spcAft>
+                          <a:spcPts val="0"/>
+                        </a:spcAft>
+                      </a:pPr>
+                      <a:r>
+                        <a:rPr lang="zh-CN" sz="2400" kern="0">
+                          <a:effectLst/>
+                          <a:latin typeface="Times New Roman" charset="0"/>
+                          <a:ea typeface="宋体" charset="-122"/>
+                        </a:rPr>
+                        <a:t>任务描述</a:t>
+                      </a:r>
+                      <a:endParaRPr lang="zh-CN" sz="2400" kern="100">
+                        <a:effectLst/>
+                        <a:latin typeface="Times New Roman" charset="0"/>
+                        <a:ea typeface="宋体" charset="-122"/>
+                      </a:endParaRPr>
+                    </a:p>
+                  </a:txBody>
+                  <a:tcPr marL="66675" marR="66675" marT="66675" marB="66675"/>
+                </a:tc>
+                <a:tc>
+                  <a:txBody>
+                    <a:bodyPr/>
+                    <a:lstStyle/>
+                    <a:p>
+                      <a:pPr algn="l">
+                        <a:spcAft>
+                          <a:spcPts val="0"/>
+                        </a:spcAft>
+                      </a:pPr>
+                      <a:r>
+                        <a:rPr lang="zh-CN" sz="2400" kern="0" dirty="0">
+                          <a:effectLst/>
+                          <a:latin typeface="Times New Roman" charset="0"/>
+                          <a:ea typeface="宋体" charset="-122"/>
+                        </a:rPr>
+                        <a:t>成果</a:t>
+                      </a:r>
+                      <a:endParaRPr lang="zh-CN" sz="2400" kern="100" dirty="0">
+                        <a:effectLst/>
+                        <a:latin typeface="Times New Roman" charset="0"/>
+                        <a:ea typeface="宋体" charset="-122"/>
+                      </a:endParaRPr>
+                    </a:p>
+                  </a:txBody>
+                  <a:tcPr marL="66675" marR="66675" marT="66675" marB="66675"/>
+                </a:tc>
+              </a:tr>
+              <a:tr h="899714">
+                <a:tc>
+                  <a:txBody>
+                    <a:bodyPr/>
+                    <a:lstStyle/>
+                    <a:p>
+                      <a:pPr algn="l">
+                        <a:spcAft>
+                          <a:spcPts val="0"/>
+                        </a:spcAft>
+                      </a:pPr>
+                      <a:r>
+                        <a:rPr lang="zh-CN" sz="2400" kern="0" dirty="0">
+                          <a:effectLst/>
+                          <a:latin typeface="Times New Roman" charset="0"/>
+                          <a:ea typeface="宋体" charset="-122"/>
+                        </a:rPr>
+                        <a:t>先启</a:t>
+                      </a:r>
+                      <a:endParaRPr lang="zh-CN" sz="2400" kern="100" dirty="0">
+                        <a:effectLst/>
+                        <a:latin typeface="Times New Roman" charset="0"/>
+                        <a:ea typeface="宋体" charset="-122"/>
+                      </a:endParaRPr>
+                    </a:p>
+                  </a:txBody>
+                  <a:tcPr marL="66675" marR="66675" marT="66675" marB="66675"/>
+                </a:tc>
+                <a:tc>
+                  <a:txBody>
+                    <a:bodyPr/>
+                    <a:lstStyle/>
+                    <a:p>
+                      <a:pPr algn="l">
+                        <a:spcAft>
+                          <a:spcPts val="0"/>
+                        </a:spcAft>
+                      </a:pPr>
+                      <a:r>
+                        <a:rPr lang="en-US" sz="2400" kern="0">
+                          <a:effectLst/>
+                          <a:latin typeface="Times New Roman" charset="0"/>
+                          <a:ea typeface="宋体" charset="-122"/>
+                        </a:rPr>
+                        <a:t>6</a:t>
+                      </a:r>
+                      <a:r>
+                        <a:rPr lang="zh-CN" sz="2400" kern="0">
+                          <a:effectLst/>
+                          <a:latin typeface="Times New Roman" charset="0"/>
+                          <a:ea typeface="宋体" charset="-122"/>
+                        </a:rPr>
+                        <a:t>月</a:t>
+                      </a:r>
+                      <a:r>
+                        <a:rPr lang="en-US" sz="2400" kern="0">
+                          <a:effectLst/>
+                          <a:latin typeface="Times New Roman" charset="0"/>
+                          <a:ea typeface="宋体" charset="-122"/>
+                        </a:rPr>
+                        <a:t>4</a:t>
+                      </a:r>
+                      <a:r>
+                        <a:rPr lang="zh-CN" sz="2400" kern="0">
+                          <a:effectLst/>
+                          <a:latin typeface="Times New Roman" charset="0"/>
+                          <a:ea typeface="宋体" charset="-122"/>
+                        </a:rPr>
+                        <a:t>日</a:t>
+                      </a:r>
+                      <a:r>
+                        <a:rPr lang="en-US" sz="2400" kern="0">
+                          <a:effectLst/>
+                          <a:latin typeface="Times New Roman" charset="0"/>
+                          <a:ea typeface="宋体" charset="-122"/>
+                        </a:rPr>
+                        <a:t>~6</a:t>
+                      </a:r>
+                      <a:r>
+                        <a:rPr lang="zh-CN" sz="2400" kern="0">
+                          <a:effectLst/>
+                          <a:latin typeface="Times New Roman" charset="0"/>
+                          <a:ea typeface="宋体" charset="-122"/>
+                        </a:rPr>
+                        <a:t>月</a:t>
+                      </a:r>
+                      <a:r>
+                        <a:rPr lang="en-US" sz="2400" kern="0">
+                          <a:effectLst/>
+                          <a:latin typeface="Times New Roman" charset="0"/>
+                          <a:ea typeface="宋体" charset="-122"/>
+                        </a:rPr>
+                        <a:t>22</a:t>
+                      </a:r>
+                      <a:r>
+                        <a:rPr lang="zh-CN" sz="2400" kern="0">
+                          <a:effectLst/>
+                          <a:latin typeface="Times New Roman" charset="0"/>
+                          <a:ea typeface="宋体" charset="-122"/>
+                        </a:rPr>
+                        <a:t>日</a:t>
+                      </a:r>
+                      <a:endParaRPr lang="zh-CN" sz="2400" kern="100">
+                        <a:effectLst/>
+                        <a:latin typeface="Times New Roman" charset="0"/>
+                        <a:ea typeface="宋体" charset="-122"/>
+                      </a:endParaRPr>
+                    </a:p>
+                  </a:txBody>
+                  <a:tcPr marL="66675" marR="66675" marT="66675" marB="66675"/>
+                </a:tc>
+                <a:tc>
+                  <a:txBody>
+                    <a:bodyPr/>
+                    <a:lstStyle/>
+                    <a:p>
+                      <a:pPr algn="l">
+                        <a:spcAft>
+                          <a:spcPts val="0"/>
+                        </a:spcAft>
+                      </a:pPr>
+                      <a:r>
+                        <a:rPr lang="zh-CN" sz="2400" kern="0" dirty="0">
+                          <a:effectLst/>
+                          <a:latin typeface="Times New Roman" charset="0"/>
+                          <a:ea typeface="宋体" charset="-122"/>
+                        </a:rPr>
+                        <a:t>确定问卷管理系统的最终</a:t>
+                      </a:r>
+                      <a:r>
+                        <a:rPr lang="zh-CN" sz="2400" kern="0" dirty="0" smtClean="0">
+                          <a:effectLst/>
+                          <a:latin typeface="Times New Roman" charset="0"/>
+                          <a:ea typeface="宋体" charset="-122"/>
+                        </a:rPr>
+                        <a:t>需求</a:t>
+                      </a:r>
+                      <a:r>
+                        <a:rPr lang="zh-CN" altLang="en-US" sz="2400" kern="0" dirty="0" smtClean="0">
+                          <a:effectLst/>
+                          <a:latin typeface="Times New Roman" charset="0"/>
+                          <a:ea typeface="宋体" charset="-122"/>
+                        </a:rPr>
+                        <a:t>；</a:t>
+                      </a:r>
+                      <a:endParaRPr lang="en-US" altLang="zh-CN" sz="2400" kern="0" dirty="0" smtClean="0">
+                        <a:effectLst/>
+                        <a:latin typeface="Times New Roman" charset="0"/>
+                        <a:ea typeface="宋体" charset="-122"/>
+                      </a:endParaRPr>
+                    </a:p>
+                    <a:p>
+                      <a:pPr algn="l">
+                        <a:spcAft>
+                          <a:spcPts val="0"/>
+                        </a:spcAft>
+                      </a:pPr>
+                      <a:r>
+                        <a:rPr lang="zh-CN" sz="2400" kern="0" dirty="0" smtClean="0">
+                          <a:effectLst/>
+                          <a:latin typeface="Times New Roman" charset="0"/>
+                          <a:ea typeface="宋体" charset="-122"/>
+                        </a:rPr>
+                        <a:t>与</a:t>
+                      </a:r>
+                      <a:r>
+                        <a:rPr lang="zh-CN" sz="2400" kern="0" dirty="0">
+                          <a:effectLst/>
+                          <a:latin typeface="Times New Roman" charset="0"/>
+                          <a:ea typeface="宋体" charset="-122"/>
+                        </a:rPr>
+                        <a:t>客户达成开发共识，分析项目风险</a:t>
+                      </a:r>
+                      <a:r>
+                        <a:rPr lang="zh-CN" sz="2400" kern="0" dirty="0" smtClean="0">
+                          <a:effectLst/>
+                          <a:latin typeface="Times New Roman" charset="0"/>
+                          <a:ea typeface="宋体" charset="-122"/>
+                        </a:rPr>
+                        <a:t>；</a:t>
+                      </a:r>
+                      <a:endParaRPr lang="zh-CN" sz="2400" kern="100" dirty="0">
+                        <a:effectLst/>
+                        <a:latin typeface="Times New Roman" charset="0"/>
+                        <a:ea typeface="宋体" charset="-122"/>
+                      </a:endParaRPr>
+                    </a:p>
+                  </a:txBody>
+                  <a:tcPr marL="66675" marR="66675" marT="66675" marB="66675"/>
+                </a:tc>
+                <a:tc>
+                  <a:txBody>
+                    <a:bodyPr/>
+                    <a:lstStyle/>
+                    <a:p>
+                      <a:pPr algn="l">
+                        <a:spcAft>
+                          <a:spcPts val="0"/>
+                        </a:spcAft>
+                      </a:pPr>
+                      <a:r>
+                        <a:rPr lang="zh-CN" sz="2400" kern="0" dirty="0">
+                          <a:effectLst/>
+                          <a:latin typeface="Times New Roman" charset="0"/>
+                          <a:ea typeface="宋体" charset="-122"/>
+                        </a:rPr>
+                        <a:t>立项建议书；</a:t>
+                      </a:r>
+                      <a:endParaRPr lang="zh-CN" sz="2400" kern="100" dirty="0">
+                        <a:effectLst/>
+                        <a:latin typeface="Times New Roman" charset="0"/>
+                        <a:ea typeface="宋体" charset="-122"/>
+                      </a:endParaRPr>
+                    </a:p>
+                    <a:p>
+                      <a:pPr algn="l">
+                        <a:spcAft>
+                          <a:spcPts val="0"/>
+                        </a:spcAft>
+                      </a:pPr>
+                      <a:r>
+                        <a:rPr lang="zh-CN" sz="2400" kern="0" dirty="0">
+                          <a:effectLst/>
+                          <a:latin typeface="Times New Roman" charset="0"/>
+                          <a:ea typeface="宋体" charset="-122"/>
+                        </a:rPr>
+                        <a:t>详细的需求规约和用例规约文档</a:t>
+                      </a:r>
+                      <a:r>
+                        <a:rPr lang="zh-CN" sz="2400" kern="0" dirty="0" smtClean="0">
+                          <a:effectLst/>
+                          <a:latin typeface="Times New Roman" charset="0"/>
+                          <a:ea typeface="宋体" charset="-122"/>
+                        </a:rPr>
+                        <a:t>；</a:t>
+                      </a:r>
+                      <a:endParaRPr lang="zh-CN" sz="2400" kern="100" dirty="0">
+                        <a:effectLst/>
+                        <a:latin typeface="Times New Roman" charset="0"/>
+                        <a:ea typeface="宋体" charset="-122"/>
+                      </a:endParaRPr>
+                    </a:p>
+                  </a:txBody>
+                  <a:tcPr marL="66675" marR="66675" marT="66675" marB="66675"/>
+                </a:tc>
+              </a:tr>
+              <a:tr h="899714">
+                <a:tc>
+                  <a:txBody>
+                    <a:bodyPr/>
+                    <a:lstStyle/>
+                    <a:p>
+                      <a:pPr algn="l">
+                        <a:spcAft>
+                          <a:spcPts val="0"/>
+                        </a:spcAft>
+                      </a:pPr>
+                      <a:r>
+                        <a:rPr lang="zh-CN" sz="2400" kern="0">
+                          <a:effectLst/>
+                          <a:latin typeface="Times New Roman" charset="0"/>
+                          <a:ea typeface="宋体" charset="-122"/>
+                        </a:rPr>
+                        <a:t>精化</a:t>
+                      </a:r>
+                      <a:endParaRPr lang="zh-CN" sz="2400" kern="100">
+                        <a:effectLst/>
+                        <a:latin typeface="Times New Roman" charset="0"/>
+                        <a:ea typeface="宋体" charset="-122"/>
+                      </a:endParaRPr>
+                    </a:p>
+                  </a:txBody>
+                  <a:tcPr marL="66675" marR="66675" marT="66675" marB="66675"/>
+                </a:tc>
+                <a:tc>
+                  <a:txBody>
+                    <a:bodyPr/>
+                    <a:lstStyle/>
+                    <a:p>
+                      <a:pPr algn="l">
+                        <a:spcAft>
+                          <a:spcPts val="0"/>
+                        </a:spcAft>
+                      </a:pPr>
+                      <a:r>
+                        <a:rPr lang="en-US" sz="2400" kern="0">
+                          <a:effectLst/>
+                          <a:latin typeface="Times New Roman" charset="0"/>
+                          <a:ea typeface="宋体" charset="-122"/>
+                        </a:rPr>
+                        <a:t>6</a:t>
+                      </a:r>
+                      <a:r>
+                        <a:rPr lang="zh-CN" sz="2400" kern="0">
+                          <a:effectLst/>
+                          <a:latin typeface="Times New Roman" charset="0"/>
+                          <a:ea typeface="宋体" charset="-122"/>
+                        </a:rPr>
+                        <a:t>月</a:t>
+                      </a:r>
+                      <a:r>
+                        <a:rPr lang="en-US" sz="2400" kern="0">
+                          <a:effectLst/>
+                          <a:latin typeface="Times New Roman" charset="0"/>
+                          <a:ea typeface="宋体" charset="-122"/>
+                        </a:rPr>
+                        <a:t>23</a:t>
+                      </a:r>
+                      <a:r>
+                        <a:rPr lang="zh-CN" sz="2400" kern="0">
+                          <a:effectLst/>
+                          <a:latin typeface="Times New Roman" charset="0"/>
+                          <a:ea typeface="宋体" charset="-122"/>
+                        </a:rPr>
+                        <a:t>日</a:t>
+                      </a:r>
+                      <a:r>
+                        <a:rPr lang="en-US" sz="2400" kern="0">
+                          <a:effectLst/>
+                          <a:latin typeface="Times New Roman" charset="0"/>
+                          <a:ea typeface="宋体" charset="-122"/>
+                        </a:rPr>
+                        <a:t>~6</a:t>
+                      </a:r>
+                      <a:r>
+                        <a:rPr lang="zh-CN" sz="2400" kern="0">
+                          <a:effectLst/>
+                          <a:latin typeface="Times New Roman" charset="0"/>
+                          <a:ea typeface="宋体" charset="-122"/>
+                        </a:rPr>
+                        <a:t>月</a:t>
+                      </a:r>
+                      <a:r>
+                        <a:rPr lang="en-US" sz="2400" kern="0">
+                          <a:effectLst/>
+                          <a:latin typeface="Times New Roman" charset="0"/>
+                          <a:ea typeface="宋体" charset="-122"/>
+                        </a:rPr>
+                        <a:t>25</a:t>
+                      </a:r>
+                      <a:r>
+                        <a:rPr lang="zh-CN" sz="2400" kern="0">
+                          <a:effectLst/>
+                          <a:latin typeface="Times New Roman" charset="0"/>
+                          <a:ea typeface="宋体" charset="-122"/>
+                        </a:rPr>
+                        <a:t>日</a:t>
+                      </a:r>
+                      <a:endParaRPr lang="zh-CN" sz="2400" kern="100">
+                        <a:effectLst/>
+                        <a:latin typeface="Times New Roman" charset="0"/>
+                        <a:ea typeface="宋体" charset="-122"/>
+                      </a:endParaRPr>
+                    </a:p>
+                  </a:txBody>
+                  <a:tcPr marL="66675" marR="66675" marT="66675" marB="66675"/>
+                </a:tc>
+                <a:tc>
+                  <a:txBody>
+                    <a:bodyPr/>
+                    <a:lstStyle/>
+                    <a:p>
+                      <a:pPr algn="l">
+                        <a:spcAft>
+                          <a:spcPts val="0"/>
+                        </a:spcAft>
+                      </a:pPr>
+                      <a:r>
+                        <a:rPr lang="zh-CN" sz="2400" kern="0" dirty="0">
+                          <a:effectLst/>
+                          <a:latin typeface="Times New Roman" charset="0"/>
+                          <a:ea typeface="宋体" charset="-122"/>
+                        </a:rPr>
+                        <a:t>确定架构的具体细节</a:t>
+                      </a:r>
+                      <a:endParaRPr lang="zh-CN" sz="2400" kern="100" dirty="0">
+                        <a:effectLst/>
+                        <a:latin typeface="Times New Roman" charset="0"/>
+                        <a:ea typeface="宋体" charset="-122"/>
+                      </a:endParaRPr>
+                    </a:p>
+                    <a:p>
+                      <a:pPr algn="l">
+                        <a:spcAft>
+                          <a:spcPts val="0"/>
+                        </a:spcAft>
+                      </a:pPr>
+                      <a:r>
+                        <a:rPr lang="zh-CN" sz="2400" kern="0" dirty="0">
+                          <a:effectLst/>
+                          <a:latin typeface="Times New Roman" charset="0"/>
+                          <a:ea typeface="宋体" charset="-122"/>
+                        </a:rPr>
+                        <a:t>明确工作流程</a:t>
+                      </a:r>
+                      <a:endParaRPr lang="zh-CN" sz="2400" kern="100" dirty="0">
+                        <a:effectLst/>
+                        <a:latin typeface="Times New Roman" charset="0"/>
+                        <a:ea typeface="宋体" charset="-122"/>
+                      </a:endParaRPr>
+                    </a:p>
+                    <a:p>
+                      <a:pPr algn="l">
+                        <a:spcAft>
+                          <a:spcPts val="0"/>
+                        </a:spcAft>
+                      </a:pPr>
+                      <a:r>
+                        <a:rPr lang="zh-CN" sz="2400" kern="0" dirty="0">
+                          <a:effectLst/>
+                          <a:latin typeface="Times New Roman" charset="0"/>
+                          <a:ea typeface="宋体" charset="-122"/>
+                        </a:rPr>
+                        <a:t>确定软件接口</a:t>
+                      </a:r>
+                      <a:endParaRPr lang="zh-CN" sz="2400" kern="100" dirty="0">
+                        <a:effectLst/>
+                        <a:latin typeface="Times New Roman" charset="0"/>
+                        <a:ea typeface="宋体" charset="-122"/>
+                      </a:endParaRPr>
+                    </a:p>
+                  </a:txBody>
+                  <a:tcPr marL="66675" marR="66675" marT="66675" marB="66675"/>
+                </a:tc>
+                <a:tc>
+                  <a:txBody>
+                    <a:bodyPr/>
+                    <a:lstStyle/>
+                    <a:p>
+                      <a:pPr algn="l">
+                        <a:spcAft>
+                          <a:spcPts val="0"/>
+                        </a:spcAft>
+                      </a:pPr>
+                      <a:r>
+                        <a:rPr lang="zh-CN" sz="2400" kern="0">
+                          <a:effectLst/>
+                          <a:latin typeface="Times New Roman" charset="0"/>
+                          <a:ea typeface="宋体" charset="-122"/>
+                        </a:rPr>
+                        <a:t>《软件架构文档》初稿；</a:t>
+                      </a:r>
+                      <a:endParaRPr lang="zh-CN" sz="2400" kern="100">
+                        <a:effectLst/>
+                        <a:latin typeface="Times New Roman" charset="0"/>
+                        <a:ea typeface="宋体" charset="-122"/>
+                      </a:endParaRPr>
+                    </a:p>
+                    <a:p>
+                      <a:pPr algn="l">
+                        <a:spcAft>
+                          <a:spcPts val="0"/>
+                        </a:spcAft>
+                      </a:pPr>
+                      <a:r>
+                        <a:rPr lang="zh-CN" sz="2400" kern="0">
+                          <a:effectLst/>
+                          <a:latin typeface="Times New Roman" charset="0"/>
+                          <a:ea typeface="宋体" charset="-122"/>
+                        </a:rPr>
+                        <a:t>分析设计模型</a:t>
+                      </a:r>
+                      <a:endParaRPr lang="zh-CN" sz="2400" kern="100">
+                        <a:effectLst/>
+                        <a:latin typeface="Times New Roman" charset="0"/>
+                        <a:ea typeface="宋体" charset="-122"/>
+                      </a:endParaRPr>
+                    </a:p>
+                  </a:txBody>
+                  <a:tcPr marL="66675" marR="66675" marT="66675" marB="66675"/>
+                </a:tc>
+              </a:tr>
+              <a:tr h="1157799">
+                <a:tc>
+                  <a:txBody>
+                    <a:bodyPr/>
+                    <a:lstStyle/>
+                    <a:p>
+                      <a:pPr algn="l">
+                        <a:spcAft>
+                          <a:spcPts val="0"/>
+                        </a:spcAft>
+                      </a:pPr>
+                      <a:r>
+                        <a:rPr lang="zh-CN" sz="2400" kern="0">
+                          <a:effectLst/>
+                          <a:latin typeface="Times New Roman" charset="0"/>
+                          <a:ea typeface="宋体" charset="-122"/>
+                        </a:rPr>
+                        <a:t>构建</a:t>
+                      </a:r>
+                      <a:endParaRPr lang="zh-CN" sz="2400" kern="100">
+                        <a:effectLst/>
+                        <a:latin typeface="Times New Roman" charset="0"/>
+                        <a:ea typeface="宋体" charset="-122"/>
+                      </a:endParaRPr>
+                    </a:p>
+                  </a:txBody>
+                  <a:tcPr marL="66675" marR="66675" marT="66675" marB="66675"/>
+                </a:tc>
+                <a:tc>
+                  <a:txBody>
+                    <a:bodyPr/>
+                    <a:lstStyle/>
+                    <a:p>
+                      <a:pPr algn="l">
+                        <a:spcAft>
+                          <a:spcPts val="0"/>
+                        </a:spcAft>
+                      </a:pPr>
+                      <a:r>
+                        <a:rPr lang="zh-CN" sz="2400" kern="0" dirty="0">
+                          <a:effectLst/>
+                          <a:latin typeface="Times New Roman" charset="0"/>
+                          <a:ea typeface="宋体" charset="-122"/>
+                        </a:rPr>
+                        <a:t>迭代一</a:t>
+                      </a:r>
+                      <a:endParaRPr lang="zh-CN" sz="2400" kern="100" dirty="0">
+                        <a:effectLst/>
+                        <a:latin typeface="Times New Roman" charset="0"/>
+                        <a:ea typeface="宋体" charset="-122"/>
+                      </a:endParaRPr>
+                    </a:p>
+                    <a:p>
+                      <a:pPr algn="l">
+                        <a:spcAft>
+                          <a:spcPts val="0"/>
+                        </a:spcAft>
+                      </a:pPr>
+                      <a:r>
+                        <a:rPr lang="en-US" sz="2400" kern="0" dirty="0">
+                          <a:effectLst/>
+                          <a:latin typeface="Times New Roman" charset="0"/>
+                          <a:ea typeface="宋体" charset="-122"/>
+                        </a:rPr>
+                        <a:t>6</a:t>
+                      </a:r>
+                      <a:r>
+                        <a:rPr lang="zh-CN" sz="2400" kern="0" dirty="0">
+                          <a:effectLst/>
+                          <a:latin typeface="Times New Roman" charset="0"/>
+                          <a:ea typeface="宋体" charset="-122"/>
+                        </a:rPr>
+                        <a:t>月</a:t>
+                      </a:r>
+                      <a:r>
+                        <a:rPr lang="en-US" sz="2400" kern="0" dirty="0">
+                          <a:effectLst/>
+                          <a:latin typeface="Times New Roman" charset="0"/>
+                          <a:ea typeface="宋体" charset="-122"/>
+                        </a:rPr>
+                        <a:t>25</a:t>
+                      </a:r>
+                      <a:r>
+                        <a:rPr lang="zh-CN" sz="2400" kern="0" dirty="0">
+                          <a:effectLst/>
+                          <a:latin typeface="Times New Roman" charset="0"/>
+                          <a:ea typeface="宋体" charset="-122"/>
+                        </a:rPr>
+                        <a:t>日</a:t>
+                      </a:r>
+                      <a:r>
+                        <a:rPr lang="en-US" sz="2400" kern="0" dirty="0">
+                          <a:effectLst/>
+                          <a:latin typeface="Times New Roman" charset="0"/>
+                          <a:ea typeface="宋体" charset="-122"/>
+                        </a:rPr>
+                        <a:t>~7</a:t>
+                      </a:r>
+                      <a:r>
+                        <a:rPr lang="zh-CN" sz="2400" kern="0" dirty="0">
+                          <a:effectLst/>
+                          <a:latin typeface="Times New Roman" charset="0"/>
+                          <a:ea typeface="宋体" charset="-122"/>
+                        </a:rPr>
+                        <a:t>月</a:t>
+                      </a:r>
+                      <a:r>
+                        <a:rPr lang="en-US" sz="2400" kern="0" dirty="0">
+                          <a:effectLst/>
+                          <a:latin typeface="Times New Roman" charset="0"/>
+                          <a:ea typeface="宋体" charset="-122"/>
+                        </a:rPr>
+                        <a:t>1</a:t>
+                      </a:r>
+                      <a:r>
+                        <a:rPr lang="zh-CN" sz="2400" kern="0" dirty="0">
+                          <a:effectLst/>
+                          <a:latin typeface="Times New Roman" charset="0"/>
+                          <a:ea typeface="宋体" charset="-122"/>
+                        </a:rPr>
+                        <a:t>日</a:t>
+                      </a:r>
+                      <a:endParaRPr lang="zh-CN" sz="2400" kern="100" dirty="0">
+                        <a:effectLst/>
+                        <a:latin typeface="Times New Roman" charset="0"/>
+                        <a:ea typeface="宋体" charset="-122"/>
+                      </a:endParaRPr>
+                    </a:p>
+                  </a:txBody>
+                  <a:tcPr marL="66675" marR="66675" marT="66675" marB="66675"/>
+                </a:tc>
+                <a:tc>
+                  <a:txBody>
+                    <a:bodyPr/>
+                    <a:lstStyle/>
+                    <a:p>
+                      <a:pPr algn="l">
+                        <a:spcAft>
+                          <a:spcPts val="0"/>
+                        </a:spcAft>
+                      </a:pPr>
+                      <a:r>
+                        <a:rPr lang="zh-CN" sz="2400" kern="0" dirty="0">
+                          <a:effectLst/>
+                          <a:latin typeface="Times New Roman" charset="0"/>
+                          <a:ea typeface="宋体" charset="-122"/>
+                        </a:rPr>
+                        <a:t>完成数据库的设计；</a:t>
+                      </a:r>
+                      <a:endParaRPr lang="zh-CN" sz="2400" kern="100" dirty="0">
+                        <a:effectLst/>
+                        <a:latin typeface="Times New Roman" charset="0"/>
+                        <a:ea typeface="宋体" charset="-122"/>
+                      </a:endParaRPr>
+                    </a:p>
+                    <a:p>
+                      <a:pPr algn="l">
+                        <a:spcAft>
+                          <a:spcPts val="0"/>
+                        </a:spcAft>
+                      </a:pPr>
+                      <a:r>
+                        <a:rPr lang="zh-CN" sz="2400" kern="0" dirty="0">
+                          <a:effectLst/>
+                          <a:latin typeface="Times New Roman" charset="0"/>
+                          <a:ea typeface="宋体" charset="-122"/>
+                        </a:rPr>
+                        <a:t>完成问卷创建、编辑、发布问卷；</a:t>
+                      </a:r>
+                      <a:endParaRPr lang="zh-CN" sz="2400" kern="100" dirty="0">
+                        <a:effectLst/>
+                        <a:latin typeface="Times New Roman" charset="0"/>
+                        <a:ea typeface="宋体" charset="-122"/>
+                      </a:endParaRPr>
+                    </a:p>
+                    <a:p>
+                      <a:pPr algn="l">
+                        <a:spcAft>
+                          <a:spcPts val="0"/>
+                        </a:spcAft>
+                      </a:pPr>
+                      <a:r>
+                        <a:rPr lang="zh-CN" sz="2400" kern="0" dirty="0">
+                          <a:effectLst/>
+                          <a:latin typeface="Times New Roman" charset="0"/>
+                          <a:ea typeface="宋体" charset="-122"/>
+                        </a:rPr>
+                        <a:t>完成前端逻辑关联支持功能</a:t>
+                      </a:r>
+                      <a:endParaRPr lang="zh-CN" sz="2400" kern="100" dirty="0">
+                        <a:effectLst/>
+                        <a:latin typeface="Times New Roman" charset="0"/>
+                        <a:ea typeface="宋体" charset="-122"/>
+                      </a:endParaRPr>
+                    </a:p>
+                    <a:p>
+                      <a:pPr algn="l">
+                        <a:spcAft>
+                          <a:spcPts val="0"/>
+                        </a:spcAft>
+                      </a:pPr>
+                      <a:r>
+                        <a:rPr lang="zh-CN" sz="2400" kern="0" dirty="0">
+                          <a:effectLst/>
+                          <a:latin typeface="Times New Roman" charset="0"/>
+                          <a:ea typeface="宋体" charset="-122"/>
+                        </a:rPr>
+                        <a:t>并测试；</a:t>
+                      </a:r>
+                      <a:endParaRPr lang="zh-CN" sz="2400" kern="100" dirty="0">
+                        <a:effectLst/>
+                        <a:latin typeface="Times New Roman" charset="0"/>
+                        <a:ea typeface="宋体" charset="-122"/>
+                      </a:endParaRPr>
+                    </a:p>
+                  </a:txBody>
+                  <a:tcPr marL="66675" marR="66675" marT="66675" marB="66675"/>
+                </a:tc>
+                <a:tc>
+                  <a:txBody>
+                    <a:bodyPr/>
+                    <a:lstStyle/>
+                    <a:p>
+                      <a:pPr algn="l">
+                        <a:spcAft>
+                          <a:spcPts val="0"/>
+                        </a:spcAft>
+                      </a:pPr>
+                      <a:r>
+                        <a:rPr lang="en-US" sz="2400" kern="0" dirty="0">
+                          <a:effectLst/>
+                          <a:latin typeface="Times New Roman" charset="0"/>
+                          <a:ea typeface="宋体" charset="-122"/>
+                        </a:rPr>
+                        <a:t>R1 </a:t>
+                      </a:r>
+                      <a:r>
+                        <a:rPr lang="zh-CN" sz="2400" kern="0" dirty="0">
+                          <a:effectLst/>
+                          <a:latin typeface="Times New Roman" charset="0"/>
+                          <a:ea typeface="宋体" charset="-122"/>
+                        </a:rPr>
+                        <a:t>代码完成；</a:t>
+                      </a:r>
+                      <a:endParaRPr lang="zh-CN" sz="2400" kern="100" dirty="0">
+                        <a:effectLst/>
+                        <a:latin typeface="Times New Roman" charset="0"/>
+                        <a:ea typeface="宋体" charset="-122"/>
+                      </a:endParaRPr>
+                    </a:p>
+                    <a:p>
+                      <a:pPr algn="l">
+                        <a:spcAft>
+                          <a:spcPts val="0"/>
+                        </a:spcAft>
+                      </a:pPr>
+                      <a:r>
+                        <a:rPr lang="zh-CN" sz="2400" kern="0" dirty="0">
+                          <a:effectLst/>
+                          <a:latin typeface="Times New Roman" charset="0"/>
+                          <a:ea typeface="宋体" charset="-122"/>
+                        </a:rPr>
+                        <a:t>《迭代</a:t>
+                      </a:r>
+                      <a:r>
+                        <a:rPr lang="en-US" sz="2400" kern="0" dirty="0">
+                          <a:effectLst/>
+                          <a:latin typeface="Times New Roman" charset="0"/>
+                          <a:ea typeface="宋体" charset="-122"/>
+                        </a:rPr>
+                        <a:t>1</a:t>
+                      </a:r>
+                      <a:r>
+                        <a:rPr lang="zh-CN" sz="2400" kern="0" dirty="0">
+                          <a:effectLst/>
+                          <a:latin typeface="Times New Roman" charset="0"/>
+                          <a:ea typeface="宋体" charset="-122"/>
+                        </a:rPr>
+                        <a:t>计划》；</a:t>
+                      </a:r>
+                      <a:endParaRPr lang="zh-CN" sz="2400" kern="100" dirty="0">
+                        <a:effectLst/>
+                        <a:latin typeface="Times New Roman" charset="0"/>
+                        <a:ea typeface="宋体" charset="-122"/>
+                      </a:endParaRPr>
+                    </a:p>
+                    <a:p>
+                      <a:pPr algn="l">
+                        <a:spcAft>
+                          <a:spcPts val="0"/>
+                        </a:spcAft>
+                      </a:pPr>
+                      <a:r>
+                        <a:rPr lang="zh-CN" sz="2400" kern="0" dirty="0">
+                          <a:effectLst/>
+                          <a:latin typeface="Times New Roman" charset="0"/>
+                          <a:ea typeface="宋体" charset="-122"/>
+                        </a:rPr>
+                        <a:t>《迭代</a:t>
+                      </a:r>
+                      <a:r>
+                        <a:rPr lang="en-US" sz="2400" kern="0" dirty="0">
+                          <a:effectLst/>
+                          <a:latin typeface="Times New Roman" charset="0"/>
+                          <a:ea typeface="宋体" charset="-122"/>
+                        </a:rPr>
+                        <a:t>1</a:t>
+                      </a:r>
+                      <a:r>
+                        <a:rPr lang="zh-CN" sz="2400" kern="0" dirty="0">
+                          <a:effectLst/>
+                          <a:latin typeface="Times New Roman" charset="0"/>
+                          <a:ea typeface="宋体" charset="-122"/>
+                        </a:rPr>
+                        <a:t>评估报告》</a:t>
+                      </a:r>
+                      <a:endParaRPr lang="zh-CN" sz="2400" kern="100" dirty="0">
+                        <a:effectLst/>
+                        <a:latin typeface="Times New Roman" charset="0"/>
+                        <a:ea typeface="宋体" charset="-122"/>
+                      </a:endParaRPr>
+                    </a:p>
+                  </a:txBody>
+                  <a:tcPr marL="66675" marR="66675" marT="66675" marB="66675"/>
+                </a:tc>
+              </a:tr>
+            </a:tbl>
+          </a:graphicData>
+        </a:graphic>
+      </p:graphicFrame>
+    </p:spTree>
+    <p:extLst>
+      <p:ext uri="{BB962C8B-B14F-4D97-AF65-F5344CB8AC3E}">
+        <p14:creationId xmlns:p14="http://schemas.microsoft.com/office/powerpoint/2010/main" val="1938226234"/>
+      </p:ext>
+    </p:extLst>
+  </p:cSld>
+  <p:clrMapOvr>
+    <a:masterClrMapping/>
+  </p:clrMapOvr>
+  <p:timing>
+    <p:tnLst>
+      <p:par>
+        <p:cTn id="1" dur="indefinite" restart="never" nodeType="tmRoot"/>
+      </p:par>
+    </p:tnLst>
+  </p:timing>
+</p:sld>
+</file>
+
+<file path=ppt/slides/slide23.xml><?xml version="1.0" encoding="utf-8"?>
+<p:sld xmlns:a="http://schemas.openxmlformats.org/drawingml/2006/main" xmlns:r="http://schemas.openxmlformats.org/officeDocument/2006/relationships" xmlns:p="http://schemas.openxmlformats.org/presentationml/2006/main">
+  <p:cSld>
+    <p:spTree>
+      <p:nvGrpSpPr>
+        <p:cNvPr id="1" name=""/>
+        <p:cNvGrpSpPr/>
+        <p:nvPr/>
+      </p:nvGrpSpPr>
+      <p:grpSpPr>
+        <a:xfrm>
+          <a:off x="0" y="0"/>
+          <a:ext cx="0" cy="0"/>
+          <a:chOff x="0" y="0"/>
+          <a:chExt cx="0" cy="0"/>
+        </a:xfrm>
+      </p:grpSpPr>
+      <p:graphicFrame>
+        <p:nvGraphicFramePr>
+          <p:cNvPr id="3" name="表格 2"/>
+          <p:cNvGraphicFramePr>
+            <a:graphicFrameLocks noGrp="1"/>
+          </p:cNvGraphicFramePr>
+          <p:nvPr>
+            <p:extLst>
+              <p:ext uri="{D42A27DB-BD31-4B8C-83A1-F6EECF244321}">
+                <p14:modId xmlns:p14="http://schemas.microsoft.com/office/powerpoint/2010/main" val="686223686"/>
+              </p:ext>
+            </p:extLst>
+          </p:nvPr>
+        </p:nvGraphicFramePr>
+        <p:xfrm>
+          <a:off x="310897" y="365331"/>
+          <a:ext cx="8485631" cy="6080319"/>
+        </p:xfrm>
+        <a:graphic>
+          <a:graphicData uri="http://schemas.openxmlformats.org/drawingml/2006/table">
+            <a:tbl>
+              <a:tblPr firstRow="1" bandRow="1">
+                <a:tableStyleId>{5C22544A-7EE6-4342-B048-85BDC9FD1C3A}</a:tableStyleId>
+              </a:tblPr>
+              <a:tblGrid>
+                <a:gridCol w="861323"/>
+                <a:gridCol w="1516116"/>
+                <a:gridCol w="3511296"/>
+                <a:gridCol w="2596896"/>
+              </a:tblGrid>
+              <a:tr h="297515">
+                <a:tc>
+                  <a:txBody>
+                    <a:bodyPr/>
+                    <a:lstStyle/>
+                    <a:p>
+                      <a:pPr algn="l">
+                        <a:spcAft>
+                          <a:spcPts val="0"/>
+                        </a:spcAft>
+                      </a:pPr>
+                      <a:r>
+                        <a:rPr lang="zh-CN" sz="2400" kern="0" dirty="0">
+                          <a:effectLst/>
+                          <a:latin typeface="Times New Roman" charset="0"/>
+                          <a:ea typeface="宋体" charset="-122"/>
+                        </a:rPr>
+                        <a:t>阶段</a:t>
+                      </a:r>
+                      <a:endParaRPr lang="zh-CN" sz="2400" kern="100" dirty="0">
+                        <a:effectLst/>
+                        <a:latin typeface="Times New Roman" charset="0"/>
+                        <a:ea typeface="宋体" charset="-122"/>
+                      </a:endParaRPr>
+                    </a:p>
+                  </a:txBody>
+                  <a:tcPr marL="66675" marR="66675" marT="66675" marB="66675"/>
+                </a:tc>
+                <a:tc>
+                  <a:txBody>
+                    <a:bodyPr/>
+                    <a:lstStyle/>
+                    <a:p>
+                      <a:pPr algn="l">
+                        <a:spcAft>
+                          <a:spcPts val="0"/>
+                        </a:spcAft>
+                      </a:pPr>
+                      <a:r>
+                        <a:rPr lang="zh-CN" sz="2400" kern="0">
+                          <a:effectLst/>
+                          <a:latin typeface="Times New Roman" charset="0"/>
+                          <a:ea typeface="宋体" charset="-122"/>
+                        </a:rPr>
+                        <a:t>迭代</a:t>
+                      </a:r>
+                      <a:endParaRPr lang="zh-CN" sz="2400" kern="100">
+                        <a:effectLst/>
+                        <a:latin typeface="Times New Roman" charset="0"/>
+                        <a:ea typeface="宋体" charset="-122"/>
+                      </a:endParaRPr>
+                    </a:p>
+                  </a:txBody>
+                  <a:tcPr marL="66675" marR="66675" marT="66675" marB="66675"/>
+                </a:tc>
+                <a:tc>
+                  <a:txBody>
+                    <a:bodyPr/>
+                    <a:lstStyle/>
+                    <a:p>
+                      <a:pPr algn="l">
+                        <a:spcAft>
+                          <a:spcPts val="0"/>
+                        </a:spcAft>
+                      </a:pPr>
+                      <a:r>
+                        <a:rPr lang="zh-CN" sz="2400" kern="0" dirty="0">
+                          <a:effectLst/>
+                          <a:latin typeface="Times New Roman" charset="0"/>
+                          <a:ea typeface="宋体" charset="-122"/>
+                        </a:rPr>
+                        <a:t>任务描述</a:t>
+                      </a:r>
+                      <a:endParaRPr lang="zh-CN" sz="2400" kern="100" dirty="0">
+                        <a:effectLst/>
+                        <a:latin typeface="Times New Roman" charset="0"/>
+                        <a:ea typeface="宋体" charset="-122"/>
+                      </a:endParaRPr>
+                    </a:p>
+                  </a:txBody>
+                  <a:tcPr marL="66675" marR="66675" marT="66675" marB="66675"/>
+                </a:tc>
+                <a:tc>
+                  <a:txBody>
+                    <a:bodyPr/>
+                    <a:lstStyle/>
+                    <a:p>
+                      <a:pPr algn="l">
+                        <a:spcAft>
+                          <a:spcPts val="0"/>
+                        </a:spcAft>
+                      </a:pPr>
+                      <a:r>
+                        <a:rPr lang="zh-CN" sz="2400" kern="0" dirty="0">
+                          <a:effectLst/>
+                          <a:latin typeface="Times New Roman" charset="0"/>
+                          <a:ea typeface="宋体" charset="-122"/>
+                        </a:rPr>
+                        <a:t>成果</a:t>
+                      </a:r>
+                      <a:endParaRPr lang="zh-CN" sz="2400" kern="100" dirty="0">
+                        <a:effectLst/>
+                        <a:latin typeface="Times New Roman" charset="0"/>
+                        <a:ea typeface="宋体" charset="-122"/>
+                      </a:endParaRPr>
+                    </a:p>
+                  </a:txBody>
+                  <a:tcPr marL="66675" marR="66675" marT="66675" marB="66675"/>
+                </a:tc>
+              </a:tr>
+              <a:tr h="899714">
+                <a:tc>
+                  <a:txBody>
+                    <a:bodyPr/>
+                    <a:lstStyle/>
+                    <a:p>
+                      <a:pPr algn="l">
+                        <a:spcAft>
+                          <a:spcPts val="0"/>
+                        </a:spcAft>
+                      </a:pPr>
+                      <a:r>
+                        <a:rPr lang="en-US" sz="2200" kern="0" dirty="0">
+                          <a:effectLst/>
+                          <a:latin typeface="Times New Roman" charset="0"/>
+                          <a:ea typeface="宋体" charset="-122"/>
+                        </a:rPr>
+                        <a:t> </a:t>
+                      </a:r>
+                      <a:endParaRPr lang="zh-CN" sz="2200" kern="100" dirty="0">
+                        <a:effectLst/>
+                        <a:latin typeface="Times New Roman" charset="0"/>
+                        <a:ea typeface="宋体" charset="-122"/>
+                      </a:endParaRPr>
+                    </a:p>
+                  </a:txBody>
+                  <a:tcPr marL="66675" marR="66675" marT="66675" marB="66675"/>
+                </a:tc>
+                <a:tc>
+                  <a:txBody>
+                    <a:bodyPr/>
+                    <a:lstStyle/>
+                    <a:p>
+                      <a:pPr algn="l">
+                        <a:spcAft>
+                          <a:spcPts val="0"/>
+                        </a:spcAft>
+                      </a:pPr>
+                      <a:r>
+                        <a:rPr lang="zh-CN" sz="2200" kern="0" dirty="0">
+                          <a:effectLst/>
+                          <a:latin typeface="Times New Roman" charset="0"/>
+                          <a:ea typeface="宋体" charset="-122"/>
+                        </a:rPr>
+                        <a:t>迭代二</a:t>
+                      </a:r>
+                      <a:endParaRPr lang="zh-CN" sz="2200" kern="100" dirty="0">
+                        <a:effectLst/>
+                        <a:latin typeface="Times New Roman" charset="0"/>
+                        <a:ea typeface="宋体" charset="-122"/>
+                      </a:endParaRPr>
+                    </a:p>
+                    <a:p>
+                      <a:pPr algn="l">
+                        <a:spcAft>
+                          <a:spcPts val="0"/>
+                        </a:spcAft>
+                      </a:pPr>
+                      <a:r>
+                        <a:rPr lang="en-US" sz="2200" kern="0" dirty="0">
+                          <a:effectLst/>
+                          <a:latin typeface="Times New Roman" charset="0"/>
+                          <a:ea typeface="宋体" charset="-122"/>
+                        </a:rPr>
+                        <a:t>7</a:t>
+                      </a:r>
+                      <a:r>
+                        <a:rPr lang="zh-CN" sz="2200" kern="0" dirty="0">
+                          <a:effectLst/>
+                          <a:latin typeface="Times New Roman" charset="0"/>
+                          <a:ea typeface="宋体" charset="-122"/>
+                        </a:rPr>
+                        <a:t>月</a:t>
+                      </a:r>
+                      <a:r>
+                        <a:rPr lang="en-US" sz="2200" kern="0" dirty="0">
+                          <a:effectLst/>
+                          <a:latin typeface="Times New Roman" charset="0"/>
+                          <a:ea typeface="宋体" charset="-122"/>
+                        </a:rPr>
+                        <a:t>2</a:t>
+                      </a:r>
+                      <a:r>
+                        <a:rPr lang="zh-CN" sz="2200" kern="0" dirty="0">
+                          <a:effectLst/>
+                          <a:latin typeface="Times New Roman" charset="0"/>
+                          <a:ea typeface="宋体" charset="-122"/>
+                        </a:rPr>
+                        <a:t>日</a:t>
+                      </a:r>
+                      <a:r>
+                        <a:rPr lang="en-US" sz="2200" kern="0" dirty="0">
+                          <a:effectLst/>
+                          <a:latin typeface="Times New Roman" charset="0"/>
+                          <a:ea typeface="宋体" charset="-122"/>
+                        </a:rPr>
+                        <a:t>~7</a:t>
+                      </a:r>
+                      <a:r>
+                        <a:rPr lang="zh-CN" sz="2200" kern="0" dirty="0" smtClean="0">
+                          <a:effectLst/>
+                          <a:latin typeface="Times New Roman" charset="0"/>
+                          <a:ea typeface="宋体" charset="-122"/>
+                        </a:rPr>
+                        <a:t>月</a:t>
+                      </a:r>
+                      <a:r>
+                        <a:rPr lang="en-US" altLang="zh-CN" sz="2200" kern="0" dirty="0">
+                          <a:effectLst/>
+                          <a:latin typeface="Times New Roman" charset="0"/>
+                          <a:ea typeface="宋体" charset="-122"/>
+                        </a:rPr>
+                        <a:t>8</a:t>
+                      </a:r>
+                      <a:r>
+                        <a:rPr lang="zh-CN" sz="2200" kern="0" dirty="0" smtClean="0">
+                          <a:effectLst/>
+                          <a:latin typeface="Times New Roman" charset="0"/>
+                          <a:ea typeface="宋体" charset="-122"/>
+                        </a:rPr>
+                        <a:t>日</a:t>
+                      </a:r>
+                      <a:endParaRPr lang="zh-CN" sz="2200" kern="100" dirty="0">
+                        <a:effectLst/>
+                        <a:latin typeface="Times New Roman" charset="0"/>
+                        <a:ea typeface="宋体" charset="-122"/>
+                      </a:endParaRPr>
+                    </a:p>
+                  </a:txBody>
+                  <a:tcPr marL="66675" marR="66675" marT="66675" marB="66675"/>
+                </a:tc>
+                <a:tc>
+                  <a:txBody>
+                    <a:bodyPr/>
+                    <a:lstStyle/>
+                    <a:p>
+                      <a:pPr algn="l">
+                        <a:spcAft>
+                          <a:spcPts val="0"/>
+                        </a:spcAft>
+                      </a:pPr>
+                      <a:r>
+                        <a:rPr lang="zh-CN" sz="2200" kern="0" dirty="0">
+                          <a:effectLst/>
+                          <a:latin typeface="Times New Roman" charset="0"/>
+                          <a:ea typeface="宋体" charset="-122"/>
+                        </a:rPr>
+                        <a:t>完成问卷基础的统计功能</a:t>
+                      </a:r>
+                      <a:endParaRPr lang="zh-CN" sz="2200" kern="100" dirty="0">
+                        <a:effectLst/>
+                        <a:latin typeface="Times New Roman" charset="0"/>
+                        <a:ea typeface="宋体" charset="-122"/>
+                      </a:endParaRPr>
+                    </a:p>
+                    <a:p>
+                      <a:pPr algn="l">
+                        <a:spcAft>
+                          <a:spcPts val="0"/>
+                        </a:spcAft>
+                      </a:pPr>
+                      <a:r>
+                        <a:rPr lang="zh-CN" sz="2200" kern="0" dirty="0">
+                          <a:effectLst/>
+                          <a:latin typeface="Times New Roman" charset="0"/>
+                          <a:ea typeface="宋体" charset="-122"/>
+                        </a:rPr>
+                        <a:t>完成用户信息修改、用户权限管理的</a:t>
+                      </a:r>
+                      <a:r>
+                        <a:rPr lang="zh-CN" sz="2200" kern="0" dirty="0" smtClean="0">
+                          <a:effectLst/>
+                          <a:latin typeface="Times New Roman" charset="0"/>
+                          <a:ea typeface="宋体" charset="-122"/>
+                        </a:rPr>
+                        <a:t>功能</a:t>
+                      </a:r>
+                      <a:endParaRPr lang="en-US" altLang="zh-CN" sz="2200" kern="0" dirty="0" smtClean="0">
+                        <a:effectLst/>
+                        <a:latin typeface="Times New Roman" charset="0"/>
+                        <a:ea typeface="宋体" charset="-122"/>
+                      </a:endParaRPr>
+                    </a:p>
+                    <a:p>
+                      <a:pPr algn="l">
+                        <a:spcAft>
+                          <a:spcPts val="0"/>
+                        </a:spcAft>
+                      </a:pPr>
+                      <a:r>
+                        <a:rPr lang="zh-CN" altLang="en-US" sz="2200" kern="0" dirty="0" smtClean="0">
+                          <a:effectLst/>
+                          <a:latin typeface="Times New Roman" charset="0"/>
+                          <a:ea typeface="宋体" charset="-122"/>
+                        </a:rPr>
+                        <a:t>完成管理员用户、问卷管理</a:t>
+                      </a:r>
+                      <a:endParaRPr lang="zh-CN" sz="2200" kern="100" dirty="0">
+                        <a:effectLst/>
+                        <a:latin typeface="Times New Roman" charset="0"/>
+                        <a:ea typeface="宋体" charset="-122"/>
+                      </a:endParaRPr>
+                    </a:p>
+                  </a:txBody>
+                  <a:tcPr marL="66675" marR="66675" marT="66675" marB="66675"/>
+                </a:tc>
+                <a:tc>
+                  <a:txBody>
+                    <a:bodyPr/>
+                    <a:lstStyle/>
+                    <a:p>
+                      <a:pPr algn="l">
+                        <a:spcAft>
+                          <a:spcPts val="0"/>
+                        </a:spcAft>
+                      </a:pPr>
+                      <a:r>
+                        <a:rPr lang="en-US" sz="2200" kern="0">
+                          <a:effectLst/>
+                          <a:latin typeface="Times New Roman" charset="0"/>
+                          <a:ea typeface="宋体" charset="-122"/>
+                        </a:rPr>
+                        <a:t>R2 </a:t>
+                      </a:r>
+                      <a:r>
+                        <a:rPr lang="zh-CN" sz="2200" kern="0">
+                          <a:effectLst/>
+                          <a:latin typeface="Times New Roman" charset="0"/>
+                          <a:ea typeface="宋体" charset="-122"/>
+                        </a:rPr>
+                        <a:t>代码完成；</a:t>
+                      </a:r>
+                      <a:endParaRPr lang="zh-CN" sz="2200" kern="100">
+                        <a:effectLst/>
+                        <a:latin typeface="Times New Roman" charset="0"/>
+                        <a:ea typeface="宋体" charset="-122"/>
+                      </a:endParaRPr>
+                    </a:p>
+                    <a:p>
+                      <a:pPr algn="l">
+                        <a:spcAft>
+                          <a:spcPts val="0"/>
+                        </a:spcAft>
+                      </a:pPr>
+                      <a:r>
+                        <a:rPr lang="zh-CN" sz="2200" kern="0">
+                          <a:effectLst/>
+                          <a:latin typeface="Times New Roman" charset="0"/>
+                          <a:ea typeface="宋体" charset="-122"/>
+                        </a:rPr>
+                        <a:t>《迭代</a:t>
+                      </a:r>
+                      <a:r>
+                        <a:rPr lang="en-US" sz="2200" kern="0">
+                          <a:effectLst/>
+                          <a:latin typeface="Times New Roman" charset="0"/>
+                          <a:ea typeface="宋体" charset="-122"/>
+                        </a:rPr>
+                        <a:t>2</a:t>
+                      </a:r>
+                      <a:r>
+                        <a:rPr lang="zh-CN" sz="2200" kern="0">
+                          <a:effectLst/>
+                          <a:latin typeface="Times New Roman" charset="0"/>
+                          <a:ea typeface="宋体" charset="-122"/>
+                        </a:rPr>
+                        <a:t>计划》；</a:t>
+                      </a:r>
+                      <a:endParaRPr lang="zh-CN" sz="2200" kern="100">
+                        <a:effectLst/>
+                        <a:latin typeface="Times New Roman" charset="0"/>
+                        <a:ea typeface="宋体" charset="-122"/>
+                      </a:endParaRPr>
+                    </a:p>
+                    <a:p>
+                      <a:pPr algn="l">
+                        <a:spcAft>
+                          <a:spcPts val="0"/>
+                        </a:spcAft>
+                      </a:pPr>
+                      <a:r>
+                        <a:rPr lang="zh-CN" sz="2200" kern="0">
+                          <a:effectLst/>
+                          <a:latin typeface="Times New Roman" charset="0"/>
+                          <a:ea typeface="宋体" charset="-122"/>
+                        </a:rPr>
+                        <a:t>《迭代</a:t>
+                      </a:r>
+                      <a:r>
+                        <a:rPr lang="en-US" sz="2200" kern="0">
+                          <a:effectLst/>
+                          <a:latin typeface="Times New Roman" charset="0"/>
+                          <a:ea typeface="宋体" charset="-122"/>
+                        </a:rPr>
+                        <a:t>2</a:t>
+                      </a:r>
+                      <a:r>
+                        <a:rPr lang="zh-CN" sz="2200" kern="0">
+                          <a:effectLst/>
+                          <a:latin typeface="Times New Roman" charset="0"/>
+                          <a:ea typeface="宋体" charset="-122"/>
+                        </a:rPr>
+                        <a:t>评估报告》</a:t>
+                      </a:r>
+                      <a:endParaRPr lang="zh-CN" sz="2200" kern="100">
+                        <a:effectLst/>
+                        <a:latin typeface="Times New Roman" charset="0"/>
+                        <a:ea typeface="宋体" charset="-122"/>
+                      </a:endParaRPr>
+                    </a:p>
+                  </a:txBody>
+                  <a:tcPr marL="66675" marR="66675" marT="66675" marB="66675"/>
+                </a:tc>
+              </a:tr>
+              <a:tr h="899714">
+                <a:tc>
+                  <a:txBody>
+                    <a:bodyPr/>
+                    <a:lstStyle/>
+                    <a:p>
+                      <a:pPr algn="l">
+                        <a:spcAft>
+                          <a:spcPts val="0"/>
+                        </a:spcAft>
+                      </a:pPr>
+                      <a:r>
+                        <a:rPr lang="en-US" sz="2200" kern="0">
+                          <a:effectLst/>
+                          <a:latin typeface="Times New Roman" charset="0"/>
+                          <a:ea typeface="宋体" charset="-122"/>
+                        </a:rPr>
+                        <a:t> </a:t>
+                      </a:r>
+                      <a:endParaRPr lang="zh-CN" sz="2200" kern="100">
+                        <a:effectLst/>
+                        <a:latin typeface="Times New Roman" charset="0"/>
+                        <a:ea typeface="宋体" charset="-122"/>
+                      </a:endParaRPr>
+                    </a:p>
+                  </a:txBody>
+                  <a:tcPr marL="66675" marR="66675" marT="66675" marB="66675"/>
+                </a:tc>
+                <a:tc>
+                  <a:txBody>
+                    <a:bodyPr/>
+                    <a:lstStyle/>
+                    <a:p>
+                      <a:pPr algn="l">
+                        <a:spcAft>
+                          <a:spcPts val="0"/>
+                        </a:spcAft>
+                      </a:pPr>
+                      <a:r>
+                        <a:rPr lang="zh-CN" sz="2200" kern="0" dirty="0" smtClean="0">
+                          <a:effectLst/>
+                          <a:latin typeface="Times New Roman" charset="0"/>
+                          <a:ea typeface="宋体" charset="-122"/>
+                        </a:rPr>
+                        <a:t>迭代</a:t>
+                      </a:r>
+                      <a:r>
+                        <a:rPr lang="zh-CN" altLang="en-US" sz="2200" kern="0" dirty="0" smtClean="0">
+                          <a:effectLst/>
+                          <a:latin typeface="Times New Roman" charset="0"/>
+                          <a:ea typeface="宋体" charset="-122"/>
+                        </a:rPr>
+                        <a:t>三</a:t>
+                      </a:r>
+                      <a:r>
+                        <a:rPr lang="zh-CN" sz="2200" kern="0" dirty="0" smtClean="0">
+                          <a:effectLst/>
+                          <a:latin typeface="Times New Roman" charset="0"/>
+                          <a:ea typeface="宋体" charset="-122"/>
+                        </a:rPr>
+                        <a:t> </a:t>
+                      </a:r>
+                      <a:endParaRPr lang="zh-CN" sz="2200" kern="100" dirty="0">
+                        <a:effectLst/>
+                        <a:latin typeface="Times New Roman" charset="0"/>
+                        <a:ea typeface="宋体" charset="-122"/>
+                      </a:endParaRPr>
+                    </a:p>
+                    <a:p>
+                      <a:pPr algn="l">
+                        <a:spcAft>
+                          <a:spcPts val="0"/>
+                        </a:spcAft>
+                      </a:pPr>
+                      <a:r>
+                        <a:rPr lang="en-US" sz="2200" kern="0" dirty="0">
+                          <a:effectLst/>
+                          <a:latin typeface="Times New Roman" charset="0"/>
+                          <a:ea typeface="宋体" charset="-122"/>
+                        </a:rPr>
+                        <a:t>7</a:t>
+                      </a:r>
+                      <a:r>
+                        <a:rPr lang="zh-CN" sz="2200" kern="0" dirty="0" smtClean="0">
+                          <a:effectLst/>
+                          <a:latin typeface="Times New Roman" charset="0"/>
+                          <a:ea typeface="宋体" charset="-122"/>
+                        </a:rPr>
+                        <a:t>月</a:t>
+                      </a:r>
+                      <a:r>
+                        <a:rPr lang="en-US" altLang="zh-CN" sz="2200" kern="0" dirty="0">
+                          <a:effectLst/>
+                          <a:latin typeface="Times New Roman" charset="0"/>
+                          <a:ea typeface="宋体" charset="-122"/>
+                        </a:rPr>
+                        <a:t>9</a:t>
+                      </a:r>
+                      <a:r>
+                        <a:rPr lang="zh-CN" sz="2200" kern="0" dirty="0" smtClean="0">
+                          <a:effectLst/>
+                          <a:latin typeface="Times New Roman" charset="0"/>
+                          <a:ea typeface="宋体" charset="-122"/>
+                        </a:rPr>
+                        <a:t>日</a:t>
+                      </a:r>
+                      <a:r>
+                        <a:rPr lang="en-US" sz="2200" kern="0" dirty="0" smtClean="0">
+                          <a:effectLst/>
+                          <a:latin typeface="Times New Roman" charset="0"/>
+                          <a:ea typeface="宋体" charset="-122"/>
+                        </a:rPr>
+                        <a:t>~7</a:t>
+                      </a:r>
+                      <a:r>
+                        <a:rPr lang="zh-CN" sz="2200" kern="0" dirty="0">
+                          <a:effectLst/>
+                          <a:latin typeface="Times New Roman" charset="0"/>
+                          <a:ea typeface="宋体" charset="-122"/>
+                        </a:rPr>
+                        <a:t>月</a:t>
+                      </a:r>
+                      <a:r>
+                        <a:rPr lang="en-US" sz="2200" kern="0" dirty="0" smtClean="0">
+                          <a:effectLst/>
+                          <a:latin typeface="Times New Roman" charset="0"/>
+                          <a:ea typeface="宋体" charset="-122"/>
+                        </a:rPr>
+                        <a:t>1</a:t>
+                      </a:r>
+                      <a:r>
+                        <a:rPr lang="en-US" altLang="zh-CN" sz="2200" kern="0" dirty="0" smtClean="0">
+                          <a:effectLst/>
+                          <a:latin typeface="Times New Roman" charset="0"/>
+                          <a:ea typeface="宋体" charset="-122"/>
+                        </a:rPr>
+                        <a:t>5</a:t>
+                      </a:r>
+                      <a:r>
+                        <a:rPr lang="zh-CN" sz="2200" kern="0" dirty="0" smtClean="0">
+                          <a:effectLst/>
+                          <a:latin typeface="Times New Roman" charset="0"/>
+                          <a:ea typeface="宋体" charset="-122"/>
+                        </a:rPr>
+                        <a:t>日</a:t>
+                      </a:r>
+                      <a:endParaRPr lang="zh-CN" sz="2200" kern="100" dirty="0">
+                        <a:effectLst/>
+                        <a:latin typeface="Times New Roman" charset="0"/>
+                        <a:ea typeface="宋体" charset="-122"/>
+                      </a:endParaRPr>
+                    </a:p>
+                  </a:txBody>
+                  <a:tcPr marL="66675" marR="66675" marT="66675" marB="66675"/>
+                </a:tc>
+                <a:tc>
+                  <a:txBody>
+                    <a:bodyPr/>
+                    <a:lstStyle/>
+                    <a:p>
+                      <a:pPr algn="l">
+                        <a:spcAft>
+                          <a:spcPts val="0"/>
+                        </a:spcAft>
+                      </a:pPr>
+                      <a:r>
+                        <a:rPr lang="zh-CN" sz="2200" kern="0" dirty="0">
+                          <a:effectLst/>
+                          <a:latin typeface="Times New Roman" charset="0"/>
+                          <a:ea typeface="宋体" charset="-122"/>
+                        </a:rPr>
+                        <a:t>完成搜索问卷、填写、提交</a:t>
+                      </a:r>
+                      <a:r>
+                        <a:rPr lang="zh-CN" sz="2200" kern="0" dirty="0" smtClean="0">
+                          <a:effectLst/>
+                          <a:latin typeface="Times New Roman" charset="0"/>
+                          <a:ea typeface="宋体" charset="-122"/>
+                        </a:rPr>
+                        <a:t>；</a:t>
+                      </a:r>
+                      <a:endParaRPr lang="en-US" altLang="zh-CN" sz="2200" kern="0" dirty="0" smtClean="0">
+                        <a:effectLst/>
+                        <a:latin typeface="Times New Roman" charset="0"/>
+                        <a:ea typeface="宋体" charset="-122"/>
+                      </a:endParaRPr>
+                    </a:p>
+                    <a:p>
+                      <a:pPr algn="l">
+                        <a:spcAft>
+                          <a:spcPts val="0"/>
+                        </a:spcAft>
+                      </a:pPr>
+                      <a:r>
+                        <a:rPr lang="zh-CN" altLang="en-US" sz="2200" kern="0" dirty="0" smtClean="0">
+                          <a:effectLst/>
+                          <a:latin typeface="Times New Roman" charset="0"/>
+                          <a:ea typeface="宋体" charset="-122"/>
+                        </a:rPr>
+                        <a:t>完成管理员简易备份功能</a:t>
+                      </a:r>
+                      <a:endParaRPr lang="zh-CN" sz="2200" kern="100" dirty="0">
+                        <a:effectLst/>
+                        <a:latin typeface="Times New Roman" charset="0"/>
+                        <a:ea typeface="宋体" charset="-122"/>
+                      </a:endParaRPr>
+                    </a:p>
+                    <a:p>
+                      <a:pPr algn="l">
+                        <a:spcAft>
+                          <a:spcPts val="0"/>
+                        </a:spcAft>
+                      </a:pPr>
+                      <a:r>
+                        <a:rPr lang="zh-CN" sz="2200" kern="0" dirty="0">
+                          <a:effectLst/>
+                          <a:latin typeface="Times New Roman" charset="0"/>
+                          <a:ea typeface="宋体" charset="-122"/>
+                        </a:rPr>
+                        <a:t>完成回答内容预览的功能</a:t>
+                      </a:r>
+                      <a:endParaRPr lang="zh-CN" sz="2200" kern="100" dirty="0">
+                        <a:effectLst/>
+                        <a:latin typeface="Times New Roman" charset="0"/>
+                        <a:ea typeface="宋体" charset="-122"/>
+                      </a:endParaRPr>
+                    </a:p>
+                    <a:p>
+                      <a:pPr algn="l">
+                        <a:spcAft>
+                          <a:spcPts val="0"/>
+                        </a:spcAft>
+                      </a:pPr>
+                      <a:r>
+                        <a:rPr lang="zh-CN" sz="2200" kern="0" dirty="0">
+                          <a:effectLst/>
+                          <a:latin typeface="Times New Roman" charset="0"/>
+                          <a:ea typeface="宋体" charset="-122"/>
+                        </a:rPr>
+                        <a:t>并测试</a:t>
+                      </a:r>
+                      <a:endParaRPr lang="zh-CN" sz="2200" kern="100" dirty="0">
+                        <a:effectLst/>
+                        <a:latin typeface="Times New Roman" charset="0"/>
+                        <a:ea typeface="宋体" charset="-122"/>
+                      </a:endParaRPr>
+                    </a:p>
+                  </a:txBody>
+                  <a:tcPr marL="66675" marR="66675" marT="66675" marB="66675"/>
+                </a:tc>
+                <a:tc>
+                  <a:txBody>
+                    <a:bodyPr/>
+                    <a:lstStyle/>
+                    <a:p>
+                      <a:pPr algn="l">
+                        <a:spcAft>
+                          <a:spcPts val="0"/>
+                        </a:spcAft>
+                      </a:pPr>
+                      <a:r>
+                        <a:rPr lang="en-US" sz="2200" kern="0" dirty="0">
+                          <a:effectLst/>
+                          <a:latin typeface="Times New Roman" charset="0"/>
+                          <a:ea typeface="宋体" charset="-122"/>
+                        </a:rPr>
+                        <a:t>R3 </a:t>
+                      </a:r>
+                      <a:r>
+                        <a:rPr lang="zh-CN" sz="2200" kern="0" dirty="0">
+                          <a:effectLst/>
+                          <a:latin typeface="Times New Roman" charset="0"/>
+                          <a:ea typeface="宋体" charset="-122"/>
+                        </a:rPr>
+                        <a:t>代码完成；</a:t>
+                      </a:r>
+                      <a:endParaRPr lang="zh-CN" sz="2200" kern="100" dirty="0">
+                        <a:effectLst/>
+                        <a:latin typeface="Times New Roman" charset="0"/>
+                        <a:ea typeface="宋体" charset="-122"/>
+                      </a:endParaRPr>
+                    </a:p>
+                    <a:p>
+                      <a:pPr algn="l">
+                        <a:spcAft>
+                          <a:spcPts val="0"/>
+                        </a:spcAft>
+                      </a:pPr>
+                      <a:r>
+                        <a:rPr lang="zh-CN" sz="2200" kern="0" dirty="0">
+                          <a:effectLst/>
+                          <a:latin typeface="Times New Roman" charset="0"/>
+                          <a:ea typeface="宋体" charset="-122"/>
+                        </a:rPr>
+                        <a:t>《迭代</a:t>
+                      </a:r>
+                      <a:r>
+                        <a:rPr lang="en-US" sz="2200" kern="0" dirty="0">
+                          <a:effectLst/>
+                          <a:latin typeface="Times New Roman" charset="0"/>
+                          <a:ea typeface="宋体" charset="-122"/>
+                        </a:rPr>
+                        <a:t>3</a:t>
+                      </a:r>
+                      <a:r>
+                        <a:rPr lang="zh-CN" sz="2200" kern="0" dirty="0">
+                          <a:effectLst/>
+                          <a:latin typeface="Times New Roman" charset="0"/>
+                          <a:ea typeface="宋体" charset="-122"/>
+                        </a:rPr>
+                        <a:t>计划》；</a:t>
+                      </a:r>
+                      <a:endParaRPr lang="zh-CN" sz="2200" kern="100" dirty="0">
+                        <a:effectLst/>
+                        <a:latin typeface="Times New Roman" charset="0"/>
+                        <a:ea typeface="宋体" charset="-122"/>
+                      </a:endParaRPr>
+                    </a:p>
+                    <a:p>
+                      <a:pPr algn="l">
+                        <a:spcAft>
+                          <a:spcPts val="0"/>
+                        </a:spcAft>
+                      </a:pPr>
+                      <a:r>
+                        <a:rPr lang="zh-CN" sz="2200" kern="0" dirty="0">
+                          <a:effectLst/>
+                          <a:latin typeface="Times New Roman" charset="0"/>
+                          <a:ea typeface="宋体" charset="-122"/>
+                        </a:rPr>
+                        <a:t>《迭代</a:t>
+                      </a:r>
+                      <a:r>
+                        <a:rPr lang="en-US" sz="2200" kern="0" dirty="0">
+                          <a:effectLst/>
+                          <a:latin typeface="Times New Roman" charset="0"/>
+                          <a:ea typeface="宋体" charset="-122"/>
+                        </a:rPr>
+                        <a:t>3</a:t>
+                      </a:r>
+                      <a:r>
+                        <a:rPr lang="zh-CN" sz="2200" kern="0" dirty="0">
+                          <a:effectLst/>
+                          <a:latin typeface="Times New Roman" charset="0"/>
+                          <a:ea typeface="宋体" charset="-122"/>
+                        </a:rPr>
+                        <a:t>评估报告》</a:t>
+                      </a:r>
+                      <a:endParaRPr lang="zh-CN" sz="2200" kern="100" dirty="0">
+                        <a:effectLst/>
+                        <a:latin typeface="Times New Roman" charset="0"/>
+                        <a:ea typeface="宋体" charset="-122"/>
+                      </a:endParaRPr>
+                    </a:p>
+                  </a:txBody>
+                  <a:tcPr marL="66675" marR="66675" marT="66675" marB="66675"/>
+                </a:tc>
+              </a:tr>
+              <a:tr h="1157799">
+                <a:tc>
+                  <a:txBody>
+                    <a:bodyPr/>
+                    <a:lstStyle/>
+                    <a:p>
+                      <a:pPr algn="l">
+                        <a:spcAft>
+                          <a:spcPts val="0"/>
+                        </a:spcAft>
+                      </a:pPr>
+                      <a:r>
+                        <a:rPr lang="zh-CN" sz="2200" kern="0">
+                          <a:effectLst/>
+                          <a:latin typeface="Times New Roman" charset="0"/>
+                          <a:ea typeface="宋体" charset="-122"/>
+                        </a:rPr>
+                        <a:t>交付</a:t>
+                      </a:r>
+                      <a:endParaRPr lang="zh-CN" sz="2200" kern="100">
+                        <a:effectLst/>
+                        <a:latin typeface="Times New Roman" charset="0"/>
+                        <a:ea typeface="宋体" charset="-122"/>
+                      </a:endParaRPr>
+                    </a:p>
+                  </a:txBody>
+                  <a:tcPr marL="66675" marR="66675" marT="66675" marB="66675"/>
+                </a:tc>
+                <a:tc>
+                  <a:txBody>
+                    <a:bodyPr/>
+                    <a:lstStyle/>
+                    <a:p>
+                      <a:pPr algn="l">
+                        <a:spcAft>
+                          <a:spcPts val="0"/>
+                        </a:spcAft>
+                      </a:pPr>
+                      <a:r>
+                        <a:rPr lang="zh-CN" sz="2200" kern="0" dirty="0">
+                          <a:effectLst/>
+                          <a:latin typeface="Times New Roman" charset="0"/>
+                          <a:ea typeface="宋体" charset="-122"/>
+                        </a:rPr>
+                        <a:t>交付一 </a:t>
+                      </a:r>
+                      <a:endParaRPr lang="zh-CN" sz="2200" kern="100" dirty="0">
+                        <a:effectLst/>
+                        <a:latin typeface="Times New Roman" charset="0"/>
+                        <a:ea typeface="宋体" charset="-122"/>
+                      </a:endParaRPr>
+                    </a:p>
+                    <a:p>
+                      <a:pPr algn="l">
+                        <a:spcAft>
+                          <a:spcPts val="0"/>
+                        </a:spcAft>
+                      </a:pPr>
+                      <a:r>
+                        <a:rPr lang="en-US" sz="2200" kern="0" dirty="0">
+                          <a:effectLst/>
+                          <a:latin typeface="Times New Roman" charset="0"/>
+                          <a:ea typeface="宋体" charset="-122"/>
+                        </a:rPr>
+                        <a:t>7</a:t>
+                      </a:r>
+                      <a:r>
+                        <a:rPr lang="zh-CN" sz="2200" kern="0" dirty="0">
+                          <a:effectLst/>
+                          <a:latin typeface="Times New Roman" charset="0"/>
+                          <a:ea typeface="宋体" charset="-122"/>
+                        </a:rPr>
+                        <a:t>月</a:t>
+                      </a:r>
+                      <a:r>
+                        <a:rPr lang="en-US" sz="2200" kern="0" dirty="0" smtClean="0">
+                          <a:effectLst/>
+                          <a:latin typeface="Times New Roman" charset="0"/>
+                          <a:ea typeface="宋体" charset="-122"/>
+                        </a:rPr>
+                        <a:t>1</a:t>
+                      </a:r>
+                      <a:r>
+                        <a:rPr lang="en-US" altLang="zh-CN" sz="2200" kern="0" dirty="0" smtClean="0">
+                          <a:effectLst/>
+                          <a:latin typeface="Times New Roman" charset="0"/>
+                          <a:ea typeface="宋体" charset="-122"/>
+                        </a:rPr>
+                        <a:t>5</a:t>
+                      </a:r>
+                      <a:r>
+                        <a:rPr lang="zh-CN" sz="2200" kern="0" dirty="0" smtClean="0">
+                          <a:effectLst/>
+                          <a:latin typeface="Times New Roman" charset="0"/>
+                          <a:ea typeface="宋体" charset="-122"/>
+                        </a:rPr>
+                        <a:t>日</a:t>
+                      </a:r>
+                      <a:r>
+                        <a:rPr lang="en-US" sz="2200" kern="0" dirty="0" smtClean="0">
+                          <a:effectLst/>
+                          <a:latin typeface="Times New Roman" charset="0"/>
+                          <a:ea typeface="宋体" charset="-122"/>
+                        </a:rPr>
+                        <a:t>~7</a:t>
+                      </a:r>
+                      <a:r>
+                        <a:rPr lang="zh-CN" sz="2200" kern="0" dirty="0">
+                          <a:effectLst/>
+                          <a:latin typeface="Times New Roman" charset="0"/>
+                          <a:ea typeface="宋体" charset="-122"/>
+                        </a:rPr>
+                        <a:t>月</a:t>
+                      </a:r>
+                      <a:r>
+                        <a:rPr lang="en-US" sz="2200" kern="0" dirty="0" smtClean="0">
+                          <a:effectLst/>
+                          <a:latin typeface="Times New Roman" charset="0"/>
+                          <a:ea typeface="宋体" charset="-122"/>
+                        </a:rPr>
+                        <a:t>1</a:t>
+                      </a:r>
+                      <a:r>
+                        <a:rPr lang="en-US" altLang="zh-CN" sz="2200" kern="0" dirty="0" smtClean="0">
+                          <a:effectLst/>
+                          <a:latin typeface="Times New Roman" charset="0"/>
+                          <a:ea typeface="宋体" charset="-122"/>
+                        </a:rPr>
+                        <a:t>8</a:t>
+                      </a:r>
+                      <a:r>
+                        <a:rPr lang="zh-CN" sz="2200" kern="0" dirty="0" smtClean="0">
+                          <a:effectLst/>
+                          <a:latin typeface="Times New Roman" charset="0"/>
+                          <a:ea typeface="宋体" charset="-122"/>
+                        </a:rPr>
+                        <a:t>日</a:t>
+                      </a:r>
+                      <a:endParaRPr lang="zh-CN" sz="2200" kern="100" dirty="0">
+                        <a:effectLst/>
+                        <a:latin typeface="Times New Roman" charset="0"/>
+                        <a:ea typeface="宋体" charset="-122"/>
+                      </a:endParaRPr>
+                    </a:p>
+                  </a:txBody>
+                  <a:tcPr marL="66675" marR="66675" marT="66675" marB="66675"/>
+                </a:tc>
+                <a:tc>
+                  <a:txBody>
+                    <a:bodyPr/>
+                    <a:lstStyle/>
+                    <a:p>
+                      <a:pPr algn="l">
+                        <a:spcAft>
+                          <a:spcPts val="0"/>
+                        </a:spcAft>
+                      </a:pPr>
+                      <a:r>
+                        <a:rPr lang="zh-CN" sz="2200" kern="0" dirty="0">
+                          <a:effectLst/>
+                          <a:latin typeface="Times New Roman" charset="0"/>
+                          <a:ea typeface="宋体" charset="-122"/>
+                        </a:rPr>
+                        <a:t>整体测试，装配部署</a:t>
+                      </a:r>
+                      <a:endParaRPr lang="zh-CN" sz="2200" kern="100" dirty="0">
+                        <a:effectLst/>
+                        <a:latin typeface="Times New Roman" charset="0"/>
+                        <a:ea typeface="宋体" charset="-122"/>
+                      </a:endParaRPr>
+                    </a:p>
+                    <a:p>
+                      <a:pPr algn="l">
+                        <a:spcAft>
+                          <a:spcPts val="0"/>
+                        </a:spcAft>
+                      </a:pPr>
+                      <a:r>
+                        <a:rPr lang="zh-CN" sz="2200" kern="0" dirty="0">
+                          <a:effectLst/>
+                          <a:latin typeface="Times New Roman" charset="0"/>
+                          <a:ea typeface="宋体" charset="-122"/>
+                        </a:rPr>
+                        <a:t>完成交付一报告</a:t>
+                      </a:r>
+                      <a:endParaRPr lang="zh-CN" sz="2200" kern="100" dirty="0">
+                        <a:effectLst/>
+                        <a:latin typeface="Times New Roman" charset="0"/>
+                        <a:ea typeface="宋体" charset="-122"/>
+                      </a:endParaRPr>
+                    </a:p>
+                    <a:p>
+                      <a:pPr algn="l">
+                        <a:spcAft>
+                          <a:spcPts val="0"/>
+                        </a:spcAft>
+                      </a:pPr>
+                      <a:r>
+                        <a:rPr lang="zh-CN" sz="2200" kern="0" dirty="0">
+                          <a:effectLst/>
+                          <a:latin typeface="Times New Roman" charset="0"/>
+                          <a:ea typeface="宋体" charset="-122"/>
+                        </a:rPr>
+                        <a:t>并</a:t>
+                      </a:r>
+                      <a:r>
+                        <a:rPr lang="zh-CN" sz="2200" kern="0" dirty="0" smtClean="0">
+                          <a:effectLst/>
+                          <a:latin typeface="Times New Roman" charset="0"/>
+                          <a:ea typeface="宋体" charset="-122"/>
+                        </a:rPr>
+                        <a:t>测试</a:t>
+                      </a:r>
+                      <a:endParaRPr lang="zh-CN" sz="2200" kern="100" dirty="0">
+                        <a:effectLst/>
+                        <a:latin typeface="Times New Roman" charset="0"/>
+                        <a:ea typeface="宋体" charset="-122"/>
+                      </a:endParaRPr>
+                    </a:p>
+                  </a:txBody>
+                  <a:tcPr marL="66675" marR="66675" marT="66675" marB="66675"/>
+                </a:tc>
+                <a:tc>
+                  <a:txBody>
+                    <a:bodyPr/>
+                    <a:lstStyle/>
+                    <a:p>
+                      <a:pPr algn="l">
+                        <a:spcAft>
+                          <a:spcPts val="0"/>
+                        </a:spcAft>
+                      </a:pPr>
+                      <a:r>
+                        <a:rPr lang="en-US" sz="2200" kern="0" dirty="0">
+                          <a:effectLst/>
+                          <a:latin typeface="Times New Roman" charset="0"/>
+                          <a:ea typeface="宋体" charset="-122"/>
+                        </a:rPr>
+                        <a:t>T1 </a:t>
+                      </a:r>
+                      <a:r>
+                        <a:rPr lang="zh-CN" altLang="en-US" sz="2200" kern="0" dirty="0" smtClean="0">
+                          <a:effectLst/>
+                          <a:latin typeface="Times New Roman" charset="0"/>
+                          <a:ea typeface="宋体" charset="-122"/>
+                        </a:rPr>
+                        <a:t>产品</a:t>
+                      </a:r>
+                      <a:r>
+                        <a:rPr lang="zh-CN" sz="2200" kern="0" dirty="0" smtClean="0">
+                          <a:effectLst/>
+                          <a:latin typeface="Times New Roman" charset="0"/>
+                          <a:ea typeface="宋体" charset="-122"/>
+                        </a:rPr>
+                        <a:t>完成</a:t>
+                      </a:r>
+                      <a:r>
+                        <a:rPr lang="zh-CN" sz="2200" kern="0" dirty="0">
+                          <a:effectLst/>
+                          <a:latin typeface="Times New Roman" charset="0"/>
+                          <a:ea typeface="宋体" charset="-122"/>
+                        </a:rPr>
+                        <a:t>；</a:t>
+                      </a:r>
+                      <a:endParaRPr lang="zh-CN" sz="2200" kern="100" dirty="0">
+                        <a:effectLst/>
+                        <a:latin typeface="Times New Roman" charset="0"/>
+                        <a:ea typeface="宋体" charset="-122"/>
+                      </a:endParaRPr>
+                    </a:p>
+                    <a:p>
+                      <a:pPr algn="l">
+                        <a:spcAft>
+                          <a:spcPts val="0"/>
+                        </a:spcAft>
+                      </a:pPr>
+                      <a:r>
+                        <a:rPr lang="en-US" sz="2200" kern="0" dirty="0">
+                          <a:effectLst/>
+                          <a:latin typeface="Times New Roman" charset="0"/>
+                          <a:ea typeface="宋体" charset="-122"/>
+                        </a:rPr>
+                        <a:t>T1 </a:t>
+                      </a:r>
+                      <a:r>
+                        <a:rPr lang="zh-CN" sz="2200" kern="0" dirty="0">
+                          <a:effectLst/>
+                          <a:latin typeface="Times New Roman" charset="0"/>
+                          <a:ea typeface="宋体" charset="-122"/>
+                        </a:rPr>
+                        <a:t>结果报告</a:t>
+                      </a:r>
+                      <a:endParaRPr lang="zh-CN" sz="2200" kern="100" dirty="0">
+                        <a:effectLst/>
+                        <a:latin typeface="Times New Roman" charset="0"/>
+                        <a:ea typeface="宋体" charset="-122"/>
+                      </a:endParaRPr>
+                    </a:p>
+                    <a:p>
+                      <a:pPr algn="l">
+                        <a:spcAft>
+                          <a:spcPts val="0"/>
+                        </a:spcAft>
+                      </a:pPr>
+                      <a:r>
+                        <a:rPr lang="en-US" sz="2200" kern="0" dirty="0">
+                          <a:effectLst/>
+                          <a:latin typeface="Times New Roman" charset="0"/>
+                          <a:ea typeface="宋体" charset="-122"/>
+                        </a:rPr>
+                        <a:t>T1 </a:t>
+                      </a:r>
+                      <a:r>
+                        <a:rPr lang="zh-CN" sz="2200" kern="0" dirty="0">
+                          <a:effectLst/>
+                          <a:latin typeface="Times New Roman" charset="0"/>
+                          <a:ea typeface="宋体" charset="-122"/>
+                        </a:rPr>
+                        <a:t>测试报告</a:t>
+                      </a:r>
+                      <a:endParaRPr lang="zh-CN" sz="2200" kern="100" dirty="0">
+                        <a:effectLst/>
+                        <a:latin typeface="Times New Roman" charset="0"/>
+                        <a:ea typeface="宋体" charset="-122"/>
+                      </a:endParaRPr>
+                    </a:p>
+                  </a:txBody>
+                  <a:tcPr marL="66675" marR="66675" marT="66675" marB="66675"/>
+                </a:tc>
+              </a:tr>
+              <a:tr h="1157799">
+                <a:tc>
+                  <a:txBody>
+                    <a:bodyPr/>
+                    <a:lstStyle/>
+                    <a:p>
+                      <a:pPr algn="l">
+                        <a:spcAft>
+                          <a:spcPts val="0"/>
+                        </a:spcAft>
+                      </a:pPr>
+                      <a:endParaRPr lang="zh-CN" sz="2200" kern="100">
+                        <a:effectLst/>
+                        <a:latin typeface="Times New Roman" charset="0"/>
+                        <a:ea typeface="宋体" charset="-122"/>
+                      </a:endParaRPr>
+                    </a:p>
+                  </a:txBody>
+                  <a:tcPr marL="66675" marR="66675" marT="66675" marB="66675"/>
+                </a:tc>
+                <a:tc>
+                  <a:txBody>
+                    <a:bodyPr/>
+                    <a:lstStyle/>
+                    <a:p>
+                      <a:pPr algn="l">
+                        <a:spcAft>
+                          <a:spcPts val="0"/>
+                        </a:spcAft>
+                      </a:pPr>
+                      <a:r>
+                        <a:rPr lang="zh-CN" sz="2200" kern="0" dirty="0">
+                          <a:effectLst/>
+                          <a:latin typeface="Times New Roman" charset="0"/>
+                          <a:ea typeface="宋体" charset="-122"/>
+                        </a:rPr>
+                        <a:t>交付二</a:t>
+                      </a:r>
+                      <a:endParaRPr lang="zh-CN" sz="2200" kern="100" dirty="0">
+                        <a:effectLst/>
+                        <a:latin typeface="Times New Roman" charset="0"/>
+                        <a:ea typeface="宋体" charset="-122"/>
+                      </a:endParaRPr>
+                    </a:p>
+                    <a:p>
+                      <a:pPr algn="l">
+                        <a:spcAft>
+                          <a:spcPts val="0"/>
+                        </a:spcAft>
+                      </a:pPr>
+                      <a:r>
+                        <a:rPr lang="en-US" sz="2200" kern="0" dirty="0">
+                          <a:effectLst/>
+                          <a:latin typeface="Times New Roman" charset="0"/>
+                          <a:ea typeface="宋体" charset="-122"/>
+                        </a:rPr>
+                        <a:t>7</a:t>
+                      </a:r>
+                      <a:r>
+                        <a:rPr lang="zh-CN" sz="2200" kern="0" dirty="0">
+                          <a:effectLst/>
+                          <a:latin typeface="Times New Roman" charset="0"/>
+                          <a:ea typeface="宋体" charset="-122"/>
+                        </a:rPr>
+                        <a:t>月</a:t>
+                      </a:r>
+                      <a:r>
+                        <a:rPr lang="en-US" sz="2200" kern="0" dirty="0" smtClean="0">
+                          <a:effectLst/>
+                          <a:latin typeface="Times New Roman" charset="0"/>
+                          <a:ea typeface="宋体" charset="-122"/>
+                        </a:rPr>
+                        <a:t>1</a:t>
+                      </a:r>
+                      <a:r>
+                        <a:rPr lang="en-US" altLang="zh-CN" sz="2200" kern="0" dirty="0" smtClean="0">
+                          <a:effectLst/>
+                          <a:latin typeface="Times New Roman" charset="0"/>
+                          <a:ea typeface="宋体" charset="-122"/>
+                        </a:rPr>
+                        <a:t>9</a:t>
+                      </a:r>
+                      <a:r>
+                        <a:rPr lang="zh-CN" sz="2200" kern="0" dirty="0" smtClean="0">
+                          <a:effectLst/>
+                          <a:latin typeface="Times New Roman" charset="0"/>
+                          <a:ea typeface="宋体" charset="-122"/>
+                        </a:rPr>
+                        <a:t>日</a:t>
+                      </a:r>
+                      <a:r>
+                        <a:rPr lang="en-US" sz="2200" kern="0" dirty="0" smtClean="0">
+                          <a:effectLst/>
+                          <a:latin typeface="Times New Roman" charset="0"/>
+                          <a:ea typeface="宋体" charset="-122"/>
+                        </a:rPr>
+                        <a:t>~</a:t>
+                      </a:r>
+                      <a:r>
+                        <a:rPr lang="en-US" altLang="zh-CN" sz="2200" kern="0" dirty="0" smtClean="0">
+                          <a:effectLst/>
+                          <a:latin typeface="Times New Roman" charset="0"/>
+                          <a:ea typeface="宋体" charset="-122"/>
+                        </a:rPr>
+                        <a:t>9</a:t>
+                      </a:r>
+                      <a:r>
+                        <a:rPr lang="zh-CN" sz="2200" kern="0" dirty="0" smtClean="0">
+                          <a:effectLst/>
+                          <a:latin typeface="Times New Roman" charset="0"/>
+                          <a:ea typeface="宋体" charset="-122"/>
+                        </a:rPr>
+                        <a:t>月</a:t>
+                      </a:r>
+                      <a:r>
+                        <a:rPr lang="en-US" altLang="zh-CN" sz="2200" kern="0" dirty="0" smtClean="0">
+                          <a:effectLst/>
+                          <a:latin typeface="Times New Roman" charset="0"/>
+                          <a:ea typeface="宋体" charset="-122"/>
+                        </a:rPr>
+                        <a:t>1</a:t>
+                      </a:r>
+                      <a:r>
+                        <a:rPr lang="zh-CN" sz="2200" kern="0" dirty="0" smtClean="0">
+                          <a:effectLst/>
+                          <a:latin typeface="Times New Roman" charset="0"/>
+                          <a:ea typeface="宋体" charset="-122"/>
+                        </a:rPr>
+                        <a:t>日</a:t>
+                      </a:r>
+                      <a:endParaRPr lang="zh-CN" sz="2200" kern="100" dirty="0">
+                        <a:effectLst/>
+                        <a:latin typeface="Times New Roman" charset="0"/>
+                        <a:ea typeface="宋体" charset="-122"/>
+                      </a:endParaRPr>
+                    </a:p>
+                  </a:txBody>
+                  <a:tcPr marL="66675" marR="66675" marT="66675" marB="66675"/>
+                </a:tc>
+                <a:tc>
+                  <a:txBody>
+                    <a:bodyPr/>
+                    <a:lstStyle/>
+                    <a:p>
+                      <a:pPr algn="l">
+                        <a:spcAft>
+                          <a:spcPts val="0"/>
+                        </a:spcAft>
+                      </a:pPr>
+                      <a:r>
+                        <a:rPr lang="zh-CN" sz="2200" kern="0" dirty="0">
+                          <a:effectLst/>
+                          <a:latin typeface="Times New Roman" charset="0"/>
+                          <a:ea typeface="宋体" charset="-122"/>
+                        </a:rPr>
+                        <a:t>完成创建、编辑问卷逻辑的可视化；</a:t>
+                      </a:r>
+                      <a:endParaRPr lang="zh-CN" sz="2200" kern="100" dirty="0">
+                        <a:effectLst/>
+                        <a:latin typeface="Times New Roman" charset="0"/>
+                        <a:ea typeface="宋体" charset="-122"/>
+                      </a:endParaRPr>
+                    </a:p>
+                    <a:p>
+                      <a:pPr algn="l">
+                        <a:spcAft>
+                          <a:spcPts val="0"/>
+                        </a:spcAft>
+                      </a:pPr>
+                      <a:r>
+                        <a:rPr lang="zh-CN" sz="2200" kern="0" dirty="0">
+                          <a:effectLst/>
+                          <a:latin typeface="Times New Roman" charset="0"/>
+                          <a:ea typeface="宋体" charset="-122"/>
+                        </a:rPr>
+                        <a:t>实现问卷打包功能；</a:t>
+                      </a:r>
+                      <a:endParaRPr lang="zh-CN" sz="2200" kern="100" dirty="0">
+                        <a:effectLst/>
+                        <a:latin typeface="Times New Roman" charset="0"/>
+                        <a:ea typeface="宋体" charset="-122"/>
+                      </a:endParaRPr>
+                    </a:p>
+                    <a:p>
+                      <a:pPr algn="l">
+                        <a:spcAft>
+                          <a:spcPts val="0"/>
+                        </a:spcAft>
+                      </a:pPr>
+                      <a:r>
+                        <a:rPr lang="zh-CN" sz="2200" kern="0" dirty="0">
+                          <a:effectLst/>
+                          <a:latin typeface="Times New Roman" charset="0"/>
+                          <a:ea typeface="宋体" charset="-122"/>
+                        </a:rPr>
+                        <a:t>并测试</a:t>
+                      </a:r>
+                      <a:endParaRPr lang="zh-CN" sz="2200" kern="100" dirty="0">
+                        <a:effectLst/>
+                        <a:latin typeface="Times New Roman" charset="0"/>
+                        <a:ea typeface="宋体" charset="-122"/>
+                      </a:endParaRPr>
+                    </a:p>
+                  </a:txBody>
+                  <a:tcPr marL="66675" marR="66675" marT="66675" marB="66675"/>
+                </a:tc>
+                <a:tc>
+                  <a:txBody>
+                    <a:bodyPr/>
+                    <a:lstStyle/>
+                    <a:p>
+                      <a:pPr algn="l">
+                        <a:spcAft>
+                          <a:spcPts val="0"/>
+                        </a:spcAft>
+                      </a:pPr>
+                      <a:r>
+                        <a:rPr lang="en-US" sz="2200" kern="0" dirty="0">
+                          <a:effectLst/>
+                          <a:latin typeface="Times New Roman" charset="0"/>
+                          <a:ea typeface="宋体" charset="-122"/>
+                        </a:rPr>
+                        <a:t>T2 </a:t>
+                      </a:r>
+                      <a:r>
+                        <a:rPr lang="zh-CN" altLang="en-US" sz="2200" kern="0" dirty="0" smtClean="0">
+                          <a:effectLst/>
+                          <a:latin typeface="Times New Roman" charset="0"/>
+                          <a:ea typeface="宋体" charset="-122"/>
+                        </a:rPr>
+                        <a:t>产品</a:t>
+                      </a:r>
+                      <a:r>
+                        <a:rPr lang="zh-CN" sz="2200" kern="0" dirty="0" smtClean="0">
+                          <a:effectLst/>
+                          <a:latin typeface="Times New Roman" charset="0"/>
+                          <a:ea typeface="宋体" charset="-122"/>
+                        </a:rPr>
+                        <a:t>完成</a:t>
+                      </a:r>
+                      <a:r>
+                        <a:rPr lang="zh-CN" sz="2200" kern="0" dirty="0">
+                          <a:effectLst/>
+                          <a:latin typeface="Times New Roman" charset="0"/>
+                          <a:ea typeface="宋体" charset="-122"/>
+                        </a:rPr>
+                        <a:t>；</a:t>
+                      </a:r>
+                      <a:endParaRPr lang="zh-CN" sz="2200" kern="100" dirty="0">
+                        <a:effectLst/>
+                        <a:latin typeface="Times New Roman" charset="0"/>
+                        <a:ea typeface="宋体" charset="-122"/>
+                      </a:endParaRPr>
+                    </a:p>
+                    <a:p>
+                      <a:pPr algn="l">
+                        <a:spcAft>
+                          <a:spcPts val="0"/>
+                        </a:spcAft>
+                      </a:pPr>
+                      <a:r>
+                        <a:rPr lang="en-US" sz="2200" kern="0" dirty="0">
+                          <a:effectLst/>
+                          <a:latin typeface="Times New Roman" charset="0"/>
+                          <a:ea typeface="宋体" charset="-122"/>
+                        </a:rPr>
+                        <a:t>T2 </a:t>
+                      </a:r>
+                      <a:r>
+                        <a:rPr lang="zh-CN" sz="2200" kern="0" dirty="0">
+                          <a:effectLst/>
+                          <a:latin typeface="Times New Roman" charset="0"/>
+                          <a:ea typeface="宋体" charset="-122"/>
+                        </a:rPr>
+                        <a:t>结果报告</a:t>
+                      </a:r>
+                      <a:endParaRPr lang="zh-CN" sz="2200" kern="100" dirty="0">
+                        <a:effectLst/>
+                        <a:latin typeface="Times New Roman" charset="0"/>
+                        <a:ea typeface="宋体" charset="-122"/>
+                      </a:endParaRPr>
+                    </a:p>
+                    <a:p>
+                      <a:pPr algn="l">
+                        <a:spcAft>
+                          <a:spcPts val="0"/>
+                        </a:spcAft>
+                      </a:pPr>
+                      <a:r>
+                        <a:rPr lang="en-US" sz="2200" kern="0" dirty="0">
+                          <a:effectLst/>
+                          <a:latin typeface="Times New Roman" charset="0"/>
+                          <a:ea typeface="宋体" charset="-122"/>
+                        </a:rPr>
+                        <a:t>T2 </a:t>
+                      </a:r>
+                      <a:r>
+                        <a:rPr lang="zh-CN" sz="2200" kern="0" dirty="0">
+                          <a:effectLst/>
+                          <a:latin typeface="Times New Roman" charset="0"/>
+                          <a:ea typeface="宋体" charset="-122"/>
+                        </a:rPr>
+                        <a:t>测试</a:t>
+                      </a:r>
+                      <a:r>
+                        <a:rPr lang="zh-CN" sz="2200" kern="0" dirty="0" smtClean="0">
+                          <a:effectLst/>
+                          <a:latin typeface="Times New Roman" charset="0"/>
+                          <a:ea typeface="宋体" charset="-122"/>
+                        </a:rPr>
+                        <a:t>报告</a:t>
+                      </a:r>
+                      <a:endParaRPr lang="zh-CN" sz="2200" kern="100" dirty="0">
+                        <a:effectLst/>
+                        <a:latin typeface="Times New Roman" charset="0"/>
+                        <a:ea typeface="宋体" charset="-122"/>
+                      </a:endParaRPr>
+                    </a:p>
+                  </a:txBody>
+                  <a:tcPr marL="66675" marR="66675" marT="66675" marB="66675"/>
+                </a:tc>
+              </a:tr>
+            </a:tbl>
+          </a:graphicData>
+        </a:graphic>
+      </p:graphicFrame>
+    </p:spTree>
+    <p:extLst>
+      <p:ext uri="{BB962C8B-B14F-4D97-AF65-F5344CB8AC3E}">
+        <p14:creationId xmlns:p14="http://schemas.microsoft.com/office/powerpoint/2010/main" val="1937907664"/>
+      </p:ext>
+    </p:extLst>
+  </p:cSld>
+  <p:clrMapOvr>
+    <a:masterClrMapping/>
+  </p:clrMapOvr>
+  <p:timing>
+    <p:tnLst>
+      <p:par>
+        <p:cTn id="1" dur="indefinite" restart="never" nodeType="tmRoot"/>
+      </p:par>
+    </p:tnLst>
+  </p:timing>
+</p:sld>
+</file>
+
+<file path=ppt/slides/slide24.xml><?xml version="1.0" encoding="utf-8"?>
+<p:sld xmlns:a="http://schemas.openxmlformats.org/drawingml/2006/main" xmlns:r="http://schemas.openxmlformats.org/officeDocument/2006/relationships" xmlns:p="http://schemas.openxmlformats.org/presentationml/2006/main">
+  <p:cSld>
+    <p:spTree>
+      <p:nvGrpSpPr>
+        <p:cNvPr id="1" name=""/>
+        <p:cNvGrpSpPr/>
+        <p:nvPr/>
+      </p:nvGrpSpPr>
+      <p:grpSpPr>
+        <a:xfrm>
+          <a:off x="0" y="0"/>
+          <a:ext cx="0" cy="0"/>
+          <a:chOff x="0" y="0"/>
+          <a:chExt cx="0" cy="0"/>
+        </a:xfrm>
+      </p:grpSpPr>
+      <p:sp>
+        <p:nvSpPr>
+          <p:cNvPr id="2" name="标题 1"/>
+          <p:cNvSpPr>
+            <a:spLocks noGrp="1"/>
+          </p:cNvSpPr>
+          <p:nvPr>
+            <p:ph type="title"/>
+          </p:nvPr>
+        </p:nvSpPr>
+        <p:spPr/>
+        <p:txBody>
+          <a:bodyPr>
+            <a:normAutofit/>
+          </a:bodyPr>
+          <a:lstStyle/>
+          <a:p>
+            <a:pPr lvl="0"/>
+            <a:r>
+              <a:rPr lang="zh-CN" altLang="en-US" b="1" dirty="0">
+                <a:solidFill>
+                  <a:srgbClr val="0070C0"/>
+                </a:solidFill>
+                <a:latin typeface="微软雅黑" panose="020B0503020204020204" pitchFamily="34" charset="-122"/>
+                <a:ea typeface="微软雅黑" panose="020B0503020204020204" pitchFamily="34" charset="-122"/>
+              </a:rPr>
+              <a:t>项目预期成果</a:t>
+            </a:r>
+          </a:p>
+        </p:txBody>
+      </p:sp>
+      <p:sp>
+        <p:nvSpPr>
+          <p:cNvPr id="3" name="文本占位符 2"/>
+          <p:cNvSpPr>
+            <a:spLocks noGrp="1"/>
+          </p:cNvSpPr>
+          <p:nvPr>
+            <p:ph type="body" idx="1"/>
+          </p:nvPr>
+        </p:nvSpPr>
+        <p:spPr/>
+        <p:txBody>
+          <a:bodyPr/>
+          <a:lstStyle/>
+          <a:p>
+            <a:endParaRPr kumimoji="1" lang="zh-CN" altLang="en-US" dirty="0"/>
+          </a:p>
+        </p:txBody>
+      </p:sp>
+    </p:spTree>
+    <p:extLst>
+      <p:ext uri="{BB962C8B-B14F-4D97-AF65-F5344CB8AC3E}">
+        <p14:creationId xmlns:p14="http://schemas.microsoft.com/office/powerpoint/2010/main" val="968535540"/>
+      </p:ext>
+    </p:extLst>
+  </p:cSld>
+  <p:clrMapOvr>
+    <a:masterClrMapping/>
+  </p:clrMapOvr>
+  <p:timing>
+    <p:tnLst>
+      <p:par>
+        <p:cTn id="1" dur="indefinite" restart="never" nodeType="tmRoot"/>
+      </p:par>
+    </p:tnLst>
+  </p:timing>
+</p:sld>
+</file>
+
+<file path=ppt/slides/slide25.xml><?xml version="1.0" encoding="utf-8"?>
+<p:sld xmlns:a="http://schemas.openxmlformats.org/drawingml/2006/main" xmlns:r="http://schemas.openxmlformats.org/officeDocument/2006/relationships" xmlns:p="http://schemas.openxmlformats.org/presentationml/2006/main">
+  <p:cSld>
+    <p:spTree>
+      <p:nvGrpSpPr>
+        <p:cNvPr id="1" name=""/>
+        <p:cNvGrpSpPr/>
+        <p:nvPr/>
+      </p:nvGrpSpPr>
+      <p:grpSpPr>
+        <a:xfrm>
+          <a:off x="0" y="0"/>
+          <a:ext cx="0" cy="0"/>
+          <a:chOff x="0" y="0"/>
+          <a:chExt cx="0" cy="0"/>
+        </a:xfrm>
+      </p:grpSpPr>
+      <p:sp>
+        <p:nvSpPr>
+          <p:cNvPr id="2" name="标题 1"/>
+          <p:cNvSpPr>
+            <a:spLocks noGrp="1"/>
+          </p:cNvSpPr>
+          <p:nvPr>
+            <p:ph type="title"/>
+          </p:nvPr>
+        </p:nvSpPr>
+        <p:spPr/>
+        <p:txBody>
+          <a:bodyPr/>
+          <a:lstStyle/>
+          <a:p>
+            <a:r>
+              <a:rPr lang="zh-CN" altLang="en-US" b="1" dirty="0">
+                <a:solidFill>
+                  <a:srgbClr val="0070C0"/>
+                </a:solidFill>
+                <a:latin typeface="微软雅黑" panose="020B0503020204020204" pitchFamily="34" charset="-122"/>
+                <a:ea typeface="微软雅黑" panose="020B0503020204020204" pitchFamily="34" charset="-122"/>
+              </a:rPr>
+              <a:t>预期成果</a:t>
+            </a:r>
+          </a:p>
+        </p:txBody>
+      </p:sp>
+      <p:sp>
+        <p:nvSpPr>
+          <p:cNvPr id="3" name="内容占位符 2"/>
+          <p:cNvSpPr>
+            <a:spLocks noGrp="1"/>
+          </p:cNvSpPr>
+          <p:nvPr>
+            <p:ph idx="1"/>
+          </p:nvPr>
+        </p:nvSpPr>
+        <p:spPr/>
+        <p:txBody>
+          <a:bodyPr>
+            <a:normAutofit fontScale="70000" lnSpcReduction="20000"/>
+          </a:bodyPr>
+          <a:lstStyle/>
+          <a:p>
+            <a:pPr>
+              <a:lnSpc>
+                <a:spcPct val="120000"/>
+              </a:lnSpc>
+            </a:pPr>
+            <a:r>
+              <a:rPr lang="en-US" altLang="zh-CN" b="1" dirty="0">
+                <a:solidFill>
+                  <a:schemeClr val="tx1">
+                    <a:lumMod val="65000"/>
+                    <a:lumOff val="35000"/>
+                  </a:schemeClr>
+                </a:solidFill>
+                <a:latin typeface="微软雅黑" panose="020B0503020204020204" pitchFamily="34" charset="-122"/>
+                <a:ea typeface="微软雅黑" panose="020B0503020204020204" pitchFamily="34" charset="-122"/>
+              </a:rPr>
+              <a:t>《</a:t>
+            </a:r>
+            <a:r>
+              <a:rPr lang="zh-CN" altLang="en-US" b="1" dirty="0">
+                <a:solidFill>
+                  <a:schemeClr val="tx1">
+                    <a:lumMod val="65000"/>
+                    <a:lumOff val="35000"/>
+                  </a:schemeClr>
+                </a:solidFill>
+                <a:latin typeface="微软雅黑" panose="020B0503020204020204" pitchFamily="34" charset="-122"/>
+                <a:ea typeface="微软雅黑" panose="020B0503020204020204" pitchFamily="34" charset="-122"/>
+              </a:rPr>
+              <a:t>项目计划</a:t>
+            </a:r>
+            <a:r>
+              <a:rPr lang="en-US" altLang="zh-CN" b="1" dirty="0">
+                <a:solidFill>
+                  <a:schemeClr val="tx1">
+                    <a:lumMod val="65000"/>
+                    <a:lumOff val="35000"/>
+                  </a:schemeClr>
+                </a:solidFill>
+                <a:latin typeface="微软雅黑" panose="020B0503020204020204" pitchFamily="34" charset="-122"/>
+                <a:ea typeface="微软雅黑" panose="020B0503020204020204" pitchFamily="34" charset="-122"/>
+              </a:rPr>
+              <a:t>》</a:t>
+            </a:r>
+          </a:p>
+          <a:p>
+            <a:pPr>
+              <a:lnSpc>
+                <a:spcPct val="120000"/>
+              </a:lnSpc>
+            </a:pPr>
+            <a:r>
+              <a:rPr lang="en-US" altLang="zh-CN" b="1" dirty="0">
+                <a:solidFill>
+                  <a:schemeClr val="tx1">
+                    <a:lumMod val="65000"/>
+                    <a:lumOff val="35000"/>
+                  </a:schemeClr>
+                </a:solidFill>
+                <a:latin typeface="微软雅黑" panose="020B0503020204020204" pitchFamily="34" charset="-122"/>
+                <a:ea typeface="微软雅黑" panose="020B0503020204020204" pitchFamily="34" charset="-122"/>
+              </a:rPr>
+              <a:t>《</a:t>
+            </a:r>
+            <a:r>
+              <a:rPr lang="zh-CN" altLang="en-US" b="1" dirty="0">
+                <a:solidFill>
+                  <a:schemeClr val="tx1">
+                    <a:lumMod val="65000"/>
+                    <a:lumOff val="35000"/>
+                  </a:schemeClr>
+                </a:solidFill>
+                <a:latin typeface="微软雅黑" panose="020B0503020204020204" pitchFamily="34" charset="-122"/>
+                <a:ea typeface="微软雅黑" panose="020B0503020204020204" pitchFamily="34" charset="-122"/>
+              </a:rPr>
+              <a:t>迭代计划</a:t>
+            </a:r>
+            <a:r>
+              <a:rPr lang="en-US" altLang="zh-CN" b="1" dirty="0">
+                <a:solidFill>
+                  <a:schemeClr val="tx1">
+                    <a:lumMod val="65000"/>
+                    <a:lumOff val="35000"/>
+                  </a:schemeClr>
+                </a:solidFill>
+                <a:latin typeface="微软雅黑" panose="020B0503020204020204" pitchFamily="34" charset="-122"/>
+                <a:ea typeface="微软雅黑" panose="020B0503020204020204" pitchFamily="34" charset="-122"/>
+              </a:rPr>
+              <a:t>》</a:t>
+            </a:r>
+            <a:r>
+              <a:rPr lang="zh-CN" altLang="en-US" b="1" dirty="0">
+                <a:solidFill>
+                  <a:schemeClr val="tx1">
+                    <a:lumMod val="65000"/>
+                    <a:lumOff val="35000"/>
+                  </a:schemeClr>
+                </a:solidFill>
+                <a:latin typeface="微软雅黑" panose="020B0503020204020204" pitchFamily="34" charset="-122"/>
+                <a:ea typeface="微软雅黑" panose="020B0503020204020204" pitchFamily="34" charset="-122"/>
+              </a:rPr>
+              <a:t>（每个迭代开始前编写迭代计划）</a:t>
+            </a:r>
+          </a:p>
+          <a:p>
+            <a:pPr>
+              <a:lnSpc>
+                <a:spcPct val="120000"/>
+              </a:lnSpc>
+            </a:pPr>
+            <a:r>
+              <a:rPr lang="en-US" altLang="zh-CN" b="1" dirty="0">
+                <a:solidFill>
+                  <a:schemeClr val="tx1">
+                    <a:lumMod val="65000"/>
+                    <a:lumOff val="35000"/>
+                  </a:schemeClr>
+                </a:solidFill>
+                <a:latin typeface="微软雅黑" panose="020B0503020204020204" pitchFamily="34" charset="-122"/>
+                <a:ea typeface="微软雅黑" panose="020B0503020204020204" pitchFamily="34" charset="-122"/>
+              </a:rPr>
+              <a:t>《</a:t>
+            </a:r>
+            <a:r>
+              <a:rPr lang="zh-CN" altLang="en-US" b="1" dirty="0">
+                <a:solidFill>
+                  <a:schemeClr val="tx1">
+                    <a:lumMod val="65000"/>
+                    <a:lumOff val="35000"/>
+                  </a:schemeClr>
+                </a:solidFill>
+                <a:latin typeface="微软雅黑" panose="020B0503020204020204" pitchFamily="34" charset="-122"/>
+                <a:ea typeface="微软雅黑" panose="020B0503020204020204" pitchFamily="34" charset="-122"/>
+              </a:rPr>
+              <a:t>迭代评估报告</a:t>
+            </a:r>
+            <a:r>
+              <a:rPr lang="en-US" altLang="zh-CN" b="1" dirty="0">
+                <a:solidFill>
+                  <a:schemeClr val="tx1">
+                    <a:lumMod val="65000"/>
+                    <a:lumOff val="35000"/>
+                  </a:schemeClr>
+                </a:solidFill>
+                <a:latin typeface="微软雅黑" panose="020B0503020204020204" pitchFamily="34" charset="-122"/>
+                <a:ea typeface="微软雅黑" panose="020B0503020204020204" pitchFamily="34" charset="-122"/>
+              </a:rPr>
+              <a:t>》</a:t>
+            </a:r>
+            <a:r>
+              <a:rPr lang="zh-CN" altLang="en-US" b="1" dirty="0">
+                <a:solidFill>
+                  <a:schemeClr val="tx1">
+                    <a:lumMod val="65000"/>
+                    <a:lumOff val="35000"/>
+                  </a:schemeClr>
+                </a:solidFill>
+                <a:latin typeface="微软雅黑" panose="020B0503020204020204" pitchFamily="34" charset="-122"/>
+                <a:ea typeface="微软雅黑" panose="020B0503020204020204" pitchFamily="34" charset="-122"/>
+              </a:rPr>
+              <a:t>（每个迭代结束后编写迭代评估报告）</a:t>
+            </a:r>
+          </a:p>
+          <a:p>
+            <a:pPr>
+              <a:lnSpc>
+                <a:spcPct val="120000"/>
+              </a:lnSpc>
+            </a:pPr>
+            <a:r>
+              <a:rPr lang="en-US" altLang="zh-CN" b="1" dirty="0">
+                <a:solidFill>
+                  <a:schemeClr val="tx1">
+                    <a:lumMod val="65000"/>
+                    <a:lumOff val="35000"/>
+                  </a:schemeClr>
+                </a:solidFill>
+                <a:latin typeface="微软雅黑" panose="020B0503020204020204" pitchFamily="34" charset="-122"/>
+                <a:ea typeface="微软雅黑" panose="020B0503020204020204" pitchFamily="34" charset="-122"/>
+              </a:rPr>
+              <a:t>《SRS</a:t>
+            </a:r>
+            <a:r>
+              <a:rPr lang="zh-CN" altLang="en-US" b="1" dirty="0">
+                <a:solidFill>
+                  <a:schemeClr val="tx1">
+                    <a:lumMod val="65000"/>
+                    <a:lumOff val="35000"/>
+                  </a:schemeClr>
+                </a:solidFill>
+                <a:latin typeface="微软雅黑" panose="020B0503020204020204" pitchFamily="34" charset="-122"/>
+                <a:ea typeface="微软雅黑" panose="020B0503020204020204" pitchFamily="34" charset="-122"/>
+              </a:rPr>
+              <a:t>文档</a:t>
+            </a:r>
+            <a:r>
+              <a:rPr lang="en-US" altLang="zh-CN" b="1" dirty="0">
+                <a:solidFill>
+                  <a:schemeClr val="tx1">
+                    <a:lumMod val="65000"/>
+                    <a:lumOff val="35000"/>
+                  </a:schemeClr>
+                </a:solidFill>
+                <a:latin typeface="微软雅黑" panose="020B0503020204020204" pitchFamily="34" charset="-122"/>
+                <a:ea typeface="微软雅黑" panose="020B0503020204020204" pitchFamily="34" charset="-122"/>
+              </a:rPr>
+              <a:t>》</a:t>
+            </a:r>
+            <a:r>
+              <a:rPr lang="zh-CN" altLang="en-US" b="1" dirty="0">
+                <a:solidFill>
+                  <a:schemeClr val="tx1">
+                    <a:lumMod val="65000"/>
+                    <a:lumOff val="35000"/>
+                  </a:schemeClr>
+                </a:solidFill>
+                <a:latin typeface="微软雅黑" panose="020B0503020204020204" pitchFamily="34" charset="-122"/>
+                <a:ea typeface="微软雅黑" panose="020B0503020204020204" pitchFamily="34" charset="-122"/>
+              </a:rPr>
+              <a:t>和用例模型（</a:t>
+            </a:r>
+            <a:r>
+              <a:rPr lang="en-US" altLang="zh-CN" b="1" dirty="0">
+                <a:solidFill>
+                  <a:schemeClr val="tx1">
+                    <a:lumMod val="65000"/>
+                    <a:lumOff val="35000"/>
+                  </a:schemeClr>
+                </a:solidFill>
+                <a:latin typeface="微软雅黑" panose="020B0503020204020204" pitchFamily="34" charset="-122"/>
+                <a:ea typeface="微软雅黑" panose="020B0503020204020204" pitchFamily="34" charset="-122"/>
+              </a:rPr>
+              <a:t>.</a:t>
+            </a:r>
+            <a:r>
+              <a:rPr lang="en-US" altLang="zh-CN" b="1" dirty="0" err="1">
+                <a:solidFill>
+                  <a:schemeClr val="tx1">
+                    <a:lumMod val="65000"/>
+                    <a:lumOff val="35000"/>
+                  </a:schemeClr>
+                </a:solidFill>
+                <a:latin typeface="微软雅黑" panose="020B0503020204020204" pitchFamily="34" charset="-122"/>
+                <a:ea typeface="微软雅黑" panose="020B0503020204020204" pitchFamily="34" charset="-122"/>
+              </a:rPr>
+              <a:t>oom</a:t>
+            </a:r>
+            <a:r>
+              <a:rPr lang="zh-CN" altLang="en-US" b="1" dirty="0">
+                <a:solidFill>
+                  <a:schemeClr val="tx1">
+                    <a:lumMod val="65000"/>
+                    <a:lumOff val="35000"/>
+                  </a:schemeClr>
+                </a:solidFill>
+                <a:latin typeface="微软雅黑" panose="020B0503020204020204" pitchFamily="34" charset="-122"/>
+                <a:ea typeface="微软雅黑" panose="020B0503020204020204" pitchFamily="34" charset="-122"/>
+              </a:rPr>
+              <a:t>）</a:t>
+            </a:r>
+          </a:p>
+          <a:p>
+            <a:pPr>
+              <a:lnSpc>
+                <a:spcPct val="120000"/>
+              </a:lnSpc>
+            </a:pPr>
+            <a:r>
+              <a:rPr lang="en-US" altLang="zh-CN" b="1" dirty="0">
+                <a:solidFill>
+                  <a:schemeClr val="tx1">
+                    <a:lumMod val="65000"/>
+                    <a:lumOff val="35000"/>
+                  </a:schemeClr>
+                </a:solidFill>
+                <a:latin typeface="微软雅黑" panose="020B0503020204020204" pitchFamily="34" charset="-122"/>
+                <a:ea typeface="微软雅黑" panose="020B0503020204020204" pitchFamily="34" charset="-122"/>
+              </a:rPr>
+              <a:t>《</a:t>
+            </a:r>
+            <a:r>
+              <a:rPr lang="zh-CN" altLang="en-US" b="1" dirty="0">
+                <a:solidFill>
+                  <a:schemeClr val="tx1">
+                    <a:lumMod val="65000"/>
+                    <a:lumOff val="35000"/>
+                  </a:schemeClr>
+                </a:solidFill>
+                <a:latin typeface="微软雅黑" panose="020B0503020204020204" pitchFamily="34" charset="-122"/>
+                <a:ea typeface="微软雅黑" panose="020B0503020204020204" pitchFamily="34" charset="-122"/>
+              </a:rPr>
+              <a:t>软件架构文档</a:t>
+            </a:r>
+            <a:r>
+              <a:rPr lang="en-US" altLang="zh-CN" b="1" dirty="0">
+                <a:solidFill>
+                  <a:schemeClr val="tx1">
+                    <a:lumMod val="65000"/>
+                    <a:lumOff val="35000"/>
+                  </a:schemeClr>
+                </a:solidFill>
+                <a:latin typeface="微软雅黑" panose="020B0503020204020204" pitchFamily="34" charset="-122"/>
+                <a:ea typeface="微软雅黑" panose="020B0503020204020204" pitchFamily="34" charset="-122"/>
+              </a:rPr>
+              <a:t>》</a:t>
+            </a:r>
+            <a:r>
+              <a:rPr lang="zh-CN" altLang="en-US" b="1" dirty="0">
+                <a:solidFill>
+                  <a:schemeClr val="tx1">
+                    <a:lumMod val="65000"/>
+                    <a:lumOff val="35000"/>
+                  </a:schemeClr>
+                </a:solidFill>
+                <a:latin typeface="微软雅黑" panose="020B0503020204020204" pitchFamily="34" charset="-122"/>
+                <a:ea typeface="微软雅黑" panose="020B0503020204020204" pitchFamily="34" charset="-122"/>
+              </a:rPr>
+              <a:t>和分析设计模型（</a:t>
+            </a:r>
+            <a:r>
+              <a:rPr lang="en-US" altLang="zh-CN" b="1" dirty="0">
+                <a:solidFill>
+                  <a:schemeClr val="tx1">
+                    <a:lumMod val="65000"/>
+                    <a:lumOff val="35000"/>
+                  </a:schemeClr>
+                </a:solidFill>
+                <a:latin typeface="微软雅黑" panose="020B0503020204020204" pitchFamily="34" charset="-122"/>
+                <a:ea typeface="微软雅黑" panose="020B0503020204020204" pitchFamily="34" charset="-122"/>
+              </a:rPr>
+              <a:t>.</a:t>
+            </a:r>
+            <a:r>
+              <a:rPr lang="en-US" altLang="zh-CN" b="1" dirty="0" err="1">
+                <a:solidFill>
+                  <a:schemeClr val="tx1">
+                    <a:lumMod val="65000"/>
+                    <a:lumOff val="35000"/>
+                  </a:schemeClr>
+                </a:solidFill>
+                <a:latin typeface="微软雅黑" panose="020B0503020204020204" pitchFamily="34" charset="-122"/>
+                <a:ea typeface="微软雅黑" panose="020B0503020204020204" pitchFamily="34" charset="-122"/>
+              </a:rPr>
+              <a:t>oom</a:t>
+            </a:r>
+            <a:r>
+              <a:rPr lang="zh-CN" altLang="en-US" b="1" dirty="0">
+                <a:solidFill>
+                  <a:schemeClr val="tx1">
+                    <a:lumMod val="65000"/>
+                    <a:lumOff val="35000"/>
+                  </a:schemeClr>
+                </a:solidFill>
+                <a:latin typeface="微软雅黑" panose="020B0503020204020204" pitchFamily="34" charset="-122"/>
+                <a:ea typeface="微软雅黑" panose="020B0503020204020204" pitchFamily="34" charset="-122"/>
+              </a:rPr>
+              <a:t>）</a:t>
+            </a:r>
+          </a:p>
+          <a:p>
+            <a:pPr>
+              <a:lnSpc>
+                <a:spcPct val="120000"/>
+              </a:lnSpc>
+            </a:pPr>
+            <a:r>
+              <a:rPr lang="en-US" altLang="zh-CN" b="1" dirty="0">
+                <a:solidFill>
+                  <a:schemeClr val="tx1">
+                    <a:lumMod val="65000"/>
+                    <a:lumOff val="35000"/>
+                  </a:schemeClr>
+                </a:solidFill>
+                <a:latin typeface="微软雅黑" panose="020B0503020204020204" pitchFamily="34" charset="-122"/>
+                <a:ea typeface="微软雅黑" panose="020B0503020204020204" pitchFamily="34" charset="-122"/>
+              </a:rPr>
+              <a:t>《</a:t>
+            </a:r>
+            <a:r>
+              <a:rPr lang="zh-CN" altLang="en-US" b="1" dirty="0">
+                <a:solidFill>
+                  <a:schemeClr val="tx1">
+                    <a:lumMod val="65000"/>
+                    <a:lumOff val="35000"/>
+                  </a:schemeClr>
+                </a:solidFill>
+                <a:latin typeface="微软雅黑" panose="020B0503020204020204" pitchFamily="34" charset="-122"/>
+                <a:ea typeface="微软雅黑" panose="020B0503020204020204" pitchFamily="34" charset="-122"/>
+              </a:rPr>
+              <a:t>测试用例</a:t>
+            </a:r>
+            <a:r>
+              <a:rPr lang="en-US" altLang="zh-CN" b="1" dirty="0">
+                <a:solidFill>
+                  <a:schemeClr val="tx1">
+                    <a:lumMod val="65000"/>
+                    <a:lumOff val="35000"/>
+                  </a:schemeClr>
+                </a:solidFill>
+                <a:latin typeface="微软雅黑" panose="020B0503020204020204" pitchFamily="34" charset="-122"/>
+                <a:ea typeface="微软雅黑" panose="020B0503020204020204" pitchFamily="34" charset="-122"/>
+              </a:rPr>
+              <a:t>》</a:t>
+            </a:r>
+            <a:r>
+              <a:rPr lang="zh-CN" altLang="en-US" b="1" dirty="0">
+                <a:solidFill>
+                  <a:schemeClr val="tx1">
+                    <a:lumMod val="65000"/>
+                    <a:lumOff val="35000"/>
+                  </a:schemeClr>
+                </a:solidFill>
+                <a:latin typeface="微软雅黑" panose="020B0503020204020204" pitchFamily="34" charset="-122"/>
+                <a:ea typeface="微软雅黑" panose="020B0503020204020204" pitchFamily="34" charset="-122"/>
+              </a:rPr>
+              <a:t>和</a:t>
+            </a:r>
+            <a:r>
+              <a:rPr lang="en-US" altLang="zh-CN" b="1" dirty="0">
+                <a:solidFill>
+                  <a:schemeClr val="tx1">
+                    <a:lumMod val="65000"/>
+                    <a:lumOff val="35000"/>
+                  </a:schemeClr>
+                </a:solidFill>
+                <a:latin typeface="微软雅黑" panose="020B0503020204020204" pitchFamily="34" charset="-122"/>
+                <a:ea typeface="微软雅黑" panose="020B0503020204020204" pitchFamily="34" charset="-122"/>
+              </a:rPr>
+              <a:t>《</a:t>
+            </a:r>
+            <a:r>
+              <a:rPr lang="zh-CN" altLang="en-US" b="1" dirty="0">
+                <a:solidFill>
+                  <a:schemeClr val="tx1">
+                    <a:lumMod val="65000"/>
+                    <a:lumOff val="35000"/>
+                  </a:schemeClr>
+                </a:solidFill>
+                <a:latin typeface="微软雅黑" panose="020B0503020204020204" pitchFamily="34" charset="-122"/>
+                <a:ea typeface="微软雅黑" panose="020B0503020204020204" pitchFamily="34" charset="-122"/>
+              </a:rPr>
+              <a:t>测试报告</a:t>
+            </a:r>
+            <a:r>
+              <a:rPr lang="en-US" altLang="zh-CN" b="1" dirty="0">
+                <a:solidFill>
+                  <a:schemeClr val="tx1">
+                    <a:lumMod val="65000"/>
+                    <a:lumOff val="35000"/>
+                  </a:schemeClr>
+                </a:solidFill>
+                <a:latin typeface="微软雅黑" panose="020B0503020204020204" pitchFamily="34" charset="-122"/>
+                <a:ea typeface="微软雅黑" panose="020B0503020204020204" pitchFamily="34" charset="-122"/>
+              </a:rPr>
+              <a:t>》</a:t>
+            </a:r>
+          </a:p>
+          <a:p>
+            <a:pPr>
+              <a:lnSpc>
+                <a:spcPct val="120000"/>
+              </a:lnSpc>
+            </a:pPr>
+            <a:r>
+              <a:rPr lang="en-US" altLang="zh-CN" b="1" dirty="0">
+                <a:solidFill>
+                  <a:schemeClr val="tx1">
+                    <a:lumMod val="65000"/>
+                    <a:lumOff val="35000"/>
+                  </a:schemeClr>
+                </a:solidFill>
+                <a:latin typeface="微软雅黑" panose="020B0503020204020204" pitchFamily="34" charset="-122"/>
+                <a:ea typeface="微软雅黑" panose="020B0503020204020204" pitchFamily="34" charset="-122"/>
+              </a:rPr>
+              <a:t>《</a:t>
+            </a:r>
+            <a:r>
+              <a:rPr lang="zh-CN" altLang="en-US" b="1" dirty="0">
+                <a:solidFill>
+                  <a:schemeClr val="tx1">
+                    <a:lumMod val="65000"/>
+                    <a:lumOff val="35000"/>
+                  </a:schemeClr>
+                </a:solidFill>
+                <a:latin typeface="微软雅黑" panose="020B0503020204020204" pitchFamily="34" charset="-122"/>
+                <a:ea typeface="微软雅黑" panose="020B0503020204020204" pitchFamily="34" charset="-122"/>
+              </a:rPr>
+              <a:t>项目总结报告</a:t>
+            </a:r>
+            <a:r>
+              <a:rPr lang="en-US" altLang="zh-CN" b="1" dirty="0">
+                <a:solidFill>
+                  <a:schemeClr val="tx1">
+                    <a:lumMod val="65000"/>
+                    <a:lumOff val="35000"/>
+                  </a:schemeClr>
+                </a:solidFill>
+                <a:latin typeface="微软雅黑" panose="020B0503020204020204" pitchFamily="34" charset="-122"/>
+                <a:ea typeface="微软雅黑" panose="020B0503020204020204" pitchFamily="34" charset="-122"/>
+              </a:rPr>
+              <a:t>》</a:t>
+            </a:r>
+          </a:p>
+          <a:p>
+            <a:pPr>
+              <a:lnSpc>
+                <a:spcPct val="120000"/>
+              </a:lnSpc>
+            </a:pPr>
+            <a:r>
+              <a:rPr lang="zh-CN" altLang="en-US" b="1" dirty="0" smtClean="0">
+                <a:solidFill>
+                  <a:schemeClr val="tx1">
+                    <a:lumMod val="65000"/>
+                    <a:lumOff val="35000"/>
+                  </a:schemeClr>
+                </a:solidFill>
+                <a:latin typeface="微软雅黑" panose="020B0503020204020204" pitchFamily="34" charset="-122"/>
+                <a:ea typeface="微软雅黑" panose="020B0503020204020204" pitchFamily="34" charset="-122"/>
+              </a:rPr>
+              <a:t>  源代码</a:t>
+            </a:r>
+            <a:r>
+              <a:rPr lang="zh-CN" altLang="en-US" b="1" dirty="0">
+                <a:solidFill>
+                  <a:schemeClr val="tx1">
+                    <a:lumMod val="65000"/>
+                    <a:lumOff val="35000"/>
+                  </a:schemeClr>
+                </a:solidFill>
+                <a:latin typeface="微软雅黑" panose="020B0503020204020204" pitchFamily="34" charset="-122"/>
+                <a:ea typeface="微软雅黑" panose="020B0503020204020204" pitchFamily="34" charset="-122"/>
+              </a:rPr>
+              <a:t>和可执行代码</a:t>
+            </a:r>
+          </a:p>
+          <a:p>
+            <a:pPr>
+              <a:lnSpc>
+                <a:spcPct val="120000"/>
+              </a:lnSpc>
+            </a:pPr>
+            <a:r>
+              <a:rPr lang="zh-CN" altLang="en-US" b="1" dirty="0" smtClean="0">
+                <a:solidFill>
+                  <a:schemeClr val="tx1">
+                    <a:lumMod val="65000"/>
+                    <a:lumOff val="35000"/>
+                  </a:schemeClr>
+                </a:solidFill>
+                <a:latin typeface="微软雅黑" panose="020B0503020204020204" pitchFamily="34" charset="-122"/>
+                <a:ea typeface="微软雅黑" panose="020B0503020204020204" pitchFamily="34" charset="-122"/>
+              </a:rPr>
+              <a:t>  演示</a:t>
+            </a:r>
+            <a:r>
+              <a:rPr lang="zh-CN" altLang="en-US" b="1" dirty="0">
+                <a:solidFill>
+                  <a:schemeClr val="tx1">
+                    <a:lumMod val="65000"/>
+                    <a:lumOff val="35000"/>
+                  </a:schemeClr>
+                </a:solidFill>
+                <a:latin typeface="微软雅黑" panose="020B0503020204020204" pitchFamily="34" charset="-122"/>
+                <a:ea typeface="微软雅黑" panose="020B0503020204020204" pitchFamily="34" charset="-122"/>
+              </a:rPr>
+              <a:t>视频文件（包括安装、运行、功能等）</a:t>
+            </a:r>
+          </a:p>
+          <a:p>
+            <a:pPr>
+              <a:lnSpc>
+                <a:spcPct val="120000"/>
+              </a:lnSpc>
+            </a:pPr>
+            <a:r>
+              <a:rPr lang="zh-CN" altLang="en-US" b="1" dirty="0" smtClean="0">
+                <a:solidFill>
+                  <a:schemeClr val="tx1">
+                    <a:lumMod val="65000"/>
+                    <a:lumOff val="35000"/>
+                  </a:schemeClr>
+                </a:solidFill>
+                <a:latin typeface="微软雅黑" panose="020B0503020204020204" pitchFamily="34" charset="-122"/>
+                <a:ea typeface="微软雅黑" panose="020B0503020204020204" pitchFamily="34" charset="-122"/>
+              </a:rPr>
+              <a:t>  演示</a:t>
+            </a:r>
+            <a:r>
+              <a:rPr lang="en-US" altLang="zh-CN" b="1" dirty="0">
+                <a:solidFill>
+                  <a:schemeClr val="tx1">
+                    <a:lumMod val="65000"/>
+                    <a:lumOff val="35000"/>
+                  </a:schemeClr>
+                </a:solidFill>
+                <a:latin typeface="微软雅黑" panose="020B0503020204020204" pitchFamily="34" charset="-122"/>
+                <a:ea typeface="微软雅黑" panose="020B0503020204020204" pitchFamily="34" charset="-122"/>
+              </a:rPr>
+              <a:t>PPT</a:t>
+            </a:r>
+          </a:p>
+        </p:txBody>
+      </p:sp>
+    </p:spTree>
+    <p:extLst>
+      <p:ext uri="{BB962C8B-B14F-4D97-AF65-F5344CB8AC3E}">
+        <p14:creationId xmlns:p14="http://schemas.microsoft.com/office/powerpoint/2010/main" val="250776520"/>
+      </p:ext>
+    </p:extLst>
+  </p:cSld>
+  <p:clrMapOvr>
+    <a:masterClrMapping/>
+  </p:clrMapOvr>
+  <p:timing>
+    <p:tnLst>
+      <p:par>
+        <p:cTn id="1" dur="indefinite" restart="never" nodeType="tmRoot"/>
+      </p:par>
+    </p:tnLst>
+  </p:timing>
+</p:sld>
+</file>
+
+<file path=ppt/slides/slide26.xml><?xml version="1.0" encoding="utf-8"?>
+<p:sld xmlns:a="http://schemas.openxmlformats.org/drawingml/2006/main" xmlns:r="http://schemas.openxmlformats.org/officeDocument/2006/relationships" xmlns:p="http://schemas.openxmlformats.org/presentationml/2006/main">
+  <p:cSld>
+    <p:spTree>
+      <p:nvGrpSpPr>
+        <p:cNvPr id="1" name=""/>
+        <p:cNvGrpSpPr/>
+        <p:nvPr/>
+      </p:nvGrpSpPr>
+      <p:grpSpPr>
+        <a:xfrm>
+          <a:off x="0" y="0"/>
+          <a:ext cx="0" cy="0"/>
+          <a:chOff x="0" y="0"/>
+          <a:chExt cx="0" cy="0"/>
+        </a:xfrm>
+      </p:grpSpPr>
+      <p:sp>
+        <p:nvSpPr>
+          <p:cNvPr id="2" name="标题 1"/>
+          <p:cNvSpPr>
+            <a:spLocks noGrp="1"/>
+          </p:cNvSpPr>
+          <p:nvPr>
+            <p:ph type="title"/>
+          </p:nvPr>
+        </p:nvSpPr>
+        <p:spPr/>
+        <p:txBody>
+          <a:bodyPr>
+            <a:normAutofit/>
+          </a:bodyPr>
+          <a:lstStyle/>
+          <a:p>
+            <a:pPr algn="ctr"/>
+            <a:r>
+              <a:rPr lang="zh-CN" altLang="en-US" b="1" dirty="0">
+                <a:solidFill>
+                  <a:srgbClr val="0070C0"/>
+                </a:solidFill>
+                <a:latin typeface="微软雅黑" panose="020B0503020204020204" pitchFamily="34" charset="-122"/>
+                <a:ea typeface="微软雅黑" panose="020B0503020204020204" pitchFamily="34" charset="-122"/>
+              </a:rPr>
+              <a:t>谢谢观看</a:t>
+            </a:r>
+            <a:endParaRPr lang="zh-CN" altLang="en-US" b="1" dirty="0">
+              <a:solidFill>
+                <a:srgbClr val="0070C0"/>
+              </a:solidFill>
+              <a:latin typeface="微软雅黑" panose="020B0503020204020204" pitchFamily="34" charset="-122"/>
+              <a:ea typeface="微软雅黑" panose="020B0503020204020204" pitchFamily="34" charset="-122"/>
+            </a:endParaRPr>
+          </a:p>
+        </p:txBody>
+      </p:sp>
+      <p:sp>
+        <p:nvSpPr>
+          <p:cNvPr id="3" name="文本占位符 2"/>
+          <p:cNvSpPr>
+            <a:spLocks noGrp="1"/>
+          </p:cNvSpPr>
+          <p:nvPr>
+            <p:ph type="body" idx="1"/>
+          </p:nvPr>
+        </p:nvSpPr>
+        <p:spPr/>
+        <p:txBody>
+          <a:bodyPr/>
+          <a:lstStyle/>
+          <a:p>
+            <a:endParaRPr kumimoji="1" lang="zh-CN" altLang="en-US" dirty="0"/>
+          </a:p>
+        </p:txBody>
+      </p:sp>
+    </p:spTree>
+    <p:extLst>
+      <p:ext uri="{BB962C8B-B14F-4D97-AF65-F5344CB8AC3E}">
+        <p14:creationId xmlns:p14="http://schemas.microsoft.com/office/powerpoint/2010/main" val="302711364"/>
+      </p:ext>
+    </p:extLst>
+  </p:cSld>
+  <p:clrMapOvr>
+    <a:masterClrMapping/>
+  </p:clrMapOvr>
+  <p:timing>
+    <p:tnLst>
+      <p:par>
+        <p:cTn id="1" dur="indefinite" restart="never" nodeType="tmRoot"/>
+      </p:par>
+    </p:tnLst>
+  </p:timing>
+</p:sld>
+</file>
+
+<file path=ppt/slides/slide3.xml><?xml version="1.0" encoding="utf-8"?>
+<p:sld xmlns:a="http://schemas.openxmlformats.org/drawingml/2006/main" xmlns:r="http://schemas.openxmlformats.org/officeDocument/2006/relationships" xmlns:p="http://schemas.openxmlformats.org/presentationml/2006/main">
+  <p:cSld>
+    <p:spTree>
+      <p:nvGrpSpPr>
+        <p:cNvPr id="1" name=""/>
+        <p:cNvGrpSpPr/>
+        <p:nvPr/>
+      </p:nvGrpSpPr>
+      <p:grpSpPr>
+        <a:xfrm>
+          <a:off x="0" y="0"/>
+          <a:ext cx="0" cy="0"/>
+          <a:chOff x="0" y="0"/>
+          <a:chExt cx="0" cy="0"/>
+        </a:xfrm>
+      </p:grpSpPr>
+      <p:sp>
+        <p:nvSpPr>
+          <p:cNvPr id="2" name="标题 1"/>
+          <p:cNvSpPr>
+            <a:spLocks noGrp="1"/>
+          </p:cNvSpPr>
+          <p:nvPr>
+            <p:ph type="title"/>
+          </p:nvPr>
+        </p:nvSpPr>
+        <p:spPr/>
+        <p:txBody>
+          <a:bodyPr>
+            <a:normAutofit/>
+          </a:bodyPr>
+          <a:lstStyle/>
+          <a:p>
+            <a:r>
+              <a:rPr lang="zh-CN" altLang="en-US" b="1" dirty="0" smtClean="0">
+                <a:solidFill>
+                  <a:srgbClr val="0070C0"/>
+                </a:solidFill>
+                <a:latin typeface="微软雅黑" panose="020B0503020204020204" pitchFamily="34" charset="-122"/>
+                <a:ea typeface="微软雅黑" panose="020B0503020204020204" pitchFamily="34" charset="-122"/>
+              </a:rPr>
+              <a:t>需求规约</a:t>
+            </a:r>
+            <a:endParaRPr lang="zh-CN" altLang="en-US" b="1" dirty="0">
+              <a:solidFill>
+                <a:srgbClr val="0070C0"/>
+              </a:solidFill>
+              <a:latin typeface="微软雅黑" panose="020B0503020204020204" pitchFamily="34" charset="-122"/>
+              <a:ea typeface="微软雅黑" panose="020B0503020204020204" pitchFamily="34" charset="-122"/>
+            </a:endParaRPr>
+          </a:p>
+        </p:txBody>
+      </p:sp>
+      <p:sp>
+        <p:nvSpPr>
+          <p:cNvPr id="3" name="文本占位符 2"/>
+          <p:cNvSpPr>
+            <a:spLocks noGrp="1"/>
+          </p:cNvSpPr>
+          <p:nvPr>
+            <p:ph type="body" idx="1"/>
+          </p:nvPr>
+        </p:nvSpPr>
+        <p:spPr/>
+        <p:txBody>
+          <a:bodyPr/>
+          <a:lstStyle/>
+          <a:p>
+            <a:endParaRPr kumimoji="1" lang="zh-CN" altLang="en-US" dirty="0"/>
+          </a:p>
+        </p:txBody>
+      </p:sp>
+    </p:spTree>
+    <p:extLst>
+      <p:ext uri="{BB962C8B-B14F-4D97-AF65-F5344CB8AC3E}">
+        <p14:creationId xmlns:p14="http://schemas.microsoft.com/office/powerpoint/2010/main" val="424214606"/>
+      </p:ext>
+    </p:extLst>
+  </p:cSld>
+  <p:clrMapOvr>
+    <a:masterClrMapping/>
+  </p:clrMapOvr>
+  <p:timing>
+    <p:tnLst>
+      <p:par>
+        <p:cTn id="1" dur="indefinite" restart="never" nodeType="tmRoot"/>
+      </p:par>
+    </p:tnLst>
+  </p:timing>
+</p:sld>
+</file>
+
+<file path=ppt/slides/slide4.xml><?xml version="1.0" encoding="utf-8"?>
+<p:sld xmlns:a="http://schemas.openxmlformats.org/drawingml/2006/main" xmlns:r="http://schemas.openxmlformats.org/officeDocument/2006/relationships" xmlns:p="http://schemas.openxmlformats.org/presentationml/2006/main">
+  <p:cSld>
+    <p:spTree>
+      <p:nvGrpSpPr>
+        <p:cNvPr id="1" name=""/>
+        <p:cNvGrpSpPr/>
+        <p:nvPr/>
+      </p:nvGrpSpPr>
+      <p:grpSpPr>
+        <a:xfrm>
+          <a:off x="0" y="0"/>
+          <a:ext cx="0" cy="0"/>
+          <a:chOff x="0" y="0"/>
+          <a:chExt cx="0" cy="0"/>
+        </a:xfrm>
+      </p:grpSpPr>
+      <p:sp>
+        <p:nvSpPr>
+          <p:cNvPr id="2" name="标题 1"/>
+          <p:cNvSpPr>
+            <a:spLocks noGrp="1"/>
+          </p:cNvSpPr>
+          <p:nvPr>
+            <p:ph type="title"/>
+          </p:nvPr>
+        </p:nvSpPr>
+        <p:spPr/>
+        <p:txBody>
+          <a:bodyPr>
+            <a:normAutofit/>
+          </a:bodyPr>
+          <a:lstStyle/>
+          <a:p>
+            <a:r>
+              <a:rPr lang="zh-CN" altLang="en-US" b="1" dirty="0" smtClean="0">
+                <a:solidFill>
+                  <a:srgbClr val="0070C0"/>
+                </a:solidFill>
+                <a:latin typeface="微软雅黑" panose="020B0503020204020204" pitchFamily="34" charset="-122"/>
+                <a:ea typeface="微软雅黑" panose="020B0503020204020204" pitchFamily="34" charset="-122"/>
+              </a:rPr>
+              <a:t>用例图</a:t>
+            </a:r>
+            <a:endParaRPr lang="zh-CN" altLang="en-US" b="1" dirty="0">
+              <a:solidFill>
+                <a:srgbClr val="0070C0"/>
+              </a:solidFill>
+              <a:latin typeface="微软雅黑" panose="020B0503020204020204" pitchFamily="34" charset="-122"/>
+              <a:ea typeface="微软雅黑" panose="020B0503020204020204" pitchFamily="34" charset="-122"/>
+            </a:endParaRPr>
+          </a:p>
+        </p:txBody>
+      </p:sp>
+      <p:pic>
+        <p:nvPicPr>
+          <p:cNvPr id="5" name="内容占位符 4"/>
+          <p:cNvPicPr>
+            <a:picLocks noGrp="1" noChangeAspect="1"/>
+          </p:cNvPicPr>
+          <p:nvPr>
+            <p:ph idx="1"/>
+          </p:nvPr>
+        </p:nvPicPr>
+        <p:blipFill>
+          <a:blip r:embed="rId2"/>
+          <a:stretch>
+            <a:fillRect/>
+          </a:stretch>
+        </p:blipFill>
+        <p:spPr>
+          <a:xfrm>
+            <a:off x="1561005" y="1514728"/>
+            <a:ext cx="6467427" cy="5107503"/>
+          </a:xfrm>
+          <a:prstGeom prst="rect">
+            <a:avLst/>
+          </a:prstGeom>
+        </p:spPr>
+      </p:pic>
+    </p:spTree>
+    <p:extLst>
+      <p:ext uri="{BB962C8B-B14F-4D97-AF65-F5344CB8AC3E}">
+        <p14:creationId xmlns:p14="http://schemas.microsoft.com/office/powerpoint/2010/main" val="896928837"/>
+      </p:ext>
+    </p:extLst>
+  </p:cSld>
+  <p:clrMapOvr>
+    <a:masterClrMapping/>
+  </p:clrMapOvr>
+  <p:timing>
+    <p:tnLst>
+      <p:par>
+        <p:cTn id="1" dur="indefinite" restart="never" nodeType="tmRoot"/>
+      </p:par>
+    </p:tnLst>
+  </p:timing>
+</p:sld>
+</file>
+
+<file path=ppt/slides/slide5.xml><?xml version="1.0" encoding="utf-8"?>
+<p:sld xmlns:a="http://schemas.openxmlformats.org/drawingml/2006/main" xmlns:r="http://schemas.openxmlformats.org/officeDocument/2006/relationships" xmlns:p="http://schemas.openxmlformats.org/presentationml/2006/main">
+  <p:cSld>
+    <p:spTree>
+      <p:nvGrpSpPr>
+        <p:cNvPr id="1" name=""/>
+        <p:cNvGrpSpPr/>
+        <p:nvPr/>
+      </p:nvGrpSpPr>
+      <p:grpSpPr>
+        <a:xfrm>
+          <a:off x="0" y="0"/>
+          <a:ext cx="0" cy="0"/>
+          <a:chOff x="0" y="0"/>
+          <a:chExt cx="0" cy="0"/>
+        </a:xfrm>
+      </p:grpSpPr>
+      <p:sp>
+        <p:nvSpPr>
+          <p:cNvPr id="2" name="标题 1"/>
+          <p:cNvSpPr>
+            <a:spLocks noGrp="1"/>
+          </p:cNvSpPr>
+          <p:nvPr>
+            <p:ph type="title"/>
+          </p:nvPr>
+        </p:nvSpPr>
+        <p:spPr/>
+        <p:txBody>
+          <a:bodyPr>
+            <a:normAutofit/>
+          </a:bodyPr>
+          <a:lstStyle/>
+          <a:p>
+            <a:r>
+              <a:rPr lang="zh-CN" altLang="en-US" b="1" dirty="0" smtClean="0">
+                <a:solidFill>
+                  <a:srgbClr val="0070C0"/>
+                </a:solidFill>
+                <a:latin typeface="微软雅黑" panose="020B0503020204020204" pitchFamily="34" charset="-122"/>
+                <a:ea typeface="微软雅黑" panose="020B0503020204020204" pitchFamily="34" charset="-122"/>
+              </a:rPr>
+              <a:t>用例图</a:t>
+            </a:r>
+            <a:endParaRPr lang="zh-CN" altLang="en-US" b="1" dirty="0">
+              <a:solidFill>
+                <a:srgbClr val="0070C0"/>
+              </a:solidFill>
+              <a:latin typeface="微软雅黑" panose="020B0503020204020204" pitchFamily="34" charset="-122"/>
+              <a:ea typeface="微软雅黑" panose="020B0503020204020204" pitchFamily="34" charset="-122"/>
+            </a:endParaRPr>
+          </a:p>
+        </p:txBody>
+      </p:sp>
+      <p:pic>
+        <p:nvPicPr>
+          <p:cNvPr id="6" name="图片 5"/>
+          <p:cNvPicPr>
+            <a:picLocks noChangeAspect="1"/>
+          </p:cNvPicPr>
+          <p:nvPr/>
+        </p:nvPicPr>
+        <p:blipFill>
+          <a:blip r:embed="rId2"/>
+          <a:stretch>
+            <a:fillRect/>
+          </a:stretch>
+        </p:blipFill>
+        <p:spPr>
+          <a:xfrm>
+            <a:off x="731459" y="2111312"/>
+            <a:ext cx="7681081" cy="3137343"/>
+          </a:xfrm>
+          <a:prstGeom prst="rect">
+            <a:avLst/>
+          </a:prstGeom>
+        </p:spPr>
+      </p:pic>
+    </p:spTree>
+    <p:extLst>
+      <p:ext uri="{BB962C8B-B14F-4D97-AF65-F5344CB8AC3E}">
+        <p14:creationId xmlns:p14="http://schemas.microsoft.com/office/powerpoint/2010/main" val="1661677097"/>
       </p:ext>
     </p:extLst>
   </p:cSld>
@@ -7057,30 +12601,22 @@
         </p:nvSpPr>
         <p:spPr/>
         <p:txBody>
-          <a:bodyPr/>
+          <a:bodyPr>
+            <a:normAutofit/>
+          </a:bodyPr>
           <a:lstStyle/>
           <a:p>
             <a:r>
-              <a:rPr lang="en-US" b="1" dirty="0" smtClean="0">
+              <a:rPr lang="zh-CN" altLang="en-US" b="1" dirty="0" smtClean="0">
                 <a:solidFill>
                   <a:srgbClr val="0070C0"/>
                 </a:solidFill>
                 <a:latin typeface="微软雅黑" panose="020B0503020204020204" pitchFamily="34" charset="-122"/>
                 <a:ea typeface="微软雅黑" panose="020B0503020204020204" pitchFamily="34" charset="-122"/>
               </a:rPr>
-              <a:t>O</a:t>
-            </a:r>
-            <a:r>
-              <a:rPr lang="en-US" altLang="zh-CN" b="1" dirty="0" smtClean="0">
-                <a:solidFill>
-                  <a:srgbClr val="0070C0"/>
-                </a:solidFill>
-                <a:latin typeface="微软雅黑" panose="020B0503020204020204" pitchFamily="34" charset="-122"/>
-                <a:ea typeface="微软雅黑" panose="020B0503020204020204" pitchFamily="34" charset="-122"/>
-              </a:rPr>
-              <a:t>verview</a:t>
-            </a:r>
-            <a:endParaRPr lang="en-US" b="1" dirty="0">
+              <a:t>可靠性</a:t>
+            </a:r>
+            <a:endParaRPr lang="zh-CN" altLang="en-US" b="1" dirty="0">
               <a:solidFill>
                 <a:srgbClr val="0070C0"/>
               </a:solidFill>
@@ -7100,295 +12636,274 @@
             <p:ph idx="1"/>
           </p:nvPr>
         </p:nvSpPr>
-        <p:spPr/>
+        <p:spPr>
+          <a:xfrm>
+            <a:off x="488061" y="1880489"/>
+            <a:ext cx="8167878" cy="4351338"/>
+          </a:xfrm>
+        </p:spPr>
         <p:txBody>
-          <a:bodyPr/>
+          <a:bodyPr>
+            <a:normAutofit fontScale="92500" lnSpcReduction="20000"/>
+          </a:bodyPr>
           <a:lstStyle/>
           <a:p>
             <a:r>
-              <a:rPr lang="zh-CN" altLang="en-US" b="1" dirty="0" smtClean="0">
-                <a:solidFill>
-                  <a:schemeClr val="tx1">
-                    <a:lumMod val="65000"/>
-                    <a:lumOff val="35000"/>
-                  </a:schemeClr>
-                </a:solidFill>
-                <a:latin typeface="微软雅黑" panose="020B0503020204020204" pitchFamily="34" charset="-122"/>
-                <a:ea typeface="微软雅黑" panose="020B0503020204020204" pitchFamily="34" charset="-122"/>
+              <a:rPr kumimoji="1" lang="zh-CN" altLang="en-US" dirty="0" smtClean="0">
+                <a:solidFill>
+                  <a:srgbClr val="0070C0"/>
+                </a:solidFill>
               </a:rPr>
-              <a:t>数据库改进</a:t>
-            </a:r>
-            <a:endParaRPr lang="en-US" b="1" dirty="0" smtClean="0">
-              <a:solidFill>
-                <a:schemeClr val="tx1">
-                  <a:lumMod val="65000"/>
-                  <a:lumOff val="35000"/>
-                </a:schemeClr>
-              </a:solidFill>
-              <a:latin typeface="微软雅黑" panose="020B0503020204020204" pitchFamily="34" charset="-122"/>
-              <a:ea typeface="微软雅黑" panose="020B0503020204020204" pitchFamily="34" charset="-122"/>
-            </a:endParaRPr>
+              <a:t>可</a:t>
+            </a:r>
+            <a:r>
+              <a:rPr kumimoji="1" lang="zh-CN" altLang="en-US" dirty="0">
+                <a:solidFill>
+                  <a:srgbClr val="0070C0"/>
+                </a:solidFill>
+              </a:rPr>
+              <a:t>用时间</a:t>
+            </a:r>
+            <a:r>
+              <a:rPr kumimoji="1" lang="zh-CN" altLang="en-US" dirty="0" smtClean="0">
+                <a:solidFill>
+                  <a:srgbClr val="0070C0"/>
+                </a:solidFill>
+              </a:rPr>
+              <a:t>百分比</a:t>
+            </a:r>
+            <a:r>
+              <a:rPr kumimoji="1" lang="en-US" altLang="zh-CN" dirty="0" smtClean="0"/>
+              <a:t>&gt;=</a:t>
+            </a:r>
+            <a:r>
+              <a:rPr kumimoji="1" lang="en-US" altLang="zh-CN" dirty="0"/>
+              <a:t>99%</a:t>
+            </a:r>
           </a:p>
           <a:p>
             <a:pPr lvl="1"/>
             <a:r>
-              <a:rPr lang="zh-CN" altLang="en-US" b="1" dirty="0" smtClean="0">
-                <a:solidFill>
-                  <a:schemeClr val="tx1">
-                    <a:lumMod val="65000"/>
-                    <a:lumOff val="35000"/>
-                  </a:schemeClr>
-                </a:solidFill>
-                <a:latin typeface="微软雅黑" panose="020B0503020204020204" pitchFamily="34" charset="-122"/>
-                <a:ea typeface="微软雅黑" panose="020B0503020204020204" pitchFamily="34" charset="-122"/>
+              <a:rPr kumimoji="1" lang="zh-CN" altLang="en-US" dirty="0" smtClean="0"/>
+              <a:t>降级</a:t>
+            </a:r>
+            <a:r>
+              <a:rPr kumimoji="1" lang="zh-CN" altLang="en-US" dirty="0"/>
+              <a:t>模式（只允许浏览和填写，不允许发布和</a:t>
+            </a:r>
+            <a:r>
+              <a:rPr kumimoji="1" lang="zh-CN" altLang="en-US" dirty="0" smtClean="0"/>
+              <a:t>统计）</a:t>
+            </a:r>
+            <a:r>
+              <a:rPr kumimoji="1" lang="en-US" altLang="zh-CN" dirty="0" smtClean="0"/>
+              <a:t>&gt;=</a:t>
+            </a:r>
+            <a:r>
+              <a:rPr kumimoji="1" lang="en-US" altLang="zh-CN" dirty="0"/>
+              <a:t>99.9%</a:t>
+            </a:r>
+          </a:p>
+          <a:p>
+            <a:r>
+              <a:rPr kumimoji="1" lang="zh-CN" altLang="en-US" dirty="0">
+                <a:solidFill>
+                  <a:srgbClr val="0070C0"/>
+                </a:solidFill>
               </a:rPr>
-              <a:t>数据库模式调整</a:t>
-            </a:r>
-            <a:endParaRPr lang="en-US" altLang="zh-CN" b="1" dirty="0" smtClean="0">
-              <a:solidFill>
-                <a:schemeClr val="tx1">
-                  <a:lumMod val="65000"/>
-                  <a:lumOff val="35000"/>
-                </a:schemeClr>
-              </a:solidFill>
-              <a:latin typeface="微软雅黑" panose="020B0503020204020204" pitchFamily="34" charset="-122"/>
-              <a:ea typeface="微软雅黑" panose="020B0503020204020204" pitchFamily="34" charset="-122"/>
-            </a:endParaRPr>
-          </a:p>
-          <a:p>
-            <a:pPr lvl="1"/>
-            <a:r>
-              <a:rPr lang="zh-CN" altLang="en-US" b="1" dirty="0" smtClean="0">
-                <a:solidFill>
-                  <a:schemeClr val="tx1">
-                    <a:lumMod val="65000"/>
-                    <a:lumOff val="35000"/>
-                  </a:schemeClr>
-                </a:solidFill>
-                <a:latin typeface="微软雅黑" panose="020B0503020204020204" pitchFamily="34" charset="-122"/>
-                <a:ea typeface="微软雅黑" panose="020B0503020204020204" pitchFamily="34" charset="-122"/>
+              <a:t>平均故障</a:t>
+            </a:r>
+            <a:r>
+              <a:rPr kumimoji="1" lang="zh-CN" altLang="en-US" dirty="0" smtClean="0">
+                <a:solidFill>
+                  <a:srgbClr val="0070C0"/>
+                </a:solidFill>
               </a:rPr>
-              <a:t>数据冗余情况及范式分析</a:t>
-            </a:r>
-            <a:endParaRPr lang="en-US" altLang="zh-CN" b="1" dirty="0" smtClean="0">
-              <a:solidFill>
-                <a:schemeClr val="tx1">
-                  <a:lumMod val="65000"/>
-                  <a:lumOff val="35000"/>
-                </a:schemeClr>
-              </a:solidFill>
-              <a:latin typeface="微软雅黑" panose="020B0503020204020204" pitchFamily="34" charset="-122"/>
-              <a:ea typeface="微软雅黑" panose="020B0503020204020204" pitchFamily="34" charset="-122"/>
-            </a:endParaRPr>
-          </a:p>
-          <a:p>
-            <a:pPr marL="457200" lvl="1" indent="0">
+              <a:t>间隔</a:t>
+            </a:r>
+            <a:r>
+              <a:rPr kumimoji="1" lang="en-US" altLang="zh-CN" dirty="0" smtClean="0"/>
+              <a:t>&gt;=</a:t>
+            </a:r>
+            <a:r>
+              <a:rPr kumimoji="1" lang="en-US" altLang="zh-CN" dirty="0"/>
+              <a:t>2</a:t>
+            </a:r>
+            <a:r>
+              <a:rPr kumimoji="1" lang="zh-CN" altLang="en-US" dirty="0"/>
+              <a:t>天</a:t>
+            </a:r>
+          </a:p>
+          <a:p>
+            <a:r>
+              <a:rPr kumimoji="1" lang="zh-CN" altLang="en-US" dirty="0">
+                <a:solidFill>
+                  <a:srgbClr val="0070C0"/>
+                </a:solidFill>
+              </a:rPr>
+              <a:t>平均修复</a:t>
+            </a:r>
+            <a:r>
+              <a:rPr kumimoji="1" lang="zh-CN" altLang="en-US" dirty="0" smtClean="0">
+                <a:solidFill>
+                  <a:srgbClr val="0070C0"/>
+                </a:solidFill>
+              </a:rPr>
+              <a:t>时间</a:t>
+            </a:r>
+            <a:r>
+              <a:rPr kumimoji="1" lang="en-US" altLang="zh-CN" dirty="0" smtClean="0"/>
+              <a:t>&lt;=</a:t>
+            </a:r>
+            <a:r>
+              <a:rPr kumimoji="1" lang="en-US" altLang="zh-CN" dirty="0"/>
+              <a:t>1</a:t>
+            </a:r>
+            <a:r>
+              <a:rPr kumimoji="1" lang="zh-CN" altLang="en-US" dirty="0"/>
+              <a:t>小时</a:t>
+            </a:r>
+          </a:p>
+          <a:p>
+            <a:r>
+              <a:rPr kumimoji="1" lang="zh-CN" altLang="en-US" dirty="0" smtClean="0">
+                <a:solidFill>
+                  <a:srgbClr val="0070C0"/>
+                </a:solidFill>
+              </a:rPr>
+              <a:t>最高</a:t>
+            </a:r>
+            <a:r>
+              <a:rPr kumimoji="1" lang="zh-CN" altLang="en-US" dirty="0">
+                <a:solidFill>
+                  <a:srgbClr val="0070C0"/>
+                </a:solidFill>
+              </a:rPr>
+              <a:t>错误或</a:t>
+            </a:r>
+            <a:r>
+              <a:rPr kumimoji="1" lang="zh-CN" altLang="en-US" dirty="0" smtClean="0">
+                <a:solidFill>
+                  <a:srgbClr val="0070C0"/>
+                </a:solidFill>
+              </a:rPr>
+              <a:t>缺陷率</a:t>
+            </a:r>
+            <a:r>
+              <a:rPr kumimoji="1" lang="en-US" altLang="zh-CN" dirty="0" smtClean="0"/>
+              <a:t>&lt;= </a:t>
+            </a:r>
+            <a:r>
+              <a:rPr kumimoji="1" lang="en-US" altLang="zh-CN" dirty="0"/>
+              <a:t>2 bugs/KLOC</a:t>
+            </a:r>
+          </a:p>
+          <a:p>
+            <a:r>
+              <a:rPr kumimoji="1" lang="zh-CN" altLang="en-US" dirty="0">
+                <a:solidFill>
+                  <a:srgbClr val="0070C0"/>
+                </a:solidFill>
+              </a:rPr>
+              <a:t>错误或缺陷率</a:t>
+            </a:r>
+          </a:p>
+          <a:p>
+            <a:pPr marL="0" indent="0">
               <a:buNone/>
             </a:pPr>
-            <a:endParaRPr lang="en-US" altLang="zh-CN" b="1" dirty="0" smtClean="0">
-              <a:solidFill>
-                <a:schemeClr val="tx1">
-                  <a:lumMod val="65000"/>
-                  <a:lumOff val="35000"/>
-                </a:schemeClr>
-              </a:solidFill>
-              <a:latin typeface="微软雅黑" panose="020B0503020204020204" pitchFamily="34" charset="-122"/>
-              <a:ea typeface="微软雅黑" panose="020B0503020204020204" pitchFamily="34" charset="-122"/>
-            </a:endParaRPr>
-          </a:p>
-          <a:p>
-            <a:pPr marL="457200" lvl="1" indent="0">
+            <a:r>
+              <a:rPr kumimoji="1" lang="zh-CN" altLang="en-US" dirty="0"/>
+              <a:t>（</a:t>
+            </a:r>
+            <a:r>
+              <a:rPr kumimoji="1" lang="en-US" altLang="zh-CN" dirty="0"/>
+              <a:t>1</a:t>
+            </a:r>
+            <a:r>
+              <a:rPr kumimoji="1" lang="zh-CN" altLang="en-US" dirty="0"/>
+              <a:t>）极其严重（数据完全丢失）：</a:t>
+            </a:r>
+            <a:r>
+              <a:rPr kumimoji="1" lang="en-US" altLang="zh-CN" dirty="0"/>
+              <a:t>0%</a:t>
+            </a:r>
+          </a:p>
+          <a:p>
+            <a:pPr marL="0" indent="0">
               <a:buNone/>
             </a:pPr>
-            <a:endParaRPr lang="en-US" altLang="zh-CN" b="1" dirty="0">
-              <a:solidFill>
-                <a:schemeClr val="tx1">
-                  <a:lumMod val="65000"/>
-                  <a:lumOff val="35000"/>
-                </a:schemeClr>
-              </a:solidFill>
-              <a:latin typeface="微软雅黑" panose="020B0503020204020204" pitchFamily="34" charset="-122"/>
-              <a:ea typeface="微软雅黑" panose="020B0503020204020204" pitchFamily="34" charset="-122"/>
-            </a:endParaRPr>
-          </a:p>
-          <a:p>
-            <a:r>
-              <a:rPr lang="zh-CN" altLang="en-US" b="1" dirty="0" smtClean="0">
-                <a:solidFill>
-                  <a:schemeClr val="tx1">
-                    <a:lumMod val="65000"/>
-                    <a:lumOff val="35000"/>
-                  </a:schemeClr>
-                </a:solidFill>
-                <a:latin typeface="微软雅黑" panose="020B0503020204020204" pitchFamily="34" charset="-122"/>
-                <a:ea typeface="微软雅黑" panose="020B0503020204020204" pitchFamily="34" charset="-122"/>
-              </a:rPr>
-              <a:t>查询性能优化</a:t>
-            </a:r>
-            <a:endParaRPr lang="en-US" altLang="zh-CN" b="1" dirty="0" smtClean="0">
-              <a:solidFill>
-                <a:schemeClr val="tx1">
-                  <a:lumMod val="65000"/>
-                  <a:lumOff val="35000"/>
-                </a:schemeClr>
-              </a:solidFill>
-              <a:latin typeface="微软雅黑" panose="020B0503020204020204" pitchFamily="34" charset="-122"/>
-              <a:ea typeface="微软雅黑" panose="020B0503020204020204" pitchFamily="34" charset="-122"/>
-            </a:endParaRPr>
-          </a:p>
-          <a:p>
-            <a:pPr lvl="1"/>
-            <a:r>
-              <a:rPr lang="zh-CN" altLang="en-US" b="1" dirty="0" smtClean="0">
-                <a:solidFill>
-                  <a:schemeClr val="tx1">
-                    <a:lumMod val="65000"/>
-                    <a:lumOff val="35000"/>
-                  </a:schemeClr>
-                </a:solidFill>
-                <a:latin typeface="微软雅黑" panose="020B0503020204020204" pitchFamily="34" charset="-122"/>
-                <a:ea typeface="微软雅黑" panose="020B0503020204020204" pitchFamily="34" charset="-122"/>
-              </a:rPr>
-              <a:t>建立索引</a:t>
-            </a:r>
-            <a:endParaRPr lang="en-US" altLang="zh-CN" b="1" dirty="0" smtClean="0">
-              <a:solidFill>
-                <a:schemeClr val="tx1">
-                  <a:lumMod val="65000"/>
-                  <a:lumOff val="35000"/>
-                </a:schemeClr>
-              </a:solidFill>
-              <a:latin typeface="微软雅黑" panose="020B0503020204020204" pitchFamily="34" charset="-122"/>
-              <a:ea typeface="微软雅黑" panose="020B0503020204020204" pitchFamily="34" charset="-122"/>
-            </a:endParaRPr>
-          </a:p>
-          <a:p>
-            <a:pPr lvl="1"/>
-            <a:r>
-              <a:rPr lang="zh-CN" altLang="en-US" b="1" dirty="0" smtClean="0">
-                <a:solidFill>
-                  <a:schemeClr val="tx1">
-                    <a:lumMod val="65000"/>
-                    <a:lumOff val="35000"/>
-                  </a:schemeClr>
-                </a:solidFill>
-                <a:latin typeface="微软雅黑" panose="020B0503020204020204" pitchFamily="34" charset="-122"/>
-                <a:ea typeface="微软雅黑" panose="020B0503020204020204" pitchFamily="34" charset="-122"/>
-              </a:rPr>
-              <a:t>查询方案及查询代价分析</a:t>
-            </a:r>
-            <a:endParaRPr lang="en-US" altLang="zh-CN" b="1" dirty="0">
-              <a:solidFill>
-                <a:schemeClr val="tx1">
-                  <a:lumMod val="65000"/>
-                  <a:lumOff val="35000"/>
-                </a:schemeClr>
-              </a:solidFill>
-              <a:latin typeface="微软雅黑" panose="020B0503020204020204" pitchFamily="34" charset="-122"/>
-              <a:ea typeface="微软雅黑" panose="020B0503020204020204" pitchFamily="34" charset="-122"/>
-            </a:endParaRPr>
-          </a:p>
-          <a:p>
-            <a:pPr lvl="1"/>
-            <a:r>
-              <a:rPr lang="zh-CN" altLang="en-US" b="1" dirty="0">
-                <a:solidFill>
-                  <a:schemeClr val="tx1">
-                    <a:lumMod val="65000"/>
-                    <a:lumOff val="35000"/>
-                  </a:schemeClr>
-                </a:solidFill>
-                <a:latin typeface="微软雅黑" panose="020B0503020204020204" pitchFamily="34" charset="-122"/>
-                <a:ea typeface="微软雅黑" panose="020B0503020204020204" pitchFamily="34" charset="-122"/>
-              </a:rPr>
-              <a:t>事务</a:t>
-            </a:r>
-            <a:r>
-              <a:rPr lang="zh-CN" altLang="en-US" b="1" dirty="0" smtClean="0">
-                <a:solidFill>
-                  <a:schemeClr val="tx1">
-                    <a:lumMod val="65000"/>
-                    <a:lumOff val="35000"/>
-                  </a:schemeClr>
-                </a:solidFill>
-                <a:latin typeface="微软雅黑" panose="020B0503020204020204" pitchFamily="34" charset="-122"/>
-                <a:ea typeface="微软雅黑" panose="020B0503020204020204" pitchFamily="34" charset="-122"/>
-              </a:rPr>
-              <a:t>管理及隔离级别设置</a:t>
-            </a:r>
-            <a:endParaRPr lang="en-US" altLang="zh-CN" b="1" dirty="0" smtClean="0">
-              <a:solidFill>
-                <a:schemeClr val="tx1">
-                  <a:lumMod val="65000"/>
-                  <a:lumOff val="35000"/>
-                </a:schemeClr>
-              </a:solidFill>
-              <a:latin typeface="微软雅黑" panose="020B0503020204020204" pitchFamily="34" charset="-122"/>
-              <a:ea typeface="微软雅黑" panose="020B0503020204020204" pitchFamily="34" charset="-122"/>
-            </a:endParaRPr>
-          </a:p>
-          <a:p>
-            <a:pPr lvl="1"/>
-            <a:r>
-              <a:rPr lang="zh-CN" altLang="en-US" b="1" dirty="0" smtClean="0">
-                <a:solidFill>
-                  <a:schemeClr val="tx1">
-                    <a:lumMod val="65000"/>
-                    <a:lumOff val="35000"/>
-                  </a:schemeClr>
-                </a:solidFill>
-                <a:latin typeface="微软雅黑" panose="020B0503020204020204" pitchFamily="34" charset="-122"/>
-                <a:ea typeface="微软雅黑" panose="020B0503020204020204" pitchFamily="34" charset="-122"/>
-              </a:rPr>
-              <a:t>数据库系统参数设置</a:t>
-            </a:r>
-            <a:endParaRPr lang="en-US" altLang="zh-CN" b="1" dirty="0" smtClean="0">
-              <a:solidFill>
-                <a:schemeClr val="tx1">
-                  <a:lumMod val="65000"/>
-                  <a:lumOff val="35000"/>
-                </a:schemeClr>
-              </a:solidFill>
-              <a:latin typeface="微软雅黑" panose="020B0503020204020204" pitchFamily="34" charset="-122"/>
-              <a:ea typeface="微软雅黑" panose="020B0503020204020204" pitchFamily="34" charset="-122"/>
-            </a:endParaRPr>
-          </a:p>
-          <a:p>
-            <a:endParaRPr lang="en-US" altLang="zh-CN" b="1" dirty="0" smtClean="0">
-              <a:solidFill>
-                <a:schemeClr val="tx1">
-                  <a:lumMod val="65000"/>
-                  <a:lumOff val="35000"/>
-                </a:schemeClr>
-              </a:solidFill>
-              <a:latin typeface="微软雅黑" panose="020B0503020204020204" pitchFamily="34" charset="-122"/>
-              <a:ea typeface="微软雅黑" panose="020B0503020204020204" pitchFamily="34" charset="-122"/>
-            </a:endParaRPr>
-          </a:p>
-          <a:p>
-            <a:endParaRPr lang="en-US" altLang="zh-CN" b="1" dirty="0" smtClean="0">
-              <a:solidFill>
-                <a:schemeClr val="tx1">
-                  <a:lumMod val="65000"/>
-                  <a:lumOff val="35000"/>
-                </a:schemeClr>
-              </a:solidFill>
-              <a:latin typeface="微软雅黑" panose="020B0503020204020204" pitchFamily="34" charset="-122"/>
-              <a:ea typeface="微软雅黑" panose="020B0503020204020204" pitchFamily="34" charset="-122"/>
-            </a:endParaRPr>
-          </a:p>
-          <a:p>
-            <a:endParaRPr lang="en-US" b="1" dirty="0">
-              <a:latin typeface="微软雅黑" panose="020B0503020204020204" pitchFamily="34" charset="-122"/>
-              <a:ea typeface="微软雅黑" panose="020B0503020204020204" pitchFamily="34" charset="-122"/>
-            </a:endParaRPr>
+            <a:r>
+              <a:rPr kumimoji="1" lang="zh-CN" altLang="en-US" dirty="0"/>
+              <a:t>（</a:t>
+            </a:r>
+            <a:r>
+              <a:rPr kumimoji="1" lang="en-US" altLang="zh-CN" dirty="0"/>
+              <a:t>2</a:t>
+            </a:r>
+            <a:r>
+              <a:rPr kumimoji="1" lang="zh-CN" altLang="en-US" dirty="0"/>
+              <a:t>）严重（所有服务无法访问）：</a:t>
+            </a:r>
+            <a:r>
+              <a:rPr kumimoji="1" lang="en-US" altLang="zh-CN" dirty="0"/>
+              <a:t>1%</a:t>
+            </a:r>
+          </a:p>
+          <a:p>
+            <a:pPr marL="0" indent="0">
+              <a:buNone/>
+            </a:pPr>
+            <a:r>
+              <a:rPr kumimoji="1" lang="zh-CN" altLang="en-US" dirty="0"/>
+              <a:t>（</a:t>
+            </a:r>
+            <a:r>
+              <a:rPr kumimoji="1" lang="en-US" altLang="zh-CN" dirty="0"/>
+              <a:t>3</a:t>
+            </a:r>
+            <a:r>
+              <a:rPr kumimoji="1" lang="zh-CN" altLang="en-US" dirty="0"/>
+              <a:t>）一般故障（统计等功能暂时无法访问）：</a:t>
+            </a:r>
+            <a:r>
+              <a:rPr kumimoji="1" lang="en-US" altLang="zh-CN" dirty="0"/>
+              <a:t>3%</a:t>
+            </a:r>
+          </a:p>
+          <a:p>
+            <a:pPr marL="0" indent="0">
+              <a:buNone/>
+            </a:pPr>
+            <a:r>
+              <a:rPr kumimoji="1" lang="zh-CN" altLang="en-US" dirty="0"/>
+              <a:t>（</a:t>
+            </a:r>
+            <a:r>
+              <a:rPr kumimoji="1" lang="en-US" altLang="zh-CN" dirty="0"/>
+              <a:t>4</a:t>
+            </a:r>
+            <a:r>
+              <a:rPr kumimoji="1" lang="zh-CN" altLang="en-US" dirty="0"/>
+              <a:t>）警告（服务相应比预定值缓慢）：</a:t>
+            </a:r>
+            <a:r>
+              <a:rPr kumimoji="1" lang="en-US" altLang="zh-CN" dirty="0"/>
+              <a:t>7%</a:t>
+            </a:r>
+          </a:p>
+          <a:p>
+            <a:pPr marL="0" indent="0">
+              <a:buNone/>
+            </a:pPr>
+            <a:endParaRPr kumimoji="1" lang="zh-CN" altLang="en-US" dirty="0"/>
           </a:p>
         </p:txBody>
       </p:sp>
     </p:spTree>
     <p:extLst>
       <p:ext uri="{BB962C8B-B14F-4D97-AF65-F5344CB8AC3E}">
-        <p14:creationId xmlns:p14="http://schemas.microsoft.com/office/powerpoint/2010/main" val="2646396090"/>
+        <p14:creationId xmlns:p14="http://schemas.microsoft.com/office/powerpoint/2010/main" val="1747159997"/>
       </p:ext>
     </p:extLst>
   </p:cSld>
@@ -7432,38 +12947,28 @@
             <p:ph type="title"/>
           </p:nvPr>
         </p:nvSpPr>
-        <p:spPr/>
+        <p:spPr>
+          <a:xfrm>
+            <a:off x="244030" y="192341"/>
+            <a:ext cx="7886700" cy="1325563"/>
+          </a:xfrm>
+        </p:spPr>
         <p:txBody>
-          <a:bodyPr/>
+          <a:bodyPr>
+            <a:normAutofit/>
+          </a:bodyPr>
           <a:lstStyle/>
           <a:p>
             <a:r>
-              <a:rPr lang="en-US" b="1" dirty="0" smtClean="0">
+              <a:rPr lang="zh-CN" altLang="en-US" b="1" dirty="0">
                 <a:solidFill>
                   <a:srgbClr val="0070C0"/>
                 </a:solidFill>
                 <a:latin typeface="微软雅黑" panose="020B0503020204020204" pitchFamily="34" charset="-122"/>
                 <a:ea typeface="微软雅黑" panose="020B0503020204020204" pitchFamily="34" charset="-122"/>
               </a:rPr>
-              <a:t>ER</a:t>
-            </a:r>
-            <a:r>
-              <a:rPr lang="zh-CN" altLang="en-US" b="1" dirty="0">
-                <a:solidFill>
-                  <a:srgbClr val="0070C0"/>
-                </a:solidFill>
-                <a:latin typeface="微软雅黑" panose="020B0503020204020204" pitchFamily="34" charset="-122"/>
-                <a:ea typeface="微软雅黑" panose="020B0503020204020204" pitchFamily="34" charset="-122"/>
-              </a:rPr>
-              <a:t>模型数据库模式调整</a:t>
-            </a:r>
-            <a:endParaRPr lang="en-US" b="1" dirty="0">
-              <a:solidFill>
-                <a:srgbClr val="0070C0"/>
-              </a:solidFill>
-              <a:latin typeface="微软雅黑" panose="020B0503020204020204" pitchFamily="34" charset="-122"/>
-              <a:ea typeface="微软雅黑" panose="020B0503020204020204" pitchFamily="34" charset="-122"/>
-            </a:endParaRPr>
+              <a:t>性能</a:t>
+            </a:r>
           </a:p>
         </p:txBody>
       </p:sp>
@@ -7477,67 +12982,299 @@
             <p:ph idx="1"/>
           </p:nvPr>
         </p:nvSpPr>
-        <p:spPr/>
+        <p:spPr>
+          <a:xfrm>
+            <a:off x="244030" y="1335024"/>
+            <a:ext cx="8655939" cy="4695635"/>
+          </a:xfrm>
+        </p:spPr>
         <p:txBody>
-          <a:bodyPr/>
+          <a:bodyPr>
+            <a:noAutofit/>
+          </a:bodyPr>
           <a:lstStyle/>
           <a:p>
-            <a:r>
-              <a:rPr lang="zh-CN" altLang="en-US" b="1" dirty="0" smtClean="0">
-                <a:solidFill>
-                  <a:schemeClr val="tx1">
-                    <a:lumMod val="65000"/>
-                    <a:lumOff val="35000"/>
-                  </a:schemeClr>
-                </a:solidFill>
-                <a:latin typeface="微软雅黑" panose="020B0503020204020204" pitchFamily="34" charset="-122"/>
-                <a:ea typeface="微软雅黑" panose="020B0503020204020204" pitchFamily="34" charset="-122"/>
+            <a:pPr>
+              <a:lnSpc>
+                <a:spcPct val="120000"/>
+              </a:lnSpc>
+            </a:pPr>
+            <a:r>
+              <a:rPr kumimoji="1" lang="zh-CN" altLang="en-US" sz="2400" dirty="0" smtClean="0">
+                <a:solidFill>
+                  <a:srgbClr val="0070C0"/>
+                </a:solidFill>
               </a:rPr>
-              <a:t>改进用户权限管理</a:t>
-            </a:r>
-            <a:endParaRPr lang="en-US" altLang="zh-CN" b="1" dirty="0" smtClean="0">
-              <a:solidFill>
-                <a:schemeClr val="tx1">
-                  <a:lumMod val="65000"/>
-                  <a:lumOff val="35000"/>
-                </a:schemeClr>
-              </a:solidFill>
-              <a:latin typeface="微软雅黑" panose="020B0503020204020204" pitchFamily="34" charset="-122"/>
-              <a:ea typeface="微软雅黑" panose="020B0503020204020204" pitchFamily="34" charset="-122"/>
-            </a:endParaRPr>
-          </a:p>
-          <a:p>
-            <a:pPr lvl="1"/>
-            <a:r>
-              <a:rPr lang="zh-CN" altLang="en-US" b="1" dirty="0" smtClean="0">
-                <a:solidFill>
-                  <a:schemeClr val="tx1">
-                    <a:lumMod val="65000"/>
-                    <a:lumOff val="35000"/>
-                  </a:schemeClr>
-                </a:solidFill>
-                <a:latin typeface="微软雅黑" panose="020B0503020204020204" pitchFamily="34" charset="-122"/>
-                <a:ea typeface="微软雅黑" panose="020B0503020204020204" pitchFamily="34" charset="-122"/>
+              <a:t>对事务的响应时间：</a:t>
+            </a:r>
+            <a:r>
+              <a:rPr kumimoji="1" lang="zh-CN" altLang="en-US" sz="2400" dirty="0" smtClean="0"/>
+              <a:t>在</a:t>
+            </a:r>
+            <a:r>
+              <a:rPr kumimoji="1" lang="zh-CN" altLang="en-US" sz="2400" dirty="0"/>
+              <a:t>不受网速约束的情况下，发布者各个操作响应时间最长为</a:t>
+            </a:r>
+            <a:r>
+              <a:rPr kumimoji="1" lang="en-US" altLang="zh-CN" sz="2400" dirty="0" smtClean="0"/>
+              <a:t>5s</a:t>
+            </a:r>
+            <a:r>
+              <a:rPr kumimoji="1" lang="zh-CN" altLang="en-US" sz="2400" dirty="0" smtClean="0"/>
+              <a:t>，</a:t>
+            </a:r>
+            <a:r>
+              <a:rPr kumimoji="1" lang="zh-CN" altLang="en-US" sz="2400" dirty="0"/>
+              <a:t>平均</a:t>
+            </a:r>
+            <a:r>
+              <a:rPr kumimoji="1" lang="en-US" altLang="zh-CN" sz="2400" dirty="0"/>
+              <a:t>1s</a:t>
+            </a:r>
+            <a:r>
+              <a:rPr kumimoji="1" lang="zh-CN" altLang="en-US" sz="2400" dirty="0"/>
+              <a:t>，填写者最长响应时间为</a:t>
+            </a:r>
+            <a:r>
+              <a:rPr kumimoji="1" lang="en-US" altLang="zh-CN" sz="2400" dirty="0"/>
+              <a:t>1s</a:t>
+            </a:r>
+            <a:r>
+              <a:rPr kumimoji="1" lang="zh-CN" altLang="en-US" sz="2400" dirty="0"/>
+              <a:t>，管理员最长响应时间为</a:t>
+            </a:r>
+            <a:r>
+              <a:rPr kumimoji="1" lang="en-US" altLang="zh-CN" sz="2400" dirty="0"/>
+              <a:t>5s</a:t>
+            </a:r>
+            <a:r>
+              <a:rPr kumimoji="1" lang="zh-CN" altLang="en-US" sz="2400" dirty="0"/>
+              <a:t>，平均</a:t>
+            </a:r>
+            <a:r>
+              <a:rPr kumimoji="1" lang="en-US" altLang="zh-CN" sz="2400" dirty="0"/>
+              <a:t>1s</a:t>
+            </a:r>
+            <a:r>
+              <a:rPr kumimoji="1" lang="zh-CN" altLang="en-US" sz="2400" dirty="0" smtClean="0"/>
+              <a:t>。</a:t>
+            </a:r>
+            <a:r>
+              <a:rPr kumimoji="1" lang="zh-CN" altLang="en-US" sz="2400" dirty="0"/>
+              <a:t> </a:t>
+            </a:r>
+          </a:p>
+          <a:p>
+            <a:pPr>
+              <a:lnSpc>
+                <a:spcPct val="120000"/>
+              </a:lnSpc>
+            </a:pPr>
+            <a:r>
+              <a:rPr kumimoji="1" lang="zh-CN" altLang="en-US" sz="2400" dirty="0" smtClean="0">
+                <a:solidFill>
+                  <a:srgbClr val="0070C0"/>
+                </a:solidFill>
               </a:rPr>
-              <a:t>可动态管理身份以及相应权限，用户可有多重身份。</a:t>
-            </a:r>
-            <a:endParaRPr lang="en-US" altLang="zh-CN" b="1" dirty="0" smtClean="0">
-              <a:solidFill>
-                <a:schemeClr val="tx1">
-                  <a:lumMod val="65000"/>
-                  <a:lumOff val="35000"/>
-                </a:schemeClr>
-              </a:solidFill>
-              <a:latin typeface="微软雅黑" panose="020B0503020204020204" pitchFamily="34" charset="-122"/>
-              <a:ea typeface="微软雅黑" panose="020B0503020204020204" pitchFamily="34" charset="-122"/>
-            </a:endParaRPr>
+              <a:t>吞吐量：</a:t>
+            </a:r>
+            <a:r>
+              <a:rPr kumimoji="1" lang="zh-CN" altLang="en-US" sz="2400" dirty="0" smtClean="0"/>
+              <a:t>系统</a:t>
+            </a:r>
+            <a:r>
+              <a:rPr kumimoji="1" lang="zh-CN" altLang="en-US" sz="2400" dirty="0"/>
+              <a:t>最多可容纳同时在线用户为</a:t>
+            </a:r>
+            <a:r>
+              <a:rPr kumimoji="1" lang="en-US" altLang="zh-CN" sz="2400" dirty="0"/>
+              <a:t>800</a:t>
+            </a:r>
+          </a:p>
+          <a:p>
+            <a:pPr>
+              <a:lnSpc>
+                <a:spcPct val="120000"/>
+              </a:lnSpc>
+            </a:pPr>
+            <a:r>
+              <a:rPr kumimoji="1" lang="zh-CN" altLang="en-US" sz="2400" dirty="0" smtClean="0">
+                <a:solidFill>
+                  <a:srgbClr val="0070C0"/>
+                </a:solidFill>
+              </a:rPr>
+              <a:t>容量：</a:t>
+            </a:r>
+            <a:r>
+              <a:rPr kumimoji="1" lang="zh-CN" altLang="en-US" sz="2400" dirty="0" smtClean="0"/>
+              <a:t>系统</a:t>
+            </a:r>
+            <a:r>
+              <a:rPr kumimoji="1" lang="zh-CN" altLang="en-US" sz="2400" dirty="0"/>
+              <a:t>最多可接受</a:t>
+            </a:r>
+            <a:r>
+              <a:rPr kumimoji="1" lang="en-US" altLang="zh-CN" sz="2400" dirty="0"/>
+              <a:t>3000</a:t>
+            </a:r>
+            <a:r>
+              <a:rPr kumimoji="1" lang="zh-CN" altLang="en-US" sz="2400" dirty="0"/>
+              <a:t>用户注册</a:t>
+            </a:r>
+            <a:r>
+              <a:rPr kumimoji="1" lang="zh-CN" altLang="en-US" sz="2400" dirty="0" smtClean="0"/>
+              <a:t>。</a:t>
+            </a:r>
+            <a:endParaRPr kumimoji="1" lang="zh-CN" altLang="en-US" sz="2400" dirty="0"/>
+          </a:p>
+          <a:p>
+            <a:pPr>
+              <a:lnSpc>
+                <a:spcPct val="120000"/>
+              </a:lnSpc>
+            </a:pPr>
+            <a:r>
+              <a:rPr kumimoji="1" lang="zh-CN" altLang="en-US" sz="2400" dirty="0" smtClean="0">
+                <a:solidFill>
+                  <a:srgbClr val="0070C0"/>
+                </a:solidFill>
+              </a:rPr>
+              <a:t>降级模式：</a:t>
+            </a:r>
+            <a:r>
+              <a:rPr kumimoji="1" lang="zh-CN" altLang="en-US" sz="2400" dirty="0" smtClean="0"/>
+              <a:t>系统降级</a:t>
+            </a:r>
+            <a:r>
+              <a:rPr kumimoji="1" lang="zh-CN" altLang="en-US" sz="2400" dirty="0"/>
+              <a:t>模式是，系统只支持问卷填写及浏览</a:t>
+            </a:r>
+          </a:p>
+          <a:p>
+            <a:pPr>
+              <a:lnSpc>
+                <a:spcPct val="120000"/>
+              </a:lnSpc>
+            </a:pPr>
+            <a:r>
+              <a:rPr kumimoji="1" lang="zh-CN" altLang="en-US" sz="2400" dirty="0" smtClean="0">
+                <a:solidFill>
+                  <a:srgbClr val="0070C0"/>
+                </a:solidFill>
+              </a:rPr>
+              <a:t>资源</a:t>
+            </a:r>
+            <a:r>
+              <a:rPr kumimoji="1" lang="zh-CN" altLang="en-US" sz="2400" dirty="0">
+                <a:solidFill>
+                  <a:srgbClr val="0070C0"/>
+                </a:solidFill>
+              </a:rPr>
+              <a:t>利用</a:t>
+            </a:r>
+            <a:r>
+              <a:rPr kumimoji="1" lang="zh-CN" altLang="en-US" sz="2400" dirty="0" smtClean="0">
+                <a:solidFill>
+                  <a:srgbClr val="0070C0"/>
+                </a:solidFill>
+              </a:rPr>
+              <a:t>情况：</a:t>
+            </a:r>
+            <a:r>
+              <a:rPr kumimoji="1" lang="zh-CN" altLang="en-US" sz="2400" dirty="0" smtClean="0"/>
+              <a:t>系统</a:t>
+            </a:r>
+            <a:r>
+              <a:rPr kumimoji="1" lang="zh-CN" altLang="en-US" sz="2400" dirty="0"/>
+              <a:t>服务器要求至少</a:t>
+            </a:r>
+            <a:r>
+              <a:rPr kumimoji="1" lang="en-US" altLang="zh-CN" sz="2400" dirty="0"/>
+              <a:t>1GB</a:t>
+            </a:r>
+            <a:r>
+              <a:rPr kumimoji="1" lang="zh-CN" altLang="en-US" sz="2400" dirty="0"/>
+              <a:t>内存、</a:t>
+            </a:r>
+            <a:r>
+              <a:rPr kumimoji="1" lang="en-US" altLang="zh-CN" sz="2400" dirty="0"/>
+              <a:t>80GB</a:t>
+            </a:r>
+            <a:r>
+              <a:rPr kumimoji="1" lang="zh-CN" altLang="en-US" sz="2400" dirty="0"/>
+              <a:t>硬盘空间并已连接</a:t>
+            </a:r>
+            <a:r>
+              <a:rPr kumimoji="1" lang="en-US" altLang="zh-CN" sz="2400" dirty="0"/>
+              <a:t>Internet</a:t>
+            </a:r>
+            <a:r>
+              <a:rPr kumimoji="1" lang="zh-CN" altLang="en-US" sz="2400" dirty="0"/>
+              <a:t>。网络连接速度应大于</a:t>
+            </a:r>
+            <a:r>
+              <a:rPr kumimoji="1" lang="en-US" altLang="zh-CN" sz="2400" dirty="0"/>
+              <a:t>1MB/s</a:t>
+            </a:r>
+            <a:r>
+              <a:rPr kumimoji="1" lang="zh-CN" altLang="en-US" sz="2400" dirty="0" smtClean="0"/>
+              <a:t>。</a:t>
+            </a:r>
+            <a:endParaRPr kumimoji="1" lang="en-US" altLang="zh-CN" sz="2400" dirty="0" smtClean="0"/>
+          </a:p>
+          <a:p>
+            <a:pPr>
+              <a:lnSpc>
+                <a:spcPct val="120000"/>
+              </a:lnSpc>
+            </a:pPr>
+            <a:r>
+              <a:rPr kumimoji="1" lang="zh-CN" altLang="en-US" sz="2400" dirty="0" smtClean="0">
+                <a:solidFill>
+                  <a:srgbClr val="0070C0"/>
+                </a:solidFill>
+              </a:rPr>
+              <a:t>客户</a:t>
+            </a:r>
+            <a:r>
+              <a:rPr kumimoji="1" lang="zh-CN" altLang="en-US" sz="2400" dirty="0">
+                <a:solidFill>
+                  <a:srgbClr val="0070C0"/>
+                </a:solidFill>
+              </a:rPr>
+              <a:t>机端要求客户端：</a:t>
+            </a:r>
+            <a:r>
+              <a:rPr kumimoji="1" lang="en-US" altLang="zh-CN" sz="2400" dirty="0"/>
+              <a:t>64 MB SDRAM</a:t>
+            </a:r>
+            <a:r>
+              <a:rPr kumimoji="1" lang="zh-CN" altLang="en-US" sz="2400" dirty="0"/>
+              <a:t>和</a:t>
+            </a:r>
+            <a:r>
+              <a:rPr kumimoji="1" lang="en-US" altLang="zh-CN" sz="2400" dirty="0"/>
+              <a:t>200MB</a:t>
+            </a:r>
+            <a:r>
+              <a:rPr kumimoji="1" lang="zh-CN" altLang="en-US" sz="2400" dirty="0"/>
+              <a:t>硬盘空间并支持</a:t>
+            </a:r>
+            <a:r>
+              <a:rPr kumimoji="1" lang="en-US" altLang="zh-CN" sz="2400" dirty="0"/>
+              <a:t>Internet</a:t>
+            </a:r>
+            <a:r>
+              <a:rPr kumimoji="1" lang="zh-CN" altLang="en-US" sz="2400" dirty="0"/>
+              <a:t>网络连接。 </a:t>
+            </a:r>
           </a:p>
         </p:txBody>
       </p:sp>
     </p:spTree>
     <p:extLst>
       <p:ext uri="{BB962C8B-B14F-4D97-AF65-F5344CB8AC3E}">
-        <p14:creationId xmlns:p14="http://schemas.microsoft.com/office/powerpoint/2010/main" val="1573352767"/>
+        <p14:creationId xmlns:p14="http://schemas.microsoft.com/office/powerpoint/2010/main" val="1671161667"/>
       </p:ext>
     </p:extLst>
   </p:cSld>
@@ -7583,20 +13320,22 @@
         </p:nvSpPr>
         <p:spPr/>
         <p:txBody>
-          <a:bodyPr/>
+          <a:bodyPr>
+            <a:normAutofit/>
+          </a:bodyPr>
           <a:lstStyle/>
           <a:p>
             <a:r>
-              <a:rPr lang="zh-CN" altLang="en-US" b="1" dirty="0">
+              <a:rPr lang="zh-CN" altLang="en-US" b="1" dirty="0" smtClean="0">
                 <a:solidFill>
                   <a:srgbClr val="0070C0"/>
                 </a:solidFill>
                 <a:latin typeface="微软雅黑" panose="020B0503020204020204" pitchFamily="34" charset="-122"/>
                 <a:ea typeface="微软雅黑" panose="020B0503020204020204" pitchFamily="34" charset="-122"/>
               </a:rPr>
-              <a:t>数据库模式调整</a:t>
-            </a:r>
-            <a:endParaRPr lang="en-US" b="1" dirty="0">
+              <a:t>易用性</a:t>
+            </a:r>
+            <a:endParaRPr lang="zh-CN" altLang="en-US" b="1" dirty="0">
               <a:solidFill>
                 <a:srgbClr val="0070C0"/>
               </a:solidFill>
@@ -7616,392 +13355,66 @@
             <p:ph idx="1"/>
           </p:nvPr>
         </p:nvSpPr>
-        <p:spPr/>
+        <p:spPr>
+          <a:xfrm>
+            <a:off x="488061" y="1880489"/>
+            <a:ext cx="8167878" cy="4351338"/>
+          </a:xfrm>
+        </p:spPr>
         <p:txBody>
-          <a:bodyPr/>
+          <a:bodyPr>
+            <a:normAutofit/>
+          </a:bodyPr>
           <a:lstStyle/>
           <a:p>
             <a:r>
-              <a:rPr lang="zh-CN" altLang="en-US" b="1" dirty="0" smtClean="0">
-                <a:solidFill>
-                  <a:schemeClr val="tx1">
-                    <a:lumMod val="65000"/>
-                    <a:lumOff val="35000"/>
-                  </a:schemeClr>
-                </a:solidFill>
-                <a:latin typeface="微软雅黑" panose="020B0503020204020204" pitchFamily="34" charset="-122"/>
-                <a:ea typeface="微软雅黑" panose="020B0503020204020204" pitchFamily="34" charset="-122"/>
-              </a:rPr>
-              <a:t>将</a:t>
-            </a:r>
-            <a:r>
-              <a:rPr lang="en-US" altLang="zh-CN" b="1" dirty="0">
-                <a:solidFill>
-                  <a:schemeClr val="tx1">
-                    <a:lumMod val="65000"/>
-                    <a:lumOff val="35000"/>
-                  </a:schemeClr>
-                </a:solidFill>
-                <a:latin typeface="微软雅黑" panose="020B0503020204020204" pitchFamily="34" charset="-122"/>
-                <a:ea typeface="微软雅黑" panose="020B0503020204020204" pitchFamily="34" charset="-122"/>
-              </a:rPr>
-              <a:t>C</a:t>
-            </a:r>
-            <a:r>
-              <a:rPr lang="en-US" altLang="zh-CN" b="1" dirty="0" smtClean="0">
-                <a:solidFill>
-                  <a:schemeClr val="tx1">
-                    <a:lumMod val="65000"/>
-                    <a:lumOff val="35000"/>
-                  </a:schemeClr>
-                </a:solidFill>
-                <a:latin typeface="微软雅黑" panose="020B0503020204020204" pitchFamily="34" charset="-122"/>
-                <a:ea typeface="微软雅黑" panose="020B0503020204020204" pitchFamily="34" charset="-122"/>
-              </a:rPr>
-              <a:t>hapter</a:t>
-            </a:r>
-            <a:r>
-              <a:rPr lang="zh-CN" altLang="en-US" b="1" dirty="0" smtClean="0">
-                <a:solidFill>
-                  <a:schemeClr val="tx1">
-                    <a:lumMod val="65000"/>
-                    <a:lumOff val="35000"/>
-                  </a:schemeClr>
-                </a:solidFill>
-                <a:latin typeface="微软雅黑" panose="020B0503020204020204" pitchFamily="34" charset="-122"/>
-                <a:ea typeface="微软雅黑" panose="020B0503020204020204" pitchFamily="34" charset="-122"/>
-              </a:rPr>
-              <a:t>、</a:t>
-            </a:r>
-            <a:r>
-              <a:rPr lang="en-US" altLang="zh-CN" b="1" dirty="0" smtClean="0">
-                <a:solidFill>
-                  <a:schemeClr val="tx1">
-                    <a:lumMod val="65000"/>
-                    <a:lumOff val="35000"/>
-                  </a:schemeClr>
-                </a:solidFill>
-                <a:latin typeface="微软雅黑" panose="020B0503020204020204" pitchFamily="34" charset="-122"/>
-                <a:ea typeface="微软雅黑" panose="020B0503020204020204" pitchFamily="34" charset="-122"/>
-              </a:rPr>
-              <a:t>Section</a:t>
-            </a:r>
-            <a:r>
-              <a:rPr lang="zh-CN" altLang="en-US" b="1" dirty="0" smtClean="0">
-                <a:solidFill>
-                  <a:schemeClr val="tx1">
-                    <a:lumMod val="65000"/>
-                    <a:lumOff val="35000"/>
-                  </a:schemeClr>
-                </a:solidFill>
-                <a:latin typeface="微软雅黑" panose="020B0503020204020204" pitchFamily="34" charset="-122"/>
-                <a:ea typeface="微软雅黑" panose="020B0503020204020204" pitchFamily="34" charset="-122"/>
-              </a:rPr>
-              <a:t>改为弱实体集</a:t>
-            </a:r>
-            <a:endParaRPr lang="en-US" altLang="zh-CN" b="1" dirty="0" smtClean="0">
-              <a:solidFill>
-                <a:schemeClr val="tx1">
-                  <a:lumMod val="65000"/>
-                  <a:lumOff val="35000"/>
-                </a:schemeClr>
-              </a:solidFill>
-              <a:latin typeface="微软雅黑" panose="020B0503020204020204" pitchFamily="34" charset="-122"/>
-              <a:ea typeface="微软雅黑" panose="020B0503020204020204" pitchFamily="34" charset="-122"/>
-            </a:endParaRPr>
-          </a:p>
-          <a:p>
-            <a:pPr lvl="1"/>
-            <a:r>
-              <a:rPr lang="zh-CN" altLang="en-US" b="1" dirty="0" smtClean="0">
-                <a:solidFill>
-                  <a:schemeClr val="tx1">
-                    <a:lumMod val="65000"/>
-                    <a:lumOff val="35000"/>
-                  </a:schemeClr>
-                </a:solidFill>
-                <a:latin typeface="微软雅黑" panose="020B0503020204020204" pitchFamily="34" charset="-122"/>
-                <a:ea typeface="微软雅黑" panose="020B0503020204020204" pitchFamily="34" charset="-122"/>
-              </a:rPr>
-              <a:t>优点：</a:t>
-            </a:r>
-            <a:endParaRPr lang="en-US" altLang="zh-CN" b="1" dirty="0" smtClean="0">
-              <a:solidFill>
-                <a:schemeClr val="tx1">
-                  <a:lumMod val="65000"/>
-                  <a:lumOff val="35000"/>
-                </a:schemeClr>
-              </a:solidFill>
-              <a:latin typeface="微软雅黑" panose="020B0503020204020204" pitchFamily="34" charset="-122"/>
-              <a:ea typeface="微软雅黑" panose="020B0503020204020204" pitchFamily="34" charset="-122"/>
-            </a:endParaRPr>
-          </a:p>
-          <a:p>
-            <a:pPr lvl="2"/>
-            <a:r>
-              <a:rPr lang="zh-CN" altLang="en-US" b="1" dirty="0" smtClean="0">
-                <a:solidFill>
-                  <a:schemeClr val="tx1">
-                    <a:lumMod val="65000"/>
-                    <a:lumOff val="35000"/>
-                  </a:schemeClr>
-                </a:solidFill>
-                <a:latin typeface="微软雅黑" panose="020B0503020204020204" pitchFamily="34" charset="-122"/>
-                <a:ea typeface="微软雅黑" panose="020B0503020204020204" pitchFamily="34" charset="-122"/>
-              </a:rPr>
-              <a:t>在某些情况下查询可提速（查找哪门课的第几章第几节），减少</a:t>
-            </a:r>
-            <a:r>
-              <a:rPr lang="en-US" altLang="zh-CN" b="1" dirty="0" smtClean="0">
-                <a:solidFill>
-                  <a:schemeClr val="tx1">
-                    <a:lumMod val="65000"/>
-                    <a:lumOff val="35000"/>
-                  </a:schemeClr>
-                </a:solidFill>
-                <a:latin typeface="微软雅黑" panose="020B0503020204020204" pitchFamily="34" charset="-122"/>
-                <a:ea typeface="微软雅黑" panose="020B0503020204020204" pitchFamily="34" charset="-122"/>
-              </a:rPr>
-              <a:t>join</a:t>
-            </a:r>
-            <a:r>
-              <a:rPr lang="zh-CN" altLang="en-US" b="1" dirty="0" smtClean="0">
-                <a:solidFill>
-                  <a:schemeClr val="tx1">
-                    <a:lumMod val="65000"/>
-                    <a:lumOff val="35000"/>
-                  </a:schemeClr>
-                </a:solidFill>
-                <a:latin typeface="微软雅黑" panose="020B0503020204020204" pitchFamily="34" charset="-122"/>
-                <a:ea typeface="微软雅黑" panose="020B0503020204020204" pitchFamily="34" charset="-122"/>
-              </a:rPr>
-              <a:t>操作。</a:t>
-            </a:r>
-            <a:endParaRPr lang="en-US" altLang="zh-CN" b="1" dirty="0" smtClean="0">
-              <a:solidFill>
-                <a:schemeClr val="tx1">
-                  <a:lumMod val="65000"/>
-                  <a:lumOff val="35000"/>
-                </a:schemeClr>
-              </a:solidFill>
-              <a:latin typeface="微软雅黑" panose="020B0503020204020204" pitchFamily="34" charset="-122"/>
-              <a:ea typeface="微软雅黑" panose="020B0503020204020204" pitchFamily="34" charset="-122"/>
-            </a:endParaRPr>
-          </a:p>
-          <a:p>
-            <a:pPr lvl="2"/>
-            <a:r>
-              <a:rPr lang="zh-CN" altLang="en-US" b="1" dirty="0" smtClean="0">
-                <a:solidFill>
-                  <a:schemeClr val="tx1">
-                    <a:lumMod val="65000"/>
-                    <a:lumOff val="35000"/>
-                  </a:schemeClr>
-                </a:solidFill>
-                <a:latin typeface="微软雅黑" panose="020B0503020204020204" pitchFamily="34" charset="-122"/>
-                <a:ea typeface="微软雅黑" panose="020B0503020204020204" pitchFamily="34" charset="-122"/>
-              </a:rPr>
-              <a:t>可以利用数据库主码的约束使得章节有序（如</a:t>
-            </a:r>
-            <a:r>
-              <a:rPr lang="en-US" altLang="zh-CN" b="1" dirty="0" smtClean="0">
-                <a:solidFill>
-                  <a:schemeClr val="tx1">
-                    <a:lumMod val="65000"/>
-                    <a:lumOff val="35000"/>
-                  </a:schemeClr>
-                </a:solidFill>
-                <a:latin typeface="微软雅黑" panose="020B0503020204020204" pitchFamily="34" charset="-122"/>
-                <a:ea typeface="微软雅黑" panose="020B0503020204020204" pitchFamily="34" charset="-122"/>
-              </a:rPr>
-              <a:t>1</a:t>
-            </a:r>
-            <a:r>
-              <a:rPr lang="zh-CN" altLang="en-US" b="1" dirty="0" smtClean="0">
-                <a:solidFill>
-                  <a:schemeClr val="tx1">
-                    <a:lumMod val="65000"/>
-                    <a:lumOff val="35000"/>
-                  </a:schemeClr>
-                </a:solidFill>
-                <a:latin typeface="微软雅黑" panose="020B0503020204020204" pitchFamily="34" charset="-122"/>
-                <a:ea typeface="微软雅黑" panose="020B0503020204020204" pitchFamily="34" charset="-122"/>
-              </a:rPr>
-              <a:t>、</a:t>
-            </a:r>
-            <a:r>
-              <a:rPr lang="en-US" altLang="zh-CN" b="1" dirty="0" smtClean="0">
-                <a:solidFill>
-                  <a:schemeClr val="tx1">
-                    <a:lumMod val="65000"/>
-                    <a:lumOff val="35000"/>
-                  </a:schemeClr>
-                </a:solidFill>
-                <a:latin typeface="微软雅黑" panose="020B0503020204020204" pitchFamily="34" charset="-122"/>
-                <a:ea typeface="微软雅黑" panose="020B0503020204020204" pitchFamily="34" charset="-122"/>
-              </a:rPr>
-              <a:t>2</a:t>
-            </a:r>
-            <a:r>
-              <a:rPr lang="zh-CN" altLang="en-US" b="1" dirty="0" smtClean="0">
-                <a:solidFill>
-                  <a:schemeClr val="tx1">
-                    <a:lumMod val="65000"/>
-                    <a:lumOff val="35000"/>
-                  </a:schemeClr>
-                </a:solidFill>
-                <a:latin typeface="微软雅黑" panose="020B0503020204020204" pitchFamily="34" charset="-122"/>
-                <a:ea typeface="微软雅黑" panose="020B0503020204020204" pitchFamily="34" charset="-122"/>
-              </a:rPr>
-              <a:t>、</a:t>
-            </a:r>
-            <a:r>
-              <a:rPr lang="en-US" altLang="zh-CN" b="1" dirty="0" smtClean="0">
-                <a:solidFill>
-                  <a:schemeClr val="tx1">
-                    <a:lumMod val="65000"/>
-                    <a:lumOff val="35000"/>
-                  </a:schemeClr>
-                </a:solidFill>
-                <a:latin typeface="微软雅黑" panose="020B0503020204020204" pitchFamily="34" charset="-122"/>
-                <a:ea typeface="微软雅黑" panose="020B0503020204020204" pitchFamily="34" charset="-122"/>
-              </a:rPr>
-              <a:t>3</a:t>
-            </a:r>
-            <a:r>
-              <a:rPr lang="zh-CN" altLang="en-US" b="1" dirty="0" smtClean="0">
-                <a:solidFill>
-                  <a:schemeClr val="tx1">
-                    <a:lumMod val="65000"/>
-                    <a:lumOff val="35000"/>
-                  </a:schemeClr>
-                </a:solidFill>
-                <a:latin typeface="微软雅黑" panose="020B0503020204020204" pitchFamily="34" charset="-122"/>
-                <a:ea typeface="微软雅黑" panose="020B0503020204020204" pitchFamily="34" charset="-122"/>
-              </a:rPr>
-              <a:t>、</a:t>
-            </a:r>
-            <a:r>
-              <a:rPr lang="en-US" altLang="zh-CN" b="1" dirty="0" smtClean="0">
-                <a:solidFill>
-                  <a:schemeClr val="tx1">
-                    <a:lumMod val="65000"/>
-                    <a:lumOff val="35000"/>
-                  </a:schemeClr>
-                </a:solidFill>
-                <a:latin typeface="微软雅黑" panose="020B0503020204020204" pitchFamily="34" charset="-122"/>
-                <a:ea typeface="微软雅黑" panose="020B0503020204020204" pitchFamily="34" charset="-122"/>
-              </a:rPr>
-              <a:t>4</a:t>
-            </a:r>
-            <a:r>
-              <a:rPr lang="zh-CN" altLang="en-US" b="1" dirty="0" smtClean="0">
-                <a:solidFill>
-                  <a:schemeClr val="tx1">
-                    <a:lumMod val="65000"/>
-                    <a:lumOff val="35000"/>
-                  </a:schemeClr>
-                </a:solidFill>
-                <a:latin typeface="微软雅黑" panose="020B0503020204020204" pitchFamily="34" charset="-122"/>
-                <a:ea typeface="微软雅黑" panose="020B0503020204020204" pitchFamily="34" charset="-122"/>
-              </a:rPr>
-              <a:t>、</a:t>
-            </a:r>
-            <a:r>
-              <a:rPr lang="en-US" altLang="zh-CN" b="1" dirty="0" smtClean="0">
-                <a:solidFill>
-                  <a:schemeClr val="tx1">
-                    <a:lumMod val="65000"/>
-                    <a:lumOff val="35000"/>
-                  </a:schemeClr>
-                </a:solidFill>
-                <a:latin typeface="微软雅黑" panose="020B0503020204020204" pitchFamily="34" charset="-122"/>
-                <a:ea typeface="微软雅黑" panose="020B0503020204020204" pitchFamily="34" charset="-122"/>
-              </a:rPr>
+              <a:rPr lang="zh-CN" altLang="en-US" dirty="0"/>
+              <a:t>该系统发布的问卷应当方便所有用户填写，有基础计算机水平的用户的培训时间应该在</a:t>
+            </a:r>
+            <a:r>
+              <a:rPr lang="en-US" altLang="zh-CN" dirty="0"/>
               <a:t>5</a:t>
             </a:r>
             <a:r>
-              <a:rPr lang="zh-CN" altLang="en-US" b="1" dirty="0" smtClean="0">
-                <a:solidFill>
-                  <a:schemeClr val="tx1">
-                    <a:lumMod val="65000"/>
-                    <a:lumOff val="35000"/>
-                  </a:schemeClr>
-                </a:solidFill>
-                <a:latin typeface="微软雅黑" panose="020B0503020204020204" pitchFamily="34" charset="-122"/>
-                <a:ea typeface="微软雅黑" panose="020B0503020204020204" pitchFamily="34" charset="-122"/>
-              </a:rPr>
-              <a:t>章）</a:t>
-            </a:r>
-            <a:endParaRPr lang="en-US" altLang="zh-CN" b="1" dirty="0" smtClean="0">
-              <a:solidFill>
-                <a:schemeClr val="tx1">
-                  <a:lumMod val="65000"/>
-                  <a:lumOff val="35000"/>
-                </a:schemeClr>
-              </a:solidFill>
-              <a:latin typeface="微软雅黑" panose="020B0503020204020204" pitchFamily="34" charset="-122"/>
-              <a:ea typeface="微软雅黑" panose="020B0503020204020204" pitchFamily="34" charset="-122"/>
-            </a:endParaRPr>
-          </a:p>
-          <a:p>
-            <a:pPr lvl="1"/>
-            <a:r>
-              <a:rPr lang="zh-CN" altLang="en-US" b="1" dirty="0" smtClean="0">
-                <a:solidFill>
-                  <a:schemeClr val="tx1">
-                    <a:lumMod val="65000"/>
-                    <a:lumOff val="35000"/>
-                  </a:schemeClr>
-                </a:solidFill>
-                <a:latin typeface="微软雅黑" panose="020B0503020204020204" pitchFamily="34" charset="-122"/>
-                <a:ea typeface="微软雅黑" panose="020B0503020204020204" pitchFamily="34" charset="-122"/>
-              </a:rPr>
-              <a:t>缺点：</a:t>
-            </a:r>
-            <a:endParaRPr lang="en-US" altLang="zh-CN" b="1" dirty="0" smtClean="0">
-              <a:solidFill>
-                <a:schemeClr val="tx1">
-                  <a:lumMod val="65000"/>
-                  <a:lumOff val="35000"/>
-                </a:schemeClr>
-              </a:solidFill>
-              <a:latin typeface="微软雅黑" panose="020B0503020204020204" pitchFamily="34" charset="-122"/>
-              <a:ea typeface="微软雅黑" panose="020B0503020204020204" pitchFamily="34" charset="-122"/>
-            </a:endParaRPr>
-          </a:p>
-          <a:p>
-            <a:pPr lvl="2"/>
-            <a:r>
-              <a:rPr lang="zh-CN" altLang="en-US" b="1" dirty="0" smtClean="0">
-                <a:solidFill>
-                  <a:schemeClr val="tx1">
-                    <a:lumMod val="65000"/>
-                    <a:lumOff val="35000"/>
-                  </a:schemeClr>
-                </a:solidFill>
-                <a:latin typeface="微软雅黑" panose="020B0503020204020204" pitchFamily="34" charset="-122"/>
-                <a:ea typeface="微软雅黑" panose="020B0503020204020204" pitchFamily="34" charset="-122"/>
-              </a:rPr>
-              <a:t>增加数据“冗余”。</a:t>
-            </a:r>
-            <a:endParaRPr lang="en-US" altLang="zh-CN" b="1" dirty="0" smtClean="0">
-              <a:solidFill>
-                <a:schemeClr val="tx1">
-                  <a:lumMod val="65000"/>
-                  <a:lumOff val="35000"/>
-                </a:schemeClr>
-              </a:solidFill>
-              <a:latin typeface="微软雅黑" panose="020B0503020204020204" pitchFamily="34" charset="-122"/>
-              <a:ea typeface="微软雅黑" panose="020B0503020204020204" pitchFamily="34" charset="-122"/>
-            </a:endParaRPr>
+              <a:rPr lang="zh-CN" altLang="en-US" dirty="0"/>
+              <a:t>分钟内。</a:t>
+            </a:r>
+          </a:p>
+          <a:p>
+            <a:r>
+              <a:rPr lang="zh-CN" altLang="en-US" dirty="0"/>
+              <a:t>一个培训过的问卷发布者应该可以在</a:t>
+            </a:r>
+            <a:r>
+              <a:rPr lang="en-US" altLang="zh-CN" dirty="0"/>
+              <a:t>20</a:t>
+            </a:r>
+            <a:r>
+              <a:rPr lang="zh-CN" altLang="en-US" dirty="0"/>
+              <a:t>分钟内完成普通的</a:t>
+            </a:r>
+            <a:r>
+              <a:rPr lang="en-US" altLang="zh-CN" dirty="0"/>
+              <a:t>10</a:t>
+            </a:r>
+            <a:r>
+              <a:rPr lang="zh-CN" altLang="en-US" dirty="0"/>
+              <a:t>个左右问题的问卷的设计。</a:t>
+            </a:r>
+          </a:p>
+          <a:p>
+            <a:r>
+              <a:rPr lang="zh-CN" altLang="en-US" dirty="0"/>
+              <a:t>同时对于有基础计算机水平的问卷发布者，系统应该提供基本的教学阶段以及在线帮助，其在基础教学阶段后，能创建有简易逻辑并满足基本需求的问卷。问卷发布者在培训小时后，应当了解系统所有的常用功能，以及大部分的高级功能。</a:t>
+            </a:r>
+            <a:endParaRPr kumimoji="1" lang="zh-CN" altLang="en-US" dirty="0"/>
           </a:p>
         </p:txBody>
       </p:sp>
     </p:spTree>
     <p:extLst>
       <p:ext uri="{BB962C8B-B14F-4D97-AF65-F5344CB8AC3E}">
-        <p14:creationId xmlns:p14="http://schemas.microsoft.com/office/powerpoint/2010/main" val="1029283463"/>
+        <p14:creationId xmlns:p14="http://schemas.microsoft.com/office/powerpoint/2010/main" val="465174235"/>
       </p:ext>
     </p:extLst>
   </p:cSld>
@@ -8058,25 +13471,9 @@
                 <a:latin typeface="微软雅黑" panose="020B0503020204020204" pitchFamily="34" charset="-122"/>
                 <a:ea typeface="微软雅黑" panose="020B0503020204020204" pitchFamily="34" charset="-122"/>
               </a:rPr>
-              <a:t>数据冗余情况及范式</a:t>
-            </a:r>
-            <a:r>
-              <a:rPr lang="zh-CN" altLang="en-US" b="1" dirty="0" smtClean="0">
-                <a:solidFill>
-                  <a:srgbClr val="0070C0"/>
-                </a:solidFill>
-                <a:latin typeface="微软雅黑" panose="020B0503020204020204" pitchFamily="34" charset="-122"/>
-                <a:ea typeface="微软雅黑" panose="020B0503020204020204" pitchFamily="34" charset="-122"/>
-              </a:rPr>
-              <a:t>分析</a:t>
-            </a:r>
-            <a:endParaRPr lang="en-US" b="1" dirty="0">
-              <a:solidFill>
-                <a:srgbClr val="0070C0"/>
-              </a:solidFill>
-              <a:latin typeface="微软雅黑" panose="020B0503020204020204" pitchFamily="34" charset="-122"/>
-              <a:ea typeface="微软雅黑" panose="020B0503020204020204" pitchFamily="34" charset="-122"/>
-            </a:endParaRPr>
+              <a:t>界面</a:t>
+            </a:r>
+            <a:endParaRPr kumimoji="1" lang="zh-CN" altLang="en-US" dirty="0"/>
           </a:p>
         </p:txBody>
       </p:sp>
@@ -8087,148 +13484,125 @@
             <a:spLocks noGrp="1"/>
           </p:cNvSpPr>
           <p:nvPr>
-            <p:ph idx="1"/>
+            <p:ph sz="half" idx="1"/>
           </p:nvPr>
         </p:nvSpPr>
         <p:spPr/>
         <p:txBody>
-          <a:bodyPr/>
+          <a:bodyPr>
+            <a:normAutofit/>
+          </a:bodyPr>
           <a:lstStyle/>
           <a:p>
             <a:r>
-              <a:rPr lang="zh-CN" altLang="en-US" b="1" dirty="0" smtClean="0">
-                <a:solidFill>
-                  <a:schemeClr val="tx1">
-                    <a:lumMod val="65000"/>
-                    <a:lumOff val="35000"/>
-                  </a:schemeClr>
-                </a:solidFill>
-                <a:latin typeface="微软雅黑" panose="020B0503020204020204" pitchFamily="34" charset="-122"/>
-                <a:ea typeface="微软雅黑" panose="020B0503020204020204" pitchFamily="34" charset="-122"/>
-              </a:rPr>
-              <a:t>除</a:t>
-            </a:r>
-            <a:r>
-              <a:rPr lang="en-US" altLang="zh-CN" b="1" dirty="0" smtClean="0">
-                <a:solidFill>
-                  <a:schemeClr val="tx1">
-                    <a:lumMod val="65000"/>
-                    <a:lumOff val="35000"/>
-                  </a:schemeClr>
-                </a:solidFill>
-                <a:latin typeface="微软雅黑" panose="020B0503020204020204" pitchFamily="34" charset="-122"/>
-                <a:ea typeface="微软雅黑" panose="020B0503020204020204" pitchFamily="34" charset="-122"/>
-              </a:rPr>
-              <a:t>User</a:t>
-            </a:r>
-            <a:r>
-              <a:rPr lang="zh-CN" altLang="en-US" b="1" dirty="0" smtClean="0">
-                <a:solidFill>
-                  <a:schemeClr val="tx1">
-                    <a:lumMod val="65000"/>
-                    <a:lumOff val="35000"/>
-                  </a:schemeClr>
-                </a:solidFill>
-                <a:latin typeface="微软雅黑" panose="020B0503020204020204" pitchFamily="34" charset="-122"/>
-                <a:ea typeface="微软雅黑" panose="020B0503020204020204" pitchFamily="34" charset="-122"/>
-              </a:rPr>
-              <a:t>及其子表外，其它表均满足</a:t>
-            </a:r>
-            <a:r>
-              <a:rPr lang="en-US" altLang="zh-CN" b="1" dirty="0" smtClean="0">
-                <a:solidFill>
-                  <a:schemeClr val="tx1">
-                    <a:lumMod val="65000"/>
-                    <a:lumOff val="35000"/>
-                  </a:schemeClr>
-                </a:solidFill>
-                <a:latin typeface="微软雅黑" panose="020B0503020204020204" pitchFamily="34" charset="-122"/>
-                <a:ea typeface="微软雅黑" panose="020B0503020204020204" pitchFamily="34" charset="-122"/>
-              </a:rPr>
-              <a:t>BC</a:t>
-            </a:r>
-            <a:r>
-              <a:rPr lang="zh-CN" altLang="en-US" b="1" dirty="0" smtClean="0">
-                <a:solidFill>
-                  <a:schemeClr val="tx1">
-                    <a:lumMod val="65000"/>
-                    <a:lumOff val="35000"/>
-                  </a:schemeClr>
-                </a:solidFill>
-                <a:latin typeface="微软雅黑" panose="020B0503020204020204" pitchFamily="34" charset="-122"/>
-                <a:ea typeface="微软雅黑" panose="020B0503020204020204" pitchFamily="34" charset="-122"/>
-              </a:rPr>
-              <a:t>范式</a:t>
-            </a:r>
-            <a:endParaRPr lang="en-US" altLang="zh-CN" b="1" dirty="0" smtClean="0">
-              <a:solidFill>
-                <a:schemeClr val="tx1">
-                  <a:lumMod val="65000"/>
-                  <a:lumOff val="35000"/>
-                </a:schemeClr>
-              </a:solidFill>
-              <a:latin typeface="微软雅黑" panose="020B0503020204020204" pitchFamily="34" charset="-122"/>
-              <a:ea typeface="微软雅黑" panose="020B0503020204020204" pitchFamily="34" charset="-122"/>
-            </a:endParaRPr>
-          </a:p>
-          <a:p>
-            <a:pPr lvl="1"/>
-            <a:r>
-              <a:rPr lang="zh-CN" altLang="en-US" b="1" dirty="0" smtClean="0">
-                <a:solidFill>
-                  <a:schemeClr val="tx1">
-                    <a:lumMod val="65000"/>
-                    <a:lumOff val="35000"/>
-                  </a:schemeClr>
-                </a:solidFill>
-                <a:latin typeface="微软雅黑" panose="020B0503020204020204" pitchFamily="34" charset="-122"/>
-                <a:ea typeface="微软雅黑" panose="020B0503020204020204" pitchFamily="34" charset="-122"/>
-              </a:rPr>
-              <a:t>但由于唯一性约束的限制，</a:t>
-            </a:r>
-            <a:r>
-              <a:rPr lang="en-US" altLang="zh-CN" b="1" dirty="0" smtClean="0">
-                <a:solidFill>
-                  <a:schemeClr val="tx1">
-                    <a:lumMod val="65000"/>
-                    <a:lumOff val="35000"/>
-                  </a:schemeClr>
-                </a:solidFill>
-                <a:latin typeface="微软雅黑" panose="020B0503020204020204" pitchFamily="34" charset="-122"/>
-                <a:ea typeface="微软雅黑" panose="020B0503020204020204" pitchFamily="34" charset="-122"/>
-              </a:rPr>
-              <a:t>User</a:t>
-            </a:r>
-            <a:r>
-              <a:rPr lang="zh-CN" altLang="en-US" b="1" dirty="0" smtClean="0">
-                <a:solidFill>
-                  <a:schemeClr val="tx1">
-                    <a:lumMod val="65000"/>
-                    <a:lumOff val="35000"/>
-                  </a:schemeClr>
-                </a:solidFill>
-                <a:latin typeface="微软雅黑" panose="020B0503020204020204" pitchFamily="34" charset="-122"/>
-                <a:ea typeface="微软雅黑" panose="020B0503020204020204" pitchFamily="34" charset="-122"/>
-              </a:rPr>
-              <a:t>表中不存在数据冗余。</a:t>
-            </a:r>
-            <a:endParaRPr lang="en-US" altLang="zh-CN" b="1" dirty="0" smtClean="0">
-              <a:solidFill>
-                <a:schemeClr val="tx1">
-                  <a:lumMod val="65000"/>
-                  <a:lumOff val="35000"/>
-                </a:schemeClr>
-              </a:solidFill>
-              <a:latin typeface="微软雅黑" panose="020B0503020204020204" pitchFamily="34" charset="-122"/>
-              <a:ea typeface="微软雅黑" panose="020B0503020204020204" pitchFamily="34" charset="-122"/>
-            </a:endParaRPr>
+              <a:rPr lang="zh-CN" altLang="zh-CN" dirty="0"/>
+              <a:t>网站首页</a:t>
+            </a:r>
+          </a:p>
+          <a:p>
+            <a:r>
+              <a:rPr lang="zh-CN" altLang="zh-CN" dirty="0"/>
+              <a:t>用户及注册界面</a:t>
+            </a:r>
+          </a:p>
+          <a:p>
+            <a:r>
+              <a:rPr lang="zh-CN" altLang="zh-CN" dirty="0"/>
+              <a:t>用户个人信息管理界面</a:t>
+            </a:r>
+          </a:p>
+          <a:p>
+            <a:r>
+              <a:rPr lang="zh-CN" altLang="zh-CN" dirty="0"/>
+              <a:t>管理员管理主页</a:t>
+            </a:r>
+          </a:p>
+          <a:p>
+            <a:r>
+              <a:rPr lang="zh-CN" altLang="zh-CN" dirty="0"/>
+              <a:t>管理员备份页面</a:t>
+            </a:r>
+          </a:p>
+          <a:p>
+            <a:r>
+              <a:rPr lang="zh-CN" altLang="zh-CN" dirty="0"/>
+              <a:t>管理员</a:t>
+            </a:r>
+            <a:r>
+              <a:rPr lang="en-US" altLang="zh-CN" dirty="0"/>
+              <a:t>CRUD</a:t>
+            </a:r>
+            <a:r>
+              <a:rPr lang="zh-CN" altLang="zh-CN" dirty="0"/>
+              <a:t>界面</a:t>
+            </a:r>
+          </a:p>
+          <a:p>
+            <a:endParaRPr kumimoji="1" lang="zh-CN" altLang="en-US" dirty="0"/>
+          </a:p>
+        </p:txBody>
+      </p:sp>
+      <p:sp>
+        <p:nvSpPr>
+          <p:cNvPr id="4" name="内容占位符 3"/>
+          <p:cNvSpPr>
+            <a:spLocks noGrp="1"/>
+          </p:cNvSpPr>
+          <p:nvPr>
+            <p:ph sz="half" idx="2"/>
+          </p:nvPr>
+        </p:nvSpPr>
+        <p:spPr/>
+        <p:txBody>
+          <a:bodyPr>
+            <a:normAutofit/>
+          </a:bodyPr>
+          <a:lstStyle/>
+          <a:p>
+            <a:r>
+              <a:rPr lang="zh-CN" altLang="zh-CN" dirty="0"/>
+              <a:t>个人已发布、正在编辑问卷目录界面</a:t>
+            </a:r>
+          </a:p>
+          <a:p>
+            <a:r>
+              <a:rPr lang="zh-CN" altLang="zh-CN" dirty="0"/>
+              <a:t>问卷创建、编辑界面</a:t>
+            </a:r>
+          </a:p>
+          <a:p>
+            <a:r>
+              <a:rPr lang="zh-CN" altLang="zh-CN" dirty="0"/>
+              <a:t>问卷结果统计查看界面</a:t>
+            </a:r>
+          </a:p>
+          <a:p>
+            <a:r>
+              <a:rPr lang="zh-CN" altLang="zh-CN" dirty="0"/>
+              <a:t>问卷搜索界面</a:t>
+            </a:r>
+          </a:p>
+          <a:p>
+            <a:r>
+              <a:rPr lang="zh-CN" altLang="zh-CN" dirty="0"/>
+              <a:t>问卷分享链接</a:t>
+            </a:r>
+          </a:p>
+          <a:p>
+            <a:r>
+              <a:rPr lang="zh-CN" altLang="zh-CN" dirty="0"/>
+              <a:t>问卷填写界面</a:t>
+            </a:r>
+          </a:p>
+          <a:p>
+            <a:endParaRPr kumimoji="1" lang="zh-CN" altLang="en-US" dirty="0"/>
           </a:p>
         </p:txBody>
       </p:sp>
     </p:spTree>
     <p:extLst>
       <p:ext uri="{BB962C8B-B14F-4D97-AF65-F5344CB8AC3E}">
-        <p14:creationId xmlns:p14="http://schemas.microsoft.com/office/powerpoint/2010/main" val="4204365962"/>
+        <p14:creationId xmlns:p14="http://schemas.microsoft.com/office/powerpoint/2010/main" val="324112728"/>
       </p:ext>
     </p:extLst>
   </p:cSld>
